--- a/DLTE-MyBank-Project/MyBank Banking application.pptx
+++ b/DLTE-MyBank-Project/MyBank Banking application.pptx
@@ -8,10 +8,11 @@
     <p:sldId id="256" r:id="rId2"/>
     <p:sldId id="257" r:id="rId3"/>
     <p:sldId id="261" r:id="rId4"/>
-    <p:sldId id="258" r:id="rId5"/>
+    <p:sldId id="263" r:id="rId5"/>
     <p:sldId id="259" r:id="rId6"/>
-    <p:sldId id="260" r:id="rId7"/>
-    <p:sldId id="262" r:id="rId8"/>
+    <p:sldId id="258" r:id="rId7"/>
+    <p:sldId id="260" r:id="rId8"/>
+    <p:sldId id="262" r:id="rId9"/>
   </p:sldIdLst>
   <p:sldSz cx="12192000" cy="6858000"/>
   <p:notesSz cx="6858000" cy="9144000"/>
@@ -3084,7 +3085,7 @@
           <a:p>
             <a:fld id="{40ECFC71-2634-46FD-988A-FFE1FE582C9C}" type="datetimeFigureOut">
               <a:rPr lang="en-IN" smtClean="0"/>
-              <a:t>08-04-2024</a:t>
+              <a:t>16-04-2024</a:t>
             </a:fld>
             <a:endParaRPr lang="en-IN"/>
           </a:p>
@@ -3284,7 +3285,7 @@
           <a:p>
             <a:fld id="{40ECFC71-2634-46FD-988A-FFE1FE582C9C}" type="datetimeFigureOut">
               <a:rPr lang="en-IN" smtClean="0"/>
-              <a:t>08-04-2024</a:t>
+              <a:t>16-04-2024</a:t>
             </a:fld>
             <a:endParaRPr lang="en-IN"/>
           </a:p>
@@ -3494,7 +3495,7 @@
           <a:p>
             <a:fld id="{40ECFC71-2634-46FD-988A-FFE1FE582C9C}" type="datetimeFigureOut">
               <a:rPr lang="en-IN" smtClean="0"/>
-              <a:t>08-04-2024</a:t>
+              <a:t>16-04-2024</a:t>
             </a:fld>
             <a:endParaRPr lang="en-IN"/>
           </a:p>
@@ -3694,7 +3695,7 @@
           <a:p>
             <a:fld id="{40ECFC71-2634-46FD-988A-FFE1FE582C9C}" type="datetimeFigureOut">
               <a:rPr lang="en-IN" smtClean="0"/>
-              <a:t>08-04-2024</a:t>
+              <a:t>16-04-2024</a:t>
             </a:fld>
             <a:endParaRPr lang="en-IN"/>
           </a:p>
@@ -3970,7 +3971,7 @@
           <a:p>
             <a:fld id="{40ECFC71-2634-46FD-988A-FFE1FE582C9C}" type="datetimeFigureOut">
               <a:rPr lang="en-IN" smtClean="0"/>
-              <a:t>08-04-2024</a:t>
+              <a:t>16-04-2024</a:t>
             </a:fld>
             <a:endParaRPr lang="en-IN"/>
           </a:p>
@@ -4238,7 +4239,7 @@
           <a:p>
             <a:fld id="{40ECFC71-2634-46FD-988A-FFE1FE582C9C}" type="datetimeFigureOut">
               <a:rPr lang="en-IN" smtClean="0"/>
-              <a:t>08-04-2024</a:t>
+              <a:t>16-04-2024</a:t>
             </a:fld>
             <a:endParaRPr lang="en-IN"/>
           </a:p>
@@ -4653,7 +4654,7 @@
           <a:p>
             <a:fld id="{40ECFC71-2634-46FD-988A-FFE1FE582C9C}" type="datetimeFigureOut">
               <a:rPr lang="en-IN" smtClean="0"/>
-              <a:t>08-04-2024</a:t>
+              <a:t>16-04-2024</a:t>
             </a:fld>
             <a:endParaRPr lang="en-IN"/>
           </a:p>
@@ -4795,7 +4796,7 @@
           <a:p>
             <a:fld id="{40ECFC71-2634-46FD-988A-FFE1FE582C9C}" type="datetimeFigureOut">
               <a:rPr lang="en-IN" smtClean="0"/>
-              <a:t>08-04-2024</a:t>
+              <a:t>16-04-2024</a:t>
             </a:fld>
             <a:endParaRPr lang="en-IN"/>
           </a:p>
@@ -4908,7 +4909,7 @@
           <a:p>
             <a:fld id="{40ECFC71-2634-46FD-988A-FFE1FE582C9C}" type="datetimeFigureOut">
               <a:rPr lang="en-IN" smtClean="0"/>
-              <a:t>08-04-2024</a:t>
+              <a:t>16-04-2024</a:t>
             </a:fld>
             <a:endParaRPr lang="en-IN"/>
           </a:p>
@@ -5221,7 +5222,7 @@
           <a:p>
             <a:fld id="{40ECFC71-2634-46FD-988A-FFE1FE582C9C}" type="datetimeFigureOut">
               <a:rPr lang="en-IN" smtClean="0"/>
-              <a:t>08-04-2024</a:t>
+              <a:t>16-04-2024</a:t>
             </a:fld>
             <a:endParaRPr lang="en-IN"/>
           </a:p>
@@ -5510,7 +5511,7 @@
           <a:p>
             <a:fld id="{40ECFC71-2634-46FD-988A-FFE1FE582C9C}" type="datetimeFigureOut">
               <a:rPr lang="en-IN" smtClean="0"/>
-              <a:t>08-04-2024</a:t>
+              <a:t>16-04-2024</a:t>
             </a:fld>
             <a:endParaRPr lang="en-IN"/>
           </a:p>
@@ -5753,7 +5754,7 @@
           <a:p>
             <a:fld id="{40ECFC71-2634-46FD-988A-FFE1FE582C9C}" type="datetimeFigureOut">
               <a:rPr lang="en-IN" smtClean="0"/>
-              <a:t>08-04-2024</a:t>
+              <a:t>16-04-2024</a:t>
             </a:fld>
             <a:endParaRPr lang="en-IN"/>
           </a:p>
@@ -7384,12 +7385,12 @@
           <a:chExt cx="0" cy="0"/>
         </a:xfrm>
       </p:grpSpPr>
-      <p:sp>
+      <p:sp useBgFill="1">
         <p:nvSpPr>
-          <p:cNvPr id="35" name="Down Arrow 7">
+          <p:cNvPr id="40" name="Rectangle 39">
             <a:extLst>
               <a:ext uri="{FF2B5EF4-FFF2-40B4-BE49-F238E27FC236}">
-                <a16:creationId xmlns:a16="http://schemas.microsoft.com/office/drawing/2014/main" id="{D4771268-CB57-404A-9271-370EB28F6090}"/>
+                <a16:creationId xmlns:a16="http://schemas.microsoft.com/office/drawing/2014/main" id="{665DBBEF-238B-476B-96AB-8AAC3224ECEA}"/>
               </a:ext>
               <a:ext uri="{C183D7F6-B498-43B3-948B-1728B52AA6E4}">
                 <adec:decorative xmlns:adec="http://schemas.microsoft.com/office/drawing/2017/decorative" val="1"/>
@@ -7408,20 +7409,14 @@
           </p:nvPr>
         </p:nvSpPr>
         <p:spPr>
-          <a:xfrm rot="16200000">
-            <a:off x="800100" y="1491343"/>
-            <a:ext cx="3333749" cy="3499103"/>
+          <a:xfrm>
+            <a:off x="0" y="0"/>
+            <a:ext cx="12192000" cy="6858000"/>
           </a:xfrm>
-          <a:prstGeom prst="downArrow">
-            <a:avLst>
-              <a:gd name="adj1" fmla="val 100000"/>
-              <a:gd name="adj2" fmla="val 15788"/>
-            </a:avLst>
+          <a:prstGeom prst="rect">
+            <a:avLst/>
           </a:prstGeom>
-          <a:solidFill>
-            <a:srgbClr val="404040"/>
-          </a:solidFill>
-          <a:ln w="53975">
+          <a:ln>
             <a:noFill/>
           </a:ln>
         </p:spPr>
@@ -7468,22 +7463,20 @@
         </p:nvSpPr>
         <p:spPr>
           <a:xfrm>
-            <a:off x="1028700" y="1967266"/>
-            <a:ext cx="2628900" cy="2547257"/>
+            <a:off x="638882" y="639193"/>
+            <a:ext cx="3571810" cy="3573516"/>
           </a:xfrm>
-          <a:noFill/>
         </p:spPr>
         <p:txBody>
-          <a:bodyPr vert="horz" lIns="91440" tIns="45720" rIns="91440" bIns="45720" rtlCol="0" anchor="ctr">
+          <a:bodyPr vert="horz" lIns="91440" tIns="45720" rIns="91440" bIns="45720" rtlCol="0" anchor="b">
             <a:normAutofit/>
           </a:bodyPr>
           <a:lstStyle/>
           <a:p>
-            <a:pPr algn="ctr"/>
             <a:r>
-              <a:rPr lang="en-US" sz="3600" kern="1200" dirty="0">
+              <a:rPr lang="en-US" sz="6600" kern="1200">
                 <a:solidFill>
-                  <a:srgbClr val="FFFFFF"/>
+                  <a:schemeClr val="tx1"/>
                 </a:solidFill>
                 <a:latin typeface="+mj-lt"/>
                 <a:ea typeface="+mj-ea"/>
@@ -7494,12 +7487,285 @@
           </a:p>
         </p:txBody>
       </p:sp>
+      <p:sp>
+        <p:nvSpPr>
+          <p:cNvPr id="42" name="sketch line">
+            <a:extLst>
+              <a:ext uri="{FF2B5EF4-FFF2-40B4-BE49-F238E27FC236}">
+                <a16:creationId xmlns:a16="http://schemas.microsoft.com/office/drawing/2014/main" id="{3FCFB1DE-0B7E-48CC-BA90-B2AB0889F9D6}"/>
+              </a:ext>
+              <a:ext uri="{C183D7F6-B498-43B3-948B-1728B52AA6E4}">
+                <adec:decorative xmlns:adec="http://schemas.microsoft.com/office/drawing/2017/decorative" val="1"/>
+              </a:ext>
+            </a:extLst>
+          </p:cNvPr>
+          <p:cNvSpPr>
+            <a:spLocks noGrp="1" noRot="1" noChangeAspect="1" noMove="1" noResize="1" noEditPoints="1" noAdjustHandles="1" noChangeArrowheads="1" noChangeShapeType="1" noTextEdit="1"/>
+          </p:cNvSpPr>
+          <p:nvPr>
+            <p:extLst>
+              <p:ext uri="{386F3935-93C4-4BCD-93E2-E3B085C9AB24}">
+                <p16:designElem xmlns:p16="http://schemas.microsoft.com/office/powerpoint/2015/main" val="1"/>
+              </p:ext>
+            </p:extLst>
+          </p:nvPr>
+        </p:nvSpPr>
+        <p:spPr>
+          <a:xfrm>
+            <a:off x="643278" y="4409267"/>
+            <a:ext cx="3255095" cy="18288"/>
+          </a:xfrm>
+          <a:custGeom>
+            <a:avLst/>
+            <a:gdLst>
+              <a:gd name="connsiteX0" fmla="*/ 0 w 3255095"/>
+              <a:gd name="connsiteY0" fmla="*/ 0 h 18288"/>
+              <a:gd name="connsiteX1" fmla="*/ 618468 w 3255095"/>
+              <a:gd name="connsiteY1" fmla="*/ 0 h 18288"/>
+              <a:gd name="connsiteX2" fmla="*/ 1269487 w 3255095"/>
+              <a:gd name="connsiteY2" fmla="*/ 0 h 18288"/>
+              <a:gd name="connsiteX3" fmla="*/ 1953057 w 3255095"/>
+              <a:gd name="connsiteY3" fmla="*/ 0 h 18288"/>
+              <a:gd name="connsiteX4" fmla="*/ 2636627 w 3255095"/>
+              <a:gd name="connsiteY4" fmla="*/ 0 h 18288"/>
+              <a:gd name="connsiteX5" fmla="*/ 3255095 w 3255095"/>
+              <a:gd name="connsiteY5" fmla="*/ 0 h 18288"/>
+              <a:gd name="connsiteX6" fmla="*/ 3255095 w 3255095"/>
+              <a:gd name="connsiteY6" fmla="*/ 18288 h 18288"/>
+              <a:gd name="connsiteX7" fmla="*/ 2538974 w 3255095"/>
+              <a:gd name="connsiteY7" fmla="*/ 18288 h 18288"/>
+              <a:gd name="connsiteX8" fmla="*/ 1822853 w 3255095"/>
+              <a:gd name="connsiteY8" fmla="*/ 18288 h 18288"/>
+              <a:gd name="connsiteX9" fmla="*/ 1171834 w 3255095"/>
+              <a:gd name="connsiteY9" fmla="*/ 18288 h 18288"/>
+              <a:gd name="connsiteX10" fmla="*/ 0 w 3255095"/>
+              <a:gd name="connsiteY10" fmla="*/ 18288 h 18288"/>
+              <a:gd name="connsiteX11" fmla="*/ 0 w 3255095"/>
+              <a:gd name="connsiteY11" fmla="*/ 0 h 18288"/>
+            </a:gdLst>
+            <a:ahLst/>
+            <a:cxnLst>
+              <a:cxn ang="0">
+                <a:pos x="connsiteX0" y="connsiteY0"/>
+              </a:cxn>
+              <a:cxn ang="0">
+                <a:pos x="connsiteX1" y="connsiteY1"/>
+              </a:cxn>
+              <a:cxn ang="0">
+                <a:pos x="connsiteX2" y="connsiteY2"/>
+              </a:cxn>
+              <a:cxn ang="0">
+                <a:pos x="connsiteX3" y="connsiteY3"/>
+              </a:cxn>
+              <a:cxn ang="0">
+                <a:pos x="connsiteX4" y="connsiteY4"/>
+              </a:cxn>
+              <a:cxn ang="0">
+                <a:pos x="connsiteX5" y="connsiteY5"/>
+              </a:cxn>
+              <a:cxn ang="0">
+                <a:pos x="connsiteX6" y="connsiteY6"/>
+              </a:cxn>
+              <a:cxn ang="0">
+                <a:pos x="connsiteX7" y="connsiteY7"/>
+              </a:cxn>
+              <a:cxn ang="0">
+                <a:pos x="connsiteX8" y="connsiteY8"/>
+              </a:cxn>
+              <a:cxn ang="0">
+                <a:pos x="connsiteX9" y="connsiteY9"/>
+              </a:cxn>
+              <a:cxn ang="0">
+                <a:pos x="connsiteX10" y="connsiteY10"/>
+              </a:cxn>
+              <a:cxn ang="0">
+                <a:pos x="connsiteX11" y="connsiteY11"/>
+              </a:cxn>
+            </a:cxnLst>
+            <a:rect l="l" t="t" r="r" b="b"/>
+            <a:pathLst>
+              <a:path w="3255095" h="18288" fill="none" extrusionOk="0">
+                <a:moveTo>
+                  <a:pt x="0" y="0"/>
+                </a:moveTo>
+                <a:cubicBezTo>
+                  <a:pt x="240201" y="-22123"/>
+                  <a:pt x="462021" y="-19623"/>
+                  <a:pt x="618468" y="0"/>
+                </a:cubicBezTo>
+                <a:cubicBezTo>
+                  <a:pt x="774915" y="19623"/>
+                  <a:pt x="974734" y="2035"/>
+                  <a:pt x="1269487" y="0"/>
+                </a:cubicBezTo>
+                <a:cubicBezTo>
+                  <a:pt x="1564240" y="-2035"/>
+                  <a:pt x="1733579" y="10639"/>
+                  <a:pt x="1953057" y="0"/>
+                </a:cubicBezTo>
+                <a:cubicBezTo>
+                  <a:pt x="2172535" y="-10639"/>
+                  <a:pt x="2453962" y="14018"/>
+                  <a:pt x="2636627" y="0"/>
+                </a:cubicBezTo>
+                <a:cubicBezTo>
+                  <a:pt x="2819292" y="-14018"/>
+                  <a:pt x="3121375" y="5399"/>
+                  <a:pt x="3255095" y="0"/>
+                </a:cubicBezTo>
+                <a:cubicBezTo>
+                  <a:pt x="3254386" y="8157"/>
+                  <a:pt x="3254682" y="12125"/>
+                  <a:pt x="3255095" y="18288"/>
+                </a:cubicBezTo>
+                <a:cubicBezTo>
+                  <a:pt x="3088545" y="23203"/>
+                  <a:pt x="2687475" y="7419"/>
+                  <a:pt x="2538974" y="18288"/>
+                </a:cubicBezTo>
+                <a:cubicBezTo>
+                  <a:pt x="2390473" y="29157"/>
+                  <a:pt x="2137381" y="-8959"/>
+                  <a:pt x="1822853" y="18288"/>
+                </a:cubicBezTo>
+                <a:cubicBezTo>
+                  <a:pt x="1508325" y="45535"/>
+                  <a:pt x="1466437" y="20385"/>
+                  <a:pt x="1171834" y="18288"/>
+                </a:cubicBezTo>
+                <a:cubicBezTo>
+                  <a:pt x="877231" y="16191"/>
+                  <a:pt x="561097" y="37643"/>
+                  <a:pt x="0" y="18288"/>
+                </a:cubicBezTo>
+                <a:cubicBezTo>
+                  <a:pt x="-46" y="12483"/>
+                  <a:pt x="-203" y="6491"/>
+                  <a:pt x="0" y="0"/>
+                </a:cubicBezTo>
+                <a:close/>
+              </a:path>
+              <a:path w="3255095" h="18288" stroke="0" extrusionOk="0">
+                <a:moveTo>
+                  <a:pt x="0" y="0"/>
+                </a:moveTo>
+                <a:cubicBezTo>
+                  <a:pt x="291965" y="19429"/>
+                  <a:pt x="363155" y="8568"/>
+                  <a:pt x="618468" y="0"/>
+                </a:cubicBezTo>
+                <a:cubicBezTo>
+                  <a:pt x="873781" y="-8568"/>
+                  <a:pt x="904459" y="-19505"/>
+                  <a:pt x="1171834" y="0"/>
+                </a:cubicBezTo>
+                <a:cubicBezTo>
+                  <a:pt x="1439209" y="19505"/>
+                  <a:pt x="1744369" y="9790"/>
+                  <a:pt x="1887955" y="0"/>
+                </a:cubicBezTo>
+                <a:cubicBezTo>
+                  <a:pt x="2031541" y="-9790"/>
+                  <a:pt x="2346378" y="21240"/>
+                  <a:pt x="2506423" y="0"/>
+                </a:cubicBezTo>
+                <a:cubicBezTo>
+                  <a:pt x="2666468" y="-21240"/>
+                  <a:pt x="2990257" y="30414"/>
+                  <a:pt x="3255095" y="0"/>
+                </a:cubicBezTo>
+                <a:cubicBezTo>
+                  <a:pt x="3254831" y="4493"/>
+                  <a:pt x="3255479" y="9472"/>
+                  <a:pt x="3255095" y="18288"/>
+                </a:cubicBezTo>
+                <a:cubicBezTo>
+                  <a:pt x="3120743" y="16690"/>
+                  <a:pt x="2759628" y="42462"/>
+                  <a:pt x="2604076" y="18288"/>
+                </a:cubicBezTo>
+                <a:cubicBezTo>
+                  <a:pt x="2448524" y="-5886"/>
+                  <a:pt x="2184336" y="19599"/>
+                  <a:pt x="1887955" y="18288"/>
+                </a:cubicBezTo>
+                <a:cubicBezTo>
+                  <a:pt x="1591574" y="16977"/>
+                  <a:pt x="1548845" y="6870"/>
+                  <a:pt x="1334589" y="18288"/>
+                </a:cubicBezTo>
+                <a:cubicBezTo>
+                  <a:pt x="1120333" y="29706"/>
+                  <a:pt x="996014" y="9662"/>
+                  <a:pt x="683570" y="18288"/>
+                </a:cubicBezTo>
+                <a:cubicBezTo>
+                  <a:pt x="371126" y="26914"/>
+                  <a:pt x="198687" y="16167"/>
+                  <a:pt x="0" y="18288"/>
+                </a:cubicBezTo>
+                <a:cubicBezTo>
+                  <a:pt x="843" y="9577"/>
+                  <a:pt x="371" y="6900"/>
+                  <a:pt x="0" y="0"/>
+                </a:cubicBezTo>
+                <a:close/>
+              </a:path>
+            </a:pathLst>
+          </a:custGeom>
+          <a:solidFill>
+            <a:schemeClr val="accent2"/>
+          </a:solidFill>
+          <a:ln w="38100" cap="rnd">
+            <a:solidFill>
+              <a:schemeClr val="accent2"/>
+            </a:solidFill>
+            <a:round/>
+            <a:extLst>
+              <a:ext uri="{C807C97D-BFC1-408E-A445-0C87EB9F89A2}">
+                <ask:lineSketchStyleProps xmlns:ask="http://schemas.microsoft.com/office/drawing/2018/sketchyshapes" sd="1219033472">
+                  <a:prstGeom prst="rect">
+                    <a:avLst/>
+                  </a:prstGeom>
+                  <ask:type>
+                    <ask:lineSketchFreehand/>
+                  </ask:type>
+                </ask:lineSketchStyleProps>
+              </a:ext>
+            </a:extLst>
+          </a:ln>
+        </p:spPr>
+        <p:style>
+          <a:lnRef idx="2">
+            <a:schemeClr val="accent1">
+              <a:shade val="50000"/>
+            </a:schemeClr>
+          </a:lnRef>
+          <a:fillRef idx="1">
+            <a:schemeClr val="accent1"/>
+          </a:fillRef>
+          <a:effectRef idx="0">
+            <a:schemeClr val="accent1"/>
+          </a:effectRef>
+          <a:fontRef idx="minor">
+            <a:schemeClr val="lt1"/>
+          </a:fontRef>
+        </p:style>
+        <p:txBody>
+          <a:bodyPr rtlCol="0" anchor="ctr"/>
+          <a:lstStyle/>
+          <a:p>
+            <a:pPr algn="ctr"/>
+            <a:endParaRPr lang="en-US"/>
+          </a:p>
+        </p:txBody>
+      </p:sp>
       <p:pic>
         <p:nvPicPr>
-          <p:cNvPr id="4" name="Picture 3" descr="A computer screen shot of a computer&#10;&#10;Description automatically generated">
+          <p:cNvPr id="9" name="Picture 8" descr="A screenshot of a computer&#10;&#10;Description automatically generated">
             <a:extLst>
               <a:ext uri="{FF2B5EF4-FFF2-40B4-BE49-F238E27FC236}">
-                <a16:creationId xmlns:a16="http://schemas.microsoft.com/office/drawing/2014/main" id="{0FF66B3B-10DB-D9E8-9213-1132DDA9D3FE}"/>
+                <a16:creationId xmlns:a16="http://schemas.microsoft.com/office/drawing/2014/main" id="{C9568DA4-A6E5-FCDD-8495-E965906D38F6}"/>
               </a:ext>
             </a:extLst>
           </p:cNvPr>
@@ -7522,8 +7788,8 @@
         </p:blipFill>
         <p:spPr>
           <a:xfrm>
-            <a:off x="4139311" y="934786"/>
-            <a:ext cx="8790182" cy="4988428"/>
+            <a:off x="3889920" y="702310"/>
+            <a:ext cx="8393519" cy="5762037"/>
           </a:xfrm>
           <a:prstGeom prst="rect">
             <a:avLst/>
@@ -8049,6 +8315,918 @@
 </file>
 
 <file path=ppt/slides/slide4.xml><?xml version="1.0" encoding="utf-8"?>
+<p:sld xmlns:a="http://schemas.openxmlformats.org/drawingml/2006/main" xmlns:r="http://schemas.openxmlformats.org/officeDocument/2006/relationships" xmlns:p="http://schemas.openxmlformats.org/presentationml/2006/main">
+  <p:cSld>
+    <p:bg>
+      <p:bgPr>
+        <a:solidFill>
+          <a:schemeClr val="bg1"/>
+        </a:solidFill>
+        <a:effectLst/>
+      </p:bgPr>
+    </p:bg>
+    <p:spTree>
+      <p:nvGrpSpPr>
+        <p:cNvPr id="1" name="">
+          <a:extLst>
+            <a:ext uri="{FF2B5EF4-FFF2-40B4-BE49-F238E27FC236}">
+              <a16:creationId xmlns:a16="http://schemas.microsoft.com/office/drawing/2014/main" id="{ABA72EC6-654B-EF0F-0085-F255994E6666}"/>
+            </a:ext>
+          </a:extLst>
+        </p:cNvPr>
+        <p:cNvGrpSpPr/>
+        <p:nvPr/>
+      </p:nvGrpSpPr>
+      <p:grpSpPr>
+        <a:xfrm>
+          <a:off x="0" y="0"/>
+          <a:ext cx="0" cy="0"/>
+          <a:chOff x="0" y="0"/>
+          <a:chExt cx="0" cy="0"/>
+        </a:xfrm>
+      </p:grpSpPr>
+      <p:sp useBgFill="1">
+        <p:nvSpPr>
+          <p:cNvPr id="63" name="Rectangle 62">
+            <a:extLst>
+              <a:ext uri="{FF2B5EF4-FFF2-40B4-BE49-F238E27FC236}">
+                <a16:creationId xmlns:a16="http://schemas.microsoft.com/office/drawing/2014/main" id="{9F3489EC-843F-904A-F127-DD8117026BEA}"/>
+              </a:ext>
+              <a:ext uri="{C183D7F6-B498-43B3-948B-1728B52AA6E4}">
+                <adec:decorative xmlns:adec="http://schemas.microsoft.com/office/drawing/2017/decorative" val="1"/>
+              </a:ext>
+            </a:extLst>
+          </p:cNvPr>
+          <p:cNvSpPr>
+            <a:spLocks noGrp="1" noRot="1" noChangeAspect="1" noMove="1" noResize="1" noEditPoints="1" noAdjustHandles="1" noChangeArrowheads="1" noChangeShapeType="1" noTextEdit="1"/>
+          </p:cNvSpPr>
+          <p:nvPr>
+            <p:extLst>
+              <p:ext uri="{386F3935-93C4-4BCD-93E2-E3B085C9AB24}">
+                <p16:designElem xmlns:p16="http://schemas.microsoft.com/office/powerpoint/2015/main" val="1"/>
+              </p:ext>
+            </p:extLst>
+          </p:nvPr>
+        </p:nvSpPr>
+        <p:spPr>
+          <a:xfrm>
+            <a:off x="3048" y="0"/>
+            <a:ext cx="12188952" cy="6858000"/>
+          </a:xfrm>
+          <a:prstGeom prst="rect">
+            <a:avLst/>
+          </a:prstGeom>
+          <a:ln>
+            <a:noFill/>
+          </a:ln>
+        </p:spPr>
+        <p:style>
+          <a:lnRef idx="2">
+            <a:schemeClr val="accent1">
+              <a:shade val="50000"/>
+            </a:schemeClr>
+          </a:lnRef>
+          <a:fillRef idx="1">
+            <a:schemeClr val="accent1"/>
+          </a:fillRef>
+          <a:effectRef idx="0">
+            <a:schemeClr val="accent1"/>
+          </a:effectRef>
+          <a:fontRef idx="minor">
+            <a:schemeClr val="lt1"/>
+          </a:fontRef>
+        </p:style>
+        <p:txBody>
+          <a:bodyPr rtlCol="0" anchor="ctr"/>
+          <a:lstStyle/>
+          <a:p>
+            <a:pPr algn="ctr"/>
+            <a:endParaRPr lang="en-US"/>
+          </a:p>
+        </p:txBody>
+      </p:sp>
+      <p:sp>
+        <p:nvSpPr>
+          <p:cNvPr id="65" name="Freeform: Shape 64">
+            <a:extLst>
+              <a:ext uri="{FF2B5EF4-FFF2-40B4-BE49-F238E27FC236}">
+                <a16:creationId xmlns:a16="http://schemas.microsoft.com/office/drawing/2014/main" id="{B0C0BB6B-0A02-30E9-240F-6D77D7FEFB5F}"/>
+              </a:ext>
+              <a:ext uri="{C183D7F6-B498-43B3-948B-1728B52AA6E4}">
+                <adec:decorative xmlns:adec="http://schemas.microsoft.com/office/drawing/2017/decorative" val="1"/>
+              </a:ext>
+            </a:extLst>
+          </p:cNvPr>
+          <p:cNvSpPr>
+            <a:spLocks noGrp="1" noRot="1" noChangeAspect="1" noMove="1" noResize="1" noEditPoints="1" noAdjustHandles="1" noChangeArrowheads="1" noChangeShapeType="1" noTextEdit="1"/>
+          </p:cNvSpPr>
+          <p:nvPr>
+            <p:extLst>
+              <p:ext uri="{386F3935-93C4-4BCD-93E2-E3B085C9AB24}">
+                <p16:designElem xmlns:p16="http://schemas.microsoft.com/office/powerpoint/2015/main" val="1"/>
+              </p:ext>
+            </p:extLst>
+          </p:nvPr>
+        </p:nvSpPr>
+        <p:spPr>
+          <a:xfrm>
+            <a:off x="1" y="0"/>
+            <a:ext cx="4167271" cy="6858000"/>
+          </a:xfrm>
+          <a:custGeom>
+            <a:avLst/>
+            <a:gdLst>
+              <a:gd name="connsiteX0" fmla="*/ 0 w 4167271"/>
+              <a:gd name="connsiteY0" fmla="*/ 0 h 6858000"/>
+              <a:gd name="connsiteX1" fmla="*/ 2259550 w 4167271"/>
+              <a:gd name="connsiteY1" fmla="*/ 0 h 6858000"/>
+              <a:gd name="connsiteX2" fmla="*/ 2387803 w 4167271"/>
+              <a:gd name="connsiteY2" fmla="*/ 82222 h 6858000"/>
+              <a:gd name="connsiteX3" fmla="*/ 4167271 w 4167271"/>
+              <a:gd name="connsiteY3" fmla="*/ 3429000 h 6858000"/>
+              <a:gd name="connsiteX4" fmla="*/ 2387803 w 4167271"/>
+              <a:gd name="connsiteY4" fmla="*/ 6775779 h 6858000"/>
+              <a:gd name="connsiteX5" fmla="*/ 2259550 w 4167271"/>
+              <a:gd name="connsiteY5" fmla="*/ 6858000 h 6858000"/>
+              <a:gd name="connsiteX6" fmla="*/ 0 w 4167271"/>
+              <a:gd name="connsiteY6" fmla="*/ 6858000 h 6858000"/>
+            </a:gdLst>
+            <a:ahLst/>
+            <a:cxnLst>
+              <a:cxn ang="0">
+                <a:pos x="connsiteX0" y="connsiteY0"/>
+              </a:cxn>
+              <a:cxn ang="0">
+                <a:pos x="connsiteX1" y="connsiteY1"/>
+              </a:cxn>
+              <a:cxn ang="0">
+                <a:pos x="connsiteX2" y="connsiteY2"/>
+              </a:cxn>
+              <a:cxn ang="0">
+                <a:pos x="connsiteX3" y="connsiteY3"/>
+              </a:cxn>
+              <a:cxn ang="0">
+                <a:pos x="connsiteX4" y="connsiteY4"/>
+              </a:cxn>
+              <a:cxn ang="0">
+                <a:pos x="connsiteX5" y="connsiteY5"/>
+              </a:cxn>
+              <a:cxn ang="0">
+                <a:pos x="connsiteX6" y="connsiteY6"/>
+              </a:cxn>
+            </a:cxnLst>
+            <a:rect l="l" t="t" r="r" b="b"/>
+            <a:pathLst>
+              <a:path w="4167271" h="6858000">
+                <a:moveTo>
+                  <a:pt x="0" y="0"/>
+                </a:moveTo>
+                <a:lnTo>
+                  <a:pt x="2259550" y="0"/>
+                </a:lnTo>
+                <a:lnTo>
+                  <a:pt x="2387803" y="82222"/>
+                </a:lnTo>
+                <a:cubicBezTo>
+                  <a:pt x="3461407" y="807534"/>
+                  <a:pt x="4167271" y="2035835"/>
+                  <a:pt x="4167271" y="3429000"/>
+                </a:cubicBezTo>
+                <a:cubicBezTo>
+                  <a:pt x="4167271" y="4822165"/>
+                  <a:pt x="3461407" y="6050467"/>
+                  <a:pt x="2387803" y="6775779"/>
+                </a:cubicBezTo>
+                <a:lnTo>
+                  <a:pt x="2259550" y="6858000"/>
+                </a:lnTo>
+                <a:lnTo>
+                  <a:pt x="0" y="6858000"/>
+                </a:lnTo>
+                <a:close/>
+              </a:path>
+            </a:pathLst>
+          </a:custGeom>
+          <a:solidFill>
+            <a:schemeClr val="accent2"/>
+          </a:solidFill>
+          <a:ln>
+            <a:noFill/>
+          </a:ln>
+        </p:spPr>
+        <p:style>
+          <a:lnRef idx="2">
+            <a:schemeClr val="accent1">
+              <a:shade val="50000"/>
+            </a:schemeClr>
+          </a:lnRef>
+          <a:fillRef idx="1">
+            <a:schemeClr val="accent1"/>
+          </a:fillRef>
+          <a:effectRef idx="0">
+            <a:schemeClr val="accent1"/>
+          </a:effectRef>
+          <a:fontRef idx="minor">
+            <a:schemeClr val="lt1"/>
+          </a:fontRef>
+        </p:style>
+        <p:txBody>
+          <a:bodyPr rtlCol="0" anchor="ctr"/>
+          <a:lstStyle/>
+          <a:p>
+            <a:pPr algn="ctr"/>
+            <a:endParaRPr lang="en-US"/>
+          </a:p>
+        </p:txBody>
+      </p:sp>
+      <p:sp>
+        <p:nvSpPr>
+          <p:cNvPr id="2" name="Title 1">
+            <a:extLst>
+              <a:ext uri="{FF2B5EF4-FFF2-40B4-BE49-F238E27FC236}">
+                <a16:creationId xmlns:a16="http://schemas.microsoft.com/office/drawing/2014/main" id="{2F7E423D-5D87-CF7E-6F2B-507CBD335777}"/>
+              </a:ext>
+            </a:extLst>
+          </p:cNvPr>
+          <p:cNvSpPr>
+            <a:spLocks noGrp="1"/>
+          </p:cNvSpPr>
+          <p:nvPr>
+            <p:ph type="title"/>
+          </p:nvPr>
+        </p:nvSpPr>
+        <p:spPr>
+          <a:xfrm>
+            <a:off x="686834" y="1153572"/>
+            <a:ext cx="3200400" cy="4461163"/>
+          </a:xfrm>
+        </p:spPr>
+        <p:txBody>
+          <a:bodyPr>
+            <a:normAutofit/>
+          </a:bodyPr>
+          <a:lstStyle/>
+          <a:p>
+            <a:r>
+              <a:rPr lang="en-US" b="1" dirty="0">
+                <a:solidFill>
+                  <a:srgbClr val="FFFFFF"/>
+                </a:solidFill>
+              </a:rPr>
+              <a:t>POST INSURANCE  MODULE:</a:t>
+            </a:r>
+            <a:br>
+              <a:rPr lang="en-US" b="1" dirty="0">
+                <a:solidFill>
+                  <a:srgbClr val="FFFFFF"/>
+                </a:solidFill>
+              </a:rPr>
+            </a:br>
+            <a:endParaRPr lang="en-US" dirty="0">
+              <a:solidFill>
+                <a:srgbClr val="FFFFFF"/>
+              </a:solidFill>
+            </a:endParaRPr>
+          </a:p>
+        </p:txBody>
+      </p:sp>
+      <p:sp>
+        <p:nvSpPr>
+          <p:cNvPr id="67" name="Arc 66">
+            <a:extLst>
+              <a:ext uri="{FF2B5EF4-FFF2-40B4-BE49-F238E27FC236}">
+                <a16:creationId xmlns:a16="http://schemas.microsoft.com/office/drawing/2014/main" id="{00F5DFC7-FD4A-7222-078C-CADB8C6D0BA8}"/>
+              </a:ext>
+              <a:ext uri="{C183D7F6-B498-43B3-948B-1728B52AA6E4}">
+                <adec:decorative xmlns:adec="http://schemas.microsoft.com/office/drawing/2017/decorative" val="1"/>
+              </a:ext>
+            </a:extLst>
+          </p:cNvPr>
+          <p:cNvSpPr>
+            <a:spLocks noGrp="1" noRot="1" noChangeAspect="1" noMove="1" noResize="1" noEditPoints="1" noAdjustHandles="1" noChangeArrowheads="1" noChangeShapeType="1" noTextEdit="1"/>
+          </p:cNvSpPr>
+          <p:nvPr>
+            <p:extLst>
+              <p:ext uri="{386F3935-93C4-4BCD-93E2-E3B085C9AB24}">
+                <p16:designElem xmlns:p16="http://schemas.microsoft.com/office/powerpoint/2015/main" val="1"/>
+              </p:ext>
+            </p:extLst>
+          </p:nvPr>
+        </p:nvSpPr>
+        <p:spPr>
+          <a:xfrm flipV="1">
+            <a:off x="7550402" y="2455479"/>
+            <a:ext cx="4083433" cy="4083433"/>
+          </a:xfrm>
+          <a:prstGeom prst="arc">
+            <a:avLst/>
+          </a:prstGeom>
+          <a:ln w="127000" cap="rnd">
+            <a:solidFill>
+              <a:schemeClr val="accent4"/>
+            </a:solidFill>
+            <a:prstDash val="dash"/>
+          </a:ln>
+        </p:spPr>
+        <p:style>
+          <a:lnRef idx="1">
+            <a:schemeClr val="accent1"/>
+          </a:lnRef>
+          <a:fillRef idx="0">
+            <a:schemeClr val="accent1"/>
+          </a:fillRef>
+          <a:effectRef idx="0">
+            <a:schemeClr val="accent1"/>
+          </a:effectRef>
+          <a:fontRef idx="minor">
+            <a:schemeClr val="tx1"/>
+          </a:fontRef>
+        </p:style>
+        <p:txBody>
+          <a:bodyPr rtlCol="0" anchor="ctr"/>
+          <a:lstStyle/>
+          <a:p>
+            <a:pPr algn="ctr"/>
+            <a:endParaRPr lang="en-US" dirty="0"/>
+          </a:p>
+        </p:txBody>
+      </p:sp>
+      <p:sp>
+        <p:nvSpPr>
+          <p:cNvPr id="72" name="Content Placeholder 2">
+            <a:extLst>
+              <a:ext uri="{FF2B5EF4-FFF2-40B4-BE49-F238E27FC236}">
+                <a16:creationId xmlns:a16="http://schemas.microsoft.com/office/drawing/2014/main" id="{A8F1880E-A55F-8CC1-37B8-484212D50DE7}"/>
+              </a:ext>
+            </a:extLst>
+          </p:cNvPr>
+          <p:cNvSpPr>
+            <a:spLocks noGrp="1"/>
+          </p:cNvSpPr>
+          <p:nvPr>
+            <p:ph idx="1"/>
+          </p:nvPr>
+        </p:nvSpPr>
+        <p:spPr>
+          <a:xfrm>
+            <a:off x="4447308" y="591344"/>
+            <a:ext cx="6906491" cy="5585619"/>
+          </a:xfrm>
+        </p:spPr>
+        <p:txBody>
+          <a:bodyPr anchor="ctr">
+            <a:normAutofit lnSpcReduction="10000"/>
+          </a:bodyPr>
+          <a:lstStyle/>
+          <a:p>
+            <a:pPr marL="0" indent="0">
+              <a:spcBef>
+                <a:spcPts val="1200"/>
+              </a:spcBef>
+              <a:buNone/>
+            </a:pPr>
+            <a:r>
+              <a:rPr lang="en-US" dirty="0"/>
+              <a:t>Upon the successful login, we provide a menu of insurance types.</a:t>
+            </a:r>
+          </a:p>
+          <a:p>
+            <a:pPr marL="0" indent="0">
+              <a:spcBef>
+                <a:spcPts val="1200"/>
+              </a:spcBef>
+              <a:buNone/>
+            </a:pPr>
+            <a:r>
+              <a:rPr lang="en-US" b="1" dirty="0">
+                <a:highlight>
+                  <a:srgbClr val="FFFFFF"/>
+                </a:highlight>
+                <a:latin typeface="Roboto"/>
+                <a:ea typeface="Roboto"/>
+                <a:cs typeface="Roboto"/>
+                <a:sym typeface="Roboto"/>
+              </a:rPr>
+              <a:t>Apply for Insurance :</a:t>
+            </a:r>
+            <a:r>
+              <a:rPr lang="en-US" dirty="0">
+                <a:highlight>
+                  <a:srgbClr val="FFFFFF"/>
+                </a:highlight>
+                <a:latin typeface="Roboto"/>
+                <a:ea typeface="Roboto"/>
+                <a:cs typeface="Roboto"/>
+                <a:sym typeface="Roboto"/>
+              </a:rPr>
+              <a:t> user applies for the insurance through the form. Below given are the attributes</a:t>
+            </a:r>
+            <a:endParaRPr lang="en-US" dirty="0">
+              <a:highlight>
+                <a:srgbClr val="FFFFFF"/>
+              </a:highlight>
+              <a:latin typeface="Roboto"/>
+              <a:ea typeface="Roboto"/>
+              <a:cs typeface="Roboto"/>
+            </a:endParaRPr>
+          </a:p>
+          <a:p>
+            <a:r>
+              <a:rPr lang="en-US" sz="2200" dirty="0">
+                <a:highlight>
+                  <a:srgbClr val="FFFFFF"/>
+                </a:highlight>
+                <a:latin typeface="Roboto"/>
+                <a:ea typeface="Roboto"/>
+              </a:rPr>
+              <a:t>INSURANCE_TYPE</a:t>
+            </a:r>
+          </a:p>
+          <a:p>
+            <a:r>
+              <a:rPr lang="en-US" sz="2200" dirty="0">
+                <a:highlight>
+                  <a:srgbClr val="FFFFFF"/>
+                </a:highlight>
+                <a:latin typeface="Roboto"/>
+                <a:ea typeface="Roboto"/>
+              </a:rPr>
+              <a:t>INSURANCE_NAME</a:t>
+            </a:r>
+          </a:p>
+          <a:p>
+            <a:r>
+              <a:rPr lang="en-US" sz="2200" dirty="0">
+                <a:highlight>
+                  <a:srgbClr val="FFFFFF"/>
+                </a:highlight>
+                <a:latin typeface="Roboto"/>
+                <a:ea typeface="Roboto"/>
+              </a:rPr>
+              <a:t>INSURANCE_KEY_BENEFITS</a:t>
+            </a:r>
+          </a:p>
+          <a:p>
+            <a:r>
+              <a:rPr lang="en-US" sz="2200" dirty="0">
+                <a:highlight>
+                  <a:srgbClr val="FFFFFF"/>
+                </a:highlight>
+                <a:latin typeface="Roboto"/>
+                <a:ea typeface="Roboto"/>
+              </a:rPr>
+              <a:t>INSURANCE_LIFETIME</a:t>
+            </a:r>
+          </a:p>
+          <a:p>
+            <a:r>
+              <a:rPr lang="en-US" sz="2200" dirty="0">
+                <a:highlight>
+                  <a:srgbClr val="FFFFFF"/>
+                </a:highlight>
+                <a:latin typeface="Roboto"/>
+                <a:ea typeface="Roboto"/>
+              </a:rPr>
+              <a:t>INSURANCE_PREMIUM</a:t>
+            </a:r>
+          </a:p>
+          <a:p>
+            <a:r>
+              <a:rPr lang="en-US" sz="2200" dirty="0">
+                <a:highlight>
+                  <a:srgbClr val="FFFFFF"/>
+                </a:highlight>
+                <a:latin typeface="Roboto"/>
+                <a:ea typeface="Roboto"/>
+              </a:rPr>
+              <a:t>INSURANCE_COVERAGE</a:t>
+            </a:r>
+          </a:p>
+          <a:p>
+            <a:r>
+              <a:rPr lang="en-US" sz="2200" dirty="0">
+                <a:highlight>
+                  <a:srgbClr val="FFFFFF"/>
+                </a:highlight>
+                <a:latin typeface="Roboto"/>
+                <a:ea typeface="Roboto"/>
+              </a:rPr>
+              <a:t>CUSTOMER_ID</a:t>
+            </a:r>
+          </a:p>
+          <a:p>
+            <a:r>
+              <a:rPr lang="en-US" sz="2200" dirty="0">
+                <a:highlight>
+                  <a:srgbClr val="FFFFFF"/>
+                </a:highlight>
+                <a:latin typeface="Roboto"/>
+                <a:ea typeface="Roboto"/>
+              </a:rPr>
+              <a:t>INSURANCE_ID</a:t>
+            </a:r>
+          </a:p>
+          <a:p>
+            <a:r>
+              <a:rPr lang="en-US" sz="2200" dirty="0">
+                <a:highlight>
+                  <a:srgbClr val="FFFFFF"/>
+                </a:highlight>
+                <a:latin typeface="Roboto"/>
+                <a:ea typeface="Roboto"/>
+              </a:rPr>
+              <a:t>INSURANCE_AVAIL_ID</a:t>
+            </a:r>
+            <a:endParaRPr lang="en-US" sz="2200" dirty="0"/>
+          </a:p>
+        </p:txBody>
+      </p:sp>
+    </p:spTree>
+    <p:extLst>
+      <p:ext uri="{BB962C8B-B14F-4D97-AF65-F5344CB8AC3E}">
+        <p14:creationId xmlns:p14="http://schemas.microsoft.com/office/powerpoint/2010/main" val="3628143938"/>
+      </p:ext>
+    </p:extLst>
+  </p:cSld>
+  <p:clrMapOvr>
+    <a:masterClrMapping/>
+  </p:clrMapOvr>
+</p:sld>
+</file>
+
+<file path=ppt/slides/slide5.xml><?xml version="1.0" encoding="utf-8"?>
+<p:sld xmlns:a="http://schemas.openxmlformats.org/drawingml/2006/main" xmlns:r="http://schemas.openxmlformats.org/officeDocument/2006/relationships" xmlns:p="http://schemas.openxmlformats.org/presentationml/2006/main">
+  <p:cSld>
+    <p:bg>
+      <p:bgPr>
+        <a:solidFill>
+          <a:schemeClr val="bg1"/>
+        </a:solidFill>
+        <a:effectLst/>
+      </p:bgPr>
+    </p:bg>
+    <p:spTree>
+      <p:nvGrpSpPr>
+        <p:cNvPr id="1" name=""/>
+        <p:cNvGrpSpPr/>
+        <p:nvPr/>
+      </p:nvGrpSpPr>
+      <p:grpSpPr>
+        <a:xfrm>
+          <a:off x="0" y="0"/>
+          <a:ext cx="0" cy="0"/>
+          <a:chOff x="0" y="0"/>
+          <a:chExt cx="0" cy="0"/>
+        </a:xfrm>
+      </p:grpSpPr>
+      <p:sp useBgFill="1">
+        <p:nvSpPr>
+          <p:cNvPr id="30" name="Rectangle 29">
+            <a:extLst>
+              <a:ext uri="{FF2B5EF4-FFF2-40B4-BE49-F238E27FC236}">
+                <a16:creationId xmlns:a16="http://schemas.microsoft.com/office/drawing/2014/main" id="{BA79A7CF-01AF-4178-9369-94E0C90EB046}"/>
+              </a:ext>
+              <a:ext uri="{C183D7F6-B498-43B3-948B-1728B52AA6E4}">
+                <adec:decorative xmlns:adec="http://schemas.microsoft.com/office/drawing/2017/decorative" val="1"/>
+              </a:ext>
+            </a:extLst>
+          </p:cNvPr>
+          <p:cNvSpPr>
+            <a:spLocks noGrp="1" noRot="1" noChangeAspect="1" noMove="1" noResize="1" noEditPoints="1" noAdjustHandles="1" noChangeArrowheads="1" noChangeShapeType="1" noTextEdit="1"/>
+          </p:cNvSpPr>
+          <p:nvPr>
+            <p:extLst>
+              <p:ext uri="{386F3935-93C4-4BCD-93E2-E3B085C9AB24}">
+                <p16:designElem xmlns:p16="http://schemas.microsoft.com/office/powerpoint/2015/main" val="1"/>
+              </p:ext>
+            </p:extLst>
+          </p:nvPr>
+        </p:nvSpPr>
+        <p:spPr>
+          <a:xfrm>
+            <a:off x="0" y="0"/>
+            <a:ext cx="12191999" cy="6857365"/>
+          </a:xfrm>
+          <a:prstGeom prst="rect">
+            <a:avLst/>
+          </a:prstGeom>
+          <a:ln>
+            <a:noFill/>
+          </a:ln>
+        </p:spPr>
+        <p:style>
+          <a:lnRef idx="2">
+            <a:schemeClr val="accent1">
+              <a:shade val="50000"/>
+            </a:schemeClr>
+          </a:lnRef>
+          <a:fillRef idx="1">
+            <a:schemeClr val="accent1"/>
+          </a:fillRef>
+          <a:effectRef idx="0">
+            <a:schemeClr val="accent1"/>
+          </a:effectRef>
+          <a:fontRef idx="minor">
+            <a:schemeClr val="lt1"/>
+          </a:fontRef>
+        </p:style>
+        <p:txBody>
+          <a:bodyPr rtlCol="0" anchor="ctr"/>
+          <a:lstStyle/>
+          <a:p>
+            <a:pPr algn="ctr"/>
+            <a:endParaRPr lang="en-US"/>
+          </a:p>
+        </p:txBody>
+      </p:sp>
+      <p:sp>
+        <p:nvSpPr>
+          <p:cNvPr id="2" name="Title 1">
+            <a:extLst>
+              <a:ext uri="{FF2B5EF4-FFF2-40B4-BE49-F238E27FC236}">
+                <a16:creationId xmlns:a16="http://schemas.microsoft.com/office/drawing/2014/main" id="{18A13ECF-8C54-8F6B-C54C-3BCA237A5A68}"/>
+              </a:ext>
+            </a:extLst>
+          </p:cNvPr>
+          <p:cNvSpPr>
+            <a:spLocks noGrp="1"/>
+          </p:cNvSpPr>
+          <p:nvPr>
+            <p:ph type="title"/>
+          </p:nvPr>
+        </p:nvSpPr>
+        <p:spPr>
+          <a:xfrm>
+            <a:off x="9267909" y="2023110"/>
+            <a:ext cx="2622006" cy="2846070"/>
+          </a:xfrm>
+        </p:spPr>
+        <p:txBody>
+          <a:bodyPr vert="horz" lIns="91440" tIns="45720" rIns="91440" bIns="45720" rtlCol="0" anchor="ctr">
+            <a:normAutofit/>
+          </a:bodyPr>
+          <a:lstStyle/>
+          <a:p>
+            <a:r>
+              <a:rPr lang="en-US" sz="4800" kern="1200" dirty="0">
+                <a:solidFill>
+                  <a:schemeClr val="tx1"/>
+                </a:solidFill>
+                <a:latin typeface="+mj-lt"/>
+                <a:ea typeface="+mj-ea"/>
+                <a:cs typeface="+mj-cs"/>
+              </a:rPr>
+              <a:t>Data Flow Diagram</a:t>
+            </a:r>
+          </a:p>
+        </p:txBody>
+      </p:sp>
+      <p:sp>
+        <p:nvSpPr>
+          <p:cNvPr id="32" name="Rectangle 31">
+            <a:extLst>
+              <a:ext uri="{FF2B5EF4-FFF2-40B4-BE49-F238E27FC236}">
+                <a16:creationId xmlns:a16="http://schemas.microsoft.com/office/drawing/2014/main" id="{99413ED5-9ED4-4772-BCE4-2BCAE6B12E35}"/>
+              </a:ext>
+              <a:ext uri="{C183D7F6-B498-43B3-948B-1728B52AA6E4}">
+                <adec:decorative xmlns:adec="http://schemas.microsoft.com/office/drawing/2017/decorative" val="1"/>
+              </a:ext>
+            </a:extLst>
+          </p:cNvPr>
+          <p:cNvSpPr>
+            <a:spLocks noGrp="1" noRot="1" noChangeAspect="1" noMove="1" noResize="1" noEditPoints="1" noAdjustHandles="1" noChangeArrowheads="1" noChangeShapeType="1" noTextEdit="1"/>
+          </p:cNvSpPr>
+          <p:nvPr>
+            <p:extLst>
+              <p:ext uri="{386F3935-93C4-4BCD-93E2-E3B085C9AB24}">
+                <p16:designElem xmlns:p16="http://schemas.microsoft.com/office/powerpoint/2015/main" val="1"/>
+              </p:ext>
+            </p:extLst>
+          </p:nvPr>
+        </p:nvSpPr>
+        <p:spPr>
+          <a:xfrm rot="16200000">
+            <a:off x="3433973" y="-827233"/>
+            <a:ext cx="1715478" cy="8583421"/>
+          </a:xfrm>
+          <a:prstGeom prst="rect">
+            <a:avLst/>
+          </a:prstGeom>
+          <a:solidFill>
+            <a:schemeClr val="accent4"/>
+          </a:solidFill>
+          <a:ln>
+            <a:noFill/>
+          </a:ln>
+        </p:spPr>
+        <p:style>
+          <a:lnRef idx="2">
+            <a:schemeClr val="accent1">
+              <a:shade val="50000"/>
+            </a:schemeClr>
+          </a:lnRef>
+          <a:fillRef idx="1">
+            <a:schemeClr val="accent1"/>
+          </a:fillRef>
+          <a:effectRef idx="0">
+            <a:schemeClr val="accent1"/>
+          </a:effectRef>
+          <a:fontRef idx="minor">
+            <a:schemeClr val="lt1"/>
+          </a:fontRef>
+        </p:style>
+        <p:txBody>
+          <a:bodyPr rtlCol="0" anchor="ctr"/>
+          <a:lstStyle/>
+          <a:p>
+            <a:pPr algn="ctr"/>
+            <a:endParaRPr lang="en-US" dirty="0"/>
+          </a:p>
+        </p:txBody>
+      </p:sp>
+      <p:sp>
+        <p:nvSpPr>
+          <p:cNvPr id="34" name="Rectangle 33">
+            <a:extLst>
+              <a:ext uri="{FF2B5EF4-FFF2-40B4-BE49-F238E27FC236}">
+                <a16:creationId xmlns:a16="http://schemas.microsoft.com/office/drawing/2014/main" id="{04357C93-F0CB-4A1C-8F77-4E9063789819}"/>
+              </a:ext>
+              <a:ext uri="{C183D7F6-B498-43B3-948B-1728B52AA6E4}">
+                <adec:decorative xmlns:adec="http://schemas.microsoft.com/office/drawing/2017/decorative" val="1"/>
+              </a:ext>
+            </a:extLst>
+          </p:cNvPr>
+          <p:cNvSpPr>
+            <a:spLocks noGrp="1" noRot="1" noChangeAspect="1" noMove="1" noResize="1" noEditPoints="1" noAdjustHandles="1" noChangeArrowheads="1" noChangeShapeType="1" noTextEdit="1"/>
+          </p:cNvSpPr>
+          <p:nvPr>
+            <p:extLst>
+              <p:ext uri="{386F3935-93C4-4BCD-93E2-E3B085C9AB24}">
+                <p16:designElem xmlns:p16="http://schemas.microsoft.com/office/powerpoint/2015/main" val="1"/>
+              </p:ext>
+            </p:extLst>
+          </p:nvPr>
+        </p:nvSpPr>
+        <p:spPr>
+          <a:xfrm>
+            <a:off x="302085" y="664308"/>
+            <a:ext cx="8082632" cy="5600340"/>
+          </a:xfrm>
+          <a:prstGeom prst="rect">
+            <a:avLst/>
+          </a:prstGeom>
+          <a:solidFill>
+            <a:schemeClr val="bg1"/>
+          </a:solidFill>
+          <a:ln>
+            <a:noFill/>
+          </a:ln>
+          <a:effectLst>
+            <a:outerShdw blurRad="139700" dist="127000" dir="5400000" algn="t" rotWithShape="0">
+              <a:prstClr val="black">
+                <a:alpha val="15000"/>
+              </a:prstClr>
+            </a:outerShdw>
+          </a:effectLst>
+        </p:spPr>
+        <p:style>
+          <a:lnRef idx="2">
+            <a:schemeClr val="accent1">
+              <a:shade val="50000"/>
+            </a:schemeClr>
+          </a:lnRef>
+          <a:fillRef idx="1">
+            <a:schemeClr val="accent1"/>
+          </a:fillRef>
+          <a:effectRef idx="0">
+            <a:schemeClr val="accent1"/>
+          </a:effectRef>
+          <a:fontRef idx="minor">
+            <a:schemeClr val="lt1"/>
+          </a:fontRef>
+        </p:style>
+        <p:txBody>
+          <a:bodyPr rtlCol="0" anchor="ctr"/>
+          <a:lstStyle/>
+          <a:p>
+            <a:pPr algn="ctr"/>
+            <a:endParaRPr lang="en-US"/>
+          </a:p>
+        </p:txBody>
+      </p:sp>
+      <p:pic>
+        <p:nvPicPr>
+          <p:cNvPr id="5" name="Picture 4" descr="A diagram of a flowchart&#10;&#10;Description automatically generated">
+            <a:extLst>
+              <a:ext uri="{FF2B5EF4-FFF2-40B4-BE49-F238E27FC236}">
+                <a16:creationId xmlns:a16="http://schemas.microsoft.com/office/drawing/2014/main" id="{84FBF44C-91E8-6861-E646-CD3FA8B7052E}"/>
+              </a:ext>
+            </a:extLst>
+          </p:cNvPr>
+          <p:cNvPicPr>
+            <a:picLocks noChangeAspect="1"/>
+          </p:cNvPicPr>
+          <p:nvPr/>
+        </p:nvPicPr>
+        <p:blipFill>
+          <a:blip r:embed="rId2">
+            <a:extLst>
+              <a:ext uri="{28A0092B-C50C-407E-A947-70E740481C1C}">
+                <a14:useLocalDpi xmlns:a14="http://schemas.microsoft.com/office/drawing/2010/main" val="0"/>
+              </a:ext>
+            </a:extLst>
+          </a:blip>
+          <a:stretch>
+            <a:fillRect/>
+          </a:stretch>
+        </p:blipFill>
+        <p:spPr>
+          <a:xfrm>
+            <a:off x="545238" y="1806592"/>
+            <a:ext cx="7608304" cy="3315771"/>
+          </a:xfrm>
+          <a:prstGeom prst="rect">
+            <a:avLst/>
+          </a:prstGeom>
+        </p:spPr>
+      </p:pic>
+      <p:sp>
+        <p:nvSpPr>
+          <p:cNvPr id="36" name="Rectangle 35">
+            <a:extLst>
+              <a:ext uri="{FF2B5EF4-FFF2-40B4-BE49-F238E27FC236}">
+                <a16:creationId xmlns:a16="http://schemas.microsoft.com/office/drawing/2014/main" id="{90F533E9-6690-41A8-A372-4C6C622D028D}"/>
+              </a:ext>
+              <a:ext uri="{C183D7F6-B498-43B3-948B-1728B52AA6E4}">
+                <adec:decorative xmlns:adec="http://schemas.microsoft.com/office/drawing/2017/decorative" val="1"/>
+              </a:ext>
+            </a:extLst>
+          </p:cNvPr>
+          <p:cNvSpPr>
+            <a:spLocks noGrp="1" noRot="1" noChangeAspect="1" noMove="1" noResize="1" noEditPoints="1" noAdjustHandles="1" noChangeArrowheads="1" noChangeShapeType="1" noTextEdit="1"/>
+          </p:cNvSpPr>
+          <p:nvPr>
+            <p:extLst>
+              <p:ext uri="{386F3935-93C4-4BCD-93E2-E3B085C9AB24}">
+                <p16:designElem xmlns:p16="http://schemas.microsoft.com/office/powerpoint/2015/main" val="1"/>
+              </p:ext>
+            </p:extLst>
+          </p:nvPr>
+        </p:nvSpPr>
+        <p:spPr>
+          <a:xfrm rot="5400000">
+            <a:off x="7950447" y="3392097"/>
+            <a:ext cx="1719072" cy="152382"/>
+          </a:xfrm>
+          <a:prstGeom prst="rect">
+            <a:avLst/>
+          </a:prstGeom>
+          <a:solidFill>
+            <a:schemeClr val="accent4"/>
+          </a:solidFill>
+          <a:ln>
+            <a:noFill/>
+          </a:ln>
+        </p:spPr>
+        <p:style>
+          <a:lnRef idx="2">
+            <a:schemeClr val="accent1">
+              <a:shade val="50000"/>
+            </a:schemeClr>
+          </a:lnRef>
+          <a:fillRef idx="1">
+            <a:schemeClr val="accent1"/>
+          </a:fillRef>
+          <a:effectRef idx="0">
+            <a:schemeClr val="accent1"/>
+          </a:effectRef>
+          <a:fontRef idx="minor">
+            <a:schemeClr val="lt1"/>
+          </a:fontRef>
+        </p:style>
+        <p:txBody>
+          <a:bodyPr rtlCol="0" anchor="ctr"/>
+          <a:lstStyle/>
+          <a:p>
+            <a:pPr algn="ctr"/>
+            <a:endParaRPr lang="en-US"/>
+          </a:p>
+        </p:txBody>
+      </p:sp>
+    </p:spTree>
+    <p:extLst>
+      <p:ext uri="{BB962C8B-B14F-4D97-AF65-F5344CB8AC3E}">
+        <p14:creationId xmlns:p14="http://schemas.microsoft.com/office/powerpoint/2010/main" val="924714743"/>
+      </p:ext>
+    </p:extLst>
+  </p:cSld>
+  <p:clrMapOvr>
+    <a:masterClrMapping/>
+  </p:clrMapOvr>
+</p:sld>
+</file>
+
+<file path=ppt/slides/slide6.xml><?xml version="1.0" encoding="utf-8"?>
 <p:sld xmlns:a="http://schemas.openxmlformats.org/drawingml/2006/main" xmlns:r="http://schemas.openxmlformats.org/officeDocument/2006/relationships" xmlns:p="http://schemas.openxmlformats.org/presentationml/2006/main">
   <p:cSld>
     <p:bg>
@@ -9125,191 +10303,7 @@
 </p:sld>
 </file>
 
-<file path=ppt/slides/slide5.xml><?xml version="1.0" encoding="utf-8"?>
-<p:sld xmlns:a="http://schemas.openxmlformats.org/drawingml/2006/main" xmlns:r="http://schemas.openxmlformats.org/officeDocument/2006/relationships" xmlns:p="http://schemas.openxmlformats.org/presentationml/2006/main">
-  <p:cSld>
-    <p:bg>
-      <p:bgPr>
-        <a:solidFill>
-          <a:schemeClr val="bg1"/>
-        </a:solidFill>
-        <a:effectLst/>
-      </p:bgPr>
-    </p:bg>
-    <p:spTree>
-      <p:nvGrpSpPr>
-        <p:cNvPr id="1" name=""/>
-        <p:cNvGrpSpPr/>
-        <p:nvPr/>
-      </p:nvGrpSpPr>
-      <p:grpSpPr>
-        <a:xfrm>
-          <a:off x="0" y="0"/>
-          <a:ext cx="0" cy="0"/>
-          <a:chOff x="0" y="0"/>
-          <a:chExt cx="0" cy="0"/>
-        </a:xfrm>
-      </p:grpSpPr>
-      <p:sp>
-        <p:nvSpPr>
-          <p:cNvPr id="25" name="Down Arrow 7">
-            <a:extLst>
-              <a:ext uri="{FF2B5EF4-FFF2-40B4-BE49-F238E27FC236}">
-                <a16:creationId xmlns:a16="http://schemas.microsoft.com/office/drawing/2014/main" id="{D4771268-CB57-404A-9271-370EB28F6090}"/>
-              </a:ext>
-              <a:ext uri="{C183D7F6-B498-43B3-948B-1728B52AA6E4}">
-                <adec:decorative xmlns:adec="http://schemas.microsoft.com/office/drawing/2017/decorative" val="1"/>
-              </a:ext>
-            </a:extLst>
-          </p:cNvPr>
-          <p:cNvSpPr>
-            <a:spLocks noGrp="1" noRot="1" noChangeAspect="1" noMove="1" noResize="1" noEditPoints="1" noAdjustHandles="1" noChangeArrowheads="1" noChangeShapeType="1" noTextEdit="1"/>
-          </p:cNvSpPr>
-          <p:nvPr>
-            <p:extLst>
-              <p:ext uri="{386F3935-93C4-4BCD-93E2-E3B085C9AB24}">
-                <p16:designElem xmlns:p16="http://schemas.microsoft.com/office/powerpoint/2015/main" val="1"/>
-              </p:ext>
-            </p:extLst>
-          </p:nvPr>
-        </p:nvSpPr>
-        <p:spPr>
-          <a:xfrm rot="16200000">
-            <a:off x="800100" y="1491343"/>
-            <a:ext cx="3333749" cy="3499103"/>
-          </a:xfrm>
-          <a:prstGeom prst="downArrow">
-            <a:avLst>
-              <a:gd name="adj1" fmla="val 100000"/>
-              <a:gd name="adj2" fmla="val 15788"/>
-            </a:avLst>
-          </a:prstGeom>
-          <a:solidFill>
-            <a:srgbClr val="404040"/>
-          </a:solidFill>
-          <a:ln w="53975">
-            <a:noFill/>
-          </a:ln>
-        </p:spPr>
-        <p:style>
-          <a:lnRef idx="2">
-            <a:schemeClr val="accent1">
-              <a:shade val="50000"/>
-            </a:schemeClr>
-          </a:lnRef>
-          <a:fillRef idx="1">
-            <a:schemeClr val="accent1"/>
-          </a:fillRef>
-          <a:effectRef idx="0">
-            <a:schemeClr val="accent1"/>
-          </a:effectRef>
-          <a:fontRef idx="minor">
-            <a:schemeClr val="lt1"/>
-          </a:fontRef>
-        </p:style>
-        <p:txBody>
-          <a:bodyPr rtlCol="0" anchor="ctr"/>
-          <a:lstStyle/>
-          <a:p>
-            <a:pPr algn="ctr"/>
-            <a:endParaRPr lang="en-US"/>
-          </a:p>
-        </p:txBody>
-      </p:sp>
-      <p:sp>
-        <p:nvSpPr>
-          <p:cNvPr id="2" name="Title 1">
-            <a:extLst>
-              <a:ext uri="{FF2B5EF4-FFF2-40B4-BE49-F238E27FC236}">
-                <a16:creationId xmlns:a16="http://schemas.microsoft.com/office/drawing/2014/main" id="{18A13ECF-8C54-8F6B-C54C-3BCA237A5A68}"/>
-              </a:ext>
-            </a:extLst>
-          </p:cNvPr>
-          <p:cNvSpPr>
-            <a:spLocks noGrp="1"/>
-          </p:cNvSpPr>
-          <p:nvPr>
-            <p:ph type="title"/>
-          </p:nvPr>
-        </p:nvSpPr>
-        <p:spPr>
-          <a:xfrm>
-            <a:off x="1028700" y="1967266"/>
-            <a:ext cx="2628900" cy="2547257"/>
-          </a:xfrm>
-          <a:noFill/>
-        </p:spPr>
-        <p:txBody>
-          <a:bodyPr vert="horz" lIns="91440" tIns="45720" rIns="91440" bIns="45720" rtlCol="0" anchor="ctr">
-            <a:normAutofit/>
-          </a:bodyPr>
-          <a:lstStyle/>
-          <a:p>
-            <a:pPr algn="ctr"/>
-            <a:r>
-              <a:rPr lang="en-US" sz="3600" kern="1200" dirty="0">
-                <a:solidFill>
-                  <a:srgbClr val="FFFFFF"/>
-                </a:solidFill>
-                <a:latin typeface="+mj-lt"/>
-                <a:ea typeface="+mj-ea"/>
-                <a:cs typeface="+mj-cs"/>
-              </a:rPr>
-              <a:t>Data Flow Diagram</a:t>
-            </a:r>
-          </a:p>
-        </p:txBody>
-      </p:sp>
-      <p:pic>
-        <p:nvPicPr>
-          <p:cNvPr id="4" name="Picture 3" descr="A diagram of a diagram&#10;&#10;Description automatically generated">
-            <a:extLst>
-              <a:ext uri="{FF2B5EF4-FFF2-40B4-BE49-F238E27FC236}">
-                <a16:creationId xmlns:a16="http://schemas.microsoft.com/office/drawing/2014/main" id="{5F9AAC1F-4012-B677-0F9F-B6BF38C048D8}"/>
-              </a:ext>
-            </a:extLst>
-          </p:cNvPr>
-          <p:cNvPicPr>
-            <a:picLocks noChangeAspect="1"/>
-          </p:cNvPicPr>
-          <p:nvPr/>
-        </p:nvPicPr>
-        <p:blipFill>
-          <a:blip r:embed="rId2">
-            <a:extLst>
-              <a:ext uri="{28A0092B-C50C-407E-A947-70E740481C1C}">
-                <a14:useLocalDpi xmlns:a14="http://schemas.microsoft.com/office/drawing/2010/main" val="0"/>
-              </a:ext>
-            </a:extLst>
-          </a:blip>
-          <a:stretch>
-            <a:fillRect/>
-          </a:stretch>
-        </p:blipFill>
-        <p:spPr>
-          <a:xfrm>
-            <a:off x="4291032" y="1462983"/>
-            <a:ext cx="7906344" cy="3627177"/>
-          </a:xfrm>
-          <a:prstGeom prst="rect">
-            <a:avLst/>
-          </a:prstGeom>
-        </p:spPr>
-      </p:pic>
-    </p:spTree>
-    <p:extLst>
-      <p:ext uri="{BB962C8B-B14F-4D97-AF65-F5344CB8AC3E}">
-        <p14:creationId xmlns:p14="http://schemas.microsoft.com/office/powerpoint/2010/main" val="924714743"/>
-      </p:ext>
-    </p:extLst>
-  </p:cSld>
-  <p:clrMapOvr>
-    <a:masterClrMapping/>
-  </p:clrMapOvr>
-</p:sld>
-</file>
-
-<file path=ppt/slides/slide6.xml><?xml version="1.0" encoding="utf-8"?>
+<file path=ppt/slides/slide7.xml><?xml version="1.0" encoding="utf-8"?>
 <p:sld xmlns:a="http://schemas.openxmlformats.org/drawingml/2006/main" xmlns:r="http://schemas.openxmlformats.org/officeDocument/2006/relationships" xmlns:p="http://schemas.openxmlformats.org/presentationml/2006/main">
   <p:cSld>
     <p:bg>
@@ -9611,7 +10605,7 @@
 </p:sld>
 </file>
 
-<file path=ppt/slides/slide7.xml><?xml version="1.0" encoding="utf-8"?>
+<file path=ppt/slides/slide8.xml><?xml version="1.0" encoding="utf-8"?>
 <p:sld xmlns:a="http://schemas.openxmlformats.org/drawingml/2006/main" xmlns:r="http://schemas.openxmlformats.org/officeDocument/2006/relationships" xmlns:p="http://schemas.openxmlformats.org/presentationml/2006/main">
   <p:cSld>
     <p:bg>

--- a/DLTE-MyBank-Project/MyBank Banking application.pptx
+++ b/DLTE-MyBank-Project/MyBank Banking application.pptx
@@ -6,13 +6,15 @@
   </p:sldMasterIdLst>
   <p:sldIdLst>
     <p:sldId id="256" r:id="rId2"/>
-    <p:sldId id="257" r:id="rId3"/>
-    <p:sldId id="261" r:id="rId4"/>
-    <p:sldId id="263" r:id="rId5"/>
-    <p:sldId id="259" r:id="rId6"/>
-    <p:sldId id="258" r:id="rId7"/>
-    <p:sldId id="260" r:id="rId8"/>
-    <p:sldId id="262" r:id="rId9"/>
+    <p:sldId id="265" r:id="rId3"/>
+    <p:sldId id="268" r:id="rId4"/>
+    <p:sldId id="257" r:id="rId5"/>
+    <p:sldId id="261" r:id="rId6"/>
+    <p:sldId id="263" r:id="rId7"/>
+    <p:sldId id="258" r:id="rId8"/>
+    <p:sldId id="259" r:id="rId9"/>
+    <p:sldId id="260" r:id="rId10"/>
+    <p:sldId id="262" r:id="rId11"/>
   </p:sldIdLst>
   <p:sldSz cx="12192000" cy="6858000"/>
   <p:notesSz cx="6858000" cy="9144000"/>
@@ -120,7 +122,7 @@
 </file>
 
 <file path=ppt/diagrams/colors1.xml><?xml version="1.0" encoding="utf-8"?>
-<dgm:colorsDef xmlns:dgm="http://schemas.openxmlformats.org/drawingml/2006/diagram" xmlns:a="http://schemas.openxmlformats.org/drawingml/2006/main" uniqueId="urn:microsoft.com/office/officeart/2018/5/colors/Iconchunking_neutralicontext_colorful1">
+<dgm:colorsDef xmlns:dgm="http://schemas.openxmlformats.org/drawingml/2006/diagram" xmlns:a="http://schemas.openxmlformats.org/drawingml/2006/main" uniqueId="urn:microsoft.com/office/officeart/2018/5/colors/Iconchunking_neutralicon_colorful1">
   <dgm:title val=""/>
   <dgm:desc val=""/>
   <dgm:catLst>
@@ -1033,6 +1035,790 @@
     <dgm:effectClrLst/>
     <dgm:txLinClrLst/>
     <dgm:txFillClrLst meth="repeat">
+      <a:schemeClr val="tx1"/>
+    </dgm:txFillClrLst>
+    <dgm:txEffectClrLst/>
+  </dgm:styleLbl>
+</dgm:colorsDef>
+</file>
+
+<file path=ppt/diagrams/colors2.xml><?xml version="1.0" encoding="utf-8"?>
+<dgm:colorsDef xmlns:dgm="http://schemas.openxmlformats.org/drawingml/2006/diagram" xmlns:a="http://schemas.openxmlformats.org/drawingml/2006/main" uniqueId="urn:microsoft.com/office/officeart/2018/5/colors/Iconchunking_neutralicontext_colorful2">
+  <dgm:title val=""/>
+  <dgm:desc val=""/>
+  <dgm:catLst>
+    <dgm:cat type="colorful" pri="10200"/>
+  </dgm:catLst>
+  <dgm:styleLbl name="node0">
+    <dgm:fillClrLst meth="repeat">
+      <a:schemeClr val="accent1"/>
+    </dgm:fillClrLst>
+    <dgm:linClrLst meth="repeat">
+      <a:schemeClr val="lt1"/>
+    </dgm:linClrLst>
+    <dgm:effectClrLst/>
+    <dgm:txLinClrLst/>
+    <dgm:txFillClrLst/>
+    <dgm:txEffectClrLst/>
+  </dgm:styleLbl>
+  <dgm:styleLbl name="node1">
+    <dgm:fillClrLst meth="repeat">
+      <a:schemeClr val="bg1"/>
+    </dgm:fillClrLst>
+    <dgm:linClrLst meth="repeat">
+      <a:schemeClr val="lt1">
+        <a:alpha val="0"/>
+      </a:schemeClr>
+    </dgm:linClrLst>
+    <dgm:effectClrLst/>
+    <dgm:txLinClrLst/>
+    <dgm:txFillClrLst meth="repeat">
+      <a:schemeClr val="dk1"/>
+    </dgm:txFillClrLst>
+    <dgm:txEffectClrLst/>
+  </dgm:styleLbl>
+  <dgm:styleLbl name="alignNode1">
+    <dgm:fillClrLst>
+      <a:schemeClr val="accent2"/>
+      <a:schemeClr val="accent3"/>
+    </dgm:fillClrLst>
+    <dgm:linClrLst>
+      <a:schemeClr val="accent2"/>
+      <a:schemeClr val="accent3"/>
+    </dgm:linClrLst>
+    <dgm:effectClrLst/>
+    <dgm:txLinClrLst/>
+    <dgm:txFillClrLst/>
+    <dgm:txEffectClrLst/>
+  </dgm:styleLbl>
+  <dgm:styleLbl name="lnNode1">
+    <dgm:fillClrLst>
+      <a:schemeClr val="accent2"/>
+      <a:schemeClr val="accent3"/>
+    </dgm:fillClrLst>
+    <dgm:linClrLst meth="repeat">
+      <a:schemeClr val="lt1"/>
+    </dgm:linClrLst>
+    <dgm:effectClrLst/>
+    <dgm:txLinClrLst/>
+    <dgm:txFillClrLst/>
+    <dgm:txEffectClrLst/>
+  </dgm:styleLbl>
+  <dgm:styleLbl name="vennNode1">
+    <dgm:fillClrLst>
+      <a:schemeClr val="accent2">
+        <a:alpha val="50000"/>
+      </a:schemeClr>
+      <a:schemeClr val="accent3">
+        <a:alpha val="50000"/>
+      </a:schemeClr>
+    </dgm:fillClrLst>
+    <dgm:linClrLst meth="repeat">
+      <a:schemeClr val="lt1"/>
+    </dgm:linClrLst>
+    <dgm:effectClrLst/>
+    <dgm:txLinClrLst/>
+    <dgm:txFillClrLst/>
+    <dgm:txEffectClrLst/>
+  </dgm:styleLbl>
+  <dgm:styleLbl name="node2">
+    <dgm:fillClrLst>
+      <a:schemeClr val="accent3"/>
+    </dgm:fillClrLst>
+    <dgm:linClrLst meth="repeat">
+      <a:schemeClr val="lt1"/>
+    </dgm:linClrLst>
+    <dgm:effectClrLst/>
+    <dgm:txLinClrLst/>
+    <dgm:txFillClrLst/>
+    <dgm:txEffectClrLst/>
+  </dgm:styleLbl>
+  <dgm:styleLbl name="node3">
+    <dgm:fillClrLst>
+      <a:schemeClr val="accent4"/>
+    </dgm:fillClrLst>
+    <dgm:linClrLst meth="repeat">
+      <a:schemeClr val="lt1"/>
+    </dgm:linClrLst>
+    <dgm:effectClrLst/>
+    <dgm:txLinClrLst/>
+    <dgm:txFillClrLst/>
+    <dgm:txEffectClrLst/>
+  </dgm:styleLbl>
+  <dgm:styleLbl name="node4">
+    <dgm:fillClrLst>
+      <a:schemeClr val="accent5"/>
+    </dgm:fillClrLst>
+    <dgm:linClrLst meth="repeat">
+      <a:schemeClr val="lt1"/>
+    </dgm:linClrLst>
+    <dgm:effectClrLst/>
+    <dgm:txLinClrLst/>
+    <dgm:txFillClrLst/>
+    <dgm:txEffectClrLst/>
+  </dgm:styleLbl>
+  <dgm:styleLbl name="fgImgPlace1">
+    <dgm:fillClrLst>
+      <a:schemeClr val="accent2">
+        <a:tint val="50000"/>
+      </a:schemeClr>
+      <a:schemeClr val="accent3">
+        <a:tint val="50000"/>
+      </a:schemeClr>
+    </dgm:fillClrLst>
+    <dgm:linClrLst meth="repeat">
+      <a:schemeClr val="lt1"/>
+    </dgm:linClrLst>
+    <dgm:effectClrLst/>
+    <dgm:txLinClrLst/>
+    <dgm:txFillClrLst meth="repeat">
+      <a:schemeClr val="lt1"/>
+    </dgm:txFillClrLst>
+    <dgm:txEffectClrLst/>
+  </dgm:styleLbl>
+  <dgm:styleLbl name="alignImgPlace1">
+    <dgm:fillClrLst>
+      <a:schemeClr val="accent2">
+        <a:tint val="50000"/>
+      </a:schemeClr>
+      <a:schemeClr val="accent3">
+        <a:tint val="20000"/>
+      </a:schemeClr>
+    </dgm:fillClrLst>
+    <dgm:linClrLst meth="repeat">
+      <a:schemeClr val="lt1"/>
+    </dgm:linClrLst>
+    <dgm:effectClrLst/>
+    <dgm:txLinClrLst/>
+    <dgm:txFillClrLst meth="repeat">
+      <a:schemeClr val="lt1"/>
+    </dgm:txFillClrLst>
+    <dgm:txEffectClrLst/>
+  </dgm:styleLbl>
+  <dgm:styleLbl name="bgImgPlace1">
+    <dgm:fillClrLst>
+      <a:schemeClr val="accent2">
+        <a:tint val="50000"/>
+      </a:schemeClr>
+      <a:schemeClr val="accent3">
+        <a:tint val="20000"/>
+      </a:schemeClr>
+    </dgm:fillClrLst>
+    <dgm:linClrLst meth="repeat">
+      <a:schemeClr val="lt1"/>
+    </dgm:linClrLst>
+    <dgm:effectClrLst/>
+    <dgm:txLinClrLst/>
+    <dgm:txFillClrLst meth="repeat">
+      <a:schemeClr val="lt1"/>
+    </dgm:txFillClrLst>
+    <dgm:txEffectClrLst/>
+  </dgm:styleLbl>
+  <dgm:styleLbl name="sibTrans2D1">
+    <dgm:fillClrLst>
+      <a:schemeClr val="accent2"/>
+      <a:schemeClr val="accent3"/>
+    </dgm:fillClrLst>
+    <dgm:linClrLst meth="repeat">
+      <a:schemeClr val="lt1"/>
+    </dgm:linClrLst>
+    <dgm:effectClrLst/>
+    <dgm:txLinClrLst/>
+    <dgm:txFillClrLst/>
+    <dgm:txEffectClrLst/>
+  </dgm:styleLbl>
+  <dgm:styleLbl name="fgSibTrans2D1">
+    <dgm:fillClrLst>
+      <a:schemeClr val="accent2"/>
+      <a:schemeClr val="accent3"/>
+    </dgm:fillClrLst>
+    <dgm:linClrLst meth="repeat">
+      <a:schemeClr val="lt1"/>
+    </dgm:linClrLst>
+    <dgm:effectClrLst/>
+    <dgm:txLinClrLst/>
+    <dgm:txFillClrLst meth="repeat">
+      <a:schemeClr val="lt1"/>
+    </dgm:txFillClrLst>
+    <dgm:txEffectClrLst/>
+  </dgm:styleLbl>
+  <dgm:styleLbl name="bgSibTrans2D1">
+    <dgm:fillClrLst>
+      <a:schemeClr val="accent2"/>
+      <a:schemeClr val="accent3"/>
+    </dgm:fillClrLst>
+    <dgm:linClrLst meth="repeat">
+      <a:schemeClr val="lt1"/>
+    </dgm:linClrLst>
+    <dgm:effectClrLst/>
+    <dgm:txLinClrLst/>
+    <dgm:txFillClrLst meth="repeat">
+      <a:schemeClr val="lt1"/>
+    </dgm:txFillClrLst>
+    <dgm:txEffectClrLst/>
+  </dgm:styleLbl>
+  <dgm:styleLbl name="sibTrans1D1">
+    <dgm:fillClrLst/>
+    <dgm:linClrLst>
+      <a:schemeClr val="accent2"/>
+      <a:schemeClr val="accent3"/>
+    </dgm:linClrLst>
+    <dgm:effectClrLst/>
+    <dgm:txLinClrLst/>
+    <dgm:txFillClrLst meth="repeat">
+      <a:schemeClr val="tx1"/>
+    </dgm:txFillClrLst>
+    <dgm:txEffectClrLst/>
+  </dgm:styleLbl>
+  <dgm:styleLbl name="callout">
+    <dgm:fillClrLst meth="repeat">
+      <a:schemeClr val="accent2"/>
+    </dgm:fillClrLst>
+    <dgm:linClrLst meth="repeat">
+      <a:schemeClr val="accent2">
+        <a:tint val="50000"/>
+      </a:schemeClr>
+    </dgm:linClrLst>
+    <dgm:effectClrLst/>
+    <dgm:txLinClrLst/>
+    <dgm:txFillClrLst meth="repeat">
+      <a:schemeClr val="tx1"/>
+    </dgm:txFillClrLst>
+    <dgm:txEffectClrLst/>
+  </dgm:styleLbl>
+  <dgm:styleLbl name="asst0">
+    <dgm:fillClrLst meth="repeat">
+      <a:schemeClr val="accent2"/>
+    </dgm:fillClrLst>
+    <dgm:linClrLst meth="repeat">
+      <a:schemeClr val="lt1">
+        <a:shade val="80000"/>
+      </a:schemeClr>
+    </dgm:linClrLst>
+    <dgm:effectClrLst/>
+    <dgm:txLinClrLst/>
+    <dgm:txFillClrLst/>
+    <dgm:txEffectClrLst/>
+  </dgm:styleLbl>
+  <dgm:styleLbl name="asst1">
+    <dgm:fillClrLst meth="repeat">
+      <a:schemeClr val="accent3"/>
+    </dgm:fillClrLst>
+    <dgm:linClrLst meth="repeat">
+      <a:schemeClr val="lt1">
+        <a:shade val="80000"/>
+      </a:schemeClr>
+    </dgm:linClrLst>
+    <dgm:effectClrLst/>
+    <dgm:txLinClrLst/>
+    <dgm:txFillClrLst/>
+    <dgm:txEffectClrLst/>
+  </dgm:styleLbl>
+  <dgm:styleLbl name="asst2">
+    <dgm:fillClrLst>
+      <a:schemeClr val="accent4"/>
+    </dgm:fillClrLst>
+    <dgm:linClrLst meth="repeat">
+      <a:schemeClr val="lt1"/>
+    </dgm:linClrLst>
+    <dgm:effectClrLst/>
+    <dgm:txLinClrLst/>
+    <dgm:txFillClrLst/>
+    <dgm:txEffectClrLst/>
+  </dgm:styleLbl>
+  <dgm:styleLbl name="asst3">
+    <dgm:fillClrLst>
+      <a:schemeClr val="accent5"/>
+    </dgm:fillClrLst>
+    <dgm:linClrLst meth="repeat">
+      <a:schemeClr val="lt1"/>
+    </dgm:linClrLst>
+    <dgm:effectClrLst/>
+    <dgm:txLinClrLst/>
+    <dgm:txFillClrLst/>
+    <dgm:txEffectClrLst/>
+  </dgm:styleLbl>
+  <dgm:styleLbl name="asst4">
+    <dgm:fillClrLst>
+      <a:schemeClr val="accent6"/>
+    </dgm:fillClrLst>
+    <dgm:linClrLst meth="repeat">
+      <a:schemeClr val="lt1"/>
+    </dgm:linClrLst>
+    <dgm:effectClrLst/>
+    <dgm:txLinClrLst/>
+    <dgm:txFillClrLst/>
+    <dgm:txEffectClrLst/>
+  </dgm:styleLbl>
+  <dgm:styleLbl name="parChTrans2D1">
+    <dgm:fillClrLst meth="repeat">
+      <a:schemeClr val="accent2"/>
+    </dgm:fillClrLst>
+    <dgm:linClrLst meth="repeat">
+      <a:schemeClr val="lt1"/>
+    </dgm:linClrLst>
+    <dgm:effectClrLst/>
+    <dgm:txLinClrLst/>
+    <dgm:txFillClrLst meth="repeat">
+      <a:schemeClr val="lt1"/>
+    </dgm:txFillClrLst>
+    <dgm:txEffectClrLst/>
+  </dgm:styleLbl>
+  <dgm:styleLbl name="parChTrans2D2">
+    <dgm:fillClrLst meth="repeat">
+      <a:schemeClr val="accent3"/>
+    </dgm:fillClrLst>
+    <dgm:linClrLst meth="repeat">
+      <a:schemeClr val="lt1"/>
+    </dgm:linClrLst>
+    <dgm:effectClrLst/>
+    <dgm:txLinClrLst/>
+    <dgm:txFillClrLst/>
+    <dgm:txEffectClrLst/>
+  </dgm:styleLbl>
+  <dgm:styleLbl name="parChTrans2D3">
+    <dgm:fillClrLst meth="repeat">
+      <a:schemeClr val="accent4"/>
+    </dgm:fillClrLst>
+    <dgm:linClrLst meth="repeat">
+      <a:schemeClr val="lt1"/>
+    </dgm:linClrLst>
+    <dgm:effectClrLst/>
+    <dgm:txLinClrLst/>
+    <dgm:txFillClrLst/>
+    <dgm:txEffectClrLst/>
+  </dgm:styleLbl>
+  <dgm:styleLbl name="parChTrans2D4">
+    <dgm:fillClrLst meth="repeat">
+      <a:schemeClr val="accent5"/>
+    </dgm:fillClrLst>
+    <dgm:linClrLst meth="repeat">
+      <a:schemeClr val="lt1"/>
+    </dgm:linClrLst>
+    <dgm:effectClrLst/>
+    <dgm:txLinClrLst/>
+    <dgm:txFillClrLst meth="repeat">
+      <a:schemeClr val="lt1"/>
+    </dgm:txFillClrLst>
+    <dgm:txEffectClrLst/>
+  </dgm:styleLbl>
+  <dgm:styleLbl name="parChTrans1D1">
+    <dgm:fillClrLst meth="repeat">
+      <a:schemeClr val="accent2"/>
+    </dgm:fillClrLst>
+    <dgm:linClrLst meth="repeat">
+      <a:schemeClr val="accent2"/>
+    </dgm:linClrLst>
+    <dgm:effectClrLst/>
+    <dgm:txLinClrLst/>
+    <dgm:txFillClrLst meth="repeat">
+      <a:schemeClr val="tx1"/>
+    </dgm:txFillClrLst>
+    <dgm:txEffectClrLst/>
+  </dgm:styleLbl>
+  <dgm:styleLbl name="parChTrans1D2">
+    <dgm:fillClrLst meth="repeat">
+      <a:schemeClr val="accent2">
+        <a:tint val="90000"/>
+      </a:schemeClr>
+    </dgm:fillClrLst>
+    <dgm:linClrLst meth="repeat">
+      <a:schemeClr val="accent3"/>
+    </dgm:linClrLst>
+    <dgm:effectClrLst/>
+    <dgm:txLinClrLst/>
+    <dgm:txFillClrLst meth="repeat">
+      <a:schemeClr val="tx1"/>
+    </dgm:txFillClrLst>
+    <dgm:txEffectClrLst/>
+  </dgm:styleLbl>
+  <dgm:styleLbl name="parChTrans1D3">
+    <dgm:fillClrLst meth="repeat">
+      <a:schemeClr val="accent2">
+        <a:tint val="70000"/>
+      </a:schemeClr>
+    </dgm:fillClrLst>
+    <dgm:linClrLst meth="repeat">
+      <a:schemeClr val="accent4"/>
+    </dgm:linClrLst>
+    <dgm:effectClrLst/>
+    <dgm:txLinClrLst/>
+    <dgm:txFillClrLst meth="repeat">
+      <a:schemeClr val="tx1"/>
+    </dgm:txFillClrLst>
+    <dgm:txEffectClrLst/>
+  </dgm:styleLbl>
+  <dgm:styleLbl name="parChTrans1D4">
+    <dgm:fillClrLst meth="repeat">
+      <a:schemeClr val="accent2">
+        <a:tint val="50000"/>
+      </a:schemeClr>
+    </dgm:fillClrLst>
+    <dgm:linClrLst meth="repeat">
+      <a:schemeClr val="accent5"/>
+    </dgm:linClrLst>
+    <dgm:effectClrLst/>
+    <dgm:txLinClrLst/>
+    <dgm:txFillClrLst meth="repeat">
+      <a:schemeClr val="tx1"/>
+    </dgm:txFillClrLst>
+    <dgm:txEffectClrLst/>
+  </dgm:styleLbl>
+  <dgm:styleLbl name="fgAcc1">
+    <dgm:fillClrLst meth="repeat">
+      <a:schemeClr val="lt1">
+        <a:alpha val="90000"/>
+      </a:schemeClr>
+    </dgm:fillClrLst>
+    <dgm:linClrLst>
+      <a:schemeClr val="accent2"/>
+      <a:schemeClr val="accent3"/>
+    </dgm:linClrLst>
+    <dgm:effectClrLst/>
+    <dgm:txLinClrLst/>
+    <dgm:txFillClrLst meth="repeat">
+      <a:schemeClr val="dk1"/>
+    </dgm:txFillClrLst>
+    <dgm:txEffectClrLst/>
+  </dgm:styleLbl>
+  <dgm:styleLbl name="conFgAcc1">
+    <dgm:fillClrLst meth="repeat">
+      <a:schemeClr val="lt1">
+        <a:alpha val="90000"/>
+      </a:schemeClr>
+    </dgm:fillClrLst>
+    <dgm:linClrLst>
+      <a:schemeClr val="accent2"/>
+      <a:schemeClr val="accent3"/>
+    </dgm:linClrLst>
+    <dgm:effectClrLst/>
+    <dgm:txLinClrLst/>
+    <dgm:txFillClrLst meth="repeat">
+      <a:schemeClr val="dk1"/>
+    </dgm:txFillClrLst>
+    <dgm:txEffectClrLst/>
+  </dgm:styleLbl>
+  <dgm:styleLbl name="alignAcc1">
+    <dgm:fillClrLst meth="repeat">
+      <a:schemeClr val="lt1">
+        <a:alpha val="90000"/>
+      </a:schemeClr>
+    </dgm:fillClrLst>
+    <dgm:linClrLst>
+      <a:schemeClr val="accent2"/>
+      <a:schemeClr val="accent3"/>
+    </dgm:linClrLst>
+    <dgm:effectClrLst/>
+    <dgm:txLinClrLst/>
+    <dgm:txFillClrLst meth="repeat">
+      <a:schemeClr val="dk1"/>
+    </dgm:txFillClrLst>
+    <dgm:txEffectClrLst/>
+  </dgm:styleLbl>
+  <dgm:styleLbl name="trAlignAcc1">
+    <dgm:fillClrLst meth="repeat">
+      <a:schemeClr val="lt1">
+        <a:alpha val="40000"/>
+      </a:schemeClr>
+    </dgm:fillClrLst>
+    <dgm:linClrLst meth="repeat">
+      <a:schemeClr val="accent2"/>
+    </dgm:linClrLst>
+    <dgm:effectClrLst/>
+    <dgm:txLinClrLst/>
+    <dgm:txFillClrLst meth="repeat">
+      <a:schemeClr val="dk1"/>
+    </dgm:txFillClrLst>
+    <dgm:txEffectClrLst/>
+  </dgm:styleLbl>
+  <dgm:styleLbl name="bgAcc1">
+    <dgm:fillClrLst meth="repeat">
+      <a:schemeClr val="lt1">
+        <a:alpha val="90000"/>
+      </a:schemeClr>
+    </dgm:fillClrLst>
+    <dgm:linClrLst>
+      <a:schemeClr val="accent2"/>
+      <a:schemeClr val="accent3"/>
+    </dgm:linClrLst>
+    <dgm:effectClrLst/>
+    <dgm:txLinClrLst/>
+    <dgm:txFillClrLst meth="repeat">
+      <a:schemeClr val="dk1"/>
+    </dgm:txFillClrLst>
+    <dgm:txEffectClrLst/>
+  </dgm:styleLbl>
+  <dgm:styleLbl name="solidFgAcc1">
+    <dgm:fillClrLst meth="repeat">
+      <a:schemeClr val="lt1"/>
+    </dgm:fillClrLst>
+    <dgm:linClrLst>
+      <a:schemeClr val="accent2"/>
+      <a:schemeClr val="accent3"/>
+    </dgm:linClrLst>
+    <dgm:effectClrLst/>
+    <dgm:txLinClrLst/>
+    <dgm:txFillClrLst meth="repeat">
+      <a:schemeClr val="dk1"/>
+    </dgm:txFillClrLst>
+    <dgm:txEffectClrLst/>
+  </dgm:styleLbl>
+  <dgm:styleLbl name="solidAlignAcc1">
+    <dgm:fillClrLst meth="repeat">
+      <a:schemeClr val="lt1"/>
+    </dgm:fillClrLst>
+    <dgm:linClrLst>
+      <a:schemeClr val="accent2"/>
+      <a:schemeClr val="accent3"/>
+    </dgm:linClrLst>
+    <dgm:effectClrLst/>
+    <dgm:txLinClrLst/>
+    <dgm:txFillClrLst meth="repeat">
+      <a:schemeClr val="dk1"/>
+    </dgm:txFillClrLst>
+    <dgm:txEffectClrLst/>
+  </dgm:styleLbl>
+  <dgm:styleLbl name="solidBgAcc1">
+    <dgm:fillClrLst meth="repeat">
+      <a:schemeClr val="lt1"/>
+    </dgm:fillClrLst>
+    <dgm:linClrLst>
+      <a:schemeClr val="accent2"/>
+      <a:schemeClr val="accent3"/>
+    </dgm:linClrLst>
+    <dgm:effectClrLst/>
+    <dgm:txLinClrLst/>
+    <dgm:txFillClrLst meth="repeat">
+      <a:schemeClr val="dk1"/>
+    </dgm:txFillClrLst>
+    <dgm:txEffectClrLst/>
+  </dgm:styleLbl>
+  <dgm:styleLbl name="fgAccFollowNode1">
+    <dgm:fillClrLst>
+      <a:schemeClr val="accent2">
+        <a:tint val="40000"/>
+        <a:alpha val="90000"/>
+      </a:schemeClr>
+      <a:schemeClr val="accent3">
+        <a:tint val="40000"/>
+        <a:alpha val="90000"/>
+      </a:schemeClr>
+    </dgm:fillClrLst>
+    <dgm:linClrLst>
+      <a:schemeClr val="accent2">
+        <a:tint val="40000"/>
+        <a:alpha val="90000"/>
+      </a:schemeClr>
+      <a:schemeClr val="accent3">
+        <a:tint val="40000"/>
+        <a:alpha val="90000"/>
+      </a:schemeClr>
+    </dgm:linClrLst>
+    <dgm:effectClrLst/>
+    <dgm:txLinClrLst/>
+    <dgm:txFillClrLst meth="repeat">
+      <a:schemeClr val="dk1"/>
+    </dgm:txFillClrLst>
+    <dgm:txEffectClrLst/>
+  </dgm:styleLbl>
+  <dgm:styleLbl name="alignAccFollowNode1">
+    <dgm:fillClrLst>
+      <a:schemeClr val="accent2">
+        <a:tint val="40000"/>
+        <a:alpha val="90000"/>
+      </a:schemeClr>
+      <a:schemeClr val="accent3">
+        <a:tint val="40000"/>
+        <a:alpha val="90000"/>
+      </a:schemeClr>
+    </dgm:fillClrLst>
+    <dgm:linClrLst>
+      <a:schemeClr val="accent2">
+        <a:tint val="40000"/>
+        <a:alpha val="90000"/>
+      </a:schemeClr>
+      <a:schemeClr val="accent3">
+        <a:tint val="40000"/>
+        <a:alpha val="90000"/>
+      </a:schemeClr>
+    </dgm:linClrLst>
+    <dgm:effectClrLst/>
+    <dgm:txLinClrLst/>
+    <dgm:txFillClrLst meth="repeat">
+      <a:schemeClr val="dk1"/>
+    </dgm:txFillClrLst>
+    <dgm:txEffectClrLst/>
+  </dgm:styleLbl>
+  <dgm:styleLbl name="bgAccFollowNode1">
+    <dgm:fillClrLst>
+      <a:schemeClr val="accent2">
+        <a:tint val="40000"/>
+        <a:alpha val="90000"/>
+      </a:schemeClr>
+      <a:schemeClr val="accent3">
+        <a:tint val="40000"/>
+        <a:alpha val="90000"/>
+      </a:schemeClr>
+    </dgm:fillClrLst>
+    <dgm:linClrLst>
+      <a:schemeClr val="accent2">
+        <a:tint val="40000"/>
+        <a:alpha val="90000"/>
+      </a:schemeClr>
+      <a:schemeClr val="accent3">
+        <a:tint val="40000"/>
+        <a:alpha val="90000"/>
+      </a:schemeClr>
+    </dgm:linClrLst>
+    <dgm:effectClrLst/>
+    <dgm:txLinClrLst/>
+    <dgm:txFillClrLst meth="repeat">
+      <a:schemeClr val="dk1"/>
+    </dgm:txFillClrLst>
+    <dgm:txEffectClrLst/>
+  </dgm:styleLbl>
+  <dgm:styleLbl name="fgAcc0">
+    <dgm:fillClrLst meth="repeat">
+      <a:schemeClr val="lt1">
+        <a:alpha val="90000"/>
+      </a:schemeClr>
+    </dgm:fillClrLst>
+    <dgm:linClrLst>
+      <a:schemeClr val="accent1"/>
+    </dgm:linClrLst>
+    <dgm:effectClrLst/>
+    <dgm:txLinClrLst/>
+    <dgm:txFillClrLst meth="repeat">
+      <a:schemeClr val="dk1"/>
+    </dgm:txFillClrLst>
+    <dgm:txEffectClrLst/>
+  </dgm:styleLbl>
+  <dgm:styleLbl name="fgAcc2">
+    <dgm:fillClrLst meth="repeat">
+      <a:schemeClr val="lt1">
+        <a:alpha val="90000"/>
+      </a:schemeClr>
+    </dgm:fillClrLst>
+    <dgm:linClrLst>
+      <a:schemeClr val="accent3"/>
+    </dgm:linClrLst>
+    <dgm:effectClrLst/>
+    <dgm:txLinClrLst/>
+    <dgm:txFillClrLst meth="repeat">
+      <a:schemeClr val="dk1"/>
+    </dgm:txFillClrLst>
+    <dgm:txEffectClrLst/>
+  </dgm:styleLbl>
+  <dgm:styleLbl name="fgAcc3">
+    <dgm:fillClrLst meth="repeat">
+      <a:schemeClr val="lt1">
+        <a:alpha val="90000"/>
+      </a:schemeClr>
+    </dgm:fillClrLst>
+    <dgm:linClrLst>
+      <a:schemeClr val="accent4"/>
+    </dgm:linClrLst>
+    <dgm:effectClrLst/>
+    <dgm:txLinClrLst/>
+    <dgm:txFillClrLst meth="repeat">
+      <a:schemeClr val="dk1"/>
+    </dgm:txFillClrLst>
+    <dgm:txEffectClrLst/>
+  </dgm:styleLbl>
+  <dgm:styleLbl name="fgAcc4">
+    <dgm:fillClrLst meth="repeat">
+      <a:schemeClr val="lt1">
+        <a:alpha val="90000"/>
+      </a:schemeClr>
+    </dgm:fillClrLst>
+    <dgm:linClrLst>
+      <a:schemeClr val="accent5"/>
+    </dgm:linClrLst>
+    <dgm:effectClrLst/>
+    <dgm:txLinClrLst/>
+    <dgm:txFillClrLst meth="repeat">
+      <a:schemeClr val="dk1"/>
+    </dgm:txFillClrLst>
+    <dgm:txEffectClrLst/>
+  </dgm:styleLbl>
+  <dgm:styleLbl name="bgShp">
+    <dgm:fillClrLst>
+      <a:schemeClr val="accent2"/>
+      <a:schemeClr val="accent3"/>
+    </dgm:fillClrLst>
+    <dgm:linClrLst meth="repeat">
+      <a:schemeClr val="lt1">
+        <a:alpha val="0"/>
+      </a:schemeClr>
+    </dgm:linClrLst>
+    <dgm:effectClrLst/>
+    <dgm:txLinClrLst/>
+    <dgm:txFillClrLst/>
+    <dgm:txEffectClrLst/>
+  </dgm:styleLbl>
+  <dgm:styleLbl name="dkBgShp">
+    <dgm:fillClrLst meth="repeat">
+      <a:schemeClr val="accent2">
+        <a:shade val="90000"/>
+      </a:schemeClr>
+    </dgm:fillClrLst>
+    <dgm:linClrLst meth="repeat">
+      <a:schemeClr val="dk1"/>
+    </dgm:linClrLst>
+    <dgm:effectClrLst/>
+    <dgm:txLinClrLst/>
+    <dgm:txFillClrLst meth="repeat">
+      <a:schemeClr val="lt1"/>
+    </dgm:txFillClrLst>
+    <dgm:txEffectClrLst/>
+  </dgm:styleLbl>
+  <dgm:styleLbl name="trBgShp">
+    <dgm:fillClrLst meth="repeat">
+      <a:schemeClr val="accent2">
+        <a:tint val="50000"/>
+        <a:alpha val="40000"/>
+      </a:schemeClr>
+    </dgm:fillClrLst>
+    <dgm:linClrLst meth="repeat">
+      <a:schemeClr val="accent2"/>
+    </dgm:linClrLst>
+    <dgm:effectClrLst/>
+    <dgm:txLinClrLst/>
+    <dgm:txFillClrLst meth="repeat">
+      <a:schemeClr val="lt1"/>
+    </dgm:txFillClrLst>
+    <dgm:txEffectClrLst/>
+  </dgm:styleLbl>
+  <dgm:styleLbl name="fgShp">
+    <dgm:fillClrLst meth="repeat">
+      <a:schemeClr val="accent2">
+        <a:tint val="40000"/>
+      </a:schemeClr>
+    </dgm:fillClrLst>
+    <dgm:linClrLst meth="repeat">
+      <a:schemeClr val="lt1"/>
+    </dgm:linClrLst>
+    <dgm:effectClrLst/>
+    <dgm:txLinClrLst/>
+    <dgm:txFillClrLst meth="repeat">
+      <a:schemeClr val="dk1"/>
+    </dgm:txFillClrLst>
+    <dgm:txEffectClrLst/>
+  </dgm:styleLbl>
+  <dgm:styleLbl name="revTx">
+    <dgm:fillClrLst meth="repeat">
+      <a:schemeClr val="lt1">
+        <a:alpha val="0"/>
+      </a:schemeClr>
+    </dgm:fillClrLst>
+    <dgm:linClrLst meth="repeat">
+      <a:schemeClr val="dk1">
+        <a:alpha val="0"/>
+      </a:schemeClr>
+    </dgm:linClrLst>
+    <dgm:effectClrLst/>
+    <dgm:txLinClrLst/>
+    <dgm:txFillClrLst meth="repeat">
       <a:schemeClr val="bg1"/>
     </dgm:txFillClrLst>
     <dgm:txEffectClrLst/>
@@ -1043,8 +1829,539 @@
 <file path=ppt/diagrams/data1.xml><?xml version="1.0" encoding="utf-8"?>
 <dgm:dataModel xmlns:dgm="http://schemas.openxmlformats.org/drawingml/2006/diagram" xmlns:a="http://schemas.openxmlformats.org/drawingml/2006/main">
   <dgm:ptLst>
+    <dgm:pt modelId="{3188598A-1C47-4532-ACF3-AF3085CC032A}" type="doc">
+      <dgm:prSet loTypeId="urn:microsoft.com/office/officeart/2018/2/layout/IconCircleList" loCatId="icon" qsTypeId="urn:microsoft.com/office/officeart/2005/8/quickstyle/simple1" qsCatId="simple" csTypeId="urn:microsoft.com/office/officeart/2018/5/colors/Iconchunking_neutralicon_colorful1" csCatId="colorful" phldr="1"/>
+      <dgm:spPr/>
+      <dgm:t>
+        <a:bodyPr/>
+        <a:lstStyle/>
+        <a:p>
+          <a:endParaRPr lang="en-US"/>
+        </a:p>
+      </dgm:t>
+    </dgm:pt>
+    <dgm:pt modelId="{C779E8EF-F883-4ACD-AD30-5D1AAEDE2A49}">
+      <dgm:prSet custT="1"/>
+      <dgm:spPr/>
+      <dgm:t>
+        <a:bodyPr/>
+        <a:lstStyle/>
+        <a:p>
+          <a:r>
+            <a:rPr lang="en-US" sz="1800" dirty="0"/>
+            <a:t>Insurance module allows users to view all the available insurance in the bank .</a:t>
+          </a:r>
+        </a:p>
+      </dgm:t>
+    </dgm:pt>
+    <dgm:pt modelId="{47D086B8-9D5C-45B6-9447-26FA48BA2F16}" type="parTrans" cxnId="{FBE6A684-62CC-476E-921E-65B60954A3FE}">
+      <dgm:prSet/>
+      <dgm:spPr/>
+      <dgm:t>
+        <a:bodyPr/>
+        <a:lstStyle/>
+        <a:p>
+          <a:endParaRPr lang="en-US"/>
+        </a:p>
+      </dgm:t>
+    </dgm:pt>
+    <dgm:pt modelId="{0F8584C9-73F2-417B-87FC-8B68A7E60A2E}" type="sibTrans" cxnId="{FBE6A684-62CC-476E-921E-65B60954A3FE}">
+      <dgm:prSet/>
+      <dgm:spPr/>
+      <dgm:t>
+        <a:bodyPr/>
+        <a:lstStyle/>
+        <a:p>
+          <a:endParaRPr lang="en-US"/>
+        </a:p>
+      </dgm:t>
+    </dgm:pt>
+    <dgm:pt modelId="{A3EA9546-7E81-4275-9EF5-C5DA3D4A4477}">
+      <dgm:prSet/>
+      <dgm:spPr/>
+      <dgm:t>
+        <a:bodyPr/>
+        <a:lstStyle/>
+        <a:p>
+          <a:r>
+            <a:rPr lang="en-US" dirty="0"/>
+            <a:t>It also allows the users to apply for insurance.</a:t>
+          </a:r>
+        </a:p>
+      </dgm:t>
+    </dgm:pt>
+    <dgm:pt modelId="{E0C39433-06A2-43E8-B859-0D66C5A68F7F}" type="parTrans" cxnId="{DB56AB80-FC69-401C-9198-5FAF94D05592}">
+      <dgm:prSet/>
+      <dgm:spPr/>
+      <dgm:t>
+        <a:bodyPr/>
+        <a:lstStyle/>
+        <a:p>
+          <a:endParaRPr lang="en-US"/>
+        </a:p>
+      </dgm:t>
+    </dgm:pt>
+    <dgm:pt modelId="{E755567E-FE4E-4F25-A84F-5A6D8EB909CC}" type="sibTrans" cxnId="{DB56AB80-FC69-401C-9198-5FAF94D05592}">
+      <dgm:prSet/>
+      <dgm:spPr/>
+      <dgm:t>
+        <a:bodyPr/>
+        <a:lstStyle/>
+        <a:p>
+          <a:endParaRPr lang="en-US"/>
+        </a:p>
+      </dgm:t>
+    </dgm:pt>
+    <dgm:pt modelId="{73B6658F-F888-42CD-9C5E-772CCF747BD5}">
+      <dgm:prSet/>
+      <dgm:spPr/>
+      <dgm:t>
+        <a:bodyPr/>
+        <a:lstStyle/>
+        <a:p>
+          <a:r>
+            <a:rPr lang="en-US"/>
+            <a:t>As well as search particular insurance by id.</a:t>
+          </a:r>
+        </a:p>
+      </dgm:t>
+    </dgm:pt>
+    <dgm:pt modelId="{F41207C0-339A-4235-B908-6876217C855C}" type="parTrans" cxnId="{0C6CD0EF-D961-4AFC-8E17-07D9D9E5D4B7}">
+      <dgm:prSet/>
+      <dgm:spPr/>
+      <dgm:t>
+        <a:bodyPr/>
+        <a:lstStyle/>
+        <a:p>
+          <a:endParaRPr lang="en-US"/>
+        </a:p>
+      </dgm:t>
+    </dgm:pt>
+    <dgm:pt modelId="{5010B53D-3144-4D3A-BF54-D47F9302E923}" type="sibTrans" cxnId="{0C6CD0EF-D961-4AFC-8E17-07D9D9E5D4B7}">
+      <dgm:prSet/>
+      <dgm:spPr/>
+      <dgm:t>
+        <a:bodyPr/>
+        <a:lstStyle/>
+        <a:p>
+          <a:endParaRPr lang="en-US"/>
+        </a:p>
+      </dgm:t>
+    </dgm:pt>
+    <dgm:pt modelId="{CAD6EDAB-3D70-428A-A2C8-4A62B9FC7CE3}">
+      <dgm:prSet/>
+      <dgm:spPr/>
+      <dgm:t>
+        <a:bodyPr/>
+        <a:lstStyle/>
+        <a:p>
+          <a:r>
+            <a:rPr lang="en-US"/>
+            <a:t>And search available insurance based on the coverage amount.</a:t>
+          </a:r>
+        </a:p>
+      </dgm:t>
+    </dgm:pt>
+    <dgm:pt modelId="{B4764A5C-BE81-4B7A-ACC0-14320F0BB07E}" type="parTrans" cxnId="{A34B03F6-AD5D-459A-808E-70DB9148437F}">
+      <dgm:prSet/>
+      <dgm:spPr/>
+      <dgm:t>
+        <a:bodyPr/>
+        <a:lstStyle/>
+        <a:p>
+          <a:endParaRPr lang="en-US"/>
+        </a:p>
+      </dgm:t>
+    </dgm:pt>
+    <dgm:pt modelId="{C1466913-1537-4ADF-9ACE-4787763893C5}" type="sibTrans" cxnId="{A34B03F6-AD5D-459A-808E-70DB9148437F}">
+      <dgm:prSet/>
+      <dgm:spPr/>
+      <dgm:t>
+        <a:bodyPr/>
+        <a:lstStyle/>
+        <a:p>
+          <a:endParaRPr lang="en-US"/>
+        </a:p>
+      </dgm:t>
+    </dgm:pt>
+    <dgm:pt modelId="{D305320E-2BBB-4E3C-87E9-CF86AB4E4566}">
+      <dgm:prSet/>
+      <dgm:spPr/>
+      <dgm:t>
+        <a:bodyPr/>
+        <a:lstStyle/>
+        <a:p>
+          <a:r>
+            <a:rPr lang="en-US" dirty="0"/>
+            <a:t>And provide a user- friendly responsive user interface.</a:t>
+          </a:r>
+        </a:p>
+      </dgm:t>
+    </dgm:pt>
+    <dgm:pt modelId="{E518E9A3-F5B3-49A1-B3AB-D1E0AF3EACFA}" type="parTrans" cxnId="{F4361E39-C632-4106-9FA6-0E7CC7F49504}">
+      <dgm:prSet/>
+      <dgm:spPr/>
+      <dgm:t>
+        <a:bodyPr/>
+        <a:lstStyle/>
+        <a:p>
+          <a:endParaRPr lang="en-US"/>
+        </a:p>
+      </dgm:t>
+    </dgm:pt>
+    <dgm:pt modelId="{C94A5284-85DD-483B-BC08-C5C71F5AFE60}" type="sibTrans" cxnId="{F4361E39-C632-4106-9FA6-0E7CC7F49504}">
+      <dgm:prSet/>
+      <dgm:spPr/>
+      <dgm:t>
+        <a:bodyPr/>
+        <a:lstStyle/>
+        <a:p>
+          <a:endParaRPr lang="en-US"/>
+        </a:p>
+      </dgm:t>
+    </dgm:pt>
+    <dgm:pt modelId="{54D97576-02C6-4146-98DB-03F071511A49}" type="pres">
+      <dgm:prSet presAssocID="{3188598A-1C47-4532-ACF3-AF3085CC032A}" presName="root" presStyleCnt="0">
+        <dgm:presLayoutVars>
+          <dgm:dir/>
+          <dgm:resizeHandles val="exact"/>
+        </dgm:presLayoutVars>
+      </dgm:prSet>
+      <dgm:spPr/>
+    </dgm:pt>
+    <dgm:pt modelId="{5F49AB25-6B90-422E-BE3E-6A56E942FF8B}" type="pres">
+      <dgm:prSet presAssocID="{3188598A-1C47-4532-ACF3-AF3085CC032A}" presName="container" presStyleCnt="0">
+        <dgm:presLayoutVars>
+          <dgm:dir/>
+          <dgm:resizeHandles val="exact"/>
+        </dgm:presLayoutVars>
+      </dgm:prSet>
+      <dgm:spPr/>
+    </dgm:pt>
+    <dgm:pt modelId="{4FCD027E-5013-4825-8831-0A96F0F88345}" type="pres">
+      <dgm:prSet presAssocID="{C779E8EF-F883-4ACD-AD30-5D1AAEDE2A49}" presName="compNode" presStyleCnt="0"/>
+      <dgm:spPr/>
+    </dgm:pt>
+    <dgm:pt modelId="{5AB7BDC2-CA69-43CA-A106-FA3212FAE3DD}" type="pres">
+      <dgm:prSet presAssocID="{C779E8EF-F883-4ACD-AD30-5D1AAEDE2A49}" presName="iconBgRect" presStyleLbl="bgShp" presStyleIdx="0" presStyleCnt="5"/>
+      <dgm:spPr/>
+    </dgm:pt>
+    <dgm:pt modelId="{CD3AC8FB-30FC-4B9F-9FF9-056E04237663}" type="pres">
+      <dgm:prSet presAssocID="{C779E8EF-F883-4ACD-AD30-5D1AAEDE2A49}" presName="iconRect" presStyleLbl="node1" presStyleIdx="0" presStyleCnt="5"/>
+      <dgm:spPr>
+        <a:blipFill>
+          <a:blip xmlns:r="http://schemas.openxmlformats.org/officeDocument/2006/relationships" r:embed="rId1">
+            <a:extLst>
+              <a:ext uri="{28A0092B-C50C-407E-A947-70E740481C1C}">
+                <a14:useLocalDpi xmlns:a14="http://schemas.microsoft.com/office/drawing/2010/main" val="0"/>
+              </a:ext>
+              <a:ext uri="{96DAC541-7B7A-43D3-8B79-37D633B846F1}">
+                <asvg:svgBlip xmlns:asvg="http://schemas.microsoft.com/office/drawing/2016/SVG/main" r:embed="rId2"/>
+              </a:ext>
+            </a:extLst>
+          </a:blip>
+          <a:stretch>
+            <a:fillRect/>
+          </a:stretch>
+        </a:blipFill>
+        <a:ln>
+          <a:noFill/>
+        </a:ln>
+      </dgm:spPr>
+      <dgm:extLst>
+        <a:ext uri="{E40237B7-FDA0-4F09-8148-C483321AD2D9}">
+          <dgm14:cNvPr xmlns:dgm14="http://schemas.microsoft.com/office/drawing/2010/diagram" id="0" name="" descr="Credit card"/>
+        </a:ext>
+      </dgm:extLst>
+    </dgm:pt>
+    <dgm:pt modelId="{9187EB56-C773-4C8A-828E-5148E9430153}" type="pres">
+      <dgm:prSet presAssocID="{C779E8EF-F883-4ACD-AD30-5D1AAEDE2A49}" presName="spaceRect" presStyleCnt="0"/>
+      <dgm:spPr/>
+    </dgm:pt>
+    <dgm:pt modelId="{5071BBD1-3689-4C3E-BB1F-9164930FBD62}" type="pres">
+      <dgm:prSet presAssocID="{C779E8EF-F883-4ACD-AD30-5D1AAEDE2A49}" presName="textRect" presStyleLbl="revTx" presStyleIdx="0" presStyleCnt="5">
+        <dgm:presLayoutVars>
+          <dgm:chMax val="1"/>
+          <dgm:chPref val="1"/>
+        </dgm:presLayoutVars>
+      </dgm:prSet>
+      <dgm:spPr/>
+    </dgm:pt>
+    <dgm:pt modelId="{EE0D22A3-3781-4B06-861A-A2491E813783}" type="pres">
+      <dgm:prSet presAssocID="{0F8584C9-73F2-417B-87FC-8B68A7E60A2E}" presName="sibTrans" presStyleLbl="sibTrans2D1" presStyleIdx="0" presStyleCnt="0"/>
+      <dgm:spPr/>
+    </dgm:pt>
+    <dgm:pt modelId="{5743DFC8-89C7-4A58-A5A0-DCE8328C0F01}" type="pres">
+      <dgm:prSet presAssocID="{A3EA9546-7E81-4275-9EF5-C5DA3D4A4477}" presName="compNode" presStyleCnt="0"/>
+      <dgm:spPr/>
+    </dgm:pt>
+    <dgm:pt modelId="{375998E2-5510-47D3-8935-085B2D91638E}" type="pres">
+      <dgm:prSet presAssocID="{A3EA9546-7E81-4275-9EF5-C5DA3D4A4477}" presName="iconBgRect" presStyleLbl="bgShp" presStyleIdx="1" presStyleCnt="5"/>
+      <dgm:spPr/>
+    </dgm:pt>
+    <dgm:pt modelId="{1D943A9B-5A3E-4894-8E3C-EC363028A8CA}" type="pres">
+      <dgm:prSet presAssocID="{A3EA9546-7E81-4275-9EF5-C5DA3D4A4477}" presName="iconRect" presStyleLbl="node1" presStyleIdx="1" presStyleCnt="5"/>
+      <dgm:spPr>
+        <a:blipFill>
+          <a:blip xmlns:r="http://schemas.openxmlformats.org/officeDocument/2006/relationships" r:embed="rId3">
+            <a:extLst>
+              <a:ext uri="{28A0092B-C50C-407E-A947-70E740481C1C}">
+                <a14:useLocalDpi xmlns:a14="http://schemas.microsoft.com/office/drawing/2010/main" val="0"/>
+              </a:ext>
+              <a:ext uri="{96DAC541-7B7A-43D3-8B79-37D633B846F1}">
+                <asvg:svgBlip xmlns:asvg="http://schemas.microsoft.com/office/drawing/2016/SVG/main" r:embed="rId4"/>
+              </a:ext>
+            </a:extLst>
+          </a:blip>
+          <a:stretch>
+            <a:fillRect/>
+          </a:stretch>
+        </a:blipFill>
+        <a:ln>
+          <a:noFill/>
+        </a:ln>
+      </dgm:spPr>
+      <dgm:extLst>
+        <a:ext uri="{E40237B7-FDA0-4F09-8148-C483321AD2D9}">
+          <dgm14:cNvPr xmlns:dgm14="http://schemas.microsoft.com/office/drawing/2010/diagram" id="0" name="" descr="Dollar"/>
+        </a:ext>
+      </dgm:extLst>
+    </dgm:pt>
+    <dgm:pt modelId="{A052D0EB-9352-4A4F-AA4F-92A1C0F856BF}" type="pres">
+      <dgm:prSet presAssocID="{A3EA9546-7E81-4275-9EF5-C5DA3D4A4477}" presName="spaceRect" presStyleCnt="0"/>
+      <dgm:spPr/>
+    </dgm:pt>
+    <dgm:pt modelId="{2D2E319C-761E-4EB6-91D0-90BD2B4410DD}" type="pres">
+      <dgm:prSet presAssocID="{A3EA9546-7E81-4275-9EF5-C5DA3D4A4477}" presName="textRect" presStyleLbl="revTx" presStyleIdx="1" presStyleCnt="5">
+        <dgm:presLayoutVars>
+          <dgm:chMax val="1"/>
+          <dgm:chPref val="1"/>
+        </dgm:presLayoutVars>
+      </dgm:prSet>
+      <dgm:spPr/>
+    </dgm:pt>
+    <dgm:pt modelId="{EAFE5995-211C-4C5A-9FE0-592CD840FA10}" type="pres">
+      <dgm:prSet presAssocID="{E755567E-FE4E-4F25-A84F-5A6D8EB909CC}" presName="sibTrans" presStyleLbl="sibTrans2D1" presStyleIdx="0" presStyleCnt="0"/>
+      <dgm:spPr/>
+    </dgm:pt>
+    <dgm:pt modelId="{6C4D0BA5-8DA6-43E6-A802-F6C69A3C7C59}" type="pres">
+      <dgm:prSet presAssocID="{73B6658F-F888-42CD-9C5E-772CCF747BD5}" presName="compNode" presStyleCnt="0"/>
+      <dgm:spPr/>
+    </dgm:pt>
+    <dgm:pt modelId="{E673F891-5D0E-41D5-9A1C-401D3004357F}" type="pres">
+      <dgm:prSet presAssocID="{73B6658F-F888-42CD-9C5E-772CCF747BD5}" presName="iconBgRect" presStyleLbl="bgShp" presStyleIdx="2" presStyleCnt="5"/>
+      <dgm:spPr/>
+    </dgm:pt>
+    <dgm:pt modelId="{075726F6-51C5-4377-896B-BA22BBA6D655}" type="pres">
+      <dgm:prSet presAssocID="{73B6658F-F888-42CD-9C5E-772CCF747BD5}" presName="iconRect" presStyleLbl="node1" presStyleIdx="2" presStyleCnt="5"/>
+      <dgm:spPr>
+        <a:blipFill>
+          <a:blip xmlns:r="http://schemas.openxmlformats.org/officeDocument/2006/relationships" r:embed="rId5">
+            <a:extLst>
+              <a:ext uri="{28A0092B-C50C-407E-A947-70E740481C1C}">
+                <a14:useLocalDpi xmlns:a14="http://schemas.microsoft.com/office/drawing/2010/main" val="0"/>
+              </a:ext>
+              <a:ext uri="{96DAC541-7B7A-43D3-8B79-37D633B846F1}">
+                <asvg:svgBlip xmlns:asvg="http://schemas.microsoft.com/office/drawing/2016/SVG/main" r:embed="rId6"/>
+              </a:ext>
+            </a:extLst>
+          </a:blip>
+          <a:stretch>
+            <a:fillRect/>
+          </a:stretch>
+        </a:blipFill>
+        <a:ln>
+          <a:noFill/>
+        </a:ln>
+      </dgm:spPr>
+      <dgm:extLst>
+        <a:ext uri="{E40237B7-FDA0-4F09-8148-C483321AD2D9}">
+          <dgm14:cNvPr xmlns:dgm14="http://schemas.microsoft.com/office/drawing/2010/diagram" id="0" name="" descr="Magnifying glass"/>
+        </a:ext>
+      </dgm:extLst>
+    </dgm:pt>
+    <dgm:pt modelId="{9782A55F-C0DE-4BB8-B12A-C3E090DC7F1A}" type="pres">
+      <dgm:prSet presAssocID="{73B6658F-F888-42CD-9C5E-772CCF747BD5}" presName="spaceRect" presStyleCnt="0"/>
+      <dgm:spPr/>
+    </dgm:pt>
+    <dgm:pt modelId="{470C607F-64F3-4909-9232-147D30F9ECB8}" type="pres">
+      <dgm:prSet presAssocID="{73B6658F-F888-42CD-9C5E-772CCF747BD5}" presName="textRect" presStyleLbl="revTx" presStyleIdx="2" presStyleCnt="5">
+        <dgm:presLayoutVars>
+          <dgm:chMax val="1"/>
+          <dgm:chPref val="1"/>
+        </dgm:presLayoutVars>
+      </dgm:prSet>
+      <dgm:spPr/>
+    </dgm:pt>
+    <dgm:pt modelId="{67844171-EABC-446B-B30A-B13669A203FE}" type="pres">
+      <dgm:prSet presAssocID="{5010B53D-3144-4D3A-BF54-D47F9302E923}" presName="sibTrans" presStyleLbl="sibTrans2D1" presStyleIdx="0" presStyleCnt="0"/>
+      <dgm:spPr/>
+    </dgm:pt>
+    <dgm:pt modelId="{EC45E4BE-51F8-4FEE-8A40-EE1EE6CE907E}" type="pres">
+      <dgm:prSet presAssocID="{CAD6EDAB-3D70-428A-A2C8-4A62B9FC7CE3}" presName="compNode" presStyleCnt="0"/>
+      <dgm:spPr/>
+    </dgm:pt>
+    <dgm:pt modelId="{FC5EBEA1-FD07-4FE8-A852-D8032328E478}" type="pres">
+      <dgm:prSet presAssocID="{CAD6EDAB-3D70-428A-A2C8-4A62B9FC7CE3}" presName="iconBgRect" presStyleLbl="bgShp" presStyleIdx="3" presStyleCnt="5"/>
+      <dgm:spPr/>
+    </dgm:pt>
+    <dgm:pt modelId="{DBB72F50-21CA-4118-BDB3-761320A5758D}" type="pres">
+      <dgm:prSet presAssocID="{CAD6EDAB-3D70-428A-A2C8-4A62B9FC7CE3}" presName="iconRect" presStyleLbl="node1" presStyleIdx="3" presStyleCnt="5"/>
+      <dgm:spPr>
+        <a:blipFill>
+          <a:blip xmlns:r="http://schemas.openxmlformats.org/officeDocument/2006/relationships" r:embed="rId7">
+            <a:extLst>
+              <a:ext uri="{28A0092B-C50C-407E-A947-70E740481C1C}">
+                <a14:useLocalDpi xmlns:a14="http://schemas.microsoft.com/office/drawing/2010/main" val="0"/>
+              </a:ext>
+              <a:ext uri="{96DAC541-7B7A-43D3-8B79-37D633B846F1}">
+                <asvg:svgBlip xmlns:asvg="http://schemas.microsoft.com/office/drawing/2016/SVG/main" r:embed="rId8"/>
+              </a:ext>
+            </a:extLst>
+          </a:blip>
+          <a:stretch>
+            <a:fillRect/>
+          </a:stretch>
+        </a:blipFill>
+        <a:ln>
+          <a:noFill/>
+        </a:ln>
+      </dgm:spPr>
+      <dgm:extLst>
+        <a:ext uri="{E40237B7-FDA0-4F09-8148-C483321AD2D9}">
+          <dgm14:cNvPr xmlns:dgm14="http://schemas.microsoft.com/office/drawing/2010/diagram" id="0" name="" descr="Research"/>
+        </a:ext>
+      </dgm:extLst>
+    </dgm:pt>
+    <dgm:pt modelId="{53C249BF-8131-4382-967A-0B06DF7A7D75}" type="pres">
+      <dgm:prSet presAssocID="{CAD6EDAB-3D70-428A-A2C8-4A62B9FC7CE3}" presName="spaceRect" presStyleCnt="0"/>
+      <dgm:spPr/>
+    </dgm:pt>
+    <dgm:pt modelId="{7F96B563-A3F3-4C45-8004-DF9A864C6EB4}" type="pres">
+      <dgm:prSet presAssocID="{CAD6EDAB-3D70-428A-A2C8-4A62B9FC7CE3}" presName="textRect" presStyleLbl="revTx" presStyleIdx="3" presStyleCnt="5">
+        <dgm:presLayoutVars>
+          <dgm:chMax val="1"/>
+          <dgm:chPref val="1"/>
+        </dgm:presLayoutVars>
+      </dgm:prSet>
+      <dgm:spPr/>
+    </dgm:pt>
+    <dgm:pt modelId="{10C48175-5F7A-41B4-9F7E-53AEC5D0F1BE}" type="pres">
+      <dgm:prSet presAssocID="{C1466913-1537-4ADF-9ACE-4787763893C5}" presName="sibTrans" presStyleLbl="sibTrans2D1" presStyleIdx="0" presStyleCnt="0"/>
+      <dgm:spPr/>
+    </dgm:pt>
+    <dgm:pt modelId="{60EB4892-AFD2-483E-AAD8-F7737AD9CA66}" type="pres">
+      <dgm:prSet presAssocID="{D305320E-2BBB-4E3C-87E9-CF86AB4E4566}" presName="compNode" presStyleCnt="0"/>
+      <dgm:spPr/>
+    </dgm:pt>
+    <dgm:pt modelId="{A6E4FFD6-0C0B-44BE-881D-E0CC0DA4BA7E}" type="pres">
+      <dgm:prSet presAssocID="{D305320E-2BBB-4E3C-87E9-CF86AB4E4566}" presName="iconBgRect" presStyleLbl="bgShp" presStyleIdx="4" presStyleCnt="5"/>
+      <dgm:spPr/>
+    </dgm:pt>
+    <dgm:pt modelId="{0EFCF235-DAF4-4A42-B4CF-63EBA8570E26}" type="pres">
+      <dgm:prSet presAssocID="{D305320E-2BBB-4E3C-87E9-CF86AB4E4566}" presName="iconRect" presStyleLbl="node1" presStyleIdx="4" presStyleCnt="5"/>
+      <dgm:spPr>
+        <a:blipFill>
+          <a:blip xmlns:r="http://schemas.openxmlformats.org/officeDocument/2006/relationships" r:embed="rId9">
+            <a:extLst>
+              <a:ext uri="{28A0092B-C50C-407E-A947-70E740481C1C}">
+                <a14:useLocalDpi xmlns:a14="http://schemas.microsoft.com/office/drawing/2010/main" val="0"/>
+              </a:ext>
+              <a:ext uri="{96DAC541-7B7A-43D3-8B79-37D633B846F1}">
+                <asvg:svgBlip xmlns:asvg="http://schemas.microsoft.com/office/drawing/2016/SVG/main" r:embed="rId10"/>
+              </a:ext>
+            </a:extLst>
+          </a:blip>
+          <a:stretch>
+            <a:fillRect/>
+          </a:stretch>
+        </a:blipFill>
+        <a:ln>
+          <a:noFill/>
+        </a:ln>
+      </dgm:spPr>
+      <dgm:extLst>
+        <a:ext uri="{E40237B7-FDA0-4F09-8148-C483321AD2D9}">
+          <dgm14:cNvPr xmlns:dgm14="http://schemas.microsoft.com/office/drawing/2010/diagram" id="0" name="" descr="Web Design"/>
+        </a:ext>
+      </dgm:extLst>
+    </dgm:pt>
+    <dgm:pt modelId="{5B1BF83B-5609-4A74-96FE-DBEB812E7005}" type="pres">
+      <dgm:prSet presAssocID="{D305320E-2BBB-4E3C-87E9-CF86AB4E4566}" presName="spaceRect" presStyleCnt="0"/>
+      <dgm:spPr/>
+    </dgm:pt>
+    <dgm:pt modelId="{47ADDE3F-93FC-4930-9D6D-E3E72B0EE9A3}" type="pres">
+      <dgm:prSet presAssocID="{D305320E-2BBB-4E3C-87E9-CF86AB4E4566}" presName="textRect" presStyleLbl="revTx" presStyleIdx="4" presStyleCnt="5">
+        <dgm:presLayoutVars>
+          <dgm:chMax val="1"/>
+          <dgm:chPref val="1"/>
+        </dgm:presLayoutVars>
+      </dgm:prSet>
+      <dgm:spPr/>
+    </dgm:pt>
+  </dgm:ptLst>
+  <dgm:cxnLst>
+    <dgm:cxn modelId="{8F907506-E4A8-4C20-BFC0-C9A7F9C10C02}" type="presOf" srcId="{3188598A-1C47-4532-ACF3-AF3085CC032A}" destId="{54D97576-02C6-4146-98DB-03F071511A49}" srcOrd="0" destOrd="0" presId="urn:microsoft.com/office/officeart/2018/2/layout/IconCircleList"/>
+    <dgm:cxn modelId="{EE714607-1140-4DEF-92EB-9531C0530BAE}" type="presOf" srcId="{D305320E-2BBB-4E3C-87E9-CF86AB4E4566}" destId="{47ADDE3F-93FC-4930-9D6D-E3E72B0EE9A3}" srcOrd="0" destOrd="0" presId="urn:microsoft.com/office/officeart/2018/2/layout/IconCircleList"/>
+    <dgm:cxn modelId="{3EFF3C0D-A552-4691-9C59-F0B1AF3C3338}" type="presOf" srcId="{5010B53D-3144-4D3A-BF54-D47F9302E923}" destId="{67844171-EABC-446B-B30A-B13669A203FE}" srcOrd="0" destOrd="0" presId="urn:microsoft.com/office/officeart/2018/2/layout/IconCircleList"/>
+    <dgm:cxn modelId="{90B6BA1F-45BB-4F6F-9489-0F76CB0EDC10}" type="presOf" srcId="{73B6658F-F888-42CD-9C5E-772CCF747BD5}" destId="{470C607F-64F3-4909-9232-147D30F9ECB8}" srcOrd="0" destOrd="0" presId="urn:microsoft.com/office/officeart/2018/2/layout/IconCircleList"/>
+    <dgm:cxn modelId="{F4361E39-C632-4106-9FA6-0E7CC7F49504}" srcId="{3188598A-1C47-4532-ACF3-AF3085CC032A}" destId="{D305320E-2BBB-4E3C-87E9-CF86AB4E4566}" srcOrd="4" destOrd="0" parTransId="{E518E9A3-F5B3-49A1-B3AB-D1E0AF3EACFA}" sibTransId="{C94A5284-85DD-483B-BC08-C5C71F5AFE60}"/>
+    <dgm:cxn modelId="{4C2C0F66-6661-4581-9D31-9F117E8920B6}" type="presOf" srcId="{0F8584C9-73F2-417B-87FC-8B68A7E60A2E}" destId="{EE0D22A3-3781-4B06-861A-A2491E813783}" srcOrd="0" destOrd="0" presId="urn:microsoft.com/office/officeart/2018/2/layout/IconCircleList"/>
+    <dgm:cxn modelId="{95215768-DB39-45A7-BF24-4CF30AA17D15}" type="presOf" srcId="{A3EA9546-7E81-4275-9EF5-C5DA3D4A4477}" destId="{2D2E319C-761E-4EB6-91D0-90BD2B4410DD}" srcOrd="0" destOrd="0" presId="urn:microsoft.com/office/officeart/2018/2/layout/IconCircleList"/>
+    <dgm:cxn modelId="{DB56AB80-FC69-401C-9198-5FAF94D05592}" srcId="{3188598A-1C47-4532-ACF3-AF3085CC032A}" destId="{A3EA9546-7E81-4275-9EF5-C5DA3D4A4477}" srcOrd="1" destOrd="0" parTransId="{E0C39433-06A2-43E8-B859-0D66C5A68F7F}" sibTransId="{E755567E-FE4E-4F25-A84F-5A6D8EB909CC}"/>
+    <dgm:cxn modelId="{FBE6A684-62CC-476E-921E-65B60954A3FE}" srcId="{3188598A-1C47-4532-ACF3-AF3085CC032A}" destId="{C779E8EF-F883-4ACD-AD30-5D1AAEDE2A49}" srcOrd="0" destOrd="0" parTransId="{47D086B8-9D5C-45B6-9447-26FA48BA2F16}" sibTransId="{0F8584C9-73F2-417B-87FC-8B68A7E60A2E}"/>
+    <dgm:cxn modelId="{156FD2A6-82F3-46EA-9C1E-1F1D32CC6728}" type="presOf" srcId="{CAD6EDAB-3D70-428A-A2C8-4A62B9FC7CE3}" destId="{7F96B563-A3F3-4C45-8004-DF9A864C6EB4}" srcOrd="0" destOrd="0" presId="urn:microsoft.com/office/officeart/2018/2/layout/IconCircleList"/>
+    <dgm:cxn modelId="{0ADB3EAD-1C56-4F94-AD99-8FD4DFBFF3DA}" type="presOf" srcId="{E755567E-FE4E-4F25-A84F-5A6D8EB909CC}" destId="{EAFE5995-211C-4C5A-9FE0-592CD840FA10}" srcOrd="0" destOrd="0" presId="urn:microsoft.com/office/officeart/2018/2/layout/IconCircleList"/>
+    <dgm:cxn modelId="{A5C15DC9-4142-4FDB-9DB2-279EF494B7C9}" type="presOf" srcId="{C1466913-1537-4ADF-9ACE-4787763893C5}" destId="{10C48175-5F7A-41B4-9F7E-53AEC5D0F1BE}" srcOrd="0" destOrd="0" presId="urn:microsoft.com/office/officeart/2018/2/layout/IconCircleList"/>
+    <dgm:cxn modelId="{0C6CD0EF-D961-4AFC-8E17-07D9D9E5D4B7}" srcId="{3188598A-1C47-4532-ACF3-AF3085CC032A}" destId="{73B6658F-F888-42CD-9C5E-772CCF747BD5}" srcOrd="2" destOrd="0" parTransId="{F41207C0-339A-4235-B908-6876217C855C}" sibTransId="{5010B53D-3144-4D3A-BF54-D47F9302E923}"/>
+    <dgm:cxn modelId="{A34B03F6-AD5D-459A-808E-70DB9148437F}" srcId="{3188598A-1C47-4532-ACF3-AF3085CC032A}" destId="{CAD6EDAB-3D70-428A-A2C8-4A62B9FC7CE3}" srcOrd="3" destOrd="0" parTransId="{B4764A5C-BE81-4B7A-ACC0-14320F0BB07E}" sibTransId="{C1466913-1537-4ADF-9ACE-4787763893C5}"/>
+    <dgm:cxn modelId="{20FBF1FB-1D09-4B85-BB17-B54B20C92006}" type="presOf" srcId="{C779E8EF-F883-4ACD-AD30-5D1AAEDE2A49}" destId="{5071BBD1-3689-4C3E-BB1F-9164930FBD62}" srcOrd="0" destOrd="0" presId="urn:microsoft.com/office/officeart/2018/2/layout/IconCircleList"/>
+    <dgm:cxn modelId="{01BF1C04-AE8B-441C-A23E-2F6FDA63E2CC}" type="presParOf" srcId="{54D97576-02C6-4146-98DB-03F071511A49}" destId="{5F49AB25-6B90-422E-BE3E-6A56E942FF8B}" srcOrd="0" destOrd="0" presId="urn:microsoft.com/office/officeart/2018/2/layout/IconCircleList"/>
+    <dgm:cxn modelId="{9F733EDE-AF9E-4FD2-B110-54D04F30756C}" type="presParOf" srcId="{5F49AB25-6B90-422E-BE3E-6A56E942FF8B}" destId="{4FCD027E-5013-4825-8831-0A96F0F88345}" srcOrd="0" destOrd="0" presId="urn:microsoft.com/office/officeart/2018/2/layout/IconCircleList"/>
+    <dgm:cxn modelId="{E2F1162F-3BA4-4366-AFF0-A2F631D4D1E2}" type="presParOf" srcId="{4FCD027E-5013-4825-8831-0A96F0F88345}" destId="{5AB7BDC2-CA69-43CA-A106-FA3212FAE3DD}" srcOrd="0" destOrd="0" presId="urn:microsoft.com/office/officeart/2018/2/layout/IconCircleList"/>
+    <dgm:cxn modelId="{24E0E576-B2EB-4E25-9ED3-38E2EBF86F5B}" type="presParOf" srcId="{4FCD027E-5013-4825-8831-0A96F0F88345}" destId="{CD3AC8FB-30FC-4B9F-9FF9-056E04237663}" srcOrd="1" destOrd="0" presId="urn:microsoft.com/office/officeart/2018/2/layout/IconCircleList"/>
+    <dgm:cxn modelId="{CCD4F16E-8C1A-4227-9918-C1687C5EA5CD}" type="presParOf" srcId="{4FCD027E-5013-4825-8831-0A96F0F88345}" destId="{9187EB56-C773-4C8A-828E-5148E9430153}" srcOrd="2" destOrd="0" presId="urn:microsoft.com/office/officeart/2018/2/layout/IconCircleList"/>
+    <dgm:cxn modelId="{D82F3D11-A1A9-4C39-A98F-857050C05546}" type="presParOf" srcId="{4FCD027E-5013-4825-8831-0A96F0F88345}" destId="{5071BBD1-3689-4C3E-BB1F-9164930FBD62}" srcOrd="3" destOrd="0" presId="urn:microsoft.com/office/officeart/2018/2/layout/IconCircleList"/>
+    <dgm:cxn modelId="{D674A964-8AA4-40E5-B48E-FB45C6733E23}" type="presParOf" srcId="{5F49AB25-6B90-422E-BE3E-6A56E942FF8B}" destId="{EE0D22A3-3781-4B06-861A-A2491E813783}" srcOrd="1" destOrd="0" presId="urn:microsoft.com/office/officeart/2018/2/layout/IconCircleList"/>
+    <dgm:cxn modelId="{71D86218-6D70-4C97-A65B-1A80D11AEB74}" type="presParOf" srcId="{5F49AB25-6B90-422E-BE3E-6A56E942FF8B}" destId="{5743DFC8-89C7-4A58-A5A0-DCE8328C0F01}" srcOrd="2" destOrd="0" presId="urn:microsoft.com/office/officeart/2018/2/layout/IconCircleList"/>
+    <dgm:cxn modelId="{7246D49B-4547-4863-8AB7-646AE02533E2}" type="presParOf" srcId="{5743DFC8-89C7-4A58-A5A0-DCE8328C0F01}" destId="{375998E2-5510-47D3-8935-085B2D91638E}" srcOrd="0" destOrd="0" presId="urn:microsoft.com/office/officeart/2018/2/layout/IconCircleList"/>
+    <dgm:cxn modelId="{7458FE2D-5FDD-4F09-A7B9-885650A1F1C2}" type="presParOf" srcId="{5743DFC8-89C7-4A58-A5A0-DCE8328C0F01}" destId="{1D943A9B-5A3E-4894-8E3C-EC363028A8CA}" srcOrd="1" destOrd="0" presId="urn:microsoft.com/office/officeart/2018/2/layout/IconCircleList"/>
+    <dgm:cxn modelId="{80B5C1F6-8FFE-4D36-8388-9ED91A756419}" type="presParOf" srcId="{5743DFC8-89C7-4A58-A5A0-DCE8328C0F01}" destId="{A052D0EB-9352-4A4F-AA4F-92A1C0F856BF}" srcOrd="2" destOrd="0" presId="urn:microsoft.com/office/officeart/2018/2/layout/IconCircleList"/>
+    <dgm:cxn modelId="{A7F8646F-3CB3-4559-B72B-C0CEDFFDDF39}" type="presParOf" srcId="{5743DFC8-89C7-4A58-A5A0-DCE8328C0F01}" destId="{2D2E319C-761E-4EB6-91D0-90BD2B4410DD}" srcOrd="3" destOrd="0" presId="urn:microsoft.com/office/officeart/2018/2/layout/IconCircleList"/>
+    <dgm:cxn modelId="{F81432F9-3BF6-410E-8BBD-21C1D306C2E8}" type="presParOf" srcId="{5F49AB25-6B90-422E-BE3E-6A56E942FF8B}" destId="{EAFE5995-211C-4C5A-9FE0-592CD840FA10}" srcOrd="3" destOrd="0" presId="urn:microsoft.com/office/officeart/2018/2/layout/IconCircleList"/>
+    <dgm:cxn modelId="{75FE1F22-ABE7-437C-A92E-8EDEA0BB708F}" type="presParOf" srcId="{5F49AB25-6B90-422E-BE3E-6A56E942FF8B}" destId="{6C4D0BA5-8DA6-43E6-A802-F6C69A3C7C59}" srcOrd="4" destOrd="0" presId="urn:microsoft.com/office/officeart/2018/2/layout/IconCircleList"/>
+    <dgm:cxn modelId="{03DDC0F0-B03C-4F3E-8AB1-FDBC5BA2178A}" type="presParOf" srcId="{6C4D0BA5-8DA6-43E6-A802-F6C69A3C7C59}" destId="{E673F891-5D0E-41D5-9A1C-401D3004357F}" srcOrd="0" destOrd="0" presId="urn:microsoft.com/office/officeart/2018/2/layout/IconCircleList"/>
+    <dgm:cxn modelId="{FFDA588A-4320-43C3-B2D7-655575F39655}" type="presParOf" srcId="{6C4D0BA5-8DA6-43E6-A802-F6C69A3C7C59}" destId="{075726F6-51C5-4377-896B-BA22BBA6D655}" srcOrd="1" destOrd="0" presId="urn:microsoft.com/office/officeart/2018/2/layout/IconCircleList"/>
+    <dgm:cxn modelId="{F2EFAF60-61D9-4C6D-B83A-512070BE2CA7}" type="presParOf" srcId="{6C4D0BA5-8DA6-43E6-A802-F6C69A3C7C59}" destId="{9782A55F-C0DE-4BB8-B12A-C3E090DC7F1A}" srcOrd="2" destOrd="0" presId="urn:microsoft.com/office/officeart/2018/2/layout/IconCircleList"/>
+    <dgm:cxn modelId="{273051F7-E8D1-4AC9-A421-8A6B4E9540BD}" type="presParOf" srcId="{6C4D0BA5-8DA6-43E6-A802-F6C69A3C7C59}" destId="{470C607F-64F3-4909-9232-147D30F9ECB8}" srcOrd="3" destOrd="0" presId="urn:microsoft.com/office/officeart/2018/2/layout/IconCircleList"/>
+    <dgm:cxn modelId="{8725CE2E-213B-4D41-A026-488FD97527AF}" type="presParOf" srcId="{5F49AB25-6B90-422E-BE3E-6A56E942FF8B}" destId="{67844171-EABC-446B-B30A-B13669A203FE}" srcOrd="5" destOrd="0" presId="urn:microsoft.com/office/officeart/2018/2/layout/IconCircleList"/>
+    <dgm:cxn modelId="{05760F5E-9A2C-49EF-98F2-A4586C4935CD}" type="presParOf" srcId="{5F49AB25-6B90-422E-BE3E-6A56E942FF8B}" destId="{EC45E4BE-51F8-4FEE-8A40-EE1EE6CE907E}" srcOrd="6" destOrd="0" presId="urn:microsoft.com/office/officeart/2018/2/layout/IconCircleList"/>
+    <dgm:cxn modelId="{DED81FC8-04D6-4FAE-8541-6AF3F1D89377}" type="presParOf" srcId="{EC45E4BE-51F8-4FEE-8A40-EE1EE6CE907E}" destId="{FC5EBEA1-FD07-4FE8-A852-D8032328E478}" srcOrd="0" destOrd="0" presId="urn:microsoft.com/office/officeart/2018/2/layout/IconCircleList"/>
+    <dgm:cxn modelId="{D2988309-92D8-40E6-9D1A-8F8DDADD423E}" type="presParOf" srcId="{EC45E4BE-51F8-4FEE-8A40-EE1EE6CE907E}" destId="{DBB72F50-21CA-4118-BDB3-761320A5758D}" srcOrd="1" destOrd="0" presId="urn:microsoft.com/office/officeart/2018/2/layout/IconCircleList"/>
+    <dgm:cxn modelId="{FFD12CFF-3ECF-46BC-8C4D-61403125CCD1}" type="presParOf" srcId="{EC45E4BE-51F8-4FEE-8A40-EE1EE6CE907E}" destId="{53C249BF-8131-4382-967A-0B06DF7A7D75}" srcOrd="2" destOrd="0" presId="urn:microsoft.com/office/officeart/2018/2/layout/IconCircleList"/>
+    <dgm:cxn modelId="{27EF8CF7-C9C6-43DC-8928-B63798589534}" type="presParOf" srcId="{EC45E4BE-51F8-4FEE-8A40-EE1EE6CE907E}" destId="{7F96B563-A3F3-4C45-8004-DF9A864C6EB4}" srcOrd="3" destOrd="0" presId="urn:microsoft.com/office/officeart/2018/2/layout/IconCircleList"/>
+    <dgm:cxn modelId="{921F41B3-2330-4989-9892-9F69DC1AB3EE}" type="presParOf" srcId="{5F49AB25-6B90-422E-BE3E-6A56E942FF8B}" destId="{10C48175-5F7A-41B4-9F7E-53AEC5D0F1BE}" srcOrd="7" destOrd="0" presId="urn:microsoft.com/office/officeart/2018/2/layout/IconCircleList"/>
+    <dgm:cxn modelId="{D6410D81-89DE-4C50-A8AD-7A79EB5462F9}" type="presParOf" srcId="{5F49AB25-6B90-422E-BE3E-6A56E942FF8B}" destId="{60EB4892-AFD2-483E-AAD8-F7737AD9CA66}" srcOrd="8" destOrd="0" presId="urn:microsoft.com/office/officeart/2018/2/layout/IconCircleList"/>
+    <dgm:cxn modelId="{B2C7EF7F-C8B6-46AB-8870-FFB2AC86C7F5}" type="presParOf" srcId="{60EB4892-AFD2-483E-AAD8-F7737AD9CA66}" destId="{A6E4FFD6-0C0B-44BE-881D-E0CC0DA4BA7E}" srcOrd="0" destOrd="0" presId="urn:microsoft.com/office/officeart/2018/2/layout/IconCircleList"/>
+    <dgm:cxn modelId="{624675DB-A26C-4488-BDC5-1593415C44B6}" type="presParOf" srcId="{60EB4892-AFD2-483E-AAD8-F7737AD9CA66}" destId="{0EFCF235-DAF4-4A42-B4CF-63EBA8570E26}" srcOrd="1" destOrd="0" presId="urn:microsoft.com/office/officeart/2018/2/layout/IconCircleList"/>
+    <dgm:cxn modelId="{00FA2A03-9A90-4023-9A36-ED0888D70445}" type="presParOf" srcId="{60EB4892-AFD2-483E-AAD8-F7737AD9CA66}" destId="{5B1BF83B-5609-4A74-96FE-DBEB812E7005}" srcOrd="2" destOrd="0" presId="urn:microsoft.com/office/officeart/2018/2/layout/IconCircleList"/>
+    <dgm:cxn modelId="{2D602610-D671-485D-A2E9-C46D48C4F33D}" type="presParOf" srcId="{60EB4892-AFD2-483E-AAD8-F7737AD9CA66}" destId="{47ADDE3F-93FC-4930-9D6D-E3E72B0EE9A3}" srcOrd="3" destOrd="0" presId="urn:microsoft.com/office/officeart/2018/2/layout/IconCircleList"/>
+  </dgm:cxnLst>
+  <dgm:bg/>
+  <dgm:whole/>
+  <dgm:extLst>
+    <a:ext uri="http://schemas.microsoft.com/office/drawing/2008/diagram">
+      <dsp:dataModelExt xmlns:dsp="http://schemas.microsoft.com/office/drawing/2008/diagram" relId="rId6" minVer="http://schemas.openxmlformats.org/drawingml/2006/diagram"/>
+    </a:ext>
+  </dgm:extLst>
+</dgm:dataModel>
+</file>
+
+<file path=ppt/diagrams/data2.xml><?xml version="1.0" encoding="utf-8"?>
+<dgm:dataModel xmlns:dgm="http://schemas.openxmlformats.org/drawingml/2006/diagram" xmlns:a="http://schemas.openxmlformats.org/drawingml/2006/main">
+  <dgm:ptLst>
     <dgm:pt modelId="{C8BF5FB6-AF32-4AC7-83F0-EA99784EDBB9}" type="doc">
-      <dgm:prSet loTypeId="urn:microsoft.com/office/officeart/2018/2/layout/IconVerticalSolidList" loCatId="icon" qsTypeId="urn:microsoft.com/office/officeart/2005/8/quickstyle/simple1" qsCatId="simple" csTypeId="urn:microsoft.com/office/officeart/2018/5/colors/Iconchunking_neutralicontext_colorful1" csCatId="colorful" phldr="1"/>
+      <dgm:prSet loTypeId="urn:microsoft.com/office/officeart/2018/2/layout/IconVerticalSolidList" loCatId="icon" qsTypeId="urn:microsoft.com/office/officeart/2005/8/quickstyle/simple1" qsCatId="simple" csTypeId="urn:microsoft.com/office/officeart/2018/5/colors/Iconchunking_neutralicontext_colorful2" csCatId="colorful" phldr="1"/>
       <dgm:spPr/>
       <dgm:t>
         <a:bodyPr/>
@@ -1061,17 +2378,34 @@
         <a:bodyPr/>
         <a:lstStyle/>
         <a:p>
+          <a:pPr>
+            <a:lnSpc>
+              <a:spcPct val="100000"/>
+            </a:lnSpc>
+          </a:pPr>
           <a:r>
-            <a:rPr lang="en-US"/>
+            <a:rPr lang="en-US" dirty="0"/>
             <a:t>Git hub link- </a:t>
           </a:r>
           <a:r>
-            <a:rPr lang="en-US">
+            <a:rPr lang="en-US" dirty="0">
               <a:hlinkClick xmlns:r="http://schemas.openxmlformats.org/officeDocument/2006/relationships" r:id="rId1"/>
             </a:rPr>
-            <a:t>DLTE-Java-Full-Stack-ElroyMerwynMonis-2024/DLTE-MyBank-Project at master · elroy26/DLTE-Java-Full-Stack-ElroyMerwynMonis-2024 (github.com)</a:t>
+            <a:t>DLTE-Java-Full-Stack-ElroyMerwynMonis-2024/DLTE-</a:t>
           </a:r>
-          <a:endParaRPr lang="en-US"/>
+          <a:r>
+            <a:rPr lang="en-US" dirty="0" err="1">
+              <a:hlinkClick xmlns:r="http://schemas.openxmlformats.org/officeDocument/2006/relationships" r:id="rId1"/>
+            </a:rPr>
+            <a:t>MyBank</a:t>
+          </a:r>
+          <a:r>
+            <a:rPr lang="en-US" dirty="0">
+              <a:hlinkClick xmlns:r="http://schemas.openxmlformats.org/officeDocument/2006/relationships" r:id="rId1"/>
+            </a:rPr>
+            <a:t>-Project at master · elroy26/DLTE-Java-Full-Stack-ElroyMerwynMonis-2024 (github.com)</a:t>
+          </a:r>
+          <a:endParaRPr lang="en-US" dirty="0"/>
         </a:p>
       </dgm:t>
     </dgm:pt>
@@ -1093,6 +2427,11 @@
         <a:bodyPr/>
         <a:lstStyle/>
         <a:p>
+          <a:pPr>
+            <a:lnSpc>
+              <a:spcPct val="100000"/>
+            </a:lnSpc>
+          </a:pPr>
           <a:endParaRPr lang="en-US"/>
         </a:p>
       </dgm:t>
@@ -1105,14 +2444,22 @@
         <a:lstStyle/>
         <a:p>
           <a:r>
-            <a:rPr lang="en-US"/>
-            <a:t>Jar File- </a:t>
+            <a:rPr lang="en-US">
+              <a:hlinkClick xmlns:r="http://schemas.openxmlformats.org/officeDocument/2006/relationships" r:id="rId2">
+                <a:extLst>
+                  <a:ext uri="{A12FA001-AC4F-418D-AE19-62706E023703}">
+                    <ahyp:hlinkClr xmlns:ahyp="http://schemas.microsoft.com/office/drawing/2018/hyperlinkcolor" val="tx"/>
+                  </a:ext>
+                </a:extLst>
+              </a:hlinkClick>
+            </a:rPr>
+            <a:t>War file link- </a:t>
           </a:r>
           <a:r>
             <a:rPr lang="en-US">
               <a:hlinkClick xmlns:r="http://schemas.openxmlformats.org/officeDocument/2006/relationships" r:id="rId2"/>
             </a:rPr>
-            <a:t>DLTE-Java-Full-Stack-ElroyMerwynMonis-2024/DLTE-MyBank-Project/MyBank-Insurance-Dao/target/insurancedao-0.0.1-SNAPSHOT.jar at master · elroy26/DLTE-Java-Full-Stack-ElroyMerwynMonis-2024 (github.com)</a:t>
+            <a:t>DLTE-Java-Full-Stack-ElroyMerwynMonis-2024/DLTE-MyBank-Project/MyBank-Insurance-WebService/target/webservice-0.0.1-SNAPSHOT.war at master · elroy26/DLTE-Java-Full-Stack-ElroyMerwynMonis-2024 (github.com)</a:t>
           </a:r>
           <a:endParaRPr lang="en-US"/>
         </a:p>
@@ -1253,22 +2600,22 @@
     </dgm:pt>
   </dgm:ptLst>
   <dgm:cxnLst>
-    <dgm:cxn modelId="{18FBA501-D058-4B78-9852-A650FBE7BAAA}" type="presOf" srcId="{AAA90859-7082-4A4D-AFDE-60681BEC7998}" destId="{9A586AB9-D966-4A82-8FE3-505B17FC17F8}" srcOrd="0" destOrd="0" presId="urn:microsoft.com/office/officeart/2018/2/layout/IconVerticalSolidList"/>
     <dgm:cxn modelId="{CBB3E904-EA03-4B09-8E64-A8A9B63B058B}" srcId="{C8BF5FB6-AF32-4AC7-83F0-EA99784EDBB9}" destId="{2884533B-2543-491A-BBC0-68D87CC4AC17}" srcOrd="0" destOrd="0" parTransId="{80560DEB-0B88-4396-A6B3-52A259568AE8}" sibTransId="{34A9B0EE-BBED-42DD-B526-F8F6E3AB11D9}"/>
     <dgm:cxn modelId="{46EB772C-D3FC-4BFC-8923-437DEEBA6A48}" srcId="{C8BF5FB6-AF32-4AC7-83F0-EA99784EDBB9}" destId="{AAA90859-7082-4A4D-AFDE-60681BEC7998}" srcOrd="1" destOrd="0" parTransId="{3A27C8D0-936D-4E3F-AEFC-3017B8264916}" sibTransId="{49A8D087-A33C-46B9-9A0D-C851DD0AECBF}"/>
-    <dgm:cxn modelId="{913BBC7B-B66B-42DB-834A-32F6BE149707}" type="presOf" srcId="{C8BF5FB6-AF32-4AC7-83F0-EA99784EDBB9}" destId="{94A3E451-C31A-48D9-B4DF-288E34DA2AD7}" srcOrd="0" destOrd="0" presId="urn:microsoft.com/office/officeart/2018/2/layout/IconVerticalSolidList"/>
-    <dgm:cxn modelId="{8E3239E4-E6CD-4E6F-B0B3-BFB16A751249}" type="presOf" srcId="{2884533B-2543-491A-BBC0-68D87CC4AC17}" destId="{3E25FABD-13D8-4CAB-9897-BFFE333BFDE0}" srcOrd="0" destOrd="0" presId="urn:microsoft.com/office/officeart/2018/2/layout/IconVerticalSolidList"/>
-    <dgm:cxn modelId="{1074C9B3-07CE-4AB1-82B7-9740E3EA4EE4}" type="presParOf" srcId="{94A3E451-C31A-48D9-B4DF-288E34DA2AD7}" destId="{FB97D920-A253-4675-8AF8-A3BE62FA26DE}" srcOrd="0" destOrd="0" presId="urn:microsoft.com/office/officeart/2018/2/layout/IconVerticalSolidList"/>
-    <dgm:cxn modelId="{11478454-7AD9-4F1B-9437-489B82BA5398}" type="presParOf" srcId="{FB97D920-A253-4675-8AF8-A3BE62FA26DE}" destId="{0589C34F-3FAF-497E-AA10-98BEB0C9AADA}" srcOrd="0" destOrd="0" presId="urn:microsoft.com/office/officeart/2018/2/layout/IconVerticalSolidList"/>
-    <dgm:cxn modelId="{31AB4A51-B89E-4161-913F-065876AB836B}" type="presParOf" srcId="{FB97D920-A253-4675-8AF8-A3BE62FA26DE}" destId="{AE19A568-3751-454A-9D3D-B9381701AAE8}" srcOrd="1" destOrd="0" presId="urn:microsoft.com/office/officeart/2018/2/layout/IconVerticalSolidList"/>
-    <dgm:cxn modelId="{207D82D5-E2EA-4BE9-B305-B30A89327158}" type="presParOf" srcId="{FB97D920-A253-4675-8AF8-A3BE62FA26DE}" destId="{F77C915E-C37F-4A5A-9BDF-80CBDE7F4779}" srcOrd="2" destOrd="0" presId="urn:microsoft.com/office/officeart/2018/2/layout/IconVerticalSolidList"/>
-    <dgm:cxn modelId="{8C39B67C-FB95-4E43-B570-C144DD435F02}" type="presParOf" srcId="{FB97D920-A253-4675-8AF8-A3BE62FA26DE}" destId="{3E25FABD-13D8-4CAB-9897-BFFE333BFDE0}" srcOrd="3" destOrd="0" presId="urn:microsoft.com/office/officeart/2018/2/layout/IconVerticalSolidList"/>
-    <dgm:cxn modelId="{0DB1F40B-226D-43D1-A828-A27A802BCF86}" type="presParOf" srcId="{94A3E451-C31A-48D9-B4DF-288E34DA2AD7}" destId="{E1D99210-35C2-4488-89A0-44D89AD3F14E}" srcOrd="1" destOrd="0" presId="urn:microsoft.com/office/officeart/2018/2/layout/IconVerticalSolidList"/>
-    <dgm:cxn modelId="{71662AD1-0316-49D6-AAD3-0484332BC8C0}" type="presParOf" srcId="{94A3E451-C31A-48D9-B4DF-288E34DA2AD7}" destId="{595B5D40-9484-4634-A4CA-01A2AB8E6FC0}" srcOrd="2" destOrd="0" presId="urn:microsoft.com/office/officeart/2018/2/layout/IconVerticalSolidList"/>
-    <dgm:cxn modelId="{66CD5EE5-267A-4551-90AF-1BF06055C30D}" type="presParOf" srcId="{595B5D40-9484-4634-A4CA-01A2AB8E6FC0}" destId="{A466C97F-18FE-40CF-B5AD-6B7130B67B44}" srcOrd="0" destOrd="0" presId="urn:microsoft.com/office/officeart/2018/2/layout/IconVerticalSolidList"/>
-    <dgm:cxn modelId="{1F24A958-5D90-4DEC-9F86-8BD18595891F}" type="presParOf" srcId="{595B5D40-9484-4634-A4CA-01A2AB8E6FC0}" destId="{13FB31CD-C734-4F61-A716-153941C652EB}" srcOrd="1" destOrd="0" presId="urn:microsoft.com/office/officeart/2018/2/layout/IconVerticalSolidList"/>
-    <dgm:cxn modelId="{39AB7F42-04CD-4EF0-8B91-77DF05907E41}" type="presParOf" srcId="{595B5D40-9484-4634-A4CA-01A2AB8E6FC0}" destId="{5C3845E9-B3A1-417C-A6C1-2CDE2B4510C1}" srcOrd="2" destOrd="0" presId="urn:microsoft.com/office/officeart/2018/2/layout/IconVerticalSolidList"/>
-    <dgm:cxn modelId="{B45CB7DD-C9E7-428B-9DAE-9133D07B0E30}" type="presParOf" srcId="{595B5D40-9484-4634-A4CA-01A2AB8E6FC0}" destId="{9A586AB9-D966-4A82-8FE3-505B17FC17F8}" srcOrd="3" destOrd="0" presId="urn:microsoft.com/office/officeart/2018/2/layout/IconVerticalSolidList"/>
+    <dgm:cxn modelId="{1C40B3AC-783A-42E4-8A14-0CFFDEBDDF8F}" type="presOf" srcId="{AAA90859-7082-4A4D-AFDE-60681BEC7998}" destId="{9A586AB9-D966-4A82-8FE3-505B17FC17F8}" srcOrd="0" destOrd="0" presId="urn:microsoft.com/office/officeart/2018/2/layout/IconVerticalSolidList"/>
+    <dgm:cxn modelId="{389A61BB-4CA5-4FCF-AC2D-8AE189C893FC}" type="presOf" srcId="{C8BF5FB6-AF32-4AC7-83F0-EA99784EDBB9}" destId="{94A3E451-C31A-48D9-B4DF-288E34DA2AD7}" srcOrd="0" destOrd="0" presId="urn:microsoft.com/office/officeart/2018/2/layout/IconVerticalSolidList"/>
+    <dgm:cxn modelId="{01D855CD-28B3-4922-83B3-8375710861D4}" type="presOf" srcId="{2884533B-2543-491A-BBC0-68D87CC4AC17}" destId="{3E25FABD-13D8-4CAB-9897-BFFE333BFDE0}" srcOrd="0" destOrd="0" presId="urn:microsoft.com/office/officeart/2018/2/layout/IconVerticalSolidList"/>
+    <dgm:cxn modelId="{491A1916-0C35-49B4-AE66-6DF7ED9DC1EC}" type="presParOf" srcId="{94A3E451-C31A-48D9-B4DF-288E34DA2AD7}" destId="{FB97D920-A253-4675-8AF8-A3BE62FA26DE}" srcOrd="0" destOrd="0" presId="urn:microsoft.com/office/officeart/2018/2/layout/IconVerticalSolidList"/>
+    <dgm:cxn modelId="{9594F18F-44A9-4BB5-996A-9B4E3B1D1AEE}" type="presParOf" srcId="{FB97D920-A253-4675-8AF8-A3BE62FA26DE}" destId="{0589C34F-3FAF-497E-AA10-98BEB0C9AADA}" srcOrd="0" destOrd="0" presId="urn:microsoft.com/office/officeart/2018/2/layout/IconVerticalSolidList"/>
+    <dgm:cxn modelId="{1E17A31C-8161-4E4A-B974-303B3882C272}" type="presParOf" srcId="{FB97D920-A253-4675-8AF8-A3BE62FA26DE}" destId="{AE19A568-3751-454A-9D3D-B9381701AAE8}" srcOrd="1" destOrd="0" presId="urn:microsoft.com/office/officeart/2018/2/layout/IconVerticalSolidList"/>
+    <dgm:cxn modelId="{76A31D65-848A-45D3-91E9-BA1D237C765A}" type="presParOf" srcId="{FB97D920-A253-4675-8AF8-A3BE62FA26DE}" destId="{F77C915E-C37F-4A5A-9BDF-80CBDE7F4779}" srcOrd="2" destOrd="0" presId="urn:microsoft.com/office/officeart/2018/2/layout/IconVerticalSolidList"/>
+    <dgm:cxn modelId="{665113B8-4ABB-472D-A91F-3B6B486B8078}" type="presParOf" srcId="{FB97D920-A253-4675-8AF8-A3BE62FA26DE}" destId="{3E25FABD-13D8-4CAB-9897-BFFE333BFDE0}" srcOrd="3" destOrd="0" presId="urn:microsoft.com/office/officeart/2018/2/layout/IconVerticalSolidList"/>
+    <dgm:cxn modelId="{2902F62A-870B-4577-A43E-4A73A9A5F4E1}" type="presParOf" srcId="{94A3E451-C31A-48D9-B4DF-288E34DA2AD7}" destId="{E1D99210-35C2-4488-89A0-44D89AD3F14E}" srcOrd="1" destOrd="0" presId="urn:microsoft.com/office/officeart/2018/2/layout/IconVerticalSolidList"/>
+    <dgm:cxn modelId="{546FFAB3-77E8-4437-89CB-79AA23954646}" type="presParOf" srcId="{94A3E451-C31A-48D9-B4DF-288E34DA2AD7}" destId="{595B5D40-9484-4634-A4CA-01A2AB8E6FC0}" srcOrd="2" destOrd="0" presId="urn:microsoft.com/office/officeart/2018/2/layout/IconVerticalSolidList"/>
+    <dgm:cxn modelId="{82C94DB1-68F4-43C0-9555-5630E867F92B}" type="presParOf" srcId="{595B5D40-9484-4634-A4CA-01A2AB8E6FC0}" destId="{A466C97F-18FE-40CF-B5AD-6B7130B67B44}" srcOrd="0" destOrd="0" presId="urn:microsoft.com/office/officeart/2018/2/layout/IconVerticalSolidList"/>
+    <dgm:cxn modelId="{900EE578-1F50-46C5-AF6E-DD3252D5B12E}" type="presParOf" srcId="{595B5D40-9484-4634-A4CA-01A2AB8E6FC0}" destId="{13FB31CD-C734-4F61-A716-153941C652EB}" srcOrd="1" destOrd="0" presId="urn:microsoft.com/office/officeart/2018/2/layout/IconVerticalSolidList"/>
+    <dgm:cxn modelId="{9F709B33-C24C-45A2-A0E3-C947BBB49035}" type="presParOf" srcId="{595B5D40-9484-4634-A4CA-01A2AB8E6FC0}" destId="{5C3845E9-B3A1-417C-A6C1-2CDE2B4510C1}" srcOrd="2" destOrd="0" presId="urn:microsoft.com/office/officeart/2018/2/layout/IconVerticalSolidList"/>
+    <dgm:cxn modelId="{41076BAA-60A9-4795-95C9-C4F529BFABF8}" type="presParOf" srcId="{595B5D40-9484-4634-A4CA-01A2AB8E6FC0}" destId="{9A586AB9-D966-4A82-8FE3-505B17FC17F8}" srcOrd="3" destOrd="0" presId="urn:microsoft.com/office/officeart/2018/2/layout/IconVerticalSolidList"/>
   </dgm:cxnLst>
   <dgm:bg/>
   <dgm:whole/>
@@ -1288,6 +2635,763 @@
       <dsp:cNvGrpSpPr/>
     </dsp:nvGrpSpPr>
     <dsp:grpSpPr/>
+    <dsp:sp modelId="{5AB7BDC2-CA69-43CA-A106-FA3212FAE3DD}">
+      <dsp:nvSpPr>
+        <dsp:cNvPr id="0" name=""/>
+        <dsp:cNvSpPr/>
+      </dsp:nvSpPr>
+      <dsp:spPr>
+        <a:xfrm>
+          <a:off x="82613" y="741537"/>
+          <a:ext cx="897246" cy="897246"/>
+        </a:xfrm>
+        <a:prstGeom prst="ellipse">
+          <a:avLst/>
+        </a:prstGeom>
+        <a:solidFill>
+          <a:schemeClr val="accent2">
+            <a:hueOff val="0"/>
+            <a:satOff val="0"/>
+            <a:lumOff val="0"/>
+            <a:alphaOff val="0"/>
+          </a:schemeClr>
+        </a:solidFill>
+        <a:ln>
+          <a:noFill/>
+        </a:ln>
+        <a:effectLst/>
+      </dsp:spPr>
+      <dsp:style>
+        <a:lnRef idx="0">
+          <a:scrgbClr r="0" g="0" b="0"/>
+        </a:lnRef>
+        <a:fillRef idx="1">
+          <a:scrgbClr r="0" g="0" b="0"/>
+        </a:fillRef>
+        <a:effectRef idx="0">
+          <a:scrgbClr r="0" g="0" b="0"/>
+        </a:effectRef>
+        <a:fontRef idx="minor"/>
+      </dsp:style>
+    </dsp:sp>
+    <dsp:sp modelId="{CD3AC8FB-30FC-4B9F-9FF9-056E04237663}">
+      <dsp:nvSpPr>
+        <dsp:cNvPr id="0" name=""/>
+        <dsp:cNvSpPr/>
+      </dsp:nvSpPr>
+      <dsp:spPr>
+        <a:xfrm>
+          <a:off x="271034" y="929959"/>
+          <a:ext cx="520402" cy="520402"/>
+        </a:xfrm>
+        <a:prstGeom prst="rect">
+          <a:avLst/>
+        </a:prstGeom>
+        <a:blipFill>
+          <a:blip xmlns:r="http://schemas.openxmlformats.org/officeDocument/2006/relationships" r:embed="rId1">
+            <a:extLst>
+              <a:ext uri="{28A0092B-C50C-407E-A947-70E740481C1C}">
+                <a14:useLocalDpi xmlns:a14="http://schemas.microsoft.com/office/drawing/2010/main" val="0"/>
+              </a:ext>
+              <a:ext uri="{96DAC541-7B7A-43D3-8B79-37D633B846F1}">
+                <asvg:svgBlip xmlns:asvg="http://schemas.microsoft.com/office/drawing/2016/SVG/main" r:embed="rId2"/>
+              </a:ext>
+            </a:extLst>
+          </a:blip>
+          <a:stretch>
+            <a:fillRect/>
+          </a:stretch>
+        </a:blipFill>
+        <a:ln w="12700" cap="flat" cmpd="sng" algn="ctr">
+          <a:noFill/>
+          <a:prstDash val="solid"/>
+          <a:miter lim="800000"/>
+        </a:ln>
+        <a:effectLst/>
+      </dsp:spPr>
+      <dsp:style>
+        <a:lnRef idx="2">
+          <a:scrgbClr r="0" g="0" b="0"/>
+        </a:lnRef>
+        <a:fillRef idx="1">
+          <a:scrgbClr r="0" g="0" b="0"/>
+        </a:fillRef>
+        <a:effectRef idx="0">
+          <a:scrgbClr r="0" g="0" b="0"/>
+        </a:effectRef>
+        <a:fontRef idx="minor">
+          <a:schemeClr val="lt1"/>
+        </a:fontRef>
+      </dsp:style>
+    </dsp:sp>
+    <dsp:sp modelId="{5071BBD1-3689-4C3E-BB1F-9164930FBD62}">
+      <dsp:nvSpPr>
+        <dsp:cNvPr id="0" name=""/>
+        <dsp:cNvSpPr/>
+      </dsp:nvSpPr>
+      <dsp:spPr>
+        <a:xfrm>
+          <a:off x="1172126" y="741537"/>
+          <a:ext cx="2114937" cy="897246"/>
+        </a:xfrm>
+        <a:prstGeom prst="rect">
+          <a:avLst/>
+        </a:prstGeom>
+        <a:noFill/>
+        <a:ln>
+          <a:noFill/>
+        </a:ln>
+        <a:effectLst/>
+      </dsp:spPr>
+      <dsp:style>
+        <a:lnRef idx="0">
+          <a:scrgbClr r="0" g="0" b="0"/>
+        </a:lnRef>
+        <a:fillRef idx="0">
+          <a:scrgbClr r="0" g="0" b="0"/>
+        </a:fillRef>
+        <a:effectRef idx="0">
+          <a:scrgbClr r="0" g="0" b="0"/>
+        </a:effectRef>
+        <a:fontRef idx="minor"/>
+      </dsp:style>
+      <dsp:txBody>
+        <a:bodyPr spcFirstLastPara="0" vert="horz" wrap="square" lIns="0" tIns="0" rIns="0" bIns="0" numCol="1" spcCol="1270" anchor="ctr" anchorCtr="0">
+          <a:noAutofit/>
+        </a:bodyPr>
+        <a:lstStyle/>
+        <a:p>
+          <a:pPr marL="0" lvl="0" indent="0" algn="l" defTabSz="800100">
+            <a:lnSpc>
+              <a:spcPct val="90000"/>
+            </a:lnSpc>
+            <a:spcBef>
+              <a:spcPct val="0"/>
+            </a:spcBef>
+            <a:spcAft>
+              <a:spcPct val="35000"/>
+            </a:spcAft>
+            <a:buNone/>
+          </a:pPr>
+          <a:r>
+            <a:rPr lang="en-US" sz="1800" kern="1200" dirty="0"/>
+            <a:t>Insurance module allows users to view all the available insurance in the bank .</a:t>
+          </a:r>
+        </a:p>
+      </dsp:txBody>
+      <dsp:txXfrm>
+        <a:off x="1172126" y="741537"/>
+        <a:ext cx="2114937" cy="897246"/>
+      </dsp:txXfrm>
+    </dsp:sp>
+    <dsp:sp modelId="{375998E2-5510-47D3-8935-085B2D91638E}">
+      <dsp:nvSpPr>
+        <dsp:cNvPr id="0" name=""/>
+        <dsp:cNvSpPr/>
+      </dsp:nvSpPr>
+      <dsp:spPr>
+        <a:xfrm>
+          <a:off x="3655575" y="741537"/>
+          <a:ext cx="897246" cy="897246"/>
+        </a:xfrm>
+        <a:prstGeom prst="ellipse">
+          <a:avLst/>
+        </a:prstGeom>
+        <a:solidFill>
+          <a:schemeClr val="accent3">
+            <a:hueOff val="0"/>
+            <a:satOff val="0"/>
+            <a:lumOff val="0"/>
+            <a:alphaOff val="0"/>
+          </a:schemeClr>
+        </a:solidFill>
+        <a:ln>
+          <a:noFill/>
+        </a:ln>
+        <a:effectLst/>
+      </dsp:spPr>
+      <dsp:style>
+        <a:lnRef idx="0">
+          <a:scrgbClr r="0" g="0" b="0"/>
+        </a:lnRef>
+        <a:fillRef idx="1">
+          <a:scrgbClr r="0" g="0" b="0"/>
+        </a:fillRef>
+        <a:effectRef idx="0">
+          <a:scrgbClr r="0" g="0" b="0"/>
+        </a:effectRef>
+        <a:fontRef idx="minor"/>
+      </dsp:style>
+    </dsp:sp>
+    <dsp:sp modelId="{1D943A9B-5A3E-4894-8E3C-EC363028A8CA}">
+      <dsp:nvSpPr>
+        <dsp:cNvPr id="0" name=""/>
+        <dsp:cNvSpPr/>
+      </dsp:nvSpPr>
+      <dsp:spPr>
+        <a:xfrm>
+          <a:off x="3843996" y="929959"/>
+          <a:ext cx="520402" cy="520402"/>
+        </a:xfrm>
+        <a:prstGeom prst="rect">
+          <a:avLst/>
+        </a:prstGeom>
+        <a:blipFill>
+          <a:blip xmlns:r="http://schemas.openxmlformats.org/officeDocument/2006/relationships" r:embed="rId3">
+            <a:extLst>
+              <a:ext uri="{28A0092B-C50C-407E-A947-70E740481C1C}">
+                <a14:useLocalDpi xmlns:a14="http://schemas.microsoft.com/office/drawing/2010/main" val="0"/>
+              </a:ext>
+              <a:ext uri="{96DAC541-7B7A-43D3-8B79-37D633B846F1}">
+                <asvg:svgBlip xmlns:asvg="http://schemas.microsoft.com/office/drawing/2016/SVG/main" r:embed="rId4"/>
+              </a:ext>
+            </a:extLst>
+          </a:blip>
+          <a:stretch>
+            <a:fillRect/>
+          </a:stretch>
+        </a:blipFill>
+        <a:ln w="12700" cap="flat" cmpd="sng" algn="ctr">
+          <a:noFill/>
+          <a:prstDash val="solid"/>
+          <a:miter lim="800000"/>
+        </a:ln>
+        <a:effectLst/>
+      </dsp:spPr>
+      <dsp:style>
+        <a:lnRef idx="2">
+          <a:scrgbClr r="0" g="0" b="0"/>
+        </a:lnRef>
+        <a:fillRef idx="1">
+          <a:scrgbClr r="0" g="0" b="0"/>
+        </a:fillRef>
+        <a:effectRef idx="0">
+          <a:scrgbClr r="0" g="0" b="0"/>
+        </a:effectRef>
+        <a:fontRef idx="minor">
+          <a:schemeClr val="lt1"/>
+        </a:fontRef>
+      </dsp:style>
+    </dsp:sp>
+    <dsp:sp modelId="{2D2E319C-761E-4EB6-91D0-90BD2B4410DD}">
+      <dsp:nvSpPr>
+        <dsp:cNvPr id="0" name=""/>
+        <dsp:cNvSpPr/>
+      </dsp:nvSpPr>
+      <dsp:spPr>
+        <a:xfrm>
+          <a:off x="4745088" y="741537"/>
+          <a:ext cx="2114937" cy="897246"/>
+        </a:xfrm>
+        <a:prstGeom prst="rect">
+          <a:avLst/>
+        </a:prstGeom>
+        <a:noFill/>
+        <a:ln>
+          <a:noFill/>
+        </a:ln>
+        <a:effectLst/>
+      </dsp:spPr>
+      <dsp:style>
+        <a:lnRef idx="0">
+          <a:scrgbClr r="0" g="0" b="0"/>
+        </a:lnRef>
+        <a:fillRef idx="0">
+          <a:scrgbClr r="0" g="0" b="0"/>
+        </a:fillRef>
+        <a:effectRef idx="0">
+          <a:scrgbClr r="0" g="0" b="0"/>
+        </a:effectRef>
+        <a:fontRef idx="minor"/>
+      </dsp:style>
+      <dsp:txBody>
+        <a:bodyPr spcFirstLastPara="0" vert="horz" wrap="square" lIns="0" tIns="0" rIns="0" bIns="0" numCol="1" spcCol="1270" anchor="ctr" anchorCtr="0">
+          <a:noAutofit/>
+        </a:bodyPr>
+        <a:lstStyle/>
+        <a:p>
+          <a:pPr marL="0" lvl="0" indent="0" algn="l" defTabSz="800100">
+            <a:lnSpc>
+              <a:spcPct val="90000"/>
+            </a:lnSpc>
+            <a:spcBef>
+              <a:spcPct val="0"/>
+            </a:spcBef>
+            <a:spcAft>
+              <a:spcPct val="35000"/>
+            </a:spcAft>
+            <a:buNone/>
+          </a:pPr>
+          <a:r>
+            <a:rPr lang="en-US" sz="1800" kern="1200" dirty="0"/>
+            <a:t>It also allows the users to apply for insurance.</a:t>
+          </a:r>
+        </a:p>
+      </dsp:txBody>
+      <dsp:txXfrm>
+        <a:off x="4745088" y="741537"/>
+        <a:ext cx="2114937" cy="897246"/>
+      </dsp:txXfrm>
+    </dsp:sp>
+    <dsp:sp modelId="{E673F891-5D0E-41D5-9A1C-401D3004357F}">
+      <dsp:nvSpPr>
+        <dsp:cNvPr id="0" name=""/>
+        <dsp:cNvSpPr/>
+      </dsp:nvSpPr>
+      <dsp:spPr>
+        <a:xfrm>
+          <a:off x="7228536" y="741537"/>
+          <a:ext cx="897246" cy="897246"/>
+        </a:xfrm>
+        <a:prstGeom prst="ellipse">
+          <a:avLst/>
+        </a:prstGeom>
+        <a:solidFill>
+          <a:schemeClr val="accent4">
+            <a:hueOff val="0"/>
+            <a:satOff val="0"/>
+            <a:lumOff val="0"/>
+            <a:alphaOff val="0"/>
+          </a:schemeClr>
+        </a:solidFill>
+        <a:ln>
+          <a:noFill/>
+        </a:ln>
+        <a:effectLst/>
+      </dsp:spPr>
+      <dsp:style>
+        <a:lnRef idx="0">
+          <a:scrgbClr r="0" g="0" b="0"/>
+        </a:lnRef>
+        <a:fillRef idx="1">
+          <a:scrgbClr r="0" g="0" b="0"/>
+        </a:fillRef>
+        <a:effectRef idx="0">
+          <a:scrgbClr r="0" g="0" b="0"/>
+        </a:effectRef>
+        <a:fontRef idx="minor"/>
+      </dsp:style>
+    </dsp:sp>
+    <dsp:sp modelId="{075726F6-51C5-4377-896B-BA22BBA6D655}">
+      <dsp:nvSpPr>
+        <dsp:cNvPr id="0" name=""/>
+        <dsp:cNvSpPr/>
+      </dsp:nvSpPr>
+      <dsp:spPr>
+        <a:xfrm>
+          <a:off x="7416958" y="929959"/>
+          <a:ext cx="520402" cy="520402"/>
+        </a:xfrm>
+        <a:prstGeom prst="rect">
+          <a:avLst/>
+        </a:prstGeom>
+        <a:blipFill>
+          <a:blip xmlns:r="http://schemas.openxmlformats.org/officeDocument/2006/relationships" r:embed="rId5">
+            <a:extLst>
+              <a:ext uri="{28A0092B-C50C-407E-A947-70E740481C1C}">
+                <a14:useLocalDpi xmlns:a14="http://schemas.microsoft.com/office/drawing/2010/main" val="0"/>
+              </a:ext>
+              <a:ext uri="{96DAC541-7B7A-43D3-8B79-37D633B846F1}">
+                <asvg:svgBlip xmlns:asvg="http://schemas.microsoft.com/office/drawing/2016/SVG/main" r:embed="rId6"/>
+              </a:ext>
+            </a:extLst>
+          </a:blip>
+          <a:stretch>
+            <a:fillRect/>
+          </a:stretch>
+        </a:blipFill>
+        <a:ln w="12700" cap="flat" cmpd="sng" algn="ctr">
+          <a:noFill/>
+          <a:prstDash val="solid"/>
+          <a:miter lim="800000"/>
+        </a:ln>
+        <a:effectLst/>
+      </dsp:spPr>
+      <dsp:style>
+        <a:lnRef idx="2">
+          <a:scrgbClr r="0" g="0" b="0"/>
+        </a:lnRef>
+        <a:fillRef idx="1">
+          <a:scrgbClr r="0" g="0" b="0"/>
+        </a:fillRef>
+        <a:effectRef idx="0">
+          <a:scrgbClr r="0" g="0" b="0"/>
+        </a:effectRef>
+        <a:fontRef idx="minor">
+          <a:schemeClr val="lt1"/>
+        </a:fontRef>
+      </dsp:style>
+    </dsp:sp>
+    <dsp:sp modelId="{470C607F-64F3-4909-9232-147D30F9ECB8}">
+      <dsp:nvSpPr>
+        <dsp:cNvPr id="0" name=""/>
+        <dsp:cNvSpPr/>
+      </dsp:nvSpPr>
+      <dsp:spPr>
+        <a:xfrm>
+          <a:off x="8318049" y="741537"/>
+          <a:ext cx="2114937" cy="897246"/>
+        </a:xfrm>
+        <a:prstGeom prst="rect">
+          <a:avLst/>
+        </a:prstGeom>
+        <a:noFill/>
+        <a:ln>
+          <a:noFill/>
+        </a:ln>
+        <a:effectLst/>
+      </dsp:spPr>
+      <dsp:style>
+        <a:lnRef idx="0">
+          <a:scrgbClr r="0" g="0" b="0"/>
+        </a:lnRef>
+        <a:fillRef idx="0">
+          <a:scrgbClr r="0" g="0" b="0"/>
+        </a:fillRef>
+        <a:effectRef idx="0">
+          <a:scrgbClr r="0" g="0" b="0"/>
+        </a:effectRef>
+        <a:fontRef idx="minor"/>
+      </dsp:style>
+      <dsp:txBody>
+        <a:bodyPr spcFirstLastPara="0" vert="horz" wrap="square" lIns="0" tIns="0" rIns="0" bIns="0" numCol="1" spcCol="1270" anchor="ctr" anchorCtr="0">
+          <a:noAutofit/>
+        </a:bodyPr>
+        <a:lstStyle/>
+        <a:p>
+          <a:pPr marL="0" lvl="0" indent="0" algn="l" defTabSz="800100">
+            <a:lnSpc>
+              <a:spcPct val="90000"/>
+            </a:lnSpc>
+            <a:spcBef>
+              <a:spcPct val="0"/>
+            </a:spcBef>
+            <a:spcAft>
+              <a:spcPct val="35000"/>
+            </a:spcAft>
+            <a:buNone/>
+          </a:pPr>
+          <a:r>
+            <a:rPr lang="en-US" sz="1800" kern="1200"/>
+            <a:t>As well as search particular insurance by id.</a:t>
+          </a:r>
+        </a:p>
+      </dsp:txBody>
+      <dsp:txXfrm>
+        <a:off x="8318049" y="741537"/>
+        <a:ext cx="2114937" cy="897246"/>
+      </dsp:txXfrm>
+    </dsp:sp>
+    <dsp:sp modelId="{FC5EBEA1-FD07-4FE8-A852-D8032328E478}">
+      <dsp:nvSpPr>
+        <dsp:cNvPr id="0" name=""/>
+        <dsp:cNvSpPr/>
+      </dsp:nvSpPr>
+      <dsp:spPr>
+        <a:xfrm>
+          <a:off x="82613" y="2310092"/>
+          <a:ext cx="897246" cy="897246"/>
+        </a:xfrm>
+        <a:prstGeom prst="ellipse">
+          <a:avLst/>
+        </a:prstGeom>
+        <a:solidFill>
+          <a:schemeClr val="accent5">
+            <a:hueOff val="0"/>
+            <a:satOff val="0"/>
+            <a:lumOff val="0"/>
+            <a:alphaOff val="0"/>
+          </a:schemeClr>
+        </a:solidFill>
+        <a:ln>
+          <a:noFill/>
+        </a:ln>
+        <a:effectLst/>
+      </dsp:spPr>
+      <dsp:style>
+        <a:lnRef idx="0">
+          <a:scrgbClr r="0" g="0" b="0"/>
+        </a:lnRef>
+        <a:fillRef idx="1">
+          <a:scrgbClr r="0" g="0" b="0"/>
+        </a:fillRef>
+        <a:effectRef idx="0">
+          <a:scrgbClr r="0" g="0" b="0"/>
+        </a:effectRef>
+        <a:fontRef idx="minor"/>
+      </dsp:style>
+    </dsp:sp>
+    <dsp:sp modelId="{DBB72F50-21CA-4118-BDB3-761320A5758D}">
+      <dsp:nvSpPr>
+        <dsp:cNvPr id="0" name=""/>
+        <dsp:cNvSpPr/>
+      </dsp:nvSpPr>
+      <dsp:spPr>
+        <a:xfrm>
+          <a:off x="271034" y="2498514"/>
+          <a:ext cx="520402" cy="520402"/>
+        </a:xfrm>
+        <a:prstGeom prst="rect">
+          <a:avLst/>
+        </a:prstGeom>
+        <a:blipFill>
+          <a:blip xmlns:r="http://schemas.openxmlformats.org/officeDocument/2006/relationships" r:embed="rId7">
+            <a:extLst>
+              <a:ext uri="{28A0092B-C50C-407E-A947-70E740481C1C}">
+                <a14:useLocalDpi xmlns:a14="http://schemas.microsoft.com/office/drawing/2010/main" val="0"/>
+              </a:ext>
+              <a:ext uri="{96DAC541-7B7A-43D3-8B79-37D633B846F1}">
+                <asvg:svgBlip xmlns:asvg="http://schemas.microsoft.com/office/drawing/2016/SVG/main" r:embed="rId8"/>
+              </a:ext>
+            </a:extLst>
+          </a:blip>
+          <a:stretch>
+            <a:fillRect/>
+          </a:stretch>
+        </a:blipFill>
+        <a:ln w="12700" cap="flat" cmpd="sng" algn="ctr">
+          <a:noFill/>
+          <a:prstDash val="solid"/>
+          <a:miter lim="800000"/>
+        </a:ln>
+        <a:effectLst/>
+      </dsp:spPr>
+      <dsp:style>
+        <a:lnRef idx="2">
+          <a:scrgbClr r="0" g="0" b="0"/>
+        </a:lnRef>
+        <a:fillRef idx="1">
+          <a:scrgbClr r="0" g="0" b="0"/>
+        </a:fillRef>
+        <a:effectRef idx="0">
+          <a:scrgbClr r="0" g="0" b="0"/>
+        </a:effectRef>
+        <a:fontRef idx="minor">
+          <a:schemeClr val="lt1"/>
+        </a:fontRef>
+      </dsp:style>
+    </dsp:sp>
+    <dsp:sp modelId="{7F96B563-A3F3-4C45-8004-DF9A864C6EB4}">
+      <dsp:nvSpPr>
+        <dsp:cNvPr id="0" name=""/>
+        <dsp:cNvSpPr/>
+      </dsp:nvSpPr>
+      <dsp:spPr>
+        <a:xfrm>
+          <a:off x="1172126" y="2310092"/>
+          <a:ext cx="2114937" cy="897246"/>
+        </a:xfrm>
+        <a:prstGeom prst="rect">
+          <a:avLst/>
+        </a:prstGeom>
+        <a:noFill/>
+        <a:ln>
+          <a:noFill/>
+        </a:ln>
+        <a:effectLst/>
+      </dsp:spPr>
+      <dsp:style>
+        <a:lnRef idx="0">
+          <a:scrgbClr r="0" g="0" b="0"/>
+        </a:lnRef>
+        <a:fillRef idx="0">
+          <a:scrgbClr r="0" g="0" b="0"/>
+        </a:fillRef>
+        <a:effectRef idx="0">
+          <a:scrgbClr r="0" g="0" b="0"/>
+        </a:effectRef>
+        <a:fontRef idx="minor"/>
+      </dsp:style>
+      <dsp:txBody>
+        <a:bodyPr spcFirstLastPara="0" vert="horz" wrap="square" lIns="0" tIns="0" rIns="0" bIns="0" numCol="1" spcCol="1270" anchor="ctr" anchorCtr="0">
+          <a:noAutofit/>
+        </a:bodyPr>
+        <a:lstStyle/>
+        <a:p>
+          <a:pPr marL="0" lvl="0" indent="0" algn="l" defTabSz="800100">
+            <a:lnSpc>
+              <a:spcPct val="90000"/>
+            </a:lnSpc>
+            <a:spcBef>
+              <a:spcPct val="0"/>
+            </a:spcBef>
+            <a:spcAft>
+              <a:spcPct val="35000"/>
+            </a:spcAft>
+            <a:buNone/>
+          </a:pPr>
+          <a:r>
+            <a:rPr lang="en-US" sz="1800" kern="1200"/>
+            <a:t>And search available insurance based on the coverage amount.</a:t>
+          </a:r>
+        </a:p>
+      </dsp:txBody>
+      <dsp:txXfrm>
+        <a:off x="1172126" y="2310092"/>
+        <a:ext cx="2114937" cy="897246"/>
+      </dsp:txXfrm>
+    </dsp:sp>
+    <dsp:sp modelId="{A6E4FFD6-0C0B-44BE-881D-E0CC0DA4BA7E}">
+      <dsp:nvSpPr>
+        <dsp:cNvPr id="0" name=""/>
+        <dsp:cNvSpPr/>
+      </dsp:nvSpPr>
+      <dsp:spPr>
+        <a:xfrm>
+          <a:off x="3655575" y="2310092"/>
+          <a:ext cx="897246" cy="897246"/>
+        </a:xfrm>
+        <a:prstGeom prst="ellipse">
+          <a:avLst/>
+        </a:prstGeom>
+        <a:solidFill>
+          <a:schemeClr val="accent6">
+            <a:hueOff val="0"/>
+            <a:satOff val="0"/>
+            <a:lumOff val="0"/>
+            <a:alphaOff val="0"/>
+          </a:schemeClr>
+        </a:solidFill>
+        <a:ln>
+          <a:noFill/>
+        </a:ln>
+        <a:effectLst/>
+      </dsp:spPr>
+      <dsp:style>
+        <a:lnRef idx="0">
+          <a:scrgbClr r="0" g="0" b="0"/>
+        </a:lnRef>
+        <a:fillRef idx="1">
+          <a:scrgbClr r="0" g="0" b="0"/>
+        </a:fillRef>
+        <a:effectRef idx="0">
+          <a:scrgbClr r="0" g="0" b="0"/>
+        </a:effectRef>
+        <a:fontRef idx="minor"/>
+      </dsp:style>
+    </dsp:sp>
+    <dsp:sp modelId="{0EFCF235-DAF4-4A42-B4CF-63EBA8570E26}">
+      <dsp:nvSpPr>
+        <dsp:cNvPr id="0" name=""/>
+        <dsp:cNvSpPr/>
+      </dsp:nvSpPr>
+      <dsp:spPr>
+        <a:xfrm>
+          <a:off x="3843996" y="2498514"/>
+          <a:ext cx="520402" cy="520402"/>
+        </a:xfrm>
+        <a:prstGeom prst="rect">
+          <a:avLst/>
+        </a:prstGeom>
+        <a:blipFill>
+          <a:blip xmlns:r="http://schemas.openxmlformats.org/officeDocument/2006/relationships" r:embed="rId9">
+            <a:extLst>
+              <a:ext uri="{28A0092B-C50C-407E-A947-70E740481C1C}">
+                <a14:useLocalDpi xmlns:a14="http://schemas.microsoft.com/office/drawing/2010/main" val="0"/>
+              </a:ext>
+              <a:ext uri="{96DAC541-7B7A-43D3-8B79-37D633B846F1}">
+                <asvg:svgBlip xmlns:asvg="http://schemas.microsoft.com/office/drawing/2016/SVG/main" r:embed="rId10"/>
+              </a:ext>
+            </a:extLst>
+          </a:blip>
+          <a:stretch>
+            <a:fillRect/>
+          </a:stretch>
+        </a:blipFill>
+        <a:ln w="12700" cap="flat" cmpd="sng" algn="ctr">
+          <a:noFill/>
+          <a:prstDash val="solid"/>
+          <a:miter lim="800000"/>
+        </a:ln>
+        <a:effectLst/>
+      </dsp:spPr>
+      <dsp:style>
+        <a:lnRef idx="2">
+          <a:scrgbClr r="0" g="0" b="0"/>
+        </a:lnRef>
+        <a:fillRef idx="1">
+          <a:scrgbClr r="0" g="0" b="0"/>
+        </a:fillRef>
+        <a:effectRef idx="0">
+          <a:scrgbClr r="0" g="0" b="0"/>
+        </a:effectRef>
+        <a:fontRef idx="minor">
+          <a:schemeClr val="lt1"/>
+        </a:fontRef>
+      </dsp:style>
+    </dsp:sp>
+    <dsp:sp modelId="{47ADDE3F-93FC-4930-9D6D-E3E72B0EE9A3}">
+      <dsp:nvSpPr>
+        <dsp:cNvPr id="0" name=""/>
+        <dsp:cNvSpPr/>
+      </dsp:nvSpPr>
+      <dsp:spPr>
+        <a:xfrm>
+          <a:off x="4745088" y="2310092"/>
+          <a:ext cx="2114937" cy="897246"/>
+        </a:xfrm>
+        <a:prstGeom prst="rect">
+          <a:avLst/>
+        </a:prstGeom>
+        <a:noFill/>
+        <a:ln>
+          <a:noFill/>
+        </a:ln>
+        <a:effectLst/>
+      </dsp:spPr>
+      <dsp:style>
+        <a:lnRef idx="0">
+          <a:scrgbClr r="0" g="0" b="0"/>
+        </a:lnRef>
+        <a:fillRef idx="0">
+          <a:scrgbClr r="0" g="0" b="0"/>
+        </a:fillRef>
+        <a:effectRef idx="0">
+          <a:scrgbClr r="0" g="0" b="0"/>
+        </a:effectRef>
+        <a:fontRef idx="minor"/>
+      </dsp:style>
+      <dsp:txBody>
+        <a:bodyPr spcFirstLastPara="0" vert="horz" wrap="square" lIns="0" tIns="0" rIns="0" bIns="0" numCol="1" spcCol="1270" anchor="ctr" anchorCtr="0">
+          <a:noAutofit/>
+        </a:bodyPr>
+        <a:lstStyle/>
+        <a:p>
+          <a:pPr marL="0" lvl="0" indent="0" algn="l" defTabSz="800100">
+            <a:lnSpc>
+              <a:spcPct val="90000"/>
+            </a:lnSpc>
+            <a:spcBef>
+              <a:spcPct val="0"/>
+            </a:spcBef>
+            <a:spcAft>
+              <a:spcPct val="35000"/>
+            </a:spcAft>
+            <a:buNone/>
+          </a:pPr>
+          <a:r>
+            <a:rPr lang="en-US" sz="1800" kern="1200" dirty="0"/>
+            <a:t>And provide a user- friendly responsive user interface.</a:t>
+          </a:r>
+        </a:p>
+      </dsp:txBody>
+      <dsp:txXfrm>
+        <a:off x="4745088" y="2310092"/>
+        <a:ext cx="2114937" cy="897246"/>
+      </dsp:txXfrm>
+    </dsp:sp>
+  </dsp:spTree>
+</dsp:drawing>
+</file>
+
+<file path=ppt/diagrams/drawing2.xml><?xml version="1.0" encoding="utf-8"?>
+<dsp:drawing xmlns:dgm="http://schemas.openxmlformats.org/drawingml/2006/diagram" xmlns:dsp="http://schemas.microsoft.com/office/drawing/2008/diagram" xmlns:a="http://schemas.openxmlformats.org/drawingml/2006/main">
+  <dsp:spTree>
+    <dsp:nvGrpSpPr>
+      <dsp:cNvPr id="0" name=""/>
+      <dsp:cNvGrpSpPr/>
+    </dsp:nvGrpSpPr>
+    <dsp:grpSpPr/>
     <dsp:sp modelId="{0589C34F-3FAF-497E-AA10-98BEB0C9AADA}">
       <dsp:nvSpPr>
         <dsp:cNvPr id="0" name=""/>
@@ -1295,8 +3399,8 @@
       </dsp:nvSpPr>
       <dsp:spPr>
         <a:xfrm>
-          <a:off x="0" y="708097"/>
-          <a:ext cx="10515600" cy="1307257"/>
+          <a:off x="0" y="894511"/>
+          <a:ext cx="6263640" cy="1651406"/>
         </a:xfrm>
         <a:prstGeom prst="roundRect">
           <a:avLst>
@@ -1336,8 +3440,8 @@
       </dsp:nvSpPr>
       <dsp:spPr>
         <a:xfrm>
-          <a:off x="395445" y="1002230"/>
-          <a:ext cx="718991" cy="718991"/>
+          <a:off x="499550" y="1266078"/>
+          <a:ext cx="908273" cy="908273"/>
         </a:xfrm>
         <a:prstGeom prst="rect">
           <a:avLst/>
@@ -1386,8 +3490,8 @@
       </dsp:nvSpPr>
       <dsp:spPr>
         <a:xfrm>
-          <a:off x="1509882" y="708097"/>
-          <a:ext cx="9005717" cy="1307257"/>
+          <a:off x="1907374" y="894511"/>
+          <a:ext cx="4356265" cy="1651406"/>
         </a:xfrm>
         <a:prstGeom prst="rect">
           <a:avLst/>
@@ -1411,14 +3515,14 @@
         <a:fontRef idx="minor"/>
       </dsp:style>
       <dsp:txBody>
-        <a:bodyPr spcFirstLastPara="0" vert="horz" wrap="square" lIns="138351" tIns="138351" rIns="138351" bIns="138351" numCol="1" spcCol="1270" anchor="ctr" anchorCtr="0">
+        <a:bodyPr spcFirstLastPara="0" vert="horz" wrap="square" lIns="174774" tIns="174774" rIns="174774" bIns="174774" numCol="1" spcCol="1270" anchor="ctr" anchorCtr="0">
           <a:noAutofit/>
         </a:bodyPr>
         <a:lstStyle/>
         <a:p>
-          <a:pPr marL="0" lvl="0" indent="0" algn="l" defTabSz="977900">
+          <a:pPr marL="0" lvl="0" indent="0" algn="l" defTabSz="666750">
             <a:lnSpc>
-              <a:spcPct val="90000"/>
+              <a:spcPct val="100000"/>
             </a:lnSpc>
             <a:spcBef>
               <a:spcPct val="0"/>
@@ -1429,21 +3533,33 @@
             <a:buNone/>
           </a:pPr>
           <a:r>
-            <a:rPr lang="en-US" sz="2200" kern="1200"/>
+            <a:rPr lang="en-US" sz="1500" kern="1200" dirty="0"/>
             <a:t>Git hub link- </a:t>
           </a:r>
           <a:r>
-            <a:rPr lang="en-US" sz="2200" kern="1200">
+            <a:rPr lang="en-US" sz="1500" kern="1200" dirty="0">
               <a:hlinkClick xmlns:r="http://schemas.openxmlformats.org/officeDocument/2006/relationships" r:id="rId3"/>
             </a:rPr>
-            <a:t>DLTE-Java-Full-Stack-ElroyMerwynMonis-2024/DLTE-MyBank-Project at master · elroy26/DLTE-Java-Full-Stack-ElroyMerwynMonis-2024 (github.com)</a:t>
+            <a:t>DLTE-Java-Full-Stack-ElroyMerwynMonis-2024/DLTE-</a:t>
           </a:r>
-          <a:endParaRPr lang="en-US" sz="2200" kern="1200"/>
+          <a:r>
+            <a:rPr lang="en-US" sz="1500" kern="1200" dirty="0" err="1">
+              <a:hlinkClick xmlns:r="http://schemas.openxmlformats.org/officeDocument/2006/relationships" r:id="rId3"/>
+            </a:rPr>
+            <a:t>MyBank</a:t>
+          </a:r>
+          <a:r>
+            <a:rPr lang="en-US" sz="1500" kern="1200" dirty="0">
+              <a:hlinkClick xmlns:r="http://schemas.openxmlformats.org/officeDocument/2006/relationships" r:id="rId3"/>
+            </a:rPr>
+            <a:t>-Project at master · elroy26/DLTE-Java-Full-Stack-ElroyMerwynMonis-2024 (github.com)</a:t>
+          </a:r>
+          <a:endParaRPr lang="en-US" sz="1500" kern="1200" dirty="0"/>
         </a:p>
       </dsp:txBody>
       <dsp:txXfrm>
-        <a:off x="1509882" y="708097"/>
-        <a:ext cx="9005717" cy="1307257"/>
+        <a:off x="1907374" y="894511"/>
+        <a:ext cx="4356265" cy="1651406"/>
       </dsp:txXfrm>
     </dsp:sp>
     <dsp:sp modelId="{A466C97F-18FE-40CF-B5AD-6B7130B67B44}">
@@ -1453,8 +3569,8 @@
       </dsp:nvSpPr>
       <dsp:spPr>
         <a:xfrm>
-          <a:off x="0" y="2342169"/>
-          <a:ext cx="10515600" cy="1307257"/>
+          <a:off x="0" y="2958769"/>
+          <a:ext cx="6263640" cy="1651406"/>
         </a:xfrm>
         <a:prstGeom prst="roundRect">
           <a:avLst>
@@ -1462,10 +3578,10 @@
           </a:avLst>
         </a:prstGeom>
         <a:solidFill>
-          <a:schemeClr val="accent3">
-            <a:hueOff val="0"/>
-            <a:satOff val="0"/>
-            <a:lumOff val="0"/>
+          <a:schemeClr val="accent2">
+            <a:hueOff val="-1455363"/>
+            <a:satOff val="-83928"/>
+            <a:lumOff val="8628"/>
             <a:alphaOff val="0"/>
           </a:schemeClr>
         </a:solidFill>
@@ -1494,8 +3610,8 @@
       </dsp:nvSpPr>
       <dsp:spPr>
         <a:xfrm>
-          <a:off x="395445" y="2636302"/>
-          <a:ext cx="718991" cy="718991"/>
+          <a:off x="499550" y="3330336"/>
+          <a:ext cx="908273" cy="908273"/>
         </a:xfrm>
         <a:prstGeom prst="rect">
           <a:avLst/>
@@ -1544,8 +3660,8 @@
       </dsp:nvSpPr>
       <dsp:spPr>
         <a:xfrm>
-          <a:off x="1509882" y="2342169"/>
-          <a:ext cx="9005717" cy="1307257"/>
+          <a:off x="1907374" y="2958769"/>
+          <a:ext cx="4356265" cy="1651406"/>
         </a:xfrm>
         <a:prstGeom prst="rect">
           <a:avLst/>
@@ -1569,12 +3685,12 @@
         <a:fontRef idx="minor"/>
       </dsp:style>
       <dsp:txBody>
-        <a:bodyPr spcFirstLastPara="0" vert="horz" wrap="square" lIns="138351" tIns="138351" rIns="138351" bIns="138351" numCol="1" spcCol="1270" anchor="ctr" anchorCtr="0">
+        <a:bodyPr spcFirstLastPara="0" vert="horz" wrap="square" lIns="174774" tIns="174774" rIns="174774" bIns="174774" numCol="1" spcCol="1270" anchor="ctr" anchorCtr="0">
           <a:noAutofit/>
         </a:bodyPr>
         <a:lstStyle/>
         <a:p>
-          <a:pPr marL="0" lvl="0" indent="0" algn="l" defTabSz="977900">
+          <a:pPr marL="0" lvl="0" indent="0" algn="l" defTabSz="666750">
             <a:lnSpc>
               <a:spcPct val="90000"/>
             </a:lnSpc>
@@ -1587,21 +3703,29 @@
             <a:buNone/>
           </a:pPr>
           <a:r>
-            <a:rPr lang="en-US" sz="2200" kern="1200"/>
-            <a:t>Jar File- </a:t>
+            <a:rPr lang="en-US" sz="1500" kern="1200">
+              <a:hlinkClick xmlns:r="http://schemas.openxmlformats.org/officeDocument/2006/relationships" r:id="rId6">
+                <a:extLst>
+                  <a:ext uri="{A12FA001-AC4F-418D-AE19-62706E023703}">
+                    <ahyp:hlinkClr xmlns:ahyp="http://schemas.microsoft.com/office/drawing/2018/hyperlinkcolor" val="tx"/>
+                  </a:ext>
+                </a:extLst>
+              </a:hlinkClick>
+            </a:rPr>
+            <a:t>War file link- </a:t>
           </a:r>
           <a:r>
-            <a:rPr lang="en-US" sz="2200" kern="1200">
+            <a:rPr lang="en-US" sz="1500" kern="1200">
               <a:hlinkClick xmlns:r="http://schemas.openxmlformats.org/officeDocument/2006/relationships" r:id="rId6"/>
             </a:rPr>
-            <a:t>DLTE-Java-Full-Stack-ElroyMerwynMonis-2024/DLTE-MyBank-Project/MyBank-Insurance-Dao/target/insurancedao-0.0.1-SNAPSHOT.jar at master · elroy26/DLTE-Java-Full-Stack-ElroyMerwynMonis-2024 (github.com)</a:t>
+            <a:t>DLTE-Java-Full-Stack-ElroyMerwynMonis-2024/DLTE-MyBank-Project/MyBank-Insurance-WebService/target/webservice-0.0.1-SNAPSHOT.war at master · elroy26/DLTE-Java-Full-Stack-ElroyMerwynMonis-2024 (github.com)</a:t>
           </a:r>
-          <a:endParaRPr lang="en-US" sz="2200" kern="1200"/>
+          <a:endParaRPr lang="en-US" sz="1500" kern="1200"/>
         </a:p>
       </dsp:txBody>
       <dsp:txXfrm>
-        <a:off x="1509882" y="2342169"/>
-        <a:ext cx="9005717" cy="1307257"/>
+        <a:off x="1907374" y="2958769"/>
+        <a:ext cx="4356265" cy="1651406"/>
       </dsp:txXfrm>
     </dsp:sp>
   </dsp:spTree>
@@ -1609,6 +3733,218 @@
 </file>
 
 <file path=ppt/diagrams/layout1.xml><?xml version="1.0" encoding="utf-8"?>
+<dgm:layoutDef xmlns:dgm="http://schemas.openxmlformats.org/drawingml/2006/diagram" xmlns:a="http://schemas.openxmlformats.org/drawingml/2006/main" uniqueId="urn:microsoft.com/office/officeart/2018/2/layout/IconCircleList">
+  <dgm:title val="Icon Circle List"/>
+  <dgm:desc val="Use to show non-sequential or grouped chunks of information accompanied by related visuals. Circular shapes can hold an icon or small picture and corresponding text box shows Level 1 text. Works best for icons or small pictures with medium-length descriptions."/>
+  <dgm:catLst>
+    <dgm:cat type="icon" pri="500"/>
+  </dgm:catLst>
+  <dgm:sampData useDef="1">
+    <dgm:dataModel>
+      <dgm:ptLst/>
+      <dgm:bg/>
+      <dgm:whole/>
+    </dgm:dataModel>
+  </dgm:sampData>
+  <dgm:styleData useDef="1">
+    <dgm:dataModel>
+      <dgm:ptLst/>
+      <dgm:bg/>
+      <dgm:whole/>
+    </dgm:dataModel>
+  </dgm:styleData>
+  <dgm:clrData useDef="1">
+    <dgm:dataModel>
+      <dgm:ptLst/>
+      <dgm:bg/>
+      <dgm:whole/>
+    </dgm:dataModel>
+  </dgm:clrData>
+  <dgm:layoutNode name="root">
+    <dgm:varLst>
+      <dgm:dir/>
+      <dgm:resizeHandles val="exact"/>
+    </dgm:varLst>
+    <dgm:alg type="sp"/>
+    <dgm:shape xmlns:r="http://schemas.openxmlformats.org/officeDocument/2006/relationships" r:blip="">
+      <dgm:adjLst/>
+    </dgm:shape>
+    <dgm:presOf/>
+    <dgm:choose name="Name0">
+      <dgm:if name="Name1" axis="ch" ptType="node" func="cnt" op="lte" val="3">
+        <dgm:constrLst>
+          <dgm:constr type="w" for="ch" forName="container" refType="w"/>
+          <dgm:constr type="h" for="ch" forName="container" refType="h" fact="0.4"/>
+        </dgm:constrLst>
+      </dgm:if>
+      <dgm:else name="Name2">
+        <dgm:constrLst>
+          <dgm:constr type="w" for="ch" forName="container" refType="w"/>
+          <dgm:constr type="h" for="ch" forName="container" refType="h"/>
+        </dgm:constrLst>
+      </dgm:else>
+    </dgm:choose>
+    <dgm:ruleLst>
+      <dgm:rule type="h" for="ch" forName="container" val="INF" fact="NaN" max="NaN"/>
+    </dgm:ruleLst>
+    <dgm:layoutNode name="container">
+      <dgm:varLst>
+        <dgm:dir/>
+        <dgm:resizeHandles val="exact"/>
+      </dgm:varLst>
+      <dgm:choose name="Name3">
+        <dgm:if name="Name4" axis="self" func="var" arg="dir" op="equ" val="norm">
+          <dgm:alg type="snake">
+            <dgm:param type="grDir" val="tL"/>
+            <dgm:param type="flowDir" val="row"/>
+            <dgm:param type="contDir" val="sameDir"/>
+          </dgm:alg>
+        </dgm:if>
+        <dgm:else name="Name5">
+          <dgm:alg type="snake">
+            <dgm:param type="grDir" val="tR"/>
+            <dgm:param type="flowDir" val="row"/>
+            <dgm:param type="contDir" val="sameDir"/>
+          </dgm:alg>
+        </dgm:else>
+      </dgm:choose>
+      <dgm:shape xmlns:r="http://schemas.openxmlformats.org/officeDocument/2006/relationships" r:blip="">
+        <dgm:adjLst/>
+      </dgm:shape>
+      <dgm:presOf/>
+      <dgm:constrLst>
+        <dgm:constr type="w" for="ch" forName="compNode" refType="w"/>
+        <dgm:constr type="h" for="ch" forName="compNode" refType="w" fact="0.28"/>
+        <dgm:constr type="w" for="ch" forName="sibTrans" refType="w" refFor="ch" refForName="compNode" fact="0.115"/>
+        <dgm:constr type="sp" refType="h" op="equ" fact="0.17"/>
+        <dgm:constr type="primFontSz" for="des" ptType="node" op="equ" val="24"/>
+        <dgm:constr type="h" for="des" forName="compNode" op="equ"/>
+        <dgm:constr type="h" for="des" forName="iconBgRect" op="equ"/>
+      </dgm:constrLst>
+      <dgm:ruleLst>
+        <dgm:rule type="w" for="ch" forName="compNode" val="60" fact="NaN" max="NaN"/>
+      </dgm:ruleLst>
+      <dgm:forEach name="Name6" axis="ch" ptType="node">
+        <dgm:layoutNode name="compNode">
+          <dgm:alg type="composite"/>
+          <dgm:shape xmlns:r="http://schemas.openxmlformats.org/officeDocument/2006/relationships" r:blip="">
+            <dgm:adjLst/>
+          </dgm:shape>
+          <dgm:presOf axis="self"/>
+          <dgm:constrLst>
+            <dgm:constr type="w" for="ch" forName="iconBgRect" refType="w" fact="0.28"/>
+            <dgm:constr type="h" for="ch" forName="iconBgRect" refType="w" refFor="ch" refForName="iconBgRect"/>
+            <dgm:constr type="t" for="ch" forName="iconBgRect"/>
+            <dgm:constr type="l" for="ch" forName="iconBgRect"/>
+            <dgm:constr type="w" for="ch" forName="iconRect" refType="w" refFor="ch" refForName="iconBgRect" fact="0.58"/>
+            <dgm:constr type="h" for="ch" forName="iconRect" refType="w" refFor="ch" refForName="iconRect"/>
+            <dgm:constr type="ctrX" for="ch" forName="iconRect" refType="ctrX" refFor="ch" refForName="iconBgRect"/>
+            <dgm:constr type="ctrY" for="ch" forName="iconRect" refType="ctrY" refFor="ch" refForName="iconBgRect"/>
+            <dgm:constr type="w" for="ch" forName="spaceRect" refType="w" fact="0.06"/>
+            <dgm:constr type="h" for="ch" forName="spaceRect" refType="h" refFor="ch" refForName="iconBgRect"/>
+            <dgm:constr type="t" for="ch" forName="spaceRect" refType="t" refFor="ch" refForName="iconBgRect"/>
+            <dgm:constr type="l" for="ch" forName="spaceRect" refType="r" refFor="ch" refForName="iconBgRect"/>
+            <dgm:constr type="h" for="ch" forName="textRect" refType="h" refFor="ch" refForName="iconBgRect"/>
+            <dgm:constr type="t" for="ch" forName="textRect" refType="t" refFor="ch" refForName="iconBgRect"/>
+            <dgm:constr type="l" for="ch" forName="textRect" refType="r" refFor="ch" refForName="spaceRect"/>
+          </dgm:constrLst>
+          <dgm:ruleLst/>
+          <dgm:layoutNode name="iconBgRect" styleLbl="bgShp">
+            <dgm:alg type="sp"/>
+            <dgm:shape xmlns:r="http://schemas.openxmlformats.org/officeDocument/2006/relationships" type="ellipse" r:blip="">
+              <dgm:adjLst/>
+            </dgm:shape>
+            <dgm:presOf/>
+            <dgm:constrLst/>
+            <dgm:ruleLst/>
+          </dgm:layoutNode>
+          <dgm:layoutNode name="iconRect" styleLbl="node1">
+            <dgm:alg type="sp"/>
+            <dgm:shape xmlns:r="http://schemas.openxmlformats.org/officeDocument/2006/relationships" type="rect" r:blip="" blipPhldr="1">
+              <dgm:adjLst/>
+            </dgm:shape>
+            <dgm:presOf/>
+            <dgm:constrLst/>
+            <dgm:ruleLst/>
+          </dgm:layoutNode>
+          <dgm:layoutNode name="spaceRect">
+            <dgm:alg type="sp"/>
+            <dgm:shape xmlns:r="http://schemas.openxmlformats.org/officeDocument/2006/relationships" r:blip="">
+              <dgm:adjLst/>
+            </dgm:shape>
+            <dgm:presOf/>
+            <dgm:constrLst/>
+            <dgm:ruleLst/>
+          </dgm:layoutNode>
+          <dgm:layoutNode name="textRect" styleLbl="revTx">
+            <dgm:varLst>
+              <dgm:chMax val="1"/>
+              <dgm:chPref val="1"/>
+            </dgm:varLst>
+            <dgm:choose name="Name7">
+              <dgm:if name="Name8" func="var" arg="dir" op="equ" val="norm">
+                <dgm:alg type="tx">
+                  <dgm:param type="txAnchorVert" val="mid"/>
+                  <dgm:param type="parTxLTRAlign" val="l"/>
+                  <dgm:param type="shpTxLTRAlignCh" val="l"/>
+                  <dgm:param type="parTxRTLAlign" val="l"/>
+                  <dgm:param type="shpTxRTLAlignCh" val="l"/>
+                </dgm:alg>
+              </dgm:if>
+              <dgm:else name="Name9">
+                <dgm:alg type="tx">
+                  <dgm:param type="txAnchorVert" val="mid"/>
+                  <dgm:param type="parTxLTRAlign" val="r"/>
+                  <dgm:param type="shpTxLTRAlignCh" val="r"/>
+                  <dgm:param type="parTxRTLAlign" val="r"/>
+                  <dgm:param type="shpTxRTLAlignCh" val="r"/>
+                </dgm:alg>
+              </dgm:else>
+            </dgm:choose>
+            <dgm:shape xmlns:r="http://schemas.openxmlformats.org/officeDocument/2006/relationships" type="rect" r:blip="">
+              <dgm:adjLst/>
+            </dgm:shape>
+            <dgm:presOf axis="self" ptType="node"/>
+            <dgm:constrLst>
+              <dgm:constr type="lMarg"/>
+              <dgm:constr type="rMarg"/>
+              <dgm:constr type="tMarg"/>
+              <dgm:constr type="bMarg"/>
+            </dgm:constrLst>
+            <dgm:ruleLst>
+              <dgm:rule type="primFontSz" val="11" fact="NaN" max="NaN"/>
+            </dgm:ruleLst>
+          </dgm:layoutNode>
+        </dgm:layoutNode>
+        <dgm:forEach name="Name10" axis="followSib" ptType="sibTrans" cnt="1">
+          <dgm:layoutNode name="sibTrans">
+            <dgm:alg type="sp"/>
+            <dgm:shape xmlns:r="http://schemas.openxmlformats.org/officeDocument/2006/relationships" type="rect" r:blip="" hideGeom="1">
+              <dgm:adjLst/>
+            </dgm:shape>
+            <dgm:presOf axis="self"/>
+            <dgm:constrLst/>
+            <dgm:ruleLst/>
+          </dgm:layoutNode>
+        </dgm:forEach>
+      </dgm:forEach>
+    </dgm:layoutNode>
+  </dgm:layoutNode>
+  <dgm:extLst>
+    <a:ext uri="{68A01E43-0DF5-4B5B-8FA6-DAF915123BFB}">
+      <dgm1612:lstStyle xmlns:dgm1612="http://schemas.microsoft.com/office/drawing/2016/12/diagram">
+        <a:lvl1pPr>
+          <a:lnSpc>
+            <a:spcPct val="100000"/>
+          </a:lnSpc>
+        </a:lvl1pPr>
+      </dgm1612:lstStyle>
+    </a:ext>
+  </dgm:extLst>
+</dgm:layoutDef>
+</file>
+
+<file path=ppt/diagrams/layout2.xml><?xml version="1.0" encoding="utf-8"?>
 <dgm:layoutDef xmlns:dgm="http://schemas.openxmlformats.org/drawingml/2006/diagram" xmlns:a="http://schemas.openxmlformats.org/drawingml/2006/main" uniqueId="urn:microsoft.com/office/officeart/2018/2/layout/IconVerticalSolidList">
   <dgm:title val="Icon Vertical Solid List"/>
   <dgm:desc val="Use to show a series of visuals from top to bottom with Level 1 or Level 1 and Level 2 text grouped in a shape. Works best with icons or small pictures with lengthier descriptions."/>
@@ -2936,6 +5272,1040 @@
 </dgm:styleDef>
 </file>
 
+<file path=ppt/diagrams/quickStyle2.xml><?xml version="1.0" encoding="utf-8"?>
+<dgm:styleDef xmlns:dgm="http://schemas.openxmlformats.org/drawingml/2006/diagram" xmlns:a="http://schemas.openxmlformats.org/drawingml/2006/main" uniqueId="urn:microsoft.com/office/officeart/2005/8/quickstyle/simple1">
+  <dgm:title val=""/>
+  <dgm:desc val=""/>
+  <dgm:catLst>
+    <dgm:cat type="simple" pri="10100"/>
+  </dgm:catLst>
+  <dgm:scene3d>
+    <a:camera prst="orthographicFront"/>
+    <a:lightRig rig="threePt" dir="t"/>
+  </dgm:scene3d>
+  <dgm:styleLbl name="node0">
+    <dgm:scene3d>
+      <a:camera prst="orthographicFront"/>
+      <a:lightRig rig="threePt" dir="t"/>
+    </dgm:scene3d>
+    <dgm:sp3d/>
+    <dgm:txPr/>
+    <dgm:style>
+      <a:lnRef idx="2">
+        <a:scrgbClr r="0" g="0" b="0"/>
+      </a:lnRef>
+      <a:fillRef idx="1">
+        <a:scrgbClr r="0" g="0" b="0"/>
+      </a:fillRef>
+      <a:effectRef idx="0">
+        <a:scrgbClr r="0" g="0" b="0"/>
+      </a:effectRef>
+      <a:fontRef idx="minor">
+        <a:schemeClr val="lt1"/>
+      </a:fontRef>
+    </dgm:style>
+  </dgm:styleLbl>
+  <dgm:styleLbl name="lnNode1">
+    <dgm:scene3d>
+      <a:camera prst="orthographicFront"/>
+      <a:lightRig rig="threePt" dir="t"/>
+    </dgm:scene3d>
+    <dgm:sp3d/>
+    <dgm:txPr/>
+    <dgm:style>
+      <a:lnRef idx="2">
+        <a:scrgbClr r="0" g="0" b="0"/>
+      </a:lnRef>
+      <a:fillRef idx="1">
+        <a:scrgbClr r="0" g="0" b="0"/>
+      </a:fillRef>
+      <a:effectRef idx="0">
+        <a:scrgbClr r="0" g="0" b="0"/>
+      </a:effectRef>
+      <a:fontRef idx="minor">
+        <a:schemeClr val="lt1"/>
+      </a:fontRef>
+    </dgm:style>
+  </dgm:styleLbl>
+  <dgm:styleLbl name="vennNode1">
+    <dgm:scene3d>
+      <a:camera prst="orthographicFront"/>
+      <a:lightRig rig="threePt" dir="t"/>
+    </dgm:scene3d>
+    <dgm:sp3d/>
+    <dgm:txPr/>
+    <dgm:style>
+      <a:lnRef idx="2">
+        <a:scrgbClr r="0" g="0" b="0"/>
+      </a:lnRef>
+      <a:fillRef idx="1">
+        <a:scrgbClr r="0" g="0" b="0"/>
+      </a:fillRef>
+      <a:effectRef idx="0">
+        <a:scrgbClr r="0" g="0" b="0"/>
+      </a:effectRef>
+      <a:fontRef idx="minor">
+        <a:schemeClr val="tx1"/>
+      </a:fontRef>
+    </dgm:style>
+  </dgm:styleLbl>
+  <dgm:styleLbl name="alignNode1">
+    <dgm:scene3d>
+      <a:camera prst="orthographicFront"/>
+      <a:lightRig rig="threePt" dir="t"/>
+    </dgm:scene3d>
+    <dgm:sp3d/>
+    <dgm:txPr/>
+    <dgm:style>
+      <a:lnRef idx="2">
+        <a:scrgbClr r="0" g="0" b="0"/>
+      </a:lnRef>
+      <a:fillRef idx="1">
+        <a:scrgbClr r="0" g="0" b="0"/>
+      </a:fillRef>
+      <a:effectRef idx="0">
+        <a:scrgbClr r="0" g="0" b="0"/>
+      </a:effectRef>
+      <a:fontRef idx="minor">
+        <a:schemeClr val="lt1"/>
+      </a:fontRef>
+    </dgm:style>
+  </dgm:styleLbl>
+  <dgm:styleLbl name="node1">
+    <dgm:scene3d>
+      <a:camera prst="orthographicFront"/>
+      <a:lightRig rig="threePt" dir="t"/>
+    </dgm:scene3d>
+    <dgm:sp3d/>
+    <dgm:txPr/>
+    <dgm:style>
+      <a:lnRef idx="2">
+        <a:scrgbClr r="0" g="0" b="0"/>
+      </a:lnRef>
+      <a:fillRef idx="1">
+        <a:scrgbClr r="0" g="0" b="0"/>
+      </a:fillRef>
+      <a:effectRef idx="0">
+        <a:scrgbClr r="0" g="0" b="0"/>
+      </a:effectRef>
+      <a:fontRef idx="minor">
+        <a:schemeClr val="lt1"/>
+      </a:fontRef>
+    </dgm:style>
+  </dgm:styleLbl>
+  <dgm:styleLbl name="node2">
+    <dgm:scene3d>
+      <a:camera prst="orthographicFront"/>
+      <a:lightRig rig="threePt" dir="t"/>
+    </dgm:scene3d>
+    <dgm:sp3d/>
+    <dgm:txPr/>
+    <dgm:style>
+      <a:lnRef idx="2">
+        <a:scrgbClr r="0" g="0" b="0"/>
+      </a:lnRef>
+      <a:fillRef idx="1">
+        <a:scrgbClr r="0" g="0" b="0"/>
+      </a:fillRef>
+      <a:effectRef idx="0">
+        <a:scrgbClr r="0" g="0" b="0"/>
+      </a:effectRef>
+      <a:fontRef idx="minor">
+        <a:schemeClr val="lt1"/>
+      </a:fontRef>
+    </dgm:style>
+  </dgm:styleLbl>
+  <dgm:styleLbl name="node3">
+    <dgm:scene3d>
+      <a:camera prst="orthographicFront"/>
+      <a:lightRig rig="threePt" dir="t"/>
+    </dgm:scene3d>
+    <dgm:sp3d/>
+    <dgm:txPr/>
+    <dgm:style>
+      <a:lnRef idx="2">
+        <a:scrgbClr r="0" g="0" b="0"/>
+      </a:lnRef>
+      <a:fillRef idx="1">
+        <a:scrgbClr r="0" g="0" b="0"/>
+      </a:fillRef>
+      <a:effectRef idx="0">
+        <a:scrgbClr r="0" g="0" b="0"/>
+      </a:effectRef>
+      <a:fontRef idx="minor">
+        <a:schemeClr val="lt1"/>
+      </a:fontRef>
+    </dgm:style>
+  </dgm:styleLbl>
+  <dgm:styleLbl name="node4">
+    <dgm:scene3d>
+      <a:camera prst="orthographicFront"/>
+      <a:lightRig rig="threePt" dir="t"/>
+    </dgm:scene3d>
+    <dgm:sp3d/>
+    <dgm:txPr/>
+    <dgm:style>
+      <a:lnRef idx="2">
+        <a:scrgbClr r="0" g="0" b="0"/>
+      </a:lnRef>
+      <a:fillRef idx="1">
+        <a:scrgbClr r="0" g="0" b="0"/>
+      </a:fillRef>
+      <a:effectRef idx="0">
+        <a:scrgbClr r="0" g="0" b="0"/>
+      </a:effectRef>
+      <a:fontRef idx="minor">
+        <a:schemeClr val="lt1"/>
+      </a:fontRef>
+    </dgm:style>
+  </dgm:styleLbl>
+  <dgm:styleLbl name="fgImgPlace1">
+    <dgm:scene3d>
+      <a:camera prst="orthographicFront"/>
+      <a:lightRig rig="threePt" dir="t"/>
+    </dgm:scene3d>
+    <dgm:sp3d/>
+    <dgm:txPr/>
+    <dgm:style>
+      <a:lnRef idx="2">
+        <a:scrgbClr r="0" g="0" b="0"/>
+      </a:lnRef>
+      <a:fillRef idx="1">
+        <a:scrgbClr r="0" g="0" b="0"/>
+      </a:fillRef>
+      <a:effectRef idx="0">
+        <a:scrgbClr r="0" g="0" b="0"/>
+      </a:effectRef>
+      <a:fontRef idx="minor"/>
+    </dgm:style>
+  </dgm:styleLbl>
+  <dgm:styleLbl name="alignImgPlace1">
+    <dgm:scene3d>
+      <a:camera prst="orthographicFront"/>
+      <a:lightRig rig="threePt" dir="t"/>
+    </dgm:scene3d>
+    <dgm:sp3d/>
+    <dgm:txPr/>
+    <dgm:style>
+      <a:lnRef idx="2">
+        <a:scrgbClr r="0" g="0" b="0"/>
+      </a:lnRef>
+      <a:fillRef idx="1">
+        <a:scrgbClr r="0" g="0" b="0"/>
+      </a:fillRef>
+      <a:effectRef idx="0">
+        <a:scrgbClr r="0" g="0" b="0"/>
+      </a:effectRef>
+      <a:fontRef idx="minor"/>
+    </dgm:style>
+  </dgm:styleLbl>
+  <dgm:styleLbl name="bgImgPlace1">
+    <dgm:scene3d>
+      <a:camera prst="orthographicFront"/>
+      <a:lightRig rig="threePt" dir="t"/>
+    </dgm:scene3d>
+    <dgm:sp3d/>
+    <dgm:txPr/>
+    <dgm:style>
+      <a:lnRef idx="2">
+        <a:scrgbClr r="0" g="0" b="0"/>
+      </a:lnRef>
+      <a:fillRef idx="1">
+        <a:scrgbClr r="0" g="0" b="0"/>
+      </a:fillRef>
+      <a:effectRef idx="0">
+        <a:scrgbClr r="0" g="0" b="0"/>
+      </a:effectRef>
+      <a:fontRef idx="minor"/>
+    </dgm:style>
+  </dgm:styleLbl>
+  <dgm:styleLbl name="sibTrans2D1">
+    <dgm:scene3d>
+      <a:camera prst="orthographicFront"/>
+      <a:lightRig rig="threePt" dir="t"/>
+    </dgm:scene3d>
+    <dgm:sp3d/>
+    <dgm:txPr/>
+    <dgm:style>
+      <a:lnRef idx="0">
+        <a:scrgbClr r="0" g="0" b="0"/>
+      </a:lnRef>
+      <a:fillRef idx="1">
+        <a:scrgbClr r="0" g="0" b="0"/>
+      </a:fillRef>
+      <a:effectRef idx="0">
+        <a:scrgbClr r="0" g="0" b="0"/>
+      </a:effectRef>
+      <a:fontRef idx="minor">
+        <a:schemeClr val="lt1"/>
+      </a:fontRef>
+    </dgm:style>
+  </dgm:styleLbl>
+  <dgm:styleLbl name="fgSibTrans2D1">
+    <dgm:scene3d>
+      <a:camera prst="orthographicFront"/>
+      <a:lightRig rig="threePt" dir="t"/>
+    </dgm:scene3d>
+    <dgm:sp3d/>
+    <dgm:txPr/>
+    <dgm:style>
+      <a:lnRef idx="0">
+        <a:scrgbClr r="0" g="0" b="0"/>
+      </a:lnRef>
+      <a:fillRef idx="1">
+        <a:scrgbClr r="0" g="0" b="0"/>
+      </a:fillRef>
+      <a:effectRef idx="0">
+        <a:scrgbClr r="0" g="0" b="0"/>
+      </a:effectRef>
+      <a:fontRef idx="minor">
+        <a:schemeClr val="lt1"/>
+      </a:fontRef>
+    </dgm:style>
+  </dgm:styleLbl>
+  <dgm:styleLbl name="bgSibTrans2D1">
+    <dgm:scene3d>
+      <a:camera prst="orthographicFront"/>
+      <a:lightRig rig="threePt" dir="t"/>
+    </dgm:scene3d>
+    <dgm:sp3d/>
+    <dgm:txPr/>
+    <dgm:style>
+      <a:lnRef idx="0">
+        <a:scrgbClr r="0" g="0" b="0"/>
+      </a:lnRef>
+      <a:fillRef idx="1">
+        <a:scrgbClr r="0" g="0" b="0"/>
+      </a:fillRef>
+      <a:effectRef idx="0">
+        <a:scrgbClr r="0" g="0" b="0"/>
+      </a:effectRef>
+      <a:fontRef idx="minor">
+        <a:schemeClr val="lt1"/>
+      </a:fontRef>
+    </dgm:style>
+  </dgm:styleLbl>
+  <dgm:styleLbl name="sibTrans1D1">
+    <dgm:scene3d>
+      <a:camera prst="orthographicFront"/>
+      <a:lightRig rig="threePt" dir="t"/>
+    </dgm:scene3d>
+    <dgm:sp3d/>
+    <dgm:txPr/>
+    <dgm:style>
+      <a:lnRef idx="1">
+        <a:scrgbClr r="0" g="0" b="0"/>
+      </a:lnRef>
+      <a:fillRef idx="0">
+        <a:scrgbClr r="0" g="0" b="0"/>
+      </a:fillRef>
+      <a:effectRef idx="0">
+        <a:scrgbClr r="0" g="0" b="0"/>
+      </a:effectRef>
+      <a:fontRef idx="minor"/>
+    </dgm:style>
+  </dgm:styleLbl>
+  <dgm:styleLbl name="callout">
+    <dgm:scene3d>
+      <a:camera prst="orthographicFront"/>
+      <a:lightRig rig="threePt" dir="t"/>
+    </dgm:scene3d>
+    <dgm:sp3d/>
+    <dgm:txPr/>
+    <dgm:style>
+      <a:lnRef idx="2">
+        <a:scrgbClr r="0" g="0" b="0"/>
+      </a:lnRef>
+      <a:fillRef idx="1">
+        <a:scrgbClr r="0" g="0" b="0"/>
+      </a:fillRef>
+      <a:effectRef idx="0">
+        <a:scrgbClr r="0" g="0" b="0"/>
+      </a:effectRef>
+      <a:fontRef idx="minor"/>
+    </dgm:style>
+  </dgm:styleLbl>
+  <dgm:styleLbl name="asst0">
+    <dgm:scene3d>
+      <a:camera prst="orthographicFront"/>
+      <a:lightRig rig="threePt" dir="t"/>
+    </dgm:scene3d>
+    <dgm:sp3d/>
+    <dgm:txPr/>
+    <dgm:style>
+      <a:lnRef idx="2">
+        <a:scrgbClr r="0" g="0" b="0"/>
+      </a:lnRef>
+      <a:fillRef idx="1">
+        <a:scrgbClr r="0" g="0" b="0"/>
+      </a:fillRef>
+      <a:effectRef idx="0">
+        <a:scrgbClr r="0" g="0" b="0"/>
+      </a:effectRef>
+      <a:fontRef idx="minor">
+        <a:schemeClr val="lt1"/>
+      </a:fontRef>
+    </dgm:style>
+  </dgm:styleLbl>
+  <dgm:styleLbl name="asst1">
+    <dgm:scene3d>
+      <a:camera prst="orthographicFront"/>
+      <a:lightRig rig="threePt" dir="t"/>
+    </dgm:scene3d>
+    <dgm:sp3d/>
+    <dgm:txPr/>
+    <dgm:style>
+      <a:lnRef idx="2">
+        <a:scrgbClr r="0" g="0" b="0"/>
+      </a:lnRef>
+      <a:fillRef idx="1">
+        <a:scrgbClr r="0" g="0" b="0"/>
+      </a:fillRef>
+      <a:effectRef idx="0">
+        <a:scrgbClr r="0" g="0" b="0"/>
+      </a:effectRef>
+      <a:fontRef idx="minor">
+        <a:schemeClr val="lt1"/>
+      </a:fontRef>
+    </dgm:style>
+  </dgm:styleLbl>
+  <dgm:styleLbl name="asst2">
+    <dgm:scene3d>
+      <a:camera prst="orthographicFront"/>
+      <a:lightRig rig="threePt" dir="t"/>
+    </dgm:scene3d>
+    <dgm:sp3d/>
+    <dgm:txPr/>
+    <dgm:style>
+      <a:lnRef idx="2">
+        <a:scrgbClr r="0" g="0" b="0"/>
+      </a:lnRef>
+      <a:fillRef idx="1">
+        <a:scrgbClr r="0" g="0" b="0"/>
+      </a:fillRef>
+      <a:effectRef idx="0">
+        <a:scrgbClr r="0" g="0" b="0"/>
+      </a:effectRef>
+      <a:fontRef idx="minor">
+        <a:schemeClr val="lt1"/>
+      </a:fontRef>
+    </dgm:style>
+  </dgm:styleLbl>
+  <dgm:styleLbl name="asst3">
+    <dgm:scene3d>
+      <a:camera prst="orthographicFront"/>
+      <a:lightRig rig="threePt" dir="t"/>
+    </dgm:scene3d>
+    <dgm:sp3d/>
+    <dgm:txPr/>
+    <dgm:style>
+      <a:lnRef idx="2">
+        <a:scrgbClr r="0" g="0" b="0"/>
+      </a:lnRef>
+      <a:fillRef idx="1">
+        <a:scrgbClr r="0" g="0" b="0"/>
+      </a:fillRef>
+      <a:effectRef idx="0">
+        <a:scrgbClr r="0" g="0" b="0"/>
+      </a:effectRef>
+      <a:fontRef idx="minor">
+        <a:schemeClr val="lt1"/>
+      </a:fontRef>
+    </dgm:style>
+  </dgm:styleLbl>
+  <dgm:styleLbl name="asst4">
+    <dgm:scene3d>
+      <a:camera prst="orthographicFront"/>
+      <a:lightRig rig="threePt" dir="t"/>
+    </dgm:scene3d>
+    <dgm:sp3d/>
+    <dgm:txPr/>
+    <dgm:style>
+      <a:lnRef idx="2">
+        <a:scrgbClr r="0" g="0" b="0"/>
+      </a:lnRef>
+      <a:fillRef idx="1">
+        <a:scrgbClr r="0" g="0" b="0"/>
+      </a:fillRef>
+      <a:effectRef idx="0">
+        <a:scrgbClr r="0" g="0" b="0"/>
+      </a:effectRef>
+      <a:fontRef idx="minor">
+        <a:schemeClr val="lt1"/>
+      </a:fontRef>
+    </dgm:style>
+  </dgm:styleLbl>
+  <dgm:styleLbl name="parChTrans2D1">
+    <dgm:scene3d>
+      <a:camera prst="orthographicFront"/>
+      <a:lightRig rig="threePt" dir="t"/>
+    </dgm:scene3d>
+    <dgm:sp3d/>
+    <dgm:txPr/>
+    <dgm:style>
+      <a:lnRef idx="2">
+        <a:scrgbClr r="0" g="0" b="0"/>
+      </a:lnRef>
+      <a:fillRef idx="1">
+        <a:scrgbClr r="0" g="0" b="0"/>
+      </a:fillRef>
+      <a:effectRef idx="0">
+        <a:scrgbClr r="0" g="0" b="0"/>
+      </a:effectRef>
+      <a:fontRef idx="minor">
+        <a:schemeClr val="lt1"/>
+      </a:fontRef>
+    </dgm:style>
+  </dgm:styleLbl>
+  <dgm:styleLbl name="parChTrans2D2">
+    <dgm:scene3d>
+      <a:camera prst="orthographicFront"/>
+      <a:lightRig rig="threePt" dir="t"/>
+    </dgm:scene3d>
+    <dgm:sp3d/>
+    <dgm:txPr/>
+    <dgm:style>
+      <a:lnRef idx="2">
+        <a:scrgbClr r="0" g="0" b="0"/>
+      </a:lnRef>
+      <a:fillRef idx="1">
+        <a:scrgbClr r="0" g="0" b="0"/>
+      </a:fillRef>
+      <a:effectRef idx="0">
+        <a:scrgbClr r="0" g="0" b="0"/>
+      </a:effectRef>
+      <a:fontRef idx="minor">
+        <a:schemeClr val="lt1"/>
+      </a:fontRef>
+    </dgm:style>
+  </dgm:styleLbl>
+  <dgm:styleLbl name="parChTrans2D3">
+    <dgm:scene3d>
+      <a:camera prst="orthographicFront"/>
+      <a:lightRig rig="threePt" dir="t"/>
+    </dgm:scene3d>
+    <dgm:sp3d/>
+    <dgm:txPr/>
+    <dgm:style>
+      <a:lnRef idx="2">
+        <a:scrgbClr r="0" g="0" b="0"/>
+      </a:lnRef>
+      <a:fillRef idx="1">
+        <a:scrgbClr r="0" g="0" b="0"/>
+      </a:fillRef>
+      <a:effectRef idx="0">
+        <a:scrgbClr r="0" g="0" b="0"/>
+      </a:effectRef>
+      <a:fontRef idx="minor">
+        <a:schemeClr val="lt1"/>
+      </a:fontRef>
+    </dgm:style>
+  </dgm:styleLbl>
+  <dgm:styleLbl name="parChTrans2D4">
+    <dgm:scene3d>
+      <a:camera prst="orthographicFront"/>
+      <a:lightRig rig="threePt" dir="t"/>
+    </dgm:scene3d>
+    <dgm:sp3d/>
+    <dgm:txPr/>
+    <dgm:style>
+      <a:lnRef idx="2">
+        <a:scrgbClr r="0" g="0" b="0"/>
+      </a:lnRef>
+      <a:fillRef idx="1">
+        <a:scrgbClr r="0" g="0" b="0"/>
+      </a:fillRef>
+      <a:effectRef idx="0">
+        <a:scrgbClr r="0" g="0" b="0"/>
+      </a:effectRef>
+      <a:fontRef idx="minor">
+        <a:schemeClr val="lt1"/>
+      </a:fontRef>
+    </dgm:style>
+  </dgm:styleLbl>
+  <dgm:styleLbl name="parChTrans1D1">
+    <dgm:scene3d>
+      <a:camera prst="orthographicFront"/>
+      <a:lightRig rig="threePt" dir="t"/>
+    </dgm:scene3d>
+    <dgm:sp3d/>
+    <dgm:txPr/>
+    <dgm:style>
+      <a:lnRef idx="2">
+        <a:scrgbClr r="0" g="0" b="0"/>
+      </a:lnRef>
+      <a:fillRef idx="0">
+        <a:scrgbClr r="0" g="0" b="0"/>
+      </a:fillRef>
+      <a:effectRef idx="0">
+        <a:scrgbClr r="0" g="0" b="0"/>
+      </a:effectRef>
+      <a:fontRef idx="minor"/>
+    </dgm:style>
+  </dgm:styleLbl>
+  <dgm:styleLbl name="parChTrans1D2">
+    <dgm:scene3d>
+      <a:camera prst="orthographicFront"/>
+      <a:lightRig rig="threePt" dir="t"/>
+    </dgm:scene3d>
+    <dgm:sp3d/>
+    <dgm:txPr/>
+    <dgm:style>
+      <a:lnRef idx="2">
+        <a:scrgbClr r="0" g="0" b="0"/>
+      </a:lnRef>
+      <a:fillRef idx="0">
+        <a:scrgbClr r="0" g="0" b="0"/>
+      </a:fillRef>
+      <a:effectRef idx="0">
+        <a:scrgbClr r="0" g="0" b="0"/>
+      </a:effectRef>
+      <a:fontRef idx="minor"/>
+    </dgm:style>
+  </dgm:styleLbl>
+  <dgm:styleLbl name="parChTrans1D3">
+    <dgm:scene3d>
+      <a:camera prst="orthographicFront"/>
+      <a:lightRig rig="threePt" dir="t"/>
+    </dgm:scene3d>
+    <dgm:sp3d/>
+    <dgm:txPr/>
+    <dgm:style>
+      <a:lnRef idx="2">
+        <a:scrgbClr r="0" g="0" b="0"/>
+      </a:lnRef>
+      <a:fillRef idx="0">
+        <a:scrgbClr r="0" g="0" b="0"/>
+      </a:fillRef>
+      <a:effectRef idx="0">
+        <a:scrgbClr r="0" g="0" b="0"/>
+      </a:effectRef>
+      <a:fontRef idx="minor"/>
+    </dgm:style>
+  </dgm:styleLbl>
+  <dgm:styleLbl name="parChTrans1D4">
+    <dgm:scene3d>
+      <a:camera prst="orthographicFront"/>
+      <a:lightRig rig="threePt" dir="t"/>
+    </dgm:scene3d>
+    <dgm:sp3d/>
+    <dgm:txPr/>
+    <dgm:style>
+      <a:lnRef idx="2">
+        <a:scrgbClr r="0" g="0" b="0"/>
+      </a:lnRef>
+      <a:fillRef idx="0">
+        <a:scrgbClr r="0" g="0" b="0"/>
+      </a:fillRef>
+      <a:effectRef idx="0">
+        <a:scrgbClr r="0" g="0" b="0"/>
+      </a:effectRef>
+      <a:fontRef idx="minor"/>
+    </dgm:style>
+  </dgm:styleLbl>
+  <dgm:styleLbl name="fgAcc1">
+    <dgm:scene3d>
+      <a:camera prst="orthographicFront"/>
+      <a:lightRig rig="threePt" dir="t"/>
+    </dgm:scene3d>
+    <dgm:sp3d/>
+    <dgm:txPr/>
+    <dgm:style>
+      <a:lnRef idx="2">
+        <a:scrgbClr r="0" g="0" b="0"/>
+      </a:lnRef>
+      <a:fillRef idx="1">
+        <a:scrgbClr r="0" g="0" b="0"/>
+      </a:fillRef>
+      <a:effectRef idx="0">
+        <a:scrgbClr r="0" g="0" b="0"/>
+      </a:effectRef>
+      <a:fontRef idx="minor"/>
+    </dgm:style>
+  </dgm:styleLbl>
+  <dgm:styleLbl name="conFgAcc1">
+    <dgm:scene3d>
+      <a:camera prst="orthographicFront"/>
+      <a:lightRig rig="threePt" dir="t"/>
+    </dgm:scene3d>
+    <dgm:sp3d/>
+    <dgm:txPr/>
+    <dgm:style>
+      <a:lnRef idx="2">
+        <a:scrgbClr r="0" g="0" b="0"/>
+      </a:lnRef>
+      <a:fillRef idx="1">
+        <a:scrgbClr r="0" g="0" b="0"/>
+      </a:fillRef>
+      <a:effectRef idx="0">
+        <a:scrgbClr r="0" g="0" b="0"/>
+      </a:effectRef>
+      <a:fontRef idx="minor"/>
+    </dgm:style>
+  </dgm:styleLbl>
+  <dgm:styleLbl name="alignAcc1">
+    <dgm:scene3d>
+      <a:camera prst="orthographicFront"/>
+      <a:lightRig rig="threePt" dir="t"/>
+    </dgm:scene3d>
+    <dgm:sp3d/>
+    <dgm:txPr/>
+    <dgm:style>
+      <a:lnRef idx="2">
+        <a:scrgbClr r="0" g="0" b="0"/>
+      </a:lnRef>
+      <a:fillRef idx="1">
+        <a:scrgbClr r="0" g="0" b="0"/>
+      </a:fillRef>
+      <a:effectRef idx="0">
+        <a:scrgbClr r="0" g="0" b="0"/>
+      </a:effectRef>
+      <a:fontRef idx="minor"/>
+    </dgm:style>
+  </dgm:styleLbl>
+  <dgm:styleLbl name="trAlignAcc1">
+    <dgm:scene3d>
+      <a:camera prst="orthographicFront"/>
+      <a:lightRig rig="threePt" dir="t"/>
+    </dgm:scene3d>
+    <dgm:sp3d/>
+    <dgm:txPr/>
+    <dgm:style>
+      <a:lnRef idx="1">
+        <a:scrgbClr r="0" g="0" b="0"/>
+      </a:lnRef>
+      <a:fillRef idx="1">
+        <a:scrgbClr r="0" g="0" b="0"/>
+      </a:fillRef>
+      <a:effectRef idx="0">
+        <a:scrgbClr r="0" g="0" b="0"/>
+      </a:effectRef>
+      <a:fontRef idx="minor"/>
+    </dgm:style>
+  </dgm:styleLbl>
+  <dgm:styleLbl name="bgAcc1">
+    <dgm:scene3d>
+      <a:camera prst="orthographicFront"/>
+      <a:lightRig rig="threePt" dir="t"/>
+    </dgm:scene3d>
+    <dgm:sp3d/>
+    <dgm:txPr/>
+    <dgm:style>
+      <a:lnRef idx="2">
+        <a:scrgbClr r="0" g="0" b="0"/>
+      </a:lnRef>
+      <a:fillRef idx="1">
+        <a:scrgbClr r="0" g="0" b="0"/>
+      </a:fillRef>
+      <a:effectRef idx="0">
+        <a:scrgbClr r="0" g="0" b="0"/>
+      </a:effectRef>
+      <a:fontRef idx="minor"/>
+    </dgm:style>
+  </dgm:styleLbl>
+  <dgm:styleLbl name="solidFgAcc1">
+    <dgm:scene3d>
+      <a:camera prst="orthographicFront"/>
+      <a:lightRig rig="threePt" dir="t"/>
+    </dgm:scene3d>
+    <dgm:sp3d/>
+    <dgm:txPr/>
+    <dgm:style>
+      <a:lnRef idx="2">
+        <a:scrgbClr r="0" g="0" b="0"/>
+      </a:lnRef>
+      <a:fillRef idx="1">
+        <a:scrgbClr r="0" g="0" b="0"/>
+      </a:fillRef>
+      <a:effectRef idx="0">
+        <a:scrgbClr r="0" g="0" b="0"/>
+      </a:effectRef>
+      <a:fontRef idx="minor"/>
+    </dgm:style>
+  </dgm:styleLbl>
+  <dgm:styleLbl name="solidAlignAcc1">
+    <dgm:scene3d>
+      <a:camera prst="orthographicFront"/>
+      <a:lightRig rig="threePt" dir="t"/>
+    </dgm:scene3d>
+    <dgm:sp3d/>
+    <dgm:txPr/>
+    <dgm:style>
+      <a:lnRef idx="2">
+        <a:scrgbClr r="0" g="0" b="0"/>
+      </a:lnRef>
+      <a:fillRef idx="1">
+        <a:scrgbClr r="0" g="0" b="0"/>
+      </a:fillRef>
+      <a:effectRef idx="0">
+        <a:scrgbClr r="0" g="0" b="0"/>
+      </a:effectRef>
+      <a:fontRef idx="minor"/>
+    </dgm:style>
+  </dgm:styleLbl>
+  <dgm:styleLbl name="solidBgAcc1">
+    <dgm:scene3d>
+      <a:camera prst="orthographicFront"/>
+      <a:lightRig rig="threePt" dir="t"/>
+    </dgm:scene3d>
+    <dgm:sp3d/>
+    <dgm:txPr/>
+    <dgm:style>
+      <a:lnRef idx="2">
+        <a:scrgbClr r="0" g="0" b="0"/>
+      </a:lnRef>
+      <a:fillRef idx="1">
+        <a:scrgbClr r="0" g="0" b="0"/>
+      </a:fillRef>
+      <a:effectRef idx="0">
+        <a:scrgbClr r="0" g="0" b="0"/>
+      </a:effectRef>
+      <a:fontRef idx="minor"/>
+    </dgm:style>
+  </dgm:styleLbl>
+  <dgm:styleLbl name="fgAccFollowNode1">
+    <dgm:scene3d>
+      <a:camera prst="orthographicFront"/>
+      <a:lightRig rig="threePt" dir="t"/>
+    </dgm:scene3d>
+    <dgm:sp3d/>
+    <dgm:txPr/>
+    <dgm:style>
+      <a:lnRef idx="2">
+        <a:scrgbClr r="0" g="0" b="0"/>
+      </a:lnRef>
+      <a:fillRef idx="1">
+        <a:scrgbClr r="0" g="0" b="0"/>
+      </a:fillRef>
+      <a:effectRef idx="0">
+        <a:scrgbClr r="0" g="0" b="0"/>
+      </a:effectRef>
+      <a:fontRef idx="minor"/>
+    </dgm:style>
+  </dgm:styleLbl>
+  <dgm:styleLbl name="alignAccFollowNode1">
+    <dgm:scene3d>
+      <a:camera prst="orthographicFront"/>
+      <a:lightRig rig="threePt" dir="t"/>
+    </dgm:scene3d>
+    <dgm:sp3d/>
+    <dgm:txPr/>
+    <dgm:style>
+      <a:lnRef idx="2">
+        <a:scrgbClr r="0" g="0" b="0"/>
+      </a:lnRef>
+      <a:fillRef idx="1">
+        <a:scrgbClr r="0" g="0" b="0"/>
+      </a:fillRef>
+      <a:effectRef idx="0">
+        <a:scrgbClr r="0" g="0" b="0"/>
+      </a:effectRef>
+      <a:fontRef idx="minor"/>
+    </dgm:style>
+  </dgm:styleLbl>
+  <dgm:styleLbl name="bgAccFollowNode1">
+    <dgm:scene3d>
+      <a:camera prst="orthographicFront"/>
+      <a:lightRig rig="threePt" dir="t"/>
+    </dgm:scene3d>
+    <dgm:sp3d/>
+    <dgm:txPr/>
+    <dgm:style>
+      <a:lnRef idx="2">
+        <a:scrgbClr r="0" g="0" b="0"/>
+      </a:lnRef>
+      <a:fillRef idx="1">
+        <a:scrgbClr r="0" g="0" b="0"/>
+      </a:fillRef>
+      <a:effectRef idx="0">
+        <a:scrgbClr r="0" g="0" b="0"/>
+      </a:effectRef>
+      <a:fontRef idx="minor"/>
+    </dgm:style>
+  </dgm:styleLbl>
+  <dgm:styleLbl name="fgAcc0">
+    <dgm:scene3d>
+      <a:camera prst="orthographicFront"/>
+      <a:lightRig rig="threePt" dir="t"/>
+    </dgm:scene3d>
+    <dgm:sp3d/>
+    <dgm:txPr/>
+    <dgm:style>
+      <a:lnRef idx="2">
+        <a:scrgbClr r="0" g="0" b="0"/>
+      </a:lnRef>
+      <a:fillRef idx="1">
+        <a:scrgbClr r="0" g="0" b="0"/>
+      </a:fillRef>
+      <a:effectRef idx="0">
+        <a:scrgbClr r="0" g="0" b="0"/>
+      </a:effectRef>
+      <a:fontRef idx="minor"/>
+    </dgm:style>
+  </dgm:styleLbl>
+  <dgm:styleLbl name="fgAcc2">
+    <dgm:scene3d>
+      <a:camera prst="orthographicFront"/>
+      <a:lightRig rig="threePt" dir="t"/>
+    </dgm:scene3d>
+    <dgm:sp3d/>
+    <dgm:txPr/>
+    <dgm:style>
+      <a:lnRef idx="2">
+        <a:scrgbClr r="0" g="0" b="0"/>
+      </a:lnRef>
+      <a:fillRef idx="1">
+        <a:scrgbClr r="0" g="0" b="0"/>
+      </a:fillRef>
+      <a:effectRef idx="0">
+        <a:scrgbClr r="0" g="0" b="0"/>
+      </a:effectRef>
+      <a:fontRef idx="minor"/>
+    </dgm:style>
+  </dgm:styleLbl>
+  <dgm:styleLbl name="fgAcc3">
+    <dgm:scene3d>
+      <a:camera prst="orthographicFront"/>
+      <a:lightRig rig="threePt" dir="t"/>
+    </dgm:scene3d>
+    <dgm:sp3d/>
+    <dgm:txPr/>
+    <dgm:style>
+      <a:lnRef idx="2">
+        <a:scrgbClr r="0" g="0" b="0"/>
+      </a:lnRef>
+      <a:fillRef idx="1">
+        <a:scrgbClr r="0" g="0" b="0"/>
+      </a:fillRef>
+      <a:effectRef idx="0">
+        <a:scrgbClr r="0" g="0" b="0"/>
+      </a:effectRef>
+      <a:fontRef idx="minor"/>
+    </dgm:style>
+  </dgm:styleLbl>
+  <dgm:styleLbl name="fgAcc4">
+    <dgm:scene3d>
+      <a:camera prst="orthographicFront"/>
+      <a:lightRig rig="threePt" dir="t"/>
+    </dgm:scene3d>
+    <dgm:sp3d/>
+    <dgm:txPr/>
+    <dgm:style>
+      <a:lnRef idx="2">
+        <a:scrgbClr r="0" g="0" b="0"/>
+      </a:lnRef>
+      <a:fillRef idx="1">
+        <a:scrgbClr r="0" g="0" b="0"/>
+      </a:fillRef>
+      <a:effectRef idx="0">
+        <a:scrgbClr r="0" g="0" b="0"/>
+      </a:effectRef>
+      <a:fontRef idx="minor"/>
+    </dgm:style>
+  </dgm:styleLbl>
+  <dgm:styleLbl name="bgShp">
+    <dgm:scene3d>
+      <a:camera prst="orthographicFront"/>
+      <a:lightRig rig="threePt" dir="t"/>
+    </dgm:scene3d>
+    <dgm:sp3d/>
+    <dgm:txPr/>
+    <dgm:style>
+      <a:lnRef idx="0">
+        <a:scrgbClr r="0" g="0" b="0"/>
+      </a:lnRef>
+      <a:fillRef idx="1">
+        <a:scrgbClr r="0" g="0" b="0"/>
+      </a:fillRef>
+      <a:effectRef idx="0">
+        <a:scrgbClr r="0" g="0" b="0"/>
+      </a:effectRef>
+      <a:fontRef idx="minor"/>
+    </dgm:style>
+  </dgm:styleLbl>
+  <dgm:styleLbl name="dkBgShp">
+    <dgm:scene3d>
+      <a:camera prst="orthographicFront"/>
+      <a:lightRig rig="threePt" dir="t"/>
+    </dgm:scene3d>
+    <dgm:sp3d/>
+    <dgm:txPr/>
+    <dgm:style>
+      <a:lnRef idx="0">
+        <a:scrgbClr r="0" g="0" b="0"/>
+      </a:lnRef>
+      <a:fillRef idx="1">
+        <a:scrgbClr r="0" g="0" b="0"/>
+      </a:fillRef>
+      <a:effectRef idx="0">
+        <a:scrgbClr r="0" g="0" b="0"/>
+      </a:effectRef>
+      <a:fontRef idx="minor"/>
+    </dgm:style>
+  </dgm:styleLbl>
+  <dgm:styleLbl name="trBgShp">
+    <dgm:scene3d>
+      <a:camera prst="orthographicFront"/>
+      <a:lightRig rig="threePt" dir="t"/>
+    </dgm:scene3d>
+    <dgm:sp3d/>
+    <dgm:txPr/>
+    <dgm:style>
+      <a:lnRef idx="0">
+        <a:scrgbClr r="0" g="0" b="0"/>
+      </a:lnRef>
+      <a:fillRef idx="1">
+        <a:scrgbClr r="0" g="0" b="0"/>
+      </a:fillRef>
+      <a:effectRef idx="0">
+        <a:scrgbClr r="0" g="0" b="0"/>
+      </a:effectRef>
+      <a:fontRef idx="minor"/>
+    </dgm:style>
+  </dgm:styleLbl>
+  <dgm:styleLbl name="fgShp">
+    <dgm:scene3d>
+      <a:camera prst="orthographicFront"/>
+      <a:lightRig rig="threePt" dir="t"/>
+    </dgm:scene3d>
+    <dgm:sp3d/>
+    <dgm:txPr/>
+    <dgm:style>
+      <a:lnRef idx="2">
+        <a:scrgbClr r="0" g="0" b="0"/>
+      </a:lnRef>
+      <a:fillRef idx="1">
+        <a:scrgbClr r="0" g="0" b="0"/>
+      </a:fillRef>
+      <a:effectRef idx="0">
+        <a:scrgbClr r="0" g="0" b="0"/>
+      </a:effectRef>
+      <a:fontRef idx="minor"/>
+    </dgm:style>
+  </dgm:styleLbl>
+  <dgm:styleLbl name="revTx">
+    <dgm:scene3d>
+      <a:camera prst="orthographicFront"/>
+      <a:lightRig rig="threePt" dir="t"/>
+    </dgm:scene3d>
+    <dgm:sp3d/>
+    <dgm:txPr/>
+    <dgm:style>
+      <a:lnRef idx="0">
+        <a:scrgbClr r="0" g="0" b="0"/>
+      </a:lnRef>
+      <a:fillRef idx="0">
+        <a:scrgbClr r="0" g="0" b="0"/>
+      </a:fillRef>
+      <a:effectRef idx="0">
+        <a:scrgbClr r="0" g="0" b="0"/>
+      </a:effectRef>
+      <a:fontRef idx="minor"/>
+    </dgm:style>
+  </dgm:styleLbl>
+</dgm:styleDef>
+</file>
+
 <file path=ppt/slideLayouts/slideLayout1.xml><?xml version="1.0" encoding="utf-8"?>
 <p:sldLayout xmlns:a="http://schemas.openxmlformats.org/drawingml/2006/main" xmlns:r="http://schemas.openxmlformats.org/officeDocument/2006/relationships" xmlns:p="http://schemas.openxmlformats.org/presentationml/2006/main" type="title" preserve="1">
   <p:cSld name="Title Slide">
@@ -3085,7 +6455,7 @@
           <a:p>
             <a:fld id="{40ECFC71-2634-46FD-988A-FFE1FE582C9C}" type="datetimeFigureOut">
               <a:rPr lang="en-IN" smtClean="0"/>
-              <a:t>16-04-2024</a:t>
+              <a:t>07-05-2024</a:t>
             </a:fld>
             <a:endParaRPr lang="en-IN"/>
           </a:p>
@@ -3285,7 +6655,7 @@
           <a:p>
             <a:fld id="{40ECFC71-2634-46FD-988A-FFE1FE582C9C}" type="datetimeFigureOut">
               <a:rPr lang="en-IN" smtClean="0"/>
-              <a:t>16-04-2024</a:t>
+              <a:t>07-05-2024</a:t>
             </a:fld>
             <a:endParaRPr lang="en-IN"/>
           </a:p>
@@ -3495,7 +6865,7 @@
           <a:p>
             <a:fld id="{40ECFC71-2634-46FD-988A-FFE1FE582C9C}" type="datetimeFigureOut">
               <a:rPr lang="en-IN" smtClean="0"/>
-              <a:t>16-04-2024</a:t>
+              <a:t>07-05-2024</a:t>
             </a:fld>
             <a:endParaRPr lang="en-IN"/>
           </a:p>
@@ -3695,7 +7065,7 @@
           <a:p>
             <a:fld id="{40ECFC71-2634-46FD-988A-FFE1FE582C9C}" type="datetimeFigureOut">
               <a:rPr lang="en-IN" smtClean="0"/>
-              <a:t>16-04-2024</a:t>
+              <a:t>07-05-2024</a:t>
             </a:fld>
             <a:endParaRPr lang="en-IN"/>
           </a:p>
@@ -3971,7 +7341,7 @@
           <a:p>
             <a:fld id="{40ECFC71-2634-46FD-988A-FFE1FE582C9C}" type="datetimeFigureOut">
               <a:rPr lang="en-IN" smtClean="0"/>
-              <a:t>16-04-2024</a:t>
+              <a:t>07-05-2024</a:t>
             </a:fld>
             <a:endParaRPr lang="en-IN"/>
           </a:p>
@@ -4239,7 +7609,7 @@
           <a:p>
             <a:fld id="{40ECFC71-2634-46FD-988A-FFE1FE582C9C}" type="datetimeFigureOut">
               <a:rPr lang="en-IN" smtClean="0"/>
-              <a:t>16-04-2024</a:t>
+              <a:t>07-05-2024</a:t>
             </a:fld>
             <a:endParaRPr lang="en-IN"/>
           </a:p>
@@ -4654,7 +8024,7 @@
           <a:p>
             <a:fld id="{40ECFC71-2634-46FD-988A-FFE1FE582C9C}" type="datetimeFigureOut">
               <a:rPr lang="en-IN" smtClean="0"/>
-              <a:t>16-04-2024</a:t>
+              <a:t>07-05-2024</a:t>
             </a:fld>
             <a:endParaRPr lang="en-IN"/>
           </a:p>
@@ -4796,7 +8166,7 @@
           <a:p>
             <a:fld id="{40ECFC71-2634-46FD-988A-FFE1FE582C9C}" type="datetimeFigureOut">
               <a:rPr lang="en-IN" smtClean="0"/>
-              <a:t>16-04-2024</a:t>
+              <a:t>07-05-2024</a:t>
             </a:fld>
             <a:endParaRPr lang="en-IN"/>
           </a:p>
@@ -4909,7 +8279,7 @@
           <a:p>
             <a:fld id="{40ECFC71-2634-46FD-988A-FFE1FE582C9C}" type="datetimeFigureOut">
               <a:rPr lang="en-IN" smtClean="0"/>
-              <a:t>16-04-2024</a:t>
+              <a:t>07-05-2024</a:t>
             </a:fld>
             <a:endParaRPr lang="en-IN"/>
           </a:p>
@@ -5222,7 +8592,7 @@
           <a:p>
             <a:fld id="{40ECFC71-2634-46FD-988A-FFE1FE582C9C}" type="datetimeFigureOut">
               <a:rPr lang="en-IN" smtClean="0"/>
-              <a:t>16-04-2024</a:t>
+              <a:t>07-05-2024</a:t>
             </a:fld>
             <a:endParaRPr lang="en-IN"/>
           </a:p>
@@ -5511,7 +8881,7 @@
           <a:p>
             <a:fld id="{40ECFC71-2634-46FD-988A-FFE1FE582C9C}" type="datetimeFigureOut">
               <a:rPr lang="en-IN" smtClean="0"/>
-              <a:t>16-04-2024</a:t>
+              <a:t>07-05-2024</a:t>
             </a:fld>
             <a:endParaRPr lang="en-IN"/>
           </a:p>
@@ -5754,7 +9124,7 @@
           <a:p>
             <a:fld id="{40ECFC71-2634-46FD-988A-FFE1FE582C9C}" type="datetimeFigureOut">
               <a:rPr lang="en-IN" smtClean="0"/>
-              <a:t>16-04-2024</a:t>
+              <a:t>07-05-2024</a:t>
             </a:fld>
             <a:endParaRPr lang="en-IN"/>
           </a:p>
@@ -7360,7 +10730,2184 @@
 </p:sld>
 </file>
 
+<file path=ppt/slides/slide10.xml><?xml version="1.0" encoding="utf-8"?>
+<p:sld xmlns:a="http://schemas.openxmlformats.org/drawingml/2006/main" xmlns:r="http://schemas.openxmlformats.org/officeDocument/2006/relationships" xmlns:p="http://schemas.openxmlformats.org/presentationml/2006/main">
+  <p:cSld>
+    <p:bg>
+      <p:bgPr>
+        <a:solidFill>
+          <a:schemeClr val="bg1"/>
+        </a:solidFill>
+        <a:effectLst/>
+      </p:bgPr>
+    </p:bg>
+    <p:spTree>
+      <p:nvGrpSpPr>
+        <p:cNvPr id="1" name=""/>
+        <p:cNvGrpSpPr/>
+        <p:nvPr/>
+      </p:nvGrpSpPr>
+      <p:grpSpPr>
+        <a:xfrm>
+          <a:off x="0" y="0"/>
+          <a:ext cx="0" cy="0"/>
+          <a:chOff x="0" y="0"/>
+          <a:chExt cx="0" cy="0"/>
+        </a:xfrm>
+      </p:grpSpPr>
+      <p:sp useBgFill="1">
+        <p:nvSpPr>
+          <p:cNvPr id="38" name="Rectangle 37">
+            <a:extLst>
+              <a:ext uri="{FF2B5EF4-FFF2-40B4-BE49-F238E27FC236}">
+                <a16:creationId xmlns:a16="http://schemas.microsoft.com/office/drawing/2014/main" id="{7B831B6F-405A-4B47-B9BB-5CA88F285844}"/>
+              </a:ext>
+              <a:ext uri="{C183D7F6-B498-43B3-948B-1728B52AA6E4}">
+                <adec:decorative xmlns:adec="http://schemas.microsoft.com/office/drawing/2017/decorative" val="1"/>
+              </a:ext>
+            </a:extLst>
+          </p:cNvPr>
+          <p:cNvSpPr>
+            <a:spLocks noGrp="1" noRot="1" noChangeAspect="1" noMove="1" noResize="1" noEditPoints="1" noAdjustHandles="1" noChangeArrowheads="1" noChangeShapeType="1" noTextEdit="1"/>
+          </p:cNvSpPr>
+          <p:nvPr>
+            <p:extLst>
+              <p:ext uri="{386F3935-93C4-4BCD-93E2-E3B085C9AB24}">
+                <p16:designElem xmlns:p16="http://schemas.microsoft.com/office/powerpoint/2015/main" val="1"/>
+              </p:ext>
+            </p:extLst>
+          </p:nvPr>
+        </p:nvSpPr>
+        <p:spPr>
+          <a:xfrm>
+            <a:off x="0" y="0"/>
+            <a:ext cx="12192000" cy="6858000"/>
+          </a:xfrm>
+          <a:prstGeom prst="rect">
+            <a:avLst/>
+          </a:prstGeom>
+          <a:ln>
+            <a:noFill/>
+          </a:ln>
+        </p:spPr>
+        <p:style>
+          <a:lnRef idx="2">
+            <a:schemeClr val="accent1">
+              <a:shade val="50000"/>
+            </a:schemeClr>
+          </a:lnRef>
+          <a:fillRef idx="1">
+            <a:schemeClr val="accent1"/>
+          </a:fillRef>
+          <a:effectRef idx="0">
+            <a:schemeClr val="accent1"/>
+          </a:effectRef>
+          <a:fontRef idx="minor">
+            <a:schemeClr val="lt1"/>
+          </a:fontRef>
+        </p:style>
+        <p:txBody>
+          <a:bodyPr rtlCol="0" anchor="ctr"/>
+          <a:lstStyle/>
+          <a:p>
+            <a:pPr algn="ctr"/>
+            <a:endParaRPr lang="en-US"/>
+          </a:p>
+        </p:txBody>
+      </p:sp>
+      <p:pic>
+        <p:nvPicPr>
+          <p:cNvPr id="7" name="Graphic 6" descr="Lollipop">
+            <a:extLst>
+              <a:ext uri="{FF2B5EF4-FFF2-40B4-BE49-F238E27FC236}">
+                <a16:creationId xmlns:a16="http://schemas.microsoft.com/office/drawing/2014/main" id="{A68818E0-7D3F-66E9-F6D4-5E50B247B194}"/>
+              </a:ext>
+            </a:extLst>
+          </p:cNvPr>
+          <p:cNvPicPr>
+            <a:picLocks noChangeAspect="1"/>
+          </p:cNvPicPr>
+          <p:nvPr/>
+        </p:nvPicPr>
+        <p:blipFill>
+          <a:blip r:embed="rId2">
+            <a:extLst>
+              <a:ext uri="{28A0092B-C50C-407E-A947-70E740481C1C}">
+                <a14:useLocalDpi xmlns:a14="http://schemas.microsoft.com/office/drawing/2010/main" val="0"/>
+              </a:ext>
+              <a:ext uri="{96DAC541-7B7A-43D3-8B79-37D633B846F1}">
+                <asvg:svgBlip xmlns:asvg="http://schemas.microsoft.com/office/drawing/2016/SVG/main" r:embed="rId3"/>
+              </a:ext>
+            </a:extLst>
+          </a:blip>
+          <a:stretch>
+            <a:fillRect/>
+          </a:stretch>
+        </p:blipFill>
+        <p:spPr>
+          <a:xfrm>
+            <a:off x="764988" y="1744515"/>
+            <a:ext cx="3368969" cy="3368969"/>
+          </a:xfrm>
+          <a:prstGeom prst="rect">
+            <a:avLst/>
+          </a:prstGeom>
+        </p:spPr>
+      </p:pic>
+      <p:sp>
+        <p:nvSpPr>
+          <p:cNvPr id="39" name="Freeform: Shape 38">
+            <a:extLst>
+              <a:ext uri="{FF2B5EF4-FFF2-40B4-BE49-F238E27FC236}">
+                <a16:creationId xmlns:a16="http://schemas.microsoft.com/office/drawing/2014/main" id="{15109354-9C5D-4F8C-B0E6-D1043C7BF20A}"/>
+              </a:ext>
+              <a:ext uri="{C183D7F6-B498-43B3-948B-1728B52AA6E4}">
+                <adec:decorative xmlns:adec="http://schemas.microsoft.com/office/drawing/2017/decorative" val="1"/>
+              </a:ext>
+            </a:extLst>
+          </p:cNvPr>
+          <p:cNvSpPr>
+            <a:spLocks noGrp="1" noRot="1" noChangeAspect="1" noMove="1" noResize="1" noEditPoints="1" noAdjustHandles="1" noChangeArrowheads="1" noChangeShapeType="1" noTextEdit="1"/>
+          </p:cNvSpPr>
+          <p:nvPr>
+            <p:extLst>
+              <p:ext uri="{386F3935-93C4-4BCD-93E2-E3B085C9AB24}">
+                <p16:designElem xmlns:p16="http://schemas.microsoft.com/office/powerpoint/2015/main" val="1"/>
+              </p:ext>
+            </p:extLst>
+          </p:nvPr>
+        </p:nvSpPr>
+        <p:spPr>
+          <a:xfrm>
+            <a:off x="4629992" y="0"/>
+            <a:ext cx="7562008" cy="6858000"/>
+          </a:xfrm>
+          <a:custGeom>
+            <a:avLst/>
+            <a:gdLst>
+              <a:gd name="connsiteX0" fmla="*/ 7529613 w 7529613"/>
+              <a:gd name="connsiteY0" fmla="*/ 0 h 6858000"/>
+              <a:gd name="connsiteX1" fmla="*/ 1222331 w 7529613"/>
+              <a:gd name="connsiteY1" fmla="*/ 0 h 6858000"/>
+              <a:gd name="connsiteX2" fmla="*/ 1126483 w 7529613"/>
+              <a:gd name="connsiteY2" fmla="*/ 148742 h 6858000"/>
+              <a:gd name="connsiteX3" fmla="*/ 767554 w 7529613"/>
+              <a:gd name="connsiteY3" fmla="*/ 819975 h 6858000"/>
+              <a:gd name="connsiteX4" fmla="*/ 742103 w 7529613"/>
+              <a:gd name="connsiteY4" fmla="*/ 854514 h 6858000"/>
+              <a:gd name="connsiteX5" fmla="*/ 785881 w 7529613"/>
+              <a:gd name="connsiteY5" fmla="*/ 750263 h 6858000"/>
+              <a:gd name="connsiteX6" fmla="*/ 978978 w 7529613"/>
+              <a:gd name="connsiteY6" fmla="*/ 331786 h 6858000"/>
+              <a:gd name="connsiteX7" fmla="*/ 1155717 w 7529613"/>
+              <a:gd name="connsiteY7" fmla="*/ 0 h 6858000"/>
+              <a:gd name="connsiteX8" fmla="*/ 1098249 w 7529613"/>
+              <a:gd name="connsiteY8" fmla="*/ 0 h 6858000"/>
+              <a:gd name="connsiteX9" fmla="*/ 991458 w 7529613"/>
+              <a:gd name="connsiteY9" fmla="*/ 196614 h 6858000"/>
+              <a:gd name="connsiteX10" fmla="*/ 493941 w 7529613"/>
+              <a:gd name="connsiteY10" fmla="*/ 1371196 h 6858000"/>
+              <a:gd name="connsiteX11" fmla="*/ 46485 w 7529613"/>
+              <a:gd name="connsiteY11" fmla="*/ 3331516 h 6858000"/>
+              <a:gd name="connsiteX12" fmla="*/ 12252 w 7529613"/>
+              <a:gd name="connsiteY12" fmla="*/ 4357388 h 6858000"/>
+              <a:gd name="connsiteX13" fmla="*/ 170821 w 7529613"/>
+              <a:gd name="connsiteY13" fmla="*/ 5552906 h 6858000"/>
+              <a:gd name="connsiteX14" fmla="*/ 537265 w 7529613"/>
+              <a:gd name="connsiteY14" fmla="*/ 6828295 h 6858000"/>
+              <a:gd name="connsiteX15" fmla="*/ 549692 w 7529613"/>
+              <a:gd name="connsiteY15" fmla="*/ 6858000 h 6858000"/>
+              <a:gd name="connsiteX16" fmla="*/ 602234 w 7529613"/>
+              <a:gd name="connsiteY16" fmla="*/ 6858000 h 6858000"/>
+              <a:gd name="connsiteX17" fmla="*/ 595414 w 7529613"/>
+              <a:gd name="connsiteY17" fmla="*/ 6841549 h 6858000"/>
+              <a:gd name="connsiteX18" fmla="*/ 364260 w 7529613"/>
+              <a:gd name="connsiteY18" fmla="*/ 6142729 h 6858000"/>
+              <a:gd name="connsiteX19" fmla="*/ 213071 w 7529613"/>
+              <a:gd name="connsiteY19" fmla="*/ 5513923 h 6858000"/>
+              <a:gd name="connsiteX20" fmla="*/ 211290 w 7529613"/>
+              <a:gd name="connsiteY20" fmla="*/ 5480401 h 6858000"/>
+              <a:gd name="connsiteX21" fmla="*/ 311446 w 7529613"/>
+              <a:gd name="connsiteY21" fmla="*/ 5830359 h 6858000"/>
+              <a:gd name="connsiteX22" fmla="*/ 622963 w 7529613"/>
+              <a:gd name="connsiteY22" fmla="*/ 6670527 h 6858000"/>
+              <a:gd name="connsiteX23" fmla="*/ 710464 w 7529613"/>
+              <a:gd name="connsiteY23" fmla="*/ 6858000 h 6858000"/>
+              <a:gd name="connsiteX24" fmla="*/ 7529613 w 7529613"/>
+              <a:gd name="connsiteY24" fmla="*/ 6858000 h 6858000"/>
+            </a:gdLst>
+            <a:ahLst/>
+            <a:cxnLst>
+              <a:cxn ang="0">
+                <a:pos x="connsiteX0" y="connsiteY0"/>
+              </a:cxn>
+              <a:cxn ang="0">
+                <a:pos x="connsiteX1" y="connsiteY1"/>
+              </a:cxn>
+              <a:cxn ang="0">
+                <a:pos x="connsiteX2" y="connsiteY2"/>
+              </a:cxn>
+              <a:cxn ang="0">
+                <a:pos x="connsiteX3" y="connsiteY3"/>
+              </a:cxn>
+              <a:cxn ang="0">
+                <a:pos x="connsiteX4" y="connsiteY4"/>
+              </a:cxn>
+              <a:cxn ang="0">
+                <a:pos x="connsiteX5" y="connsiteY5"/>
+              </a:cxn>
+              <a:cxn ang="0">
+                <a:pos x="connsiteX6" y="connsiteY6"/>
+              </a:cxn>
+              <a:cxn ang="0">
+                <a:pos x="connsiteX7" y="connsiteY7"/>
+              </a:cxn>
+              <a:cxn ang="0">
+                <a:pos x="connsiteX8" y="connsiteY8"/>
+              </a:cxn>
+              <a:cxn ang="0">
+                <a:pos x="connsiteX9" y="connsiteY9"/>
+              </a:cxn>
+              <a:cxn ang="0">
+                <a:pos x="connsiteX10" y="connsiteY10"/>
+              </a:cxn>
+              <a:cxn ang="0">
+                <a:pos x="connsiteX11" y="connsiteY11"/>
+              </a:cxn>
+              <a:cxn ang="0">
+                <a:pos x="connsiteX12" y="connsiteY12"/>
+              </a:cxn>
+              <a:cxn ang="0">
+                <a:pos x="connsiteX13" y="connsiteY13"/>
+              </a:cxn>
+              <a:cxn ang="0">
+                <a:pos x="connsiteX14" y="connsiteY14"/>
+              </a:cxn>
+              <a:cxn ang="0">
+                <a:pos x="connsiteX15" y="connsiteY15"/>
+              </a:cxn>
+              <a:cxn ang="0">
+                <a:pos x="connsiteX16" y="connsiteY16"/>
+              </a:cxn>
+              <a:cxn ang="0">
+                <a:pos x="connsiteX17" y="connsiteY17"/>
+              </a:cxn>
+              <a:cxn ang="0">
+                <a:pos x="connsiteX18" y="connsiteY18"/>
+              </a:cxn>
+              <a:cxn ang="0">
+                <a:pos x="connsiteX19" y="connsiteY19"/>
+              </a:cxn>
+              <a:cxn ang="0">
+                <a:pos x="connsiteX20" y="connsiteY20"/>
+              </a:cxn>
+              <a:cxn ang="0">
+                <a:pos x="connsiteX21" y="connsiteY21"/>
+              </a:cxn>
+              <a:cxn ang="0">
+                <a:pos x="connsiteX22" y="connsiteY22"/>
+              </a:cxn>
+              <a:cxn ang="0">
+                <a:pos x="connsiteX23" y="connsiteY23"/>
+              </a:cxn>
+              <a:cxn ang="0">
+                <a:pos x="connsiteX24" y="connsiteY24"/>
+              </a:cxn>
+            </a:cxnLst>
+            <a:rect l="l" t="t" r="r" b="b"/>
+            <a:pathLst>
+              <a:path w="7529613" h="6858000">
+                <a:moveTo>
+                  <a:pt x="7529613" y="0"/>
+                </a:moveTo>
+                <a:lnTo>
+                  <a:pt x="1222331" y="0"/>
+                </a:lnTo>
+                <a:lnTo>
+                  <a:pt x="1126483" y="148742"/>
+                </a:lnTo>
+                <a:cubicBezTo>
+                  <a:pt x="995323" y="365513"/>
+                  <a:pt x="876174" y="589569"/>
+                  <a:pt x="767554" y="819975"/>
+                </a:cubicBezTo>
+                <a:cubicBezTo>
+                  <a:pt x="762210" y="833492"/>
+                  <a:pt x="753441" y="845393"/>
+                  <a:pt x="742103" y="854514"/>
+                </a:cubicBezTo>
+                <a:cubicBezTo>
+                  <a:pt x="756737" y="819849"/>
+                  <a:pt x="770991" y="784928"/>
+                  <a:pt x="785881" y="750263"/>
+                </a:cubicBezTo>
+                <a:cubicBezTo>
+                  <a:pt x="846713" y="608712"/>
+                  <a:pt x="910948" y="469145"/>
+                  <a:pt x="978978" y="331786"/>
+                </a:cubicBezTo>
+                <a:lnTo>
+                  <a:pt x="1155717" y="0"/>
+                </a:lnTo>
+                <a:lnTo>
+                  <a:pt x="1098249" y="0"/>
+                </a:lnTo>
+                <a:lnTo>
+                  <a:pt x="991458" y="196614"/>
+                </a:lnTo>
+                <a:cubicBezTo>
+                  <a:pt x="797017" y="573253"/>
+                  <a:pt x="633548" y="966066"/>
+                  <a:pt x="493941" y="1371196"/>
+                </a:cubicBezTo>
+                <a:cubicBezTo>
+                  <a:pt x="276630" y="2007265"/>
+                  <a:pt x="126659" y="2664286"/>
+                  <a:pt x="46485" y="3331516"/>
+                </a:cubicBezTo>
+                <a:cubicBezTo>
+                  <a:pt x="4488" y="3672965"/>
+                  <a:pt x="-14219" y="4013908"/>
+                  <a:pt x="12252" y="4357388"/>
+                </a:cubicBezTo>
+                <a:cubicBezTo>
+                  <a:pt x="43558" y="4758899"/>
+                  <a:pt x="90773" y="5157998"/>
+                  <a:pt x="170821" y="5552906"/>
+                </a:cubicBezTo>
+                <a:cubicBezTo>
+                  <a:pt x="259109" y="5988893"/>
+                  <a:pt x="378967" y="6414594"/>
+                  <a:pt x="537265" y="6828295"/>
+                </a:cubicBezTo>
+                <a:lnTo>
+                  <a:pt x="549692" y="6858000"/>
+                </a:lnTo>
+                <a:lnTo>
+                  <a:pt x="602234" y="6858000"/>
+                </a:lnTo>
+                <a:lnTo>
+                  <a:pt x="595414" y="6841549"/>
+                </a:lnTo>
+                <a:cubicBezTo>
+                  <a:pt x="507884" y="6614016"/>
+                  <a:pt x="431296" y="6380817"/>
+                  <a:pt x="364260" y="6142729"/>
+                </a:cubicBezTo>
+                <a:cubicBezTo>
+                  <a:pt x="305974" y="5935370"/>
+                  <a:pt x="262958" y="5723695"/>
+                  <a:pt x="213071" y="5513923"/>
+                </a:cubicBezTo>
+                <a:cubicBezTo>
+                  <a:pt x="211892" y="5502788"/>
+                  <a:pt x="211299" y="5491601"/>
+                  <a:pt x="211290" y="5480401"/>
+                </a:cubicBezTo>
+                <a:cubicBezTo>
+                  <a:pt x="247814" y="5607635"/>
+                  <a:pt x="276958" y="5719759"/>
+                  <a:pt x="311446" y="5830359"/>
+                </a:cubicBezTo>
+                <a:cubicBezTo>
+                  <a:pt x="401357" y="6118381"/>
+                  <a:pt x="505060" y="6398531"/>
+                  <a:pt x="622963" y="6670527"/>
+                </a:cubicBezTo>
+                <a:lnTo>
+                  <a:pt x="710464" y="6858000"/>
+                </a:lnTo>
+                <a:lnTo>
+                  <a:pt x="7529613" y="6858000"/>
+                </a:lnTo>
+                <a:close/>
+              </a:path>
+            </a:pathLst>
+          </a:custGeom>
+          <a:solidFill>
+            <a:schemeClr val="accent2"/>
+          </a:solidFill>
+          <a:ln w="6857" cap="flat">
+            <a:noFill/>
+            <a:prstDash val="solid"/>
+            <a:miter/>
+          </a:ln>
+        </p:spPr>
+        <p:txBody>
+          <a:bodyPr wrap="square" rtlCol="0" anchor="ctr">
+            <a:noAutofit/>
+          </a:bodyPr>
+          <a:lstStyle/>
+          <a:p>
+            <a:endParaRPr lang="en-US"/>
+          </a:p>
+        </p:txBody>
+      </p:sp>
+      <p:sp>
+        <p:nvSpPr>
+          <p:cNvPr id="2" name="Title 1">
+            <a:extLst>
+              <a:ext uri="{FF2B5EF4-FFF2-40B4-BE49-F238E27FC236}">
+                <a16:creationId xmlns:a16="http://schemas.microsoft.com/office/drawing/2014/main" id="{90E6DE97-5E5D-4A89-29C3-7F44929BEEFC}"/>
+              </a:ext>
+            </a:extLst>
+          </p:cNvPr>
+          <p:cNvSpPr>
+            <a:spLocks noGrp="1"/>
+          </p:cNvSpPr>
+          <p:nvPr>
+            <p:ph type="title"/>
+          </p:nvPr>
+        </p:nvSpPr>
+        <p:spPr>
+          <a:xfrm>
+            <a:off x="5759354" y="457201"/>
+            <a:ext cx="5337270" cy="1835911"/>
+          </a:xfrm>
+        </p:spPr>
+        <p:txBody>
+          <a:bodyPr anchor="b">
+            <a:normAutofit/>
+          </a:bodyPr>
+          <a:lstStyle/>
+          <a:p>
+            <a:endParaRPr lang="en-US" sz="5400">
+              <a:solidFill>
+                <a:srgbClr val="FFFFFF"/>
+              </a:solidFill>
+            </a:endParaRPr>
+          </a:p>
+        </p:txBody>
+      </p:sp>
+      <p:sp>
+        <p:nvSpPr>
+          <p:cNvPr id="40" name="sketch line">
+            <a:extLst>
+              <a:ext uri="{FF2B5EF4-FFF2-40B4-BE49-F238E27FC236}">
+                <a16:creationId xmlns:a16="http://schemas.microsoft.com/office/drawing/2014/main" id="{49B530FE-A87D-41A0-A920-ADC6539EAA44}"/>
+              </a:ext>
+              <a:ext uri="{C183D7F6-B498-43B3-948B-1728B52AA6E4}">
+                <adec:decorative xmlns:adec="http://schemas.microsoft.com/office/drawing/2017/decorative" val="1"/>
+              </a:ext>
+            </a:extLst>
+          </p:cNvPr>
+          <p:cNvSpPr>
+            <a:spLocks noGrp="1" noRot="1" noChangeAspect="1" noMove="1" noResize="1" noEditPoints="1" noAdjustHandles="1" noChangeArrowheads="1" noChangeShapeType="1" noTextEdit="1"/>
+          </p:cNvSpPr>
+          <p:nvPr>
+            <p:extLst>
+              <p:ext uri="{386F3935-93C4-4BCD-93E2-E3B085C9AB24}">
+                <p16:designElem xmlns:p16="http://schemas.microsoft.com/office/powerpoint/2015/main" val="1"/>
+              </p:ext>
+            </p:extLst>
+          </p:nvPr>
+        </p:nvSpPr>
+        <p:spPr>
+          <a:xfrm>
+            <a:off x="5759353" y="2560829"/>
+            <a:ext cx="5029200" cy="18288"/>
+          </a:xfrm>
+          <a:custGeom>
+            <a:avLst/>
+            <a:gdLst>
+              <a:gd name="connsiteX0" fmla="*/ 0 w 5029200"/>
+              <a:gd name="connsiteY0" fmla="*/ 0 h 18288"/>
+              <a:gd name="connsiteX1" fmla="*/ 528066 w 5029200"/>
+              <a:gd name="connsiteY1" fmla="*/ 0 h 18288"/>
+              <a:gd name="connsiteX2" fmla="*/ 1207008 w 5029200"/>
+              <a:gd name="connsiteY2" fmla="*/ 0 h 18288"/>
+              <a:gd name="connsiteX3" fmla="*/ 1785366 w 5029200"/>
+              <a:gd name="connsiteY3" fmla="*/ 0 h 18288"/>
+              <a:gd name="connsiteX4" fmla="*/ 2313432 w 5029200"/>
+              <a:gd name="connsiteY4" fmla="*/ 0 h 18288"/>
+              <a:gd name="connsiteX5" fmla="*/ 2992374 w 5029200"/>
+              <a:gd name="connsiteY5" fmla="*/ 0 h 18288"/>
+              <a:gd name="connsiteX6" fmla="*/ 3621024 w 5029200"/>
+              <a:gd name="connsiteY6" fmla="*/ 0 h 18288"/>
+              <a:gd name="connsiteX7" fmla="*/ 4249674 w 5029200"/>
+              <a:gd name="connsiteY7" fmla="*/ 0 h 18288"/>
+              <a:gd name="connsiteX8" fmla="*/ 5029200 w 5029200"/>
+              <a:gd name="connsiteY8" fmla="*/ 0 h 18288"/>
+              <a:gd name="connsiteX9" fmla="*/ 5029200 w 5029200"/>
+              <a:gd name="connsiteY9" fmla="*/ 18288 h 18288"/>
+              <a:gd name="connsiteX10" fmla="*/ 4501134 w 5029200"/>
+              <a:gd name="connsiteY10" fmla="*/ 18288 h 18288"/>
+              <a:gd name="connsiteX11" fmla="*/ 4023360 w 5029200"/>
+              <a:gd name="connsiteY11" fmla="*/ 18288 h 18288"/>
+              <a:gd name="connsiteX12" fmla="*/ 3344418 w 5029200"/>
+              <a:gd name="connsiteY12" fmla="*/ 18288 h 18288"/>
+              <a:gd name="connsiteX13" fmla="*/ 2816352 w 5029200"/>
+              <a:gd name="connsiteY13" fmla="*/ 18288 h 18288"/>
+              <a:gd name="connsiteX14" fmla="*/ 2137410 w 5029200"/>
+              <a:gd name="connsiteY14" fmla="*/ 18288 h 18288"/>
+              <a:gd name="connsiteX15" fmla="*/ 1408176 w 5029200"/>
+              <a:gd name="connsiteY15" fmla="*/ 18288 h 18288"/>
+              <a:gd name="connsiteX16" fmla="*/ 829818 w 5029200"/>
+              <a:gd name="connsiteY16" fmla="*/ 18288 h 18288"/>
+              <a:gd name="connsiteX17" fmla="*/ 0 w 5029200"/>
+              <a:gd name="connsiteY17" fmla="*/ 18288 h 18288"/>
+              <a:gd name="connsiteX18" fmla="*/ 0 w 5029200"/>
+              <a:gd name="connsiteY18" fmla="*/ 0 h 18288"/>
+            </a:gdLst>
+            <a:ahLst/>
+            <a:cxnLst>
+              <a:cxn ang="0">
+                <a:pos x="connsiteX0" y="connsiteY0"/>
+              </a:cxn>
+              <a:cxn ang="0">
+                <a:pos x="connsiteX1" y="connsiteY1"/>
+              </a:cxn>
+              <a:cxn ang="0">
+                <a:pos x="connsiteX2" y="connsiteY2"/>
+              </a:cxn>
+              <a:cxn ang="0">
+                <a:pos x="connsiteX3" y="connsiteY3"/>
+              </a:cxn>
+              <a:cxn ang="0">
+                <a:pos x="connsiteX4" y="connsiteY4"/>
+              </a:cxn>
+              <a:cxn ang="0">
+                <a:pos x="connsiteX5" y="connsiteY5"/>
+              </a:cxn>
+              <a:cxn ang="0">
+                <a:pos x="connsiteX6" y="connsiteY6"/>
+              </a:cxn>
+              <a:cxn ang="0">
+                <a:pos x="connsiteX7" y="connsiteY7"/>
+              </a:cxn>
+              <a:cxn ang="0">
+                <a:pos x="connsiteX8" y="connsiteY8"/>
+              </a:cxn>
+              <a:cxn ang="0">
+                <a:pos x="connsiteX9" y="connsiteY9"/>
+              </a:cxn>
+              <a:cxn ang="0">
+                <a:pos x="connsiteX10" y="connsiteY10"/>
+              </a:cxn>
+              <a:cxn ang="0">
+                <a:pos x="connsiteX11" y="connsiteY11"/>
+              </a:cxn>
+              <a:cxn ang="0">
+                <a:pos x="connsiteX12" y="connsiteY12"/>
+              </a:cxn>
+              <a:cxn ang="0">
+                <a:pos x="connsiteX13" y="connsiteY13"/>
+              </a:cxn>
+              <a:cxn ang="0">
+                <a:pos x="connsiteX14" y="connsiteY14"/>
+              </a:cxn>
+              <a:cxn ang="0">
+                <a:pos x="connsiteX15" y="connsiteY15"/>
+              </a:cxn>
+              <a:cxn ang="0">
+                <a:pos x="connsiteX16" y="connsiteY16"/>
+              </a:cxn>
+              <a:cxn ang="0">
+                <a:pos x="connsiteX17" y="connsiteY17"/>
+              </a:cxn>
+              <a:cxn ang="0">
+                <a:pos x="connsiteX18" y="connsiteY18"/>
+              </a:cxn>
+            </a:cxnLst>
+            <a:rect l="l" t="t" r="r" b="b"/>
+            <a:pathLst>
+              <a:path w="5029200" h="18288" fill="none" extrusionOk="0">
+                <a:moveTo>
+                  <a:pt x="0" y="0"/>
+                </a:moveTo>
+                <a:cubicBezTo>
+                  <a:pt x="142937" y="1696"/>
+                  <a:pt x="371859" y="12840"/>
+                  <a:pt x="528066" y="0"/>
+                </a:cubicBezTo>
+                <a:cubicBezTo>
+                  <a:pt x="684273" y="-12840"/>
+                  <a:pt x="928949" y="-5725"/>
+                  <a:pt x="1207008" y="0"/>
+                </a:cubicBezTo>
+                <a:cubicBezTo>
+                  <a:pt x="1485067" y="5725"/>
+                  <a:pt x="1562886" y="-21331"/>
+                  <a:pt x="1785366" y="0"/>
+                </a:cubicBezTo>
+                <a:cubicBezTo>
+                  <a:pt x="2007846" y="21331"/>
+                  <a:pt x="2056226" y="25221"/>
+                  <a:pt x="2313432" y="0"/>
+                </a:cubicBezTo>
+                <a:cubicBezTo>
+                  <a:pt x="2570638" y="-25221"/>
+                  <a:pt x="2732455" y="16294"/>
+                  <a:pt x="2992374" y="0"/>
+                </a:cubicBezTo>
+                <a:cubicBezTo>
+                  <a:pt x="3252293" y="-16294"/>
+                  <a:pt x="3319267" y="-29774"/>
+                  <a:pt x="3621024" y="0"/>
+                </a:cubicBezTo>
+                <a:cubicBezTo>
+                  <a:pt x="3922781" y="29774"/>
+                  <a:pt x="3998107" y="-1004"/>
+                  <a:pt x="4249674" y="0"/>
+                </a:cubicBezTo>
+                <a:cubicBezTo>
+                  <a:pt x="4501241" y="1004"/>
+                  <a:pt x="4792523" y="-4510"/>
+                  <a:pt x="5029200" y="0"/>
+                </a:cubicBezTo>
+                <a:cubicBezTo>
+                  <a:pt x="5029730" y="6954"/>
+                  <a:pt x="5029934" y="12839"/>
+                  <a:pt x="5029200" y="18288"/>
+                </a:cubicBezTo>
+                <a:cubicBezTo>
+                  <a:pt x="4805432" y="23154"/>
+                  <a:pt x="4715801" y="17034"/>
+                  <a:pt x="4501134" y="18288"/>
+                </a:cubicBezTo>
+                <a:cubicBezTo>
+                  <a:pt x="4286467" y="19542"/>
+                  <a:pt x="4193719" y="41701"/>
+                  <a:pt x="4023360" y="18288"/>
+                </a:cubicBezTo>
+                <a:cubicBezTo>
+                  <a:pt x="3853001" y="-5125"/>
+                  <a:pt x="3676466" y="16909"/>
+                  <a:pt x="3344418" y="18288"/>
+                </a:cubicBezTo>
+                <a:cubicBezTo>
+                  <a:pt x="3012370" y="19667"/>
+                  <a:pt x="2945824" y="14410"/>
+                  <a:pt x="2816352" y="18288"/>
+                </a:cubicBezTo>
+                <a:cubicBezTo>
+                  <a:pt x="2686880" y="22166"/>
+                  <a:pt x="2438351" y="13507"/>
+                  <a:pt x="2137410" y="18288"/>
+                </a:cubicBezTo>
+                <a:cubicBezTo>
+                  <a:pt x="1836469" y="23069"/>
+                  <a:pt x="1581391" y="46111"/>
+                  <a:pt x="1408176" y="18288"/>
+                </a:cubicBezTo>
+                <a:cubicBezTo>
+                  <a:pt x="1234961" y="-9535"/>
+                  <a:pt x="1040489" y="-7495"/>
+                  <a:pt x="829818" y="18288"/>
+                </a:cubicBezTo>
+                <a:cubicBezTo>
+                  <a:pt x="619147" y="44071"/>
+                  <a:pt x="238626" y="37568"/>
+                  <a:pt x="0" y="18288"/>
+                </a:cubicBezTo>
+                <a:cubicBezTo>
+                  <a:pt x="-570" y="9279"/>
+                  <a:pt x="132" y="5100"/>
+                  <a:pt x="0" y="0"/>
+                </a:cubicBezTo>
+                <a:close/>
+              </a:path>
+              <a:path w="5029200" h="18288" stroke="0" extrusionOk="0">
+                <a:moveTo>
+                  <a:pt x="0" y="0"/>
+                </a:moveTo>
+                <a:cubicBezTo>
+                  <a:pt x="165412" y="-21137"/>
+                  <a:pt x="322344" y="-21985"/>
+                  <a:pt x="578358" y="0"/>
+                </a:cubicBezTo>
+                <a:cubicBezTo>
+                  <a:pt x="834372" y="21985"/>
+                  <a:pt x="907099" y="-19195"/>
+                  <a:pt x="1056132" y="0"/>
+                </a:cubicBezTo>
+                <a:cubicBezTo>
+                  <a:pt x="1205165" y="19195"/>
+                  <a:pt x="1612834" y="-24928"/>
+                  <a:pt x="1785366" y="0"/>
+                </a:cubicBezTo>
+                <a:cubicBezTo>
+                  <a:pt x="1957898" y="24928"/>
+                  <a:pt x="2149044" y="19108"/>
+                  <a:pt x="2363724" y="0"/>
+                </a:cubicBezTo>
+                <a:cubicBezTo>
+                  <a:pt x="2578404" y="-19108"/>
+                  <a:pt x="2759981" y="-21788"/>
+                  <a:pt x="2942082" y="0"/>
+                </a:cubicBezTo>
+                <a:cubicBezTo>
+                  <a:pt x="3124183" y="21788"/>
+                  <a:pt x="3482217" y="8836"/>
+                  <a:pt x="3671316" y="0"/>
+                </a:cubicBezTo>
+                <a:cubicBezTo>
+                  <a:pt x="3860415" y="-8836"/>
+                  <a:pt x="4058665" y="-25048"/>
+                  <a:pt x="4199382" y="0"/>
+                </a:cubicBezTo>
+                <a:cubicBezTo>
+                  <a:pt x="4340099" y="25048"/>
+                  <a:pt x="4735096" y="-22088"/>
+                  <a:pt x="5029200" y="0"/>
+                </a:cubicBezTo>
+                <a:cubicBezTo>
+                  <a:pt x="5028517" y="5414"/>
+                  <a:pt x="5028480" y="12510"/>
+                  <a:pt x="5029200" y="18288"/>
+                </a:cubicBezTo>
+                <a:cubicBezTo>
+                  <a:pt x="4891577" y="31493"/>
+                  <a:pt x="4684146" y="-2509"/>
+                  <a:pt x="4501134" y="18288"/>
+                </a:cubicBezTo>
+                <a:cubicBezTo>
+                  <a:pt x="4318122" y="39085"/>
+                  <a:pt x="4030703" y="3672"/>
+                  <a:pt x="3872484" y="18288"/>
+                </a:cubicBezTo>
+                <a:cubicBezTo>
+                  <a:pt x="3714265" y="32905"/>
+                  <a:pt x="3546134" y="7501"/>
+                  <a:pt x="3294126" y="18288"/>
+                </a:cubicBezTo>
+                <a:cubicBezTo>
+                  <a:pt x="3042118" y="29075"/>
+                  <a:pt x="2912116" y="11153"/>
+                  <a:pt x="2564892" y="18288"/>
+                </a:cubicBezTo>
+                <a:cubicBezTo>
+                  <a:pt x="2217668" y="25423"/>
+                  <a:pt x="2095118" y="11659"/>
+                  <a:pt x="1835658" y="18288"/>
+                </a:cubicBezTo>
+                <a:cubicBezTo>
+                  <a:pt x="1576198" y="24917"/>
+                  <a:pt x="1500897" y="19889"/>
+                  <a:pt x="1307592" y="18288"/>
+                </a:cubicBezTo>
+                <a:cubicBezTo>
+                  <a:pt x="1114287" y="16687"/>
+                  <a:pt x="961527" y="47453"/>
+                  <a:pt x="678942" y="18288"/>
+                </a:cubicBezTo>
+                <a:cubicBezTo>
+                  <a:pt x="396357" y="-10877"/>
+                  <a:pt x="271066" y="23005"/>
+                  <a:pt x="0" y="18288"/>
+                </a:cubicBezTo>
+                <a:cubicBezTo>
+                  <a:pt x="-306" y="11061"/>
+                  <a:pt x="-655" y="7751"/>
+                  <a:pt x="0" y="0"/>
+                </a:cubicBezTo>
+                <a:close/>
+              </a:path>
+            </a:pathLst>
+          </a:custGeom>
+          <a:solidFill>
+            <a:srgbClr val="FFFFFF"/>
+          </a:solidFill>
+          <a:ln w="38100" cap="rnd">
+            <a:solidFill>
+              <a:srgbClr val="FFFFFF"/>
+            </a:solidFill>
+            <a:round/>
+            <a:extLst>
+              <a:ext uri="{C807C97D-BFC1-408E-A445-0C87EB9F89A2}">
+                <ask:lineSketchStyleProps xmlns:ask="http://schemas.microsoft.com/office/drawing/2018/sketchyshapes" sd="1219033472">
+                  <a:prstGeom prst="rect">
+                    <a:avLst/>
+                  </a:prstGeom>
+                  <ask:type>
+                    <ask:lineSketchFreehand/>
+                  </ask:type>
+                </ask:lineSketchStyleProps>
+              </a:ext>
+            </a:extLst>
+          </a:ln>
+        </p:spPr>
+        <p:style>
+          <a:lnRef idx="2">
+            <a:schemeClr val="accent1">
+              <a:shade val="50000"/>
+            </a:schemeClr>
+          </a:lnRef>
+          <a:fillRef idx="1">
+            <a:schemeClr val="accent1"/>
+          </a:fillRef>
+          <a:effectRef idx="0">
+            <a:schemeClr val="accent1"/>
+          </a:effectRef>
+          <a:fontRef idx="minor">
+            <a:schemeClr val="lt1"/>
+          </a:fontRef>
+        </p:style>
+        <p:txBody>
+          <a:bodyPr rtlCol="0" anchor="ctr"/>
+          <a:lstStyle/>
+          <a:p>
+            <a:pPr algn="ctr"/>
+            <a:endParaRPr lang="en-US"/>
+          </a:p>
+        </p:txBody>
+      </p:sp>
+      <p:sp>
+        <p:nvSpPr>
+          <p:cNvPr id="3" name="Content Placeholder 2">
+            <a:extLst>
+              <a:ext uri="{FF2B5EF4-FFF2-40B4-BE49-F238E27FC236}">
+                <a16:creationId xmlns:a16="http://schemas.microsoft.com/office/drawing/2014/main" id="{1E04A83B-04F7-0EAC-693B-880737517D27}"/>
+              </a:ext>
+            </a:extLst>
+          </p:cNvPr>
+          <p:cNvSpPr>
+            <a:spLocks noGrp="1"/>
+          </p:cNvSpPr>
+          <p:nvPr>
+            <p:ph idx="1"/>
+          </p:nvPr>
+        </p:nvSpPr>
+        <p:spPr>
+          <a:xfrm>
+            <a:off x="5759354" y="2798064"/>
+            <a:ext cx="5461095" cy="3417611"/>
+          </a:xfrm>
+        </p:spPr>
+        <p:txBody>
+          <a:bodyPr anchor="t">
+            <a:normAutofit/>
+          </a:bodyPr>
+          <a:lstStyle/>
+          <a:p>
+            <a:pPr marL="0" indent="0">
+              <a:buNone/>
+            </a:pPr>
+            <a:r>
+              <a:rPr lang="en-US" sz="8800" b="1" dirty="0">
+                <a:solidFill>
+                  <a:srgbClr val="FFFFFF"/>
+                </a:solidFill>
+              </a:rPr>
+              <a:t>Thankyou</a:t>
+            </a:r>
+          </a:p>
+        </p:txBody>
+      </p:sp>
+    </p:spTree>
+    <p:extLst>
+      <p:ext uri="{BB962C8B-B14F-4D97-AF65-F5344CB8AC3E}">
+        <p14:creationId xmlns:p14="http://schemas.microsoft.com/office/powerpoint/2010/main" val="3657676489"/>
+      </p:ext>
+    </p:extLst>
+  </p:cSld>
+  <p:clrMapOvr>
+    <a:masterClrMapping/>
+  </p:clrMapOvr>
+</p:sld>
+</file>
+
 <file path=ppt/slides/slide2.xml><?xml version="1.0" encoding="utf-8"?>
+<p:sld xmlns:a="http://schemas.openxmlformats.org/drawingml/2006/main" xmlns:r="http://schemas.openxmlformats.org/officeDocument/2006/relationships" xmlns:p="http://schemas.openxmlformats.org/presentationml/2006/main">
+  <p:cSld>
+    <p:bg>
+      <p:bgPr>
+        <a:solidFill>
+          <a:schemeClr val="bg1"/>
+        </a:solidFill>
+        <a:effectLst/>
+      </p:bgPr>
+    </p:bg>
+    <p:spTree>
+      <p:nvGrpSpPr>
+        <p:cNvPr id="1" name=""/>
+        <p:cNvGrpSpPr/>
+        <p:nvPr/>
+      </p:nvGrpSpPr>
+      <p:grpSpPr>
+        <a:xfrm>
+          <a:off x="0" y="0"/>
+          <a:ext cx="0" cy="0"/>
+          <a:chOff x="0" y="0"/>
+          <a:chExt cx="0" cy="0"/>
+        </a:xfrm>
+      </p:grpSpPr>
+      <p:sp useBgFill="1">
+        <p:nvSpPr>
+          <p:cNvPr id="119" name="Rectangle 118">
+            <a:extLst>
+              <a:ext uri="{FF2B5EF4-FFF2-40B4-BE49-F238E27FC236}">
+                <a16:creationId xmlns:a16="http://schemas.microsoft.com/office/drawing/2014/main" id="{35DB3719-6FDC-4E5D-891D-FF40B7300F64}"/>
+              </a:ext>
+              <a:ext uri="{C183D7F6-B498-43B3-948B-1728B52AA6E4}">
+                <adec:decorative xmlns:adec="http://schemas.microsoft.com/office/drawing/2017/decorative" val="1"/>
+              </a:ext>
+            </a:extLst>
+          </p:cNvPr>
+          <p:cNvSpPr>
+            <a:spLocks noGrp="1" noRot="1" noChangeAspect="1" noMove="1" noResize="1" noEditPoints="1" noAdjustHandles="1" noChangeArrowheads="1" noChangeShapeType="1" noTextEdit="1"/>
+          </p:cNvSpPr>
+          <p:nvPr>
+            <p:extLst>
+              <p:ext uri="{386F3935-93C4-4BCD-93E2-E3B085C9AB24}">
+                <p16:designElem xmlns:p16="http://schemas.microsoft.com/office/powerpoint/2015/main" val="1"/>
+              </p:ext>
+            </p:extLst>
+          </p:nvPr>
+        </p:nvSpPr>
+        <p:spPr>
+          <a:xfrm>
+            <a:off x="0" y="0"/>
+            <a:ext cx="12188952" cy="6858000"/>
+          </a:xfrm>
+          <a:prstGeom prst="rect">
+            <a:avLst/>
+          </a:prstGeom>
+          <a:ln>
+            <a:noFill/>
+          </a:ln>
+        </p:spPr>
+        <p:style>
+          <a:lnRef idx="2">
+            <a:schemeClr val="accent1">
+              <a:shade val="50000"/>
+            </a:schemeClr>
+          </a:lnRef>
+          <a:fillRef idx="1">
+            <a:schemeClr val="accent1"/>
+          </a:fillRef>
+          <a:effectRef idx="0">
+            <a:schemeClr val="accent1"/>
+          </a:effectRef>
+          <a:fontRef idx="minor">
+            <a:schemeClr val="lt1"/>
+          </a:fontRef>
+        </p:style>
+        <p:txBody>
+          <a:bodyPr rtlCol="0" anchor="ctr"/>
+          <a:lstStyle/>
+          <a:p>
+            <a:pPr algn="ctr"/>
+            <a:endParaRPr lang="en-US"/>
+          </a:p>
+        </p:txBody>
+      </p:sp>
+      <p:sp>
+        <p:nvSpPr>
+          <p:cNvPr id="2" name="Title 1">
+            <a:extLst>
+              <a:ext uri="{FF2B5EF4-FFF2-40B4-BE49-F238E27FC236}">
+                <a16:creationId xmlns:a16="http://schemas.microsoft.com/office/drawing/2014/main" id="{2965659E-BDD8-0720-5376-01D5FFA1E600}"/>
+              </a:ext>
+            </a:extLst>
+          </p:cNvPr>
+          <p:cNvSpPr>
+            <a:spLocks noGrp="1"/>
+          </p:cNvSpPr>
+          <p:nvPr>
+            <p:ph type="title"/>
+          </p:nvPr>
+        </p:nvSpPr>
+        <p:spPr>
+          <a:xfrm>
+            <a:off x="838200" y="365125"/>
+            <a:ext cx="10515600" cy="1325563"/>
+          </a:xfrm>
+        </p:spPr>
+        <p:txBody>
+          <a:bodyPr>
+            <a:normAutofit/>
+          </a:bodyPr>
+          <a:lstStyle/>
+          <a:p>
+            <a:r>
+              <a:rPr lang="en-US" sz="5400" b="1" i="0">
+                <a:effectLst/>
+                <a:latin typeface="Söhne"/>
+              </a:rPr>
+              <a:t>Overview</a:t>
+            </a:r>
+            <a:endParaRPr lang="en-US" sz="5400" b="1"/>
+          </a:p>
+        </p:txBody>
+      </p:sp>
+      <p:sp>
+        <p:nvSpPr>
+          <p:cNvPr id="120" name="sketch line">
+            <a:extLst>
+              <a:ext uri="{FF2B5EF4-FFF2-40B4-BE49-F238E27FC236}">
+                <a16:creationId xmlns:a16="http://schemas.microsoft.com/office/drawing/2014/main" id="{E0CBAC23-2E3F-4A90-BA59-F8299F6A5439}"/>
+              </a:ext>
+              <a:ext uri="{C183D7F6-B498-43B3-948B-1728B52AA6E4}">
+                <adec:decorative xmlns:adec="http://schemas.microsoft.com/office/drawing/2017/decorative" val="1"/>
+              </a:ext>
+            </a:extLst>
+          </p:cNvPr>
+          <p:cNvSpPr>
+            <a:spLocks noGrp="1" noRot="1" noChangeAspect="1" noMove="1" noResize="1" noEditPoints="1" noAdjustHandles="1" noChangeArrowheads="1" noChangeShapeType="1" noTextEdit="1"/>
+          </p:cNvSpPr>
+          <p:nvPr>
+            <p:extLst>
+              <p:ext uri="{386F3935-93C4-4BCD-93E2-E3B085C9AB24}">
+                <p16:designElem xmlns:p16="http://schemas.microsoft.com/office/powerpoint/2015/main" val="1"/>
+              </p:ext>
+            </p:extLst>
+          </p:nvPr>
+        </p:nvSpPr>
+        <p:spPr>
+          <a:xfrm>
+            <a:off x="838200" y="1865313"/>
+            <a:ext cx="10424160" cy="18288"/>
+          </a:xfrm>
+          <a:custGeom>
+            <a:avLst/>
+            <a:gdLst>
+              <a:gd name="connsiteX0" fmla="*/ 0 w 10424160"/>
+              <a:gd name="connsiteY0" fmla="*/ 0 h 18288"/>
+              <a:gd name="connsiteX1" fmla="*/ 903427 w 10424160"/>
+              <a:gd name="connsiteY1" fmla="*/ 0 h 18288"/>
+              <a:gd name="connsiteX2" fmla="*/ 1389888 w 10424160"/>
+              <a:gd name="connsiteY2" fmla="*/ 0 h 18288"/>
+              <a:gd name="connsiteX3" fmla="*/ 2189074 w 10424160"/>
+              <a:gd name="connsiteY3" fmla="*/ 0 h 18288"/>
+              <a:gd name="connsiteX4" fmla="*/ 2675534 w 10424160"/>
+              <a:gd name="connsiteY4" fmla="*/ 0 h 18288"/>
+              <a:gd name="connsiteX5" fmla="*/ 3370478 w 10424160"/>
+              <a:gd name="connsiteY5" fmla="*/ 0 h 18288"/>
+              <a:gd name="connsiteX6" fmla="*/ 4169664 w 10424160"/>
+              <a:gd name="connsiteY6" fmla="*/ 0 h 18288"/>
+              <a:gd name="connsiteX7" fmla="*/ 4551883 w 10424160"/>
+              <a:gd name="connsiteY7" fmla="*/ 0 h 18288"/>
+              <a:gd name="connsiteX8" fmla="*/ 4934102 w 10424160"/>
+              <a:gd name="connsiteY8" fmla="*/ 0 h 18288"/>
+              <a:gd name="connsiteX9" fmla="*/ 5837530 w 10424160"/>
+              <a:gd name="connsiteY9" fmla="*/ 0 h 18288"/>
+              <a:gd name="connsiteX10" fmla="*/ 6532474 w 10424160"/>
+              <a:gd name="connsiteY10" fmla="*/ 0 h 18288"/>
+              <a:gd name="connsiteX11" fmla="*/ 6914693 w 10424160"/>
+              <a:gd name="connsiteY11" fmla="*/ 0 h 18288"/>
+              <a:gd name="connsiteX12" fmla="*/ 7609637 w 10424160"/>
+              <a:gd name="connsiteY12" fmla="*/ 0 h 18288"/>
+              <a:gd name="connsiteX13" fmla="*/ 8513064 w 10424160"/>
+              <a:gd name="connsiteY13" fmla="*/ 0 h 18288"/>
+              <a:gd name="connsiteX14" fmla="*/ 9103766 w 10424160"/>
+              <a:gd name="connsiteY14" fmla="*/ 0 h 18288"/>
+              <a:gd name="connsiteX15" fmla="*/ 9694469 w 10424160"/>
+              <a:gd name="connsiteY15" fmla="*/ 0 h 18288"/>
+              <a:gd name="connsiteX16" fmla="*/ 10424160 w 10424160"/>
+              <a:gd name="connsiteY16" fmla="*/ 0 h 18288"/>
+              <a:gd name="connsiteX17" fmla="*/ 10424160 w 10424160"/>
+              <a:gd name="connsiteY17" fmla="*/ 18288 h 18288"/>
+              <a:gd name="connsiteX18" fmla="*/ 9729216 w 10424160"/>
+              <a:gd name="connsiteY18" fmla="*/ 18288 h 18288"/>
+              <a:gd name="connsiteX19" fmla="*/ 8930030 w 10424160"/>
+              <a:gd name="connsiteY19" fmla="*/ 18288 h 18288"/>
+              <a:gd name="connsiteX20" fmla="*/ 8130845 w 10424160"/>
+              <a:gd name="connsiteY20" fmla="*/ 18288 h 18288"/>
+              <a:gd name="connsiteX21" fmla="*/ 7644384 w 10424160"/>
+              <a:gd name="connsiteY21" fmla="*/ 18288 h 18288"/>
+              <a:gd name="connsiteX22" fmla="*/ 6740957 w 10424160"/>
+              <a:gd name="connsiteY22" fmla="*/ 18288 h 18288"/>
+              <a:gd name="connsiteX23" fmla="*/ 6046013 w 10424160"/>
+              <a:gd name="connsiteY23" fmla="*/ 18288 h 18288"/>
+              <a:gd name="connsiteX24" fmla="*/ 5663794 w 10424160"/>
+              <a:gd name="connsiteY24" fmla="*/ 18288 h 18288"/>
+              <a:gd name="connsiteX25" fmla="*/ 4968850 w 10424160"/>
+              <a:gd name="connsiteY25" fmla="*/ 18288 h 18288"/>
+              <a:gd name="connsiteX26" fmla="*/ 4378147 w 10424160"/>
+              <a:gd name="connsiteY26" fmla="*/ 18288 h 18288"/>
+              <a:gd name="connsiteX27" fmla="*/ 3787445 w 10424160"/>
+              <a:gd name="connsiteY27" fmla="*/ 18288 h 18288"/>
+              <a:gd name="connsiteX28" fmla="*/ 3196742 w 10424160"/>
+              <a:gd name="connsiteY28" fmla="*/ 18288 h 18288"/>
+              <a:gd name="connsiteX29" fmla="*/ 2606040 w 10424160"/>
+              <a:gd name="connsiteY29" fmla="*/ 18288 h 18288"/>
+              <a:gd name="connsiteX30" fmla="*/ 1806854 w 10424160"/>
+              <a:gd name="connsiteY30" fmla="*/ 18288 h 18288"/>
+              <a:gd name="connsiteX31" fmla="*/ 1111910 w 10424160"/>
+              <a:gd name="connsiteY31" fmla="*/ 18288 h 18288"/>
+              <a:gd name="connsiteX32" fmla="*/ 729691 w 10424160"/>
+              <a:gd name="connsiteY32" fmla="*/ 18288 h 18288"/>
+              <a:gd name="connsiteX33" fmla="*/ 0 w 10424160"/>
+              <a:gd name="connsiteY33" fmla="*/ 18288 h 18288"/>
+              <a:gd name="connsiteX34" fmla="*/ 0 w 10424160"/>
+              <a:gd name="connsiteY34" fmla="*/ 0 h 18288"/>
+            </a:gdLst>
+            <a:ahLst/>
+            <a:cxnLst>
+              <a:cxn ang="0">
+                <a:pos x="connsiteX0" y="connsiteY0"/>
+              </a:cxn>
+              <a:cxn ang="0">
+                <a:pos x="connsiteX1" y="connsiteY1"/>
+              </a:cxn>
+              <a:cxn ang="0">
+                <a:pos x="connsiteX2" y="connsiteY2"/>
+              </a:cxn>
+              <a:cxn ang="0">
+                <a:pos x="connsiteX3" y="connsiteY3"/>
+              </a:cxn>
+              <a:cxn ang="0">
+                <a:pos x="connsiteX4" y="connsiteY4"/>
+              </a:cxn>
+              <a:cxn ang="0">
+                <a:pos x="connsiteX5" y="connsiteY5"/>
+              </a:cxn>
+              <a:cxn ang="0">
+                <a:pos x="connsiteX6" y="connsiteY6"/>
+              </a:cxn>
+              <a:cxn ang="0">
+                <a:pos x="connsiteX7" y="connsiteY7"/>
+              </a:cxn>
+              <a:cxn ang="0">
+                <a:pos x="connsiteX8" y="connsiteY8"/>
+              </a:cxn>
+              <a:cxn ang="0">
+                <a:pos x="connsiteX9" y="connsiteY9"/>
+              </a:cxn>
+              <a:cxn ang="0">
+                <a:pos x="connsiteX10" y="connsiteY10"/>
+              </a:cxn>
+              <a:cxn ang="0">
+                <a:pos x="connsiteX11" y="connsiteY11"/>
+              </a:cxn>
+              <a:cxn ang="0">
+                <a:pos x="connsiteX12" y="connsiteY12"/>
+              </a:cxn>
+              <a:cxn ang="0">
+                <a:pos x="connsiteX13" y="connsiteY13"/>
+              </a:cxn>
+              <a:cxn ang="0">
+                <a:pos x="connsiteX14" y="connsiteY14"/>
+              </a:cxn>
+              <a:cxn ang="0">
+                <a:pos x="connsiteX15" y="connsiteY15"/>
+              </a:cxn>
+              <a:cxn ang="0">
+                <a:pos x="connsiteX16" y="connsiteY16"/>
+              </a:cxn>
+              <a:cxn ang="0">
+                <a:pos x="connsiteX17" y="connsiteY17"/>
+              </a:cxn>
+              <a:cxn ang="0">
+                <a:pos x="connsiteX18" y="connsiteY18"/>
+              </a:cxn>
+              <a:cxn ang="0">
+                <a:pos x="connsiteX19" y="connsiteY19"/>
+              </a:cxn>
+              <a:cxn ang="0">
+                <a:pos x="connsiteX20" y="connsiteY20"/>
+              </a:cxn>
+              <a:cxn ang="0">
+                <a:pos x="connsiteX21" y="connsiteY21"/>
+              </a:cxn>
+              <a:cxn ang="0">
+                <a:pos x="connsiteX22" y="connsiteY22"/>
+              </a:cxn>
+              <a:cxn ang="0">
+                <a:pos x="connsiteX23" y="connsiteY23"/>
+              </a:cxn>
+              <a:cxn ang="0">
+                <a:pos x="connsiteX24" y="connsiteY24"/>
+              </a:cxn>
+              <a:cxn ang="0">
+                <a:pos x="connsiteX25" y="connsiteY25"/>
+              </a:cxn>
+              <a:cxn ang="0">
+                <a:pos x="connsiteX26" y="connsiteY26"/>
+              </a:cxn>
+              <a:cxn ang="0">
+                <a:pos x="connsiteX27" y="connsiteY27"/>
+              </a:cxn>
+              <a:cxn ang="0">
+                <a:pos x="connsiteX28" y="connsiteY28"/>
+              </a:cxn>
+              <a:cxn ang="0">
+                <a:pos x="connsiteX29" y="connsiteY29"/>
+              </a:cxn>
+              <a:cxn ang="0">
+                <a:pos x="connsiteX30" y="connsiteY30"/>
+              </a:cxn>
+              <a:cxn ang="0">
+                <a:pos x="connsiteX31" y="connsiteY31"/>
+              </a:cxn>
+              <a:cxn ang="0">
+                <a:pos x="connsiteX32" y="connsiteY32"/>
+              </a:cxn>
+              <a:cxn ang="0">
+                <a:pos x="connsiteX33" y="connsiteY33"/>
+              </a:cxn>
+              <a:cxn ang="0">
+                <a:pos x="connsiteX34" y="connsiteY34"/>
+              </a:cxn>
+            </a:cxnLst>
+            <a:rect l="l" t="t" r="r" b="b"/>
+            <a:pathLst>
+              <a:path w="10424160" h="18288" fill="none" extrusionOk="0">
+                <a:moveTo>
+                  <a:pt x="0" y="0"/>
+                </a:moveTo>
+                <a:cubicBezTo>
+                  <a:pt x="251416" y="-3874"/>
+                  <a:pt x="479411" y="-20508"/>
+                  <a:pt x="903427" y="0"/>
+                </a:cubicBezTo>
+                <a:cubicBezTo>
+                  <a:pt x="1327443" y="20508"/>
+                  <a:pt x="1177990" y="-7387"/>
+                  <a:pt x="1389888" y="0"/>
+                </a:cubicBezTo>
+                <a:cubicBezTo>
+                  <a:pt x="1601786" y="7387"/>
+                  <a:pt x="1928602" y="-6697"/>
+                  <a:pt x="2189074" y="0"/>
+                </a:cubicBezTo>
+                <a:cubicBezTo>
+                  <a:pt x="2449546" y="6697"/>
+                  <a:pt x="2440085" y="-21144"/>
+                  <a:pt x="2675534" y="0"/>
+                </a:cubicBezTo>
+                <a:cubicBezTo>
+                  <a:pt x="2910983" y="21144"/>
+                  <a:pt x="3026158" y="-11124"/>
+                  <a:pt x="3370478" y="0"/>
+                </a:cubicBezTo>
+                <a:cubicBezTo>
+                  <a:pt x="3714798" y="11124"/>
+                  <a:pt x="3864539" y="-10660"/>
+                  <a:pt x="4169664" y="0"/>
+                </a:cubicBezTo>
+                <a:cubicBezTo>
+                  <a:pt x="4474789" y="10660"/>
+                  <a:pt x="4471218" y="16488"/>
+                  <a:pt x="4551883" y="0"/>
+                </a:cubicBezTo>
+                <a:cubicBezTo>
+                  <a:pt x="4632548" y="-16488"/>
+                  <a:pt x="4786830" y="7986"/>
+                  <a:pt x="4934102" y="0"/>
+                </a:cubicBezTo>
+                <a:cubicBezTo>
+                  <a:pt x="5081374" y="-7986"/>
+                  <a:pt x="5575881" y="-33003"/>
+                  <a:pt x="5837530" y="0"/>
+                </a:cubicBezTo>
+                <a:cubicBezTo>
+                  <a:pt x="6099179" y="33003"/>
+                  <a:pt x="6305895" y="14170"/>
+                  <a:pt x="6532474" y="0"/>
+                </a:cubicBezTo>
+                <a:cubicBezTo>
+                  <a:pt x="6759053" y="-14170"/>
+                  <a:pt x="6726707" y="16121"/>
+                  <a:pt x="6914693" y="0"/>
+                </a:cubicBezTo>
+                <a:cubicBezTo>
+                  <a:pt x="7102679" y="-16121"/>
+                  <a:pt x="7397857" y="32594"/>
+                  <a:pt x="7609637" y="0"/>
+                </a:cubicBezTo>
+                <a:cubicBezTo>
+                  <a:pt x="7821417" y="-32594"/>
+                  <a:pt x="8141235" y="-3745"/>
+                  <a:pt x="8513064" y="0"/>
+                </a:cubicBezTo>
+                <a:cubicBezTo>
+                  <a:pt x="8884893" y="3745"/>
+                  <a:pt x="8877548" y="3359"/>
+                  <a:pt x="9103766" y="0"/>
+                </a:cubicBezTo>
+                <a:cubicBezTo>
+                  <a:pt x="9329984" y="-3359"/>
+                  <a:pt x="9545570" y="-17843"/>
+                  <a:pt x="9694469" y="0"/>
+                </a:cubicBezTo>
+                <a:cubicBezTo>
+                  <a:pt x="9843368" y="17843"/>
+                  <a:pt x="10162477" y="-1217"/>
+                  <a:pt x="10424160" y="0"/>
+                </a:cubicBezTo>
+                <a:cubicBezTo>
+                  <a:pt x="10424498" y="7640"/>
+                  <a:pt x="10423710" y="11289"/>
+                  <a:pt x="10424160" y="18288"/>
+                </a:cubicBezTo>
+                <a:cubicBezTo>
+                  <a:pt x="10184680" y="20716"/>
+                  <a:pt x="10034768" y="-9357"/>
+                  <a:pt x="9729216" y="18288"/>
+                </a:cubicBezTo>
+                <a:cubicBezTo>
+                  <a:pt x="9423664" y="45933"/>
+                  <a:pt x="9309220" y="36372"/>
+                  <a:pt x="8930030" y="18288"/>
+                </a:cubicBezTo>
+                <a:cubicBezTo>
+                  <a:pt x="8550840" y="204"/>
+                  <a:pt x="8513376" y="34707"/>
+                  <a:pt x="8130845" y="18288"/>
+                </a:cubicBezTo>
+                <a:cubicBezTo>
+                  <a:pt x="7748315" y="1869"/>
+                  <a:pt x="7864674" y="19659"/>
+                  <a:pt x="7644384" y="18288"/>
+                </a:cubicBezTo>
+                <a:cubicBezTo>
+                  <a:pt x="7424094" y="16917"/>
+                  <a:pt x="6947001" y="55680"/>
+                  <a:pt x="6740957" y="18288"/>
+                </a:cubicBezTo>
+                <a:cubicBezTo>
+                  <a:pt x="6534913" y="-19104"/>
+                  <a:pt x="6313809" y="33391"/>
+                  <a:pt x="6046013" y="18288"/>
+                </a:cubicBezTo>
+                <a:cubicBezTo>
+                  <a:pt x="5778217" y="3185"/>
+                  <a:pt x="5786775" y="1439"/>
+                  <a:pt x="5663794" y="18288"/>
+                </a:cubicBezTo>
+                <a:cubicBezTo>
+                  <a:pt x="5540813" y="35137"/>
+                  <a:pt x="5204724" y="25434"/>
+                  <a:pt x="4968850" y="18288"/>
+                </a:cubicBezTo>
+                <a:cubicBezTo>
+                  <a:pt x="4732976" y="11142"/>
+                  <a:pt x="4559928" y="34568"/>
+                  <a:pt x="4378147" y="18288"/>
+                </a:cubicBezTo>
+                <a:cubicBezTo>
+                  <a:pt x="4196366" y="2008"/>
+                  <a:pt x="3992200" y="35409"/>
+                  <a:pt x="3787445" y="18288"/>
+                </a:cubicBezTo>
+                <a:cubicBezTo>
+                  <a:pt x="3582690" y="1167"/>
+                  <a:pt x="3488876" y="-7583"/>
+                  <a:pt x="3196742" y="18288"/>
+                </a:cubicBezTo>
+                <a:cubicBezTo>
+                  <a:pt x="2904608" y="44159"/>
+                  <a:pt x="2729828" y="45906"/>
+                  <a:pt x="2606040" y="18288"/>
+                </a:cubicBezTo>
+                <a:cubicBezTo>
+                  <a:pt x="2482252" y="-9330"/>
+                  <a:pt x="2000672" y="-5498"/>
+                  <a:pt x="1806854" y="18288"/>
+                </a:cubicBezTo>
+                <a:cubicBezTo>
+                  <a:pt x="1613036" y="42074"/>
+                  <a:pt x="1310933" y="-4240"/>
+                  <a:pt x="1111910" y="18288"/>
+                </a:cubicBezTo>
+                <a:cubicBezTo>
+                  <a:pt x="912887" y="40816"/>
+                  <a:pt x="891560" y="1701"/>
+                  <a:pt x="729691" y="18288"/>
+                </a:cubicBezTo>
+                <a:cubicBezTo>
+                  <a:pt x="567822" y="34875"/>
+                  <a:pt x="203025" y="34462"/>
+                  <a:pt x="0" y="18288"/>
+                </a:cubicBezTo>
+                <a:cubicBezTo>
+                  <a:pt x="-82" y="11708"/>
+                  <a:pt x="-178" y="8956"/>
+                  <a:pt x="0" y="0"/>
+                </a:cubicBezTo>
+                <a:close/>
+              </a:path>
+              <a:path w="10424160" h="18288" stroke="0" extrusionOk="0">
+                <a:moveTo>
+                  <a:pt x="0" y="0"/>
+                </a:moveTo>
+                <a:cubicBezTo>
+                  <a:pt x="119910" y="17195"/>
+                  <a:pt x="345032" y="1652"/>
+                  <a:pt x="590702" y="0"/>
+                </a:cubicBezTo>
+                <a:cubicBezTo>
+                  <a:pt x="836372" y="-1652"/>
+                  <a:pt x="830717" y="-10944"/>
+                  <a:pt x="972922" y="0"/>
+                </a:cubicBezTo>
+                <a:cubicBezTo>
+                  <a:pt x="1115127" y="10944"/>
+                  <a:pt x="1638708" y="17269"/>
+                  <a:pt x="1876349" y="0"/>
+                </a:cubicBezTo>
+                <a:cubicBezTo>
+                  <a:pt x="2113990" y="-17269"/>
+                  <a:pt x="2263529" y="27642"/>
+                  <a:pt x="2467051" y="0"/>
+                </a:cubicBezTo>
+                <a:cubicBezTo>
+                  <a:pt x="2670573" y="-27642"/>
+                  <a:pt x="2867743" y="-1552"/>
+                  <a:pt x="3057754" y="0"/>
+                </a:cubicBezTo>
+                <a:cubicBezTo>
+                  <a:pt x="3247765" y="1552"/>
+                  <a:pt x="3729099" y="45169"/>
+                  <a:pt x="3961181" y="0"/>
+                </a:cubicBezTo>
+                <a:cubicBezTo>
+                  <a:pt x="4193263" y="-45169"/>
+                  <a:pt x="4313735" y="4067"/>
+                  <a:pt x="4447642" y="0"/>
+                </a:cubicBezTo>
+                <a:cubicBezTo>
+                  <a:pt x="4581549" y="-4067"/>
+                  <a:pt x="5123626" y="11867"/>
+                  <a:pt x="5351069" y="0"/>
+                </a:cubicBezTo>
+                <a:cubicBezTo>
+                  <a:pt x="5578512" y="-11867"/>
+                  <a:pt x="6044105" y="-19983"/>
+                  <a:pt x="6254496" y="0"/>
+                </a:cubicBezTo>
+                <a:cubicBezTo>
+                  <a:pt x="6464887" y="19983"/>
+                  <a:pt x="6664731" y="4232"/>
+                  <a:pt x="6949440" y="0"/>
+                </a:cubicBezTo>
+                <a:cubicBezTo>
+                  <a:pt x="7234149" y="-4232"/>
+                  <a:pt x="7497205" y="28731"/>
+                  <a:pt x="7852867" y="0"/>
+                </a:cubicBezTo>
+                <a:cubicBezTo>
+                  <a:pt x="8208529" y="-28731"/>
+                  <a:pt x="8287556" y="2616"/>
+                  <a:pt x="8443570" y="0"/>
+                </a:cubicBezTo>
+                <a:cubicBezTo>
+                  <a:pt x="8599584" y="-2616"/>
+                  <a:pt x="8871283" y="-14113"/>
+                  <a:pt x="9034272" y="0"/>
+                </a:cubicBezTo>
+                <a:cubicBezTo>
+                  <a:pt x="9197261" y="14113"/>
+                  <a:pt x="9604978" y="-35623"/>
+                  <a:pt x="9833458" y="0"/>
+                </a:cubicBezTo>
+                <a:cubicBezTo>
+                  <a:pt x="10061938" y="35623"/>
+                  <a:pt x="10231944" y="-8194"/>
+                  <a:pt x="10424160" y="0"/>
+                </a:cubicBezTo>
+                <a:cubicBezTo>
+                  <a:pt x="10424285" y="4395"/>
+                  <a:pt x="10424085" y="9776"/>
+                  <a:pt x="10424160" y="18288"/>
+                </a:cubicBezTo>
+                <a:cubicBezTo>
+                  <a:pt x="10058736" y="-5772"/>
+                  <a:pt x="9942989" y="-18764"/>
+                  <a:pt x="9624974" y="18288"/>
+                </a:cubicBezTo>
+                <a:cubicBezTo>
+                  <a:pt x="9306959" y="55340"/>
+                  <a:pt x="9229263" y="24995"/>
+                  <a:pt x="8930030" y="18288"/>
+                </a:cubicBezTo>
+                <a:cubicBezTo>
+                  <a:pt x="8630797" y="11581"/>
+                  <a:pt x="8647263" y="10931"/>
+                  <a:pt x="8547811" y="18288"/>
+                </a:cubicBezTo>
+                <a:cubicBezTo>
+                  <a:pt x="8448359" y="25645"/>
+                  <a:pt x="8173221" y="219"/>
+                  <a:pt x="8061350" y="18288"/>
+                </a:cubicBezTo>
+                <a:cubicBezTo>
+                  <a:pt x="7949479" y="36357"/>
+                  <a:pt x="7437002" y="17516"/>
+                  <a:pt x="7157923" y="18288"/>
+                </a:cubicBezTo>
+                <a:cubicBezTo>
+                  <a:pt x="6878844" y="19060"/>
+                  <a:pt x="6610241" y="8864"/>
+                  <a:pt x="6462979" y="18288"/>
+                </a:cubicBezTo>
+                <a:cubicBezTo>
+                  <a:pt x="6315717" y="27712"/>
+                  <a:pt x="6124879" y="4989"/>
+                  <a:pt x="5976518" y="18288"/>
+                </a:cubicBezTo>
+                <a:cubicBezTo>
+                  <a:pt x="5828157" y="31587"/>
+                  <a:pt x="5566880" y="7112"/>
+                  <a:pt x="5281574" y="18288"/>
+                </a:cubicBezTo>
+                <a:cubicBezTo>
+                  <a:pt x="4996268" y="29464"/>
+                  <a:pt x="5085614" y="20493"/>
+                  <a:pt x="4899355" y="18288"/>
+                </a:cubicBezTo>
+                <a:cubicBezTo>
+                  <a:pt x="4713096" y="16083"/>
+                  <a:pt x="4606138" y="34359"/>
+                  <a:pt x="4517136" y="18288"/>
+                </a:cubicBezTo>
+                <a:cubicBezTo>
+                  <a:pt x="4428134" y="2217"/>
+                  <a:pt x="4125335" y="52414"/>
+                  <a:pt x="3822192" y="18288"/>
+                </a:cubicBezTo>
+                <a:cubicBezTo>
+                  <a:pt x="3519049" y="-15838"/>
+                  <a:pt x="3453132" y="3859"/>
+                  <a:pt x="3335731" y="18288"/>
+                </a:cubicBezTo>
+                <a:cubicBezTo>
+                  <a:pt x="3218330" y="32717"/>
+                  <a:pt x="2718749" y="-13936"/>
+                  <a:pt x="2536546" y="18288"/>
+                </a:cubicBezTo>
+                <a:cubicBezTo>
+                  <a:pt x="2354343" y="50512"/>
+                  <a:pt x="2190669" y="3238"/>
+                  <a:pt x="2050085" y="18288"/>
+                </a:cubicBezTo>
+                <a:cubicBezTo>
+                  <a:pt x="1909501" y="33338"/>
+                  <a:pt x="1520975" y="3062"/>
+                  <a:pt x="1250899" y="18288"/>
+                </a:cubicBezTo>
+                <a:cubicBezTo>
+                  <a:pt x="980823" y="33514"/>
+                  <a:pt x="992936" y="28036"/>
+                  <a:pt x="868680" y="18288"/>
+                </a:cubicBezTo>
+                <a:cubicBezTo>
+                  <a:pt x="744424" y="8540"/>
+                  <a:pt x="230364" y="33365"/>
+                  <a:pt x="0" y="18288"/>
+                </a:cubicBezTo>
+                <a:cubicBezTo>
+                  <a:pt x="-504" y="12101"/>
+                  <a:pt x="-591" y="7719"/>
+                  <a:pt x="0" y="0"/>
+                </a:cubicBezTo>
+                <a:close/>
+              </a:path>
+            </a:pathLst>
+          </a:custGeom>
+          <a:solidFill>
+            <a:schemeClr val="accent2"/>
+          </a:solidFill>
+          <a:ln w="41275" cap="rnd">
+            <a:solidFill>
+              <a:schemeClr val="accent2"/>
+            </a:solidFill>
+            <a:round/>
+            <a:extLst>
+              <a:ext uri="{C807C97D-BFC1-408E-A445-0C87EB9F89A2}">
+                <ask:lineSketchStyleProps xmlns:ask="http://schemas.microsoft.com/office/drawing/2018/sketchyshapes" sd="1219033472">
+                  <a:prstGeom prst="rect">
+                    <a:avLst/>
+                  </a:prstGeom>
+                  <ask:type>
+                    <ask:lineSketchFreehand/>
+                  </ask:type>
+                </ask:lineSketchStyleProps>
+              </a:ext>
+            </a:extLst>
+          </a:ln>
+        </p:spPr>
+        <p:style>
+          <a:lnRef idx="2">
+            <a:schemeClr val="accent1">
+              <a:shade val="50000"/>
+            </a:schemeClr>
+          </a:lnRef>
+          <a:fillRef idx="1">
+            <a:schemeClr val="accent1"/>
+          </a:fillRef>
+          <a:effectRef idx="0">
+            <a:schemeClr val="accent1"/>
+          </a:effectRef>
+          <a:fontRef idx="minor">
+            <a:schemeClr val="lt1"/>
+          </a:fontRef>
+        </p:style>
+        <p:txBody>
+          <a:bodyPr rtlCol="0" anchor="ctr"/>
+          <a:lstStyle/>
+          <a:p>
+            <a:pPr algn="ctr"/>
+            <a:endParaRPr lang="en-US"/>
+          </a:p>
+        </p:txBody>
+      </p:sp>
+      <p:graphicFrame>
+        <p:nvGraphicFramePr>
+          <p:cNvPr id="121" name="Content Placeholder 2">
+            <a:extLst>
+              <a:ext uri="{FF2B5EF4-FFF2-40B4-BE49-F238E27FC236}">
+                <a16:creationId xmlns:a16="http://schemas.microsoft.com/office/drawing/2014/main" id="{83A77E55-2A8C-1067-204E-52B7B0565BE3}"/>
+              </a:ext>
+            </a:extLst>
+          </p:cNvPr>
+          <p:cNvGraphicFramePr>
+            <a:graphicFrameLocks noGrp="1"/>
+          </p:cNvGraphicFramePr>
+          <p:nvPr>
+            <p:ph idx="1"/>
+            <p:extLst>
+              <p:ext uri="{D42A27DB-BD31-4B8C-83A1-F6EECF244321}">
+                <p14:modId xmlns:p14="http://schemas.microsoft.com/office/powerpoint/2010/main" val="3807247237"/>
+              </p:ext>
+            </p:extLst>
+          </p:nvPr>
+        </p:nvGraphicFramePr>
+        <p:xfrm>
+          <a:off x="838200" y="2228087"/>
+          <a:ext cx="10515600" cy="3948876"/>
+        </p:xfrm>
+        <a:graphic>
+          <a:graphicData uri="http://schemas.openxmlformats.org/drawingml/2006/diagram">
+            <dgm:relIds xmlns:dgm="http://schemas.openxmlformats.org/drawingml/2006/diagram" xmlns:r="http://schemas.openxmlformats.org/officeDocument/2006/relationships" r:dm="rId2" r:lo="rId3" r:qs="rId4" r:cs="rId5"/>
+          </a:graphicData>
+        </a:graphic>
+      </p:graphicFrame>
+    </p:spTree>
+    <p:extLst>
+      <p:ext uri="{BB962C8B-B14F-4D97-AF65-F5344CB8AC3E}">
+        <p14:creationId xmlns:p14="http://schemas.microsoft.com/office/powerpoint/2010/main" val="1610235664"/>
+      </p:ext>
+    </p:extLst>
+  </p:cSld>
+  <p:clrMapOvr>
+    <a:masterClrMapping/>
+  </p:clrMapOvr>
+</p:sld>
+</file>
+
+<file path=ppt/slides/slide3.xml><?xml version="1.0" encoding="utf-8"?>
+<p:sld xmlns:a="http://schemas.openxmlformats.org/drawingml/2006/main" xmlns:r="http://schemas.openxmlformats.org/officeDocument/2006/relationships" xmlns:p="http://schemas.openxmlformats.org/presentationml/2006/main">
+  <p:cSld>
+    <p:bg>
+      <p:bgPr>
+        <a:solidFill>
+          <a:schemeClr val="bg1"/>
+        </a:solidFill>
+        <a:effectLst/>
+      </p:bgPr>
+    </p:bg>
+    <p:spTree>
+      <p:nvGrpSpPr>
+        <p:cNvPr id="1" name=""/>
+        <p:cNvGrpSpPr/>
+        <p:nvPr/>
+      </p:nvGrpSpPr>
+      <p:grpSpPr>
+        <a:xfrm>
+          <a:off x="0" y="0"/>
+          <a:ext cx="0" cy="0"/>
+          <a:chOff x="0" y="0"/>
+          <a:chExt cx="0" cy="0"/>
+        </a:xfrm>
+      </p:grpSpPr>
+      <p:sp useBgFill="1">
+        <p:nvSpPr>
+          <p:cNvPr id="107" name="Rectangle 106">
+            <a:extLst>
+              <a:ext uri="{FF2B5EF4-FFF2-40B4-BE49-F238E27FC236}">
+                <a16:creationId xmlns:a16="http://schemas.microsoft.com/office/drawing/2014/main" id="{907EF6B7-1338-4443-8C46-6A318D952DFD}"/>
+              </a:ext>
+              <a:ext uri="{C183D7F6-B498-43B3-948B-1728B52AA6E4}">
+                <adec:decorative xmlns:adec="http://schemas.microsoft.com/office/drawing/2017/decorative" val="1"/>
+              </a:ext>
+            </a:extLst>
+          </p:cNvPr>
+          <p:cNvSpPr>
+            <a:spLocks noGrp="1" noRot="1" noChangeAspect="1" noMove="1" noResize="1" noEditPoints="1" noAdjustHandles="1" noChangeArrowheads="1" noChangeShapeType="1" noTextEdit="1"/>
+          </p:cNvSpPr>
+          <p:nvPr>
+            <p:extLst>
+              <p:ext uri="{386F3935-93C4-4BCD-93E2-E3B085C9AB24}">
+                <p16:designElem xmlns:p16="http://schemas.microsoft.com/office/powerpoint/2015/main" val="1"/>
+              </p:ext>
+            </p:extLst>
+          </p:nvPr>
+        </p:nvSpPr>
+        <p:spPr>
+          <a:xfrm>
+            <a:off x="3048" y="0"/>
+            <a:ext cx="12188952" cy="6858000"/>
+          </a:xfrm>
+          <a:prstGeom prst="rect">
+            <a:avLst/>
+          </a:prstGeom>
+          <a:ln>
+            <a:noFill/>
+          </a:ln>
+        </p:spPr>
+        <p:style>
+          <a:lnRef idx="2">
+            <a:schemeClr val="accent1">
+              <a:shade val="50000"/>
+            </a:schemeClr>
+          </a:lnRef>
+          <a:fillRef idx="1">
+            <a:schemeClr val="accent1"/>
+          </a:fillRef>
+          <a:effectRef idx="0">
+            <a:schemeClr val="accent1"/>
+          </a:effectRef>
+          <a:fontRef idx="minor">
+            <a:schemeClr val="lt1"/>
+          </a:fontRef>
+        </p:style>
+        <p:txBody>
+          <a:bodyPr rtlCol="0" anchor="ctr"/>
+          <a:lstStyle/>
+          <a:p>
+            <a:pPr algn="ctr"/>
+            <a:endParaRPr lang="en-US"/>
+          </a:p>
+        </p:txBody>
+      </p:sp>
+      <p:sp>
+        <p:nvSpPr>
+          <p:cNvPr id="108" name="Freeform: Shape 107">
+            <a:extLst>
+              <a:ext uri="{FF2B5EF4-FFF2-40B4-BE49-F238E27FC236}">
+                <a16:creationId xmlns:a16="http://schemas.microsoft.com/office/drawing/2014/main" id="{DAAE4CDD-124C-4DCF-9584-B6033B545DD5}"/>
+              </a:ext>
+              <a:ext uri="{C183D7F6-B498-43B3-948B-1728B52AA6E4}">
+                <adec:decorative xmlns:adec="http://schemas.microsoft.com/office/drawing/2017/decorative" val="1"/>
+              </a:ext>
+            </a:extLst>
+          </p:cNvPr>
+          <p:cNvSpPr>
+            <a:spLocks noGrp="1" noRot="1" noChangeAspect="1" noMove="1" noResize="1" noEditPoints="1" noAdjustHandles="1" noChangeArrowheads="1" noChangeShapeType="1" noTextEdit="1"/>
+          </p:cNvSpPr>
+          <p:nvPr>
+            <p:extLst>
+              <p:ext uri="{386F3935-93C4-4BCD-93E2-E3B085C9AB24}">
+                <p16:designElem xmlns:p16="http://schemas.microsoft.com/office/powerpoint/2015/main" val="1"/>
+              </p:ext>
+            </p:extLst>
+          </p:nvPr>
+        </p:nvSpPr>
+        <p:spPr>
+          <a:xfrm>
+            <a:off x="1" y="0"/>
+            <a:ext cx="4167271" cy="6858000"/>
+          </a:xfrm>
+          <a:custGeom>
+            <a:avLst/>
+            <a:gdLst>
+              <a:gd name="connsiteX0" fmla="*/ 0 w 4167271"/>
+              <a:gd name="connsiteY0" fmla="*/ 0 h 6858000"/>
+              <a:gd name="connsiteX1" fmla="*/ 2259550 w 4167271"/>
+              <a:gd name="connsiteY1" fmla="*/ 0 h 6858000"/>
+              <a:gd name="connsiteX2" fmla="*/ 2387803 w 4167271"/>
+              <a:gd name="connsiteY2" fmla="*/ 82222 h 6858000"/>
+              <a:gd name="connsiteX3" fmla="*/ 4167271 w 4167271"/>
+              <a:gd name="connsiteY3" fmla="*/ 3429000 h 6858000"/>
+              <a:gd name="connsiteX4" fmla="*/ 2387803 w 4167271"/>
+              <a:gd name="connsiteY4" fmla="*/ 6775779 h 6858000"/>
+              <a:gd name="connsiteX5" fmla="*/ 2259550 w 4167271"/>
+              <a:gd name="connsiteY5" fmla="*/ 6858000 h 6858000"/>
+              <a:gd name="connsiteX6" fmla="*/ 0 w 4167271"/>
+              <a:gd name="connsiteY6" fmla="*/ 6858000 h 6858000"/>
+            </a:gdLst>
+            <a:ahLst/>
+            <a:cxnLst>
+              <a:cxn ang="0">
+                <a:pos x="connsiteX0" y="connsiteY0"/>
+              </a:cxn>
+              <a:cxn ang="0">
+                <a:pos x="connsiteX1" y="connsiteY1"/>
+              </a:cxn>
+              <a:cxn ang="0">
+                <a:pos x="connsiteX2" y="connsiteY2"/>
+              </a:cxn>
+              <a:cxn ang="0">
+                <a:pos x="connsiteX3" y="connsiteY3"/>
+              </a:cxn>
+              <a:cxn ang="0">
+                <a:pos x="connsiteX4" y="connsiteY4"/>
+              </a:cxn>
+              <a:cxn ang="0">
+                <a:pos x="connsiteX5" y="connsiteY5"/>
+              </a:cxn>
+              <a:cxn ang="0">
+                <a:pos x="connsiteX6" y="connsiteY6"/>
+              </a:cxn>
+            </a:cxnLst>
+            <a:rect l="l" t="t" r="r" b="b"/>
+            <a:pathLst>
+              <a:path w="4167271" h="6858000">
+                <a:moveTo>
+                  <a:pt x="0" y="0"/>
+                </a:moveTo>
+                <a:lnTo>
+                  <a:pt x="2259550" y="0"/>
+                </a:lnTo>
+                <a:lnTo>
+                  <a:pt x="2387803" y="82222"/>
+                </a:lnTo>
+                <a:cubicBezTo>
+                  <a:pt x="3461407" y="807534"/>
+                  <a:pt x="4167271" y="2035835"/>
+                  <a:pt x="4167271" y="3429000"/>
+                </a:cubicBezTo>
+                <a:cubicBezTo>
+                  <a:pt x="4167271" y="4822165"/>
+                  <a:pt x="3461407" y="6050467"/>
+                  <a:pt x="2387803" y="6775779"/>
+                </a:cubicBezTo>
+                <a:lnTo>
+                  <a:pt x="2259550" y="6858000"/>
+                </a:lnTo>
+                <a:lnTo>
+                  <a:pt x="0" y="6858000"/>
+                </a:lnTo>
+                <a:close/>
+              </a:path>
+            </a:pathLst>
+          </a:custGeom>
+          <a:solidFill>
+            <a:schemeClr val="accent2"/>
+          </a:solidFill>
+          <a:ln>
+            <a:noFill/>
+          </a:ln>
+        </p:spPr>
+        <p:style>
+          <a:lnRef idx="2">
+            <a:schemeClr val="accent1">
+              <a:shade val="50000"/>
+            </a:schemeClr>
+          </a:lnRef>
+          <a:fillRef idx="1">
+            <a:schemeClr val="accent1"/>
+          </a:fillRef>
+          <a:effectRef idx="0">
+            <a:schemeClr val="accent1"/>
+          </a:effectRef>
+          <a:fontRef idx="minor">
+            <a:schemeClr val="lt1"/>
+          </a:fontRef>
+        </p:style>
+        <p:txBody>
+          <a:bodyPr rtlCol="0" anchor="ctr"/>
+          <a:lstStyle/>
+          <a:p>
+            <a:pPr algn="ctr"/>
+            <a:endParaRPr lang="en-US"/>
+          </a:p>
+        </p:txBody>
+      </p:sp>
+      <p:sp>
+        <p:nvSpPr>
+          <p:cNvPr id="2" name="Title 1">
+            <a:extLst>
+              <a:ext uri="{FF2B5EF4-FFF2-40B4-BE49-F238E27FC236}">
+                <a16:creationId xmlns:a16="http://schemas.microsoft.com/office/drawing/2014/main" id="{2965659E-BDD8-0720-5376-01D5FFA1E600}"/>
+              </a:ext>
+            </a:extLst>
+          </p:cNvPr>
+          <p:cNvSpPr>
+            <a:spLocks noGrp="1"/>
+          </p:cNvSpPr>
+          <p:nvPr>
+            <p:ph type="title"/>
+          </p:nvPr>
+        </p:nvSpPr>
+        <p:spPr>
+          <a:xfrm>
+            <a:off x="686834" y="1153572"/>
+            <a:ext cx="3200400" cy="4461163"/>
+          </a:xfrm>
+        </p:spPr>
+        <p:txBody>
+          <a:bodyPr>
+            <a:normAutofit/>
+          </a:bodyPr>
+          <a:lstStyle/>
+          <a:p>
+            <a:r>
+              <a:rPr lang="en-US" sz="4100" b="1" i="0">
+                <a:solidFill>
+                  <a:srgbClr val="FFFFFF"/>
+                </a:solidFill>
+                <a:effectLst/>
+                <a:latin typeface="Söhne"/>
+              </a:rPr>
+              <a:t>Requirement Analysis</a:t>
+            </a:r>
+            <a:endParaRPr lang="en-US" sz="4100" b="1">
+              <a:solidFill>
+                <a:srgbClr val="FFFFFF"/>
+              </a:solidFill>
+            </a:endParaRPr>
+          </a:p>
+        </p:txBody>
+      </p:sp>
+      <p:sp>
+        <p:nvSpPr>
+          <p:cNvPr id="109" name="Arc 108">
+            <a:extLst>
+              <a:ext uri="{FF2B5EF4-FFF2-40B4-BE49-F238E27FC236}">
+                <a16:creationId xmlns:a16="http://schemas.microsoft.com/office/drawing/2014/main" id="{081E4A58-353D-44AE-B2FC-2A74E2E400F7}"/>
+              </a:ext>
+              <a:ext uri="{C183D7F6-B498-43B3-948B-1728B52AA6E4}">
+                <adec:decorative xmlns:adec="http://schemas.microsoft.com/office/drawing/2017/decorative" val="1"/>
+              </a:ext>
+            </a:extLst>
+          </p:cNvPr>
+          <p:cNvSpPr>
+            <a:spLocks noGrp="1" noRot="1" noChangeAspect="1" noMove="1" noResize="1" noEditPoints="1" noAdjustHandles="1" noChangeArrowheads="1" noChangeShapeType="1" noTextEdit="1"/>
+          </p:cNvSpPr>
+          <p:nvPr>
+            <p:extLst>
+              <p:ext uri="{386F3935-93C4-4BCD-93E2-E3B085C9AB24}">
+                <p16:designElem xmlns:p16="http://schemas.microsoft.com/office/powerpoint/2015/main" val="1"/>
+              </p:ext>
+            </p:extLst>
+          </p:nvPr>
+        </p:nvSpPr>
+        <p:spPr>
+          <a:xfrm flipV="1">
+            <a:off x="7550402" y="2455479"/>
+            <a:ext cx="4083433" cy="4083433"/>
+          </a:xfrm>
+          <a:prstGeom prst="arc">
+            <a:avLst/>
+          </a:prstGeom>
+          <a:ln w="127000" cap="rnd">
+            <a:solidFill>
+              <a:schemeClr val="accent4"/>
+            </a:solidFill>
+            <a:prstDash val="dash"/>
+          </a:ln>
+        </p:spPr>
+        <p:style>
+          <a:lnRef idx="1">
+            <a:schemeClr val="accent1"/>
+          </a:lnRef>
+          <a:fillRef idx="0">
+            <a:schemeClr val="accent1"/>
+          </a:fillRef>
+          <a:effectRef idx="0">
+            <a:schemeClr val="accent1"/>
+          </a:effectRef>
+          <a:fontRef idx="minor">
+            <a:schemeClr val="tx1"/>
+          </a:fontRef>
+        </p:style>
+        <p:txBody>
+          <a:bodyPr rtlCol="0" anchor="ctr"/>
+          <a:lstStyle/>
+          <a:p>
+            <a:pPr algn="ctr"/>
+            <a:endParaRPr lang="en-US" dirty="0"/>
+          </a:p>
+        </p:txBody>
+      </p:sp>
+      <p:sp>
+        <p:nvSpPr>
+          <p:cNvPr id="96" name="Content Placeholder 2">
+            <a:extLst>
+              <a:ext uri="{FF2B5EF4-FFF2-40B4-BE49-F238E27FC236}">
+                <a16:creationId xmlns:a16="http://schemas.microsoft.com/office/drawing/2014/main" id="{0ACBD110-7177-4A21-80CE-C1F77715AC06}"/>
+              </a:ext>
+            </a:extLst>
+          </p:cNvPr>
+          <p:cNvSpPr>
+            <a:spLocks noGrp="1"/>
+          </p:cNvSpPr>
+          <p:nvPr>
+            <p:ph idx="1"/>
+          </p:nvPr>
+        </p:nvSpPr>
+        <p:spPr>
+          <a:xfrm>
+            <a:off x="4447308" y="591344"/>
+            <a:ext cx="6906491" cy="5585619"/>
+          </a:xfrm>
+        </p:spPr>
+        <p:txBody>
+          <a:bodyPr anchor="ctr">
+            <a:normAutofit/>
+          </a:bodyPr>
+          <a:lstStyle/>
+          <a:p>
+            <a:pPr>
+              <a:spcBef>
+                <a:spcPts val="1200"/>
+              </a:spcBef>
+            </a:pPr>
+            <a:r>
+              <a:rPr lang="en-US" i="0" dirty="0">
+                <a:effectLst/>
+                <a:latin typeface="Söhne"/>
+              </a:rPr>
+              <a:t>User Authentication and Authorization</a:t>
+            </a:r>
+          </a:p>
+          <a:p>
+            <a:pPr>
+              <a:spcBef>
+                <a:spcPts val="1200"/>
+              </a:spcBef>
+            </a:pPr>
+            <a:r>
+              <a:rPr lang="en-US" i="0" dirty="0">
+                <a:effectLst/>
+                <a:latin typeface="Söhne"/>
+              </a:rPr>
+              <a:t>Financial Tools and Resources</a:t>
+            </a:r>
+            <a:endParaRPr lang="en-US" dirty="0">
+              <a:latin typeface="Söhne"/>
+            </a:endParaRPr>
+          </a:p>
+          <a:p>
+            <a:pPr>
+              <a:spcBef>
+                <a:spcPts val="1200"/>
+              </a:spcBef>
+            </a:pPr>
+            <a:r>
+              <a:rPr lang="en-US" i="0" dirty="0">
+                <a:effectLst/>
+                <a:latin typeface="Söhne"/>
+              </a:rPr>
+              <a:t>Mobile Banking Support</a:t>
+            </a:r>
+            <a:r>
+              <a:rPr lang="en-US" b="1" i="0" dirty="0">
+                <a:effectLst/>
+                <a:latin typeface="Söhne"/>
+              </a:rPr>
+              <a:t>	</a:t>
+            </a:r>
+          </a:p>
+          <a:p>
+            <a:pPr marL="0" indent="0">
+              <a:spcBef>
+                <a:spcPts val="1200"/>
+              </a:spcBef>
+              <a:buNone/>
+            </a:pPr>
+            <a:r>
+              <a:rPr lang="en-US" b="1" dirty="0">
+                <a:latin typeface="Söhne"/>
+              </a:rPr>
+              <a:t>Technologies used:</a:t>
+            </a:r>
+          </a:p>
+          <a:p>
+            <a:pPr>
+              <a:spcBef>
+                <a:spcPts val="1200"/>
+              </a:spcBef>
+            </a:pPr>
+            <a:r>
+              <a:rPr lang="en-US" i="0" dirty="0">
+                <a:effectLst/>
+                <a:latin typeface="Söhne"/>
+              </a:rPr>
+              <a:t>Frontend Technologies</a:t>
+            </a:r>
+          </a:p>
+          <a:p>
+            <a:pPr>
+              <a:spcBef>
+                <a:spcPts val="1200"/>
+              </a:spcBef>
+            </a:pPr>
+            <a:r>
+              <a:rPr lang="en-US" i="0" dirty="0">
+                <a:effectLst/>
+                <a:latin typeface="Söhne"/>
+              </a:rPr>
+              <a:t>Backend Technologies</a:t>
+            </a:r>
+            <a:endParaRPr lang="en-US" dirty="0">
+              <a:latin typeface="Söhne"/>
+            </a:endParaRPr>
+          </a:p>
+          <a:p>
+            <a:pPr>
+              <a:spcBef>
+                <a:spcPts val="1200"/>
+              </a:spcBef>
+            </a:pPr>
+            <a:r>
+              <a:rPr lang="en-US" i="0" dirty="0">
+                <a:effectLst/>
+                <a:latin typeface="Söhne"/>
+              </a:rPr>
+              <a:t>Security Frameworks</a:t>
+            </a:r>
+          </a:p>
+          <a:p>
+            <a:pPr>
+              <a:spcBef>
+                <a:spcPts val="1200"/>
+              </a:spcBef>
+            </a:pPr>
+            <a:r>
+              <a:rPr lang="en-US" i="0" dirty="0">
+                <a:effectLst/>
+                <a:latin typeface="Söhne"/>
+              </a:rPr>
+              <a:t>DevOps Tools</a:t>
+            </a:r>
+            <a:endParaRPr lang="en-US" dirty="0">
+              <a:latin typeface="Söhne"/>
+            </a:endParaRPr>
+          </a:p>
+          <a:p>
+            <a:pPr>
+              <a:spcBef>
+                <a:spcPts val="1200"/>
+              </a:spcBef>
+            </a:pPr>
+            <a:r>
+              <a:rPr lang="en-US" i="0" dirty="0">
+                <a:effectLst/>
+                <a:latin typeface="Söhne"/>
+              </a:rPr>
+              <a:t>Testing Frameworks</a:t>
+            </a:r>
+          </a:p>
+          <a:p>
+            <a:pPr marL="0" indent="0">
+              <a:spcBef>
+                <a:spcPts val="1200"/>
+              </a:spcBef>
+              <a:buNone/>
+            </a:pPr>
+            <a:endParaRPr lang="en-US" dirty="0"/>
+          </a:p>
+        </p:txBody>
+      </p:sp>
+    </p:spTree>
+    <p:extLst>
+      <p:ext uri="{BB962C8B-B14F-4D97-AF65-F5344CB8AC3E}">
+        <p14:creationId xmlns:p14="http://schemas.microsoft.com/office/powerpoint/2010/main" val="771330994"/>
+      </p:ext>
+    </p:extLst>
+  </p:cSld>
+  <p:clrMapOvr>
+    <a:masterClrMapping/>
+  </p:clrMapOvr>
+</p:sld>
+</file>
+
+<file path=ppt/slides/slide4.xml><?xml version="1.0" encoding="utf-8"?>
 <p:sld xmlns:a="http://schemas.openxmlformats.org/drawingml/2006/main" xmlns:r="http://schemas.openxmlformats.org/officeDocument/2006/relationships" xmlns:p="http://schemas.openxmlformats.org/presentationml/2006/main">
   <p:cSld>
     <p:bg>
@@ -7809,7 +13356,7 @@
 </p:sld>
 </file>
 
-<file path=ppt/slides/slide3.xml><?xml version="1.0" encoding="utf-8"?>
+<file path=ppt/slides/slide5.xml><?xml version="1.0" encoding="utf-8"?>
 <p:sld xmlns:a="http://schemas.openxmlformats.org/drawingml/2006/main" xmlns:r="http://schemas.openxmlformats.org/officeDocument/2006/relationships" xmlns:p="http://schemas.openxmlformats.org/presentationml/2006/main">
   <p:cSld>
     <p:bg>
@@ -8168,136 +13715,152 @@
           </a:bodyPr>
           <a:lstStyle/>
           <a:p>
-            <a:pPr marL="0" indent="0">
+            <a:pPr marL="0" indent="0" algn="just">
               <a:spcBef>
                 <a:spcPts val="1200"/>
               </a:spcBef>
               <a:buNone/>
             </a:pPr>
             <a:r>
-              <a:rPr lang="en-US"/>
+              <a:rPr lang="en-US" dirty="0">
+                <a:latin typeface="Times New Roman" panose="02020603050405020304" pitchFamily="18" charset="0"/>
+                <a:cs typeface="Times New Roman" panose="02020603050405020304" pitchFamily="18" charset="0"/>
+              </a:rPr>
               <a:t>Upon the successful login, we provide a menu of insurance types.</a:t>
             </a:r>
           </a:p>
           <a:p>
-            <a:pPr marL="0" indent="0">
+            <a:pPr marL="0" indent="0" algn="just">
               <a:spcBef>
                 <a:spcPts val="1200"/>
               </a:spcBef>
               <a:buNone/>
             </a:pPr>
             <a:r>
-              <a:rPr lang="en-US" b="1">
+              <a:rPr lang="en-US" b="1" dirty="0">
                 <a:highlight>
                   <a:srgbClr val="FFFFFF"/>
                 </a:highlight>
-                <a:latin typeface="Roboto"/>
+                <a:latin typeface="Times New Roman" panose="02020603050405020304" pitchFamily="18" charset="0"/>
                 <a:ea typeface="Roboto"/>
-                <a:cs typeface="Roboto"/>
+                <a:cs typeface="Times New Roman" panose="02020603050405020304" pitchFamily="18" charset="0"/>
                 <a:sym typeface="Roboto"/>
               </a:rPr>
               <a:t>View All Insurance type:</a:t>
             </a:r>
             <a:r>
-              <a:rPr lang="en-US">
+              <a:rPr lang="en-US" dirty="0">
                 <a:highlight>
                   <a:srgbClr val="FFFFFF"/>
                 </a:highlight>
-                <a:latin typeface="Roboto"/>
+                <a:latin typeface="Times New Roman" panose="02020603050405020304" pitchFamily="18" charset="0"/>
                 <a:ea typeface="Roboto"/>
-                <a:cs typeface="Roboto"/>
+                <a:cs typeface="Times New Roman" panose="02020603050405020304" pitchFamily="18" charset="0"/>
                 <a:sym typeface="Roboto"/>
               </a:rPr>
               <a:t> Displays a list of all insurance types available in the database . It has attributes </a:t>
             </a:r>
-            <a:endParaRPr lang="en-US">
+            <a:endParaRPr lang="en-US" dirty="0">
               <a:highlight>
                 <a:srgbClr val="FFFFFF"/>
               </a:highlight>
-              <a:latin typeface="Roboto"/>
+              <a:latin typeface="Times New Roman" panose="02020603050405020304" pitchFamily="18" charset="0"/>
               <a:ea typeface="Roboto"/>
-              <a:cs typeface="Roboto"/>
+              <a:cs typeface="Times New Roman" panose="02020603050405020304" pitchFamily="18" charset="0"/>
             </a:endParaRPr>
           </a:p>
           <a:p>
+            <a:pPr algn="just"/>
             <a:r>
-              <a:rPr lang="en-US">
+              <a:rPr lang="en-US" sz="2400" dirty="0">
                 <a:highlight>
                   <a:srgbClr val="FFFFFF"/>
                 </a:highlight>
-                <a:latin typeface="Roboto"/>
+                <a:latin typeface="Times New Roman" panose="02020603050405020304" pitchFamily="18" charset="0"/>
                 <a:ea typeface="Roboto"/>
+                <a:cs typeface="Times New Roman" panose="02020603050405020304" pitchFamily="18" charset="0"/>
               </a:rPr>
               <a:t>INSURANCE_ID</a:t>
             </a:r>
-            <a:endParaRPr lang="en-US">
-              <a:latin typeface="Roboto"/>
+            <a:endParaRPr lang="en-US" sz="2400" dirty="0">
+              <a:latin typeface="Times New Roman" panose="02020603050405020304" pitchFamily="18" charset="0"/>
+              <a:cs typeface="Times New Roman" panose="02020603050405020304" pitchFamily="18" charset="0"/>
             </a:endParaRPr>
           </a:p>
           <a:p>
+            <a:pPr algn="just"/>
             <a:r>
-              <a:rPr lang="en-US">
+              <a:rPr lang="en-US" sz="2400" dirty="0">
                 <a:highlight>
                   <a:srgbClr val="FFFFFF"/>
                 </a:highlight>
-                <a:latin typeface="Roboto"/>
+                <a:latin typeface="Times New Roman" panose="02020603050405020304" pitchFamily="18" charset="0"/>
                 <a:ea typeface="Roboto"/>
+                <a:cs typeface="Times New Roman" panose="02020603050405020304" pitchFamily="18" charset="0"/>
               </a:rPr>
               <a:t>INSURANCE_TYPE</a:t>
             </a:r>
-            <a:endParaRPr lang="en-US">
-              <a:latin typeface="Roboto"/>
+            <a:endParaRPr lang="en-US" sz="2400" dirty="0">
+              <a:latin typeface="Times New Roman" panose="02020603050405020304" pitchFamily="18" charset="0"/>
+              <a:cs typeface="Times New Roman" panose="02020603050405020304" pitchFamily="18" charset="0"/>
             </a:endParaRPr>
           </a:p>
           <a:p>
+            <a:pPr algn="just"/>
             <a:r>
-              <a:rPr lang="en-US">
+              <a:rPr lang="en-US" sz="2400" dirty="0">
                 <a:highlight>
                   <a:srgbClr val="FFFFFF"/>
                 </a:highlight>
-                <a:latin typeface="Roboto"/>
+                <a:latin typeface="Times New Roman" panose="02020603050405020304" pitchFamily="18" charset="0"/>
                 <a:ea typeface="Roboto"/>
+                <a:cs typeface="Times New Roman" panose="02020603050405020304" pitchFamily="18" charset="0"/>
               </a:rPr>
               <a:t>INSURANCE_NAME</a:t>
             </a:r>
-            <a:endParaRPr lang="en-US">
-              <a:latin typeface="Roboto"/>
+            <a:endParaRPr lang="en-US" sz="2400" dirty="0">
+              <a:latin typeface="Times New Roman" panose="02020603050405020304" pitchFamily="18" charset="0"/>
+              <a:cs typeface="Times New Roman" panose="02020603050405020304" pitchFamily="18" charset="0"/>
             </a:endParaRPr>
           </a:p>
           <a:p>
+            <a:pPr algn="just"/>
             <a:r>
-              <a:rPr lang="en-US">
+              <a:rPr lang="en-US" sz="2400" dirty="0">
                 <a:highlight>
                   <a:srgbClr val="FFFFFF"/>
                 </a:highlight>
-                <a:latin typeface="Roboto"/>
+                <a:latin typeface="Times New Roman" panose="02020603050405020304" pitchFamily="18" charset="0"/>
                 <a:ea typeface="Roboto"/>
+                <a:cs typeface="Times New Roman" panose="02020603050405020304" pitchFamily="18" charset="0"/>
               </a:rPr>
               <a:t>INSURANCE_KEY_BENEFITS</a:t>
             </a:r>
           </a:p>
           <a:p>
-            <a:pPr lvl="0">
+            <a:pPr lvl="0" algn="just">
               <a:spcAft>
                 <a:spcPts val="0"/>
               </a:spcAft>
             </a:pPr>
             <a:r>
-              <a:rPr lang="en-US">
+              <a:rPr lang="en-US" sz="2400" dirty="0">
                 <a:highlight>
                   <a:srgbClr val="FFFFFF"/>
                 </a:highlight>
-                <a:latin typeface="Roboto"/>
+                <a:latin typeface="Times New Roman" panose="02020603050405020304" pitchFamily="18" charset="0"/>
                 <a:ea typeface="Roboto"/>
+                <a:cs typeface="Times New Roman" panose="02020603050405020304" pitchFamily="18" charset="0"/>
               </a:rPr>
               <a:t>INSURANCE_LIFETIME</a:t>
             </a:r>
-            <a:endParaRPr lang="en-US">
-              <a:latin typeface="Roboto"/>
+            <a:endParaRPr lang="en-US" sz="2400" dirty="0">
+              <a:latin typeface="Times New Roman" panose="02020603050405020304" pitchFamily="18" charset="0"/>
+              <a:cs typeface="Times New Roman" panose="02020603050405020304" pitchFamily="18" charset="0"/>
             </a:endParaRPr>
           </a:p>
           <a:p>
-            <a:endParaRPr lang="en-US"/>
+            <a:endParaRPr lang="en-US" dirty="0"/>
           </a:p>
         </p:txBody>
       </p:sp>
@@ -8314,7 +13877,7 @@
 </p:sld>
 </file>
 
-<file path=ppt/slides/slide4.xml><?xml version="1.0" encoding="utf-8"?>
+<file path=ppt/slides/slide6.xml><?xml version="1.0" encoding="utf-8"?>
 <p:sld xmlns:a="http://schemas.openxmlformats.org/drawingml/2006/main" xmlns:r="http://schemas.openxmlformats.org/officeDocument/2006/relationships" xmlns:p="http://schemas.openxmlformats.org/presentationml/2006/main">
   <p:cSld>
     <p:bg>
@@ -8679,19 +14242,22 @@
           </a:bodyPr>
           <a:lstStyle/>
           <a:p>
-            <a:pPr marL="0" indent="0">
+            <a:pPr marL="0" indent="0" algn="just">
               <a:spcBef>
                 <a:spcPts val="1200"/>
               </a:spcBef>
               <a:buNone/>
             </a:pPr>
             <a:r>
-              <a:rPr lang="en-US" dirty="0"/>
+              <a:rPr lang="en-US" dirty="0">
+                <a:latin typeface="Times New Roman" panose="02020603050405020304" pitchFamily="18" charset="0"/>
+                <a:cs typeface="Times New Roman" panose="02020603050405020304" pitchFamily="18" charset="0"/>
+              </a:rPr>
               <a:t>Upon the successful login, we provide a menu of insurance types.</a:t>
             </a:r>
           </a:p>
           <a:p>
-            <a:pPr marL="0" indent="0">
+            <a:pPr marL="0" indent="0" algn="just">
               <a:spcBef>
                 <a:spcPts val="1200"/>
               </a:spcBef>
@@ -8702,9 +14268,9 @@
                 <a:highlight>
                   <a:srgbClr val="FFFFFF"/>
                 </a:highlight>
-                <a:latin typeface="Roboto"/>
+                <a:latin typeface="Times New Roman" panose="02020603050405020304" pitchFamily="18" charset="0"/>
                 <a:ea typeface="Roboto"/>
-                <a:cs typeface="Roboto"/>
+                <a:cs typeface="Times New Roman" panose="02020603050405020304" pitchFamily="18" charset="0"/>
                 <a:sym typeface="Roboto"/>
               </a:rPr>
               <a:t>Apply for Insurance :</a:t>
@@ -8714,9 +14280,9 @@
                 <a:highlight>
                   <a:srgbClr val="FFFFFF"/>
                 </a:highlight>
-                <a:latin typeface="Roboto"/>
+                <a:latin typeface="Times New Roman" panose="02020603050405020304" pitchFamily="18" charset="0"/>
                 <a:ea typeface="Roboto"/>
-                <a:cs typeface="Roboto"/>
+                <a:cs typeface="Times New Roman" panose="02020603050405020304" pitchFamily="18" charset="0"/>
                 <a:sym typeface="Roboto"/>
               </a:rPr>
               <a:t> user applies for the insurance through the form. Below given are the attributes</a:t>
@@ -8725,119 +14291,140 @@
               <a:highlight>
                 <a:srgbClr val="FFFFFF"/>
               </a:highlight>
-              <a:latin typeface="Roboto"/>
+              <a:latin typeface="Times New Roman" panose="02020603050405020304" pitchFamily="18" charset="0"/>
               <a:ea typeface="Roboto"/>
-              <a:cs typeface="Roboto"/>
+              <a:cs typeface="Times New Roman" panose="02020603050405020304" pitchFamily="18" charset="0"/>
             </a:endParaRPr>
           </a:p>
           <a:p>
+            <a:pPr algn="just"/>
             <a:r>
               <a:rPr lang="en-US" sz="2200" dirty="0">
                 <a:highlight>
                   <a:srgbClr val="FFFFFF"/>
                 </a:highlight>
-                <a:latin typeface="Roboto"/>
+                <a:latin typeface="Times New Roman" panose="02020603050405020304" pitchFamily="18" charset="0"/>
                 <a:ea typeface="Roboto"/>
+                <a:cs typeface="Times New Roman" panose="02020603050405020304" pitchFamily="18" charset="0"/>
               </a:rPr>
               <a:t>INSURANCE_TYPE</a:t>
             </a:r>
           </a:p>
           <a:p>
+            <a:pPr algn="just"/>
             <a:r>
               <a:rPr lang="en-US" sz="2200" dirty="0">
                 <a:highlight>
                   <a:srgbClr val="FFFFFF"/>
                 </a:highlight>
-                <a:latin typeface="Roboto"/>
+                <a:latin typeface="Times New Roman" panose="02020603050405020304" pitchFamily="18" charset="0"/>
                 <a:ea typeface="Roboto"/>
+                <a:cs typeface="Times New Roman" panose="02020603050405020304" pitchFamily="18" charset="0"/>
               </a:rPr>
               <a:t>INSURANCE_NAME</a:t>
             </a:r>
           </a:p>
           <a:p>
+            <a:pPr algn="just"/>
             <a:r>
               <a:rPr lang="en-US" sz="2200" dirty="0">
                 <a:highlight>
                   <a:srgbClr val="FFFFFF"/>
                 </a:highlight>
-                <a:latin typeface="Roboto"/>
+                <a:latin typeface="Times New Roman" panose="02020603050405020304" pitchFamily="18" charset="0"/>
                 <a:ea typeface="Roboto"/>
+                <a:cs typeface="Times New Roman" panose="02020603050405020304" pitchFamily="18" charset="0"/>
               </a:rPr>
               <a:t>INSURANCE_KEY_BENEFITS</a:t>
             </a:r>
           </a:p>
           <a:p>
+            <a:pPr algn="just"/>
             <a:r>
               <a:rPr lang="en-US" sz="2200" dirty="0">
                 <a:highlight>
                   <a:srgbClr val="FFFFFF"/>
                 </a:highlight>
-                <a:latin typeface="Roboto"/>
+                <a:latin typeface="Times New Roman" panose="02020603050405020304" pitchFamily="18" charset="0"/>
                 <a:ea typeface="Roboto"/>
+                <a:cs typeface="Times New Roman" panose="02020603050405020304" pitchFamily="18" charset="0"/>
               </a:rPr>
               <a:t>INSURANCE_LIFETIME</a:t>
             </a:r>
           </a:p>
           <a:p>
+            <a:pPr algn="just"/>
             <a:r>
               <a:rPr lang="en-US" sz="2200" dirty="0">
                 <a:highlight>
                   <a:srgbClr val="FFFFFF"/>
                 </a:highlight>
-                <a:latin typeface="Roboto"/>
+                <a:latin typeface="Times New Roman" panose="02020603050405020304" pitchFamily="18" charset="0"/>
                 <a:ea typeface="Roboto"/>
+                <a:cs typeface="Times New Roman" panose="02020603050405020304" pitchFamily="18" charset="0"/>
               </a:rPr>
               <a:t>INSURANCE_PREMIUM</a:t>
             </a:r>
           </a:p>
           <a:p>
+            <a:pPr algn="just"/>
             <a:r>
               <a:rPr lang="en-US" sz="2200" dirty="0">
                 <a:highlight>
                   <a:srgbClr val="FFFFFF"/>
                 </a:highlight>
-                <a:latin typeface="Roboto"/>
+                <a:latin typeface="Times New Roman" panose="02020603050405020304" pitchFamily="18" charset="0"/>
                 <a:ea typeface="Roboto"/>
+                <a:cs typeface="Times New Roman" panose="02020603050405020304" pitchFamily="18" charset="0"/>
               </a:rPr>
               <a:t>INSURANCE_COVERAGE</a:t>
             </a:r>
           </a:p>
           <a:p>
+            <a:pPr algn="just"/>
             <a:r>
               <a:rPr lang="en-US" sz="2200" dirty="0">
                 <a:highlight>
                   <a:srgbClr val="FFFFFF"/>
                 </a:highlight>
-                <a:latin typeface="Roboto"/>
+                <a:latin typeface="Times New Roman" panose="02020603050405020304" pitchFamily="18" charset="0"/>
                 <a:ea typeface="Roboto"/>
+                <a:cs typeface="Times New Roman" panose="02020603050405020304" pitchFamily="18" charset="0"/>
               </a:rPr>
               <a:t>CUSTOMER_ID</a:t>
             </a:r>
           </a:p>
           <a:p>
+            <a:pPr algn="just"/>
             <a:r>
               <a:rPr lang="en-US" sz="2200" dirty="0">
                 <a:highlight>
                   <a:srgbClr val="FFFFFF"/>
                 </a:highlight>
-                <a:latin typeface="Roboto"/>
+                <a:latin typeface="Times New Roman" panose="02020603050405020304" pitchFamily="18" charset="0"/>
                 <a:ea typeface="Roboto"/>
+                <a:cs typeface="Times New Roman" panose="02020603050405020304" pitchFamily="18" charset="0"/>
               </a:rPr>
               <a:t>INSURANCE_ID</a:t>
             </a:r>
           </a:p>
           <a:p>
+            <a:pPr algn="just"/>
             <a:r>
               <a:rPr lang="en-US" sz="2200" dirty="0">
                 <a:highlight>
                   <a:srgbClr val="FFFFFF"/>
                 </a:highlight>
-                <a:latin typeface="Roboto"/>
+                <a:latin typeface="Times New Roman" panose="02020603050405020304" pitchFamily="18" charset="0"/>
                 <a:ea typeface="Roboto"/>
+                <a:cs typeface="Times New Roman" panose="02020603050405020304" pitchFamily="18" charset="0"/>
               </a:rPr>
               <a:t>INSURANCE_AVAIL_ID</a:t>
             </a:r>
-            <a:endParaRPr lang="en-US" sz="2200" dirty="0"/>
+            <a:endParaRPr lang="en-US" sz="2200" dirty="0">
+              <a:latin typeface="Times New Roman" panose="02020603050405020304" pitchFamily="18" charset="0"/>
+              <a:cs typeface="Times New Roman" panose="02020603050405020304" pitchFamily="18" charset="0"/>
+            </a:endParaRPr>
           </a:p>
         </p:txBody>
       </p:sp>
@@ -8854,7 +14441,7 @@
 </p:sld>
 </file>
 
-<file path=ppt/slides/slide5.xml><?xml version="1.0" encoding="utf-8"?>
+<file path=ppt/slides/slide7.xml><?xml version="1.0" encoding="utf-8"?>
 <p:sld xmlns:a="http://schemas.openxmlformats.org/drawingml/2006/main" xmlns:r="http://schemas.openxmlformats.org/officeDocument/2006/relationships" xmlns:p="http://schemas.openxmlformats.org/presentationml/2006/main">
   <p:cSld>
     <p:bg>
@@ -8881,379 +14468,7 @@
       </p:grpSpPr>
       <p:sp useBgFill="1">
         <p:nvSpPr>
-          <p:cNvPr id="30" name="Rectangle 29">
-            <a:extLst>
-              <a:ext uri="{FF2B5EF4-FFF2-40B4-BE49-F238E27FC236}">
-                <a16:creationId xmlns:a16="http://schemas.microsoft.com/office/drawing/2014/main" id="{BA79A7CF-01AF-4178-9369-94E0C90EB046}"/>
-              </a:ext>
-              <a:ext uri="{C183D7F6-B498-43B3-948B-1728B52AA6E4}">
-                <adec:decorative xmlns:adec="http://schemas.microsoft.com/office/drawing/2017/decorative" val="1"/>
-              </a:ext>
-            </a:extLst>
-          </p:cNvPr>
-          <p:cNvSpPr>
-            <a:spLocks noGrp="1" noRot="1" noChangeAspect="1" noMove="1" noResize="1" noEditPoints="1" noAdjustHandles="1" noChangeArrowheads="1" noChangeShapeType="1" noTextEdit="1"/>
-          </p:cNvSpPr>
-          <p:nvPr>
-            <p:extLst>
-              <p:ext uri="{386F3935-93C4-4BCD-93E2-E3B085C9AB24}">
-                <p16:designElem xmlns:p16="http://schemas.microsoft.com/office/powerpoint/2015/main" val="1"/>
-              </p:ext>
-            </p:extLst>
-          </p:nvPr>
-        </p:nvSpPr>
-        <p:spPr>
-          <a:xfrm>
-            <a:off x="0" y="0"/>
-            <a:ext cx="12191999" cy="6857365"/>
-          </a:xfrm>
-          <a:prstGeom prst="rect">
-            <a:avLst/>
-          </a:prstGeom>
-          <a:ln>
-            <a:noFill/>
-          </a:ln>
-        </p:spPr>
-        <p:style>
-          <a:lnRef idx="2">
-            <a:schemeClr val="accent1">
-              <a:shade val="50000"/>
-            </a:schemeClr>
-          </a:lnRef>
-          <a:fillRef idx="1">
-            <a:schemeClr val="accent1"/>
-          </a:fillRef>
-          <a:effectRef idx="0">
-            <a:schemeClr val="accent1"/>
-          </a:effectRef>
-          <a:fontRef idx="minor">
-            <a:schemeClr val="lt1"/>
-          </a:fontRef>
-        </p:style>
-        <p:txBody>
-          <a:bodyPr rtlCol="0" anchor="ctr"/>
-          <a:lstStyle/>
-          <a:p>
-            <a:pPr algn="ctr"/>
-            <a:endParaRPr lang="en-US"/>
-          </a:p>
-        </p:txBody>
-      </p:sp>
-      <p:sp>
-        <p:nvSpPr>
-          <p:cNvPr id="2" name="Title 1">
-            <a:extLst>
-              <a:ext uri="{FF2B5EF4-FFF2-40B4-BE49-F238E27FC236}">
-                <a16:creationId xmlns:a16="http://schemas.microsoft.com/office/drawing/2014/main" id="{18A13ECF-8C54-8F6B-C54C-3BCA237A5A68}"/>
-              </a:ext>
-            </a:extLst>
-          </p:cNvPr>
-          <p:cNvSpPr>
-            <a:spLocks noGrp="1"/>
-          </p:cNvSpPr>
-          <p:nvPr>
-            <p:ph type="title"/>
-          </p:nvPr>
-        </p:nvSpPr>
-        <p:spPr>
-          <a:xfrm>
-            <a:off x="9267909" y="2023110"/>
-            <a:ext cx="2622006" cy="2846070"/>
-          </a:xfrm>
-        </p:spPr>
-        <p:txBody>
-          <a:bodyPr vert="horz" lIns="91440" tIns="45720" rIns="91440" bIns="45720" rtlCol="0" anchor="ctr">
-            <a:normAutofit/>
-          </a:bodyPr>
-          <a:lstStyle/>
-          <a:p>
-            <a:r>
-              <a:rPr lang="en-US" sz="4800" kern="1200" dirty="0">
-                <a:solidFill>
-                  <a:schemeClr val="tx1"/>
-                </a:solidFill>
-                <a:latin typeface="+mj-lt"/>
-                <a:ea typeface="+mj-ea"/>
-                <a:cs typeface="+mj-cs"/>
-              </a:rPr>
-              <a:t>Data Flow Diagram</a:t>
-            </a:r>
-          </a:p>
-        </p:txBody>
-      </p:sp>
-      <p:sp>
-        <p:nvSpPr>
           <p:cNvPr id="32" name="Rectangle 31">
-            <a:extLst>
-              <a:ext uri="{FF2B5EF4-FFF2-40B4-BE49-F238E27FC236}">
-                <a16:creationId xmlns:a16="http://schemas.microsoft.com/office/drawing/2014/main" id="{99413ED5-9ED4-4772-BCE4-2BCAE6B12E35}"/>
-              </a:ext>
-              <a:ext uri="{C183D7F6-B498-43B3-948B-1728B52AA6E4}">
-                <adec:decorative xmlns:adec="http://schemas.microsoft.com/office/drawing/2017/decorative" val="1"/>
-              </a:ext>
-            </a:extLst>
-          </p:cNvPr>
-          <p:cNvSpPr>
-            <a:spLocks noGrp="1" noRot="1" noChangeAspect="1" noMove="1" noResize="1" noEditPoints="1" noAdjustHandles="1" noChangeArrowheads="1" noChangeShapeType="1" noTextEdit="1"/>
-          </p:cNvSpPr>
-          <p:nvPr>
-            <p:extLst>
-              <p:ext uri="{386F3935-93C4-4BCD-93E2-E3B085C9AB24}">
-                <p16:designElem xmlns:p16="http://schemas.microsoft.com/office/powerpoint/2015/main" val="1"/>
-              </p:ext>
-            </p:extLst>
-          </p:nvPr>
-        </p:nvSpPr>
-        <p:spPr>
-          <a:xfrm rot="16200000">
-            <a:off x="3433973" y="-827233"/>
-            <a:ext cx="1715478" cy="8583421"/>
-          </a:xfrm>
-          <a:prstGeom prst="rect">
-            <a:avLst/>
-          </a:prstGeom>
-          <a:solidFill>
-            <a:schemeClr val="accent4"/>
-          </a:solidFill>
-          <a:ln>
-            <a:noFill/>
-          </a:ln>
-        </p:spPr>
-        <p:style>
-          <a:lnRef idx="2">
-            <a:schemeClr val="accent1">
-              <a:shade val="50000"/>
-            </a:schemeClr>
-          </a:lnRef>
-          <a:fillRef idx="1">
-            <a:schemeClr val="accent1"/>
-          </a:fillRef>
-          <a:effectRef idx="0">
-            <a:schemeClr val="accent1"/>
-          </a:effectRef>
-          <a:fontRef idx="minor">
-            <a:schemeClr val="lt1"/>
-          </a:fontRef>
-        </p:style>
-        <p:txBody>
-          <a:bodyPr rtlCol="0" anchor="ctr"/>
-          <a:lstStyle/>
-          <a:p>
-            <a:pPr algn="ctr"/>
-            <a:endParaRPr lang="en-US" dirty="0"/>
-          </a:p>
-        </p:txBody>
-      </p:sp>
-      <p:sp>
-        <p:nvSpPr>
-          <p:cNvPr id="34" name="Rectangle 33">
-            <a:extLst>
-              <a:ext uri="{FF2B5EF4-FFF2-40B4-BE49-F238E27FC236}">
-                <a16:creationId xmlns:a16="http://schemas.microsoft.com/office/drawing/2014/main" id="{04357C93-F0CB-4A1C-8F77-4E9063789819}"/>
-              </a:ext>
-              <a:ext uri="{C183D7F6-B498-43B3-948B-1728B52AA6E4}">
-                <adec:decorative xmlns:adec="http://schemas.microsoft.com/office/drawing/2017/decorative" val="1"/>
-              </a:ext>
-            </a:extLst>
-          </p:cNvPr>
-          <p:cNvSpPr>
-            <a:spLocks noGrp="1" noRot="1" noChangeAspect="1" noMove="1" noResize="1" noEditPoints="1" noAdjustHandles="1" noChangeArrowheads="1" noChangeShapeType="1" noTextEdit="1"/>
-          </p:cNvSpPr>
-          <p:nvPr>
-            <p:extLst>
-              <p:ext uri="{386F3935-93C4-4BCD-93E2-E3B085C9AB24}">
-                <p16:designElem xmlns:p16="http://schemas.microsoft.com/office/powerpoint/2015/main" val="1"/>
-              </p:ext>
-            </p:extLst>
-          </p:nvPr>
-        </p:nvSpPr>
-        <p:spPr>
-          <a:xfrm>
-            <a:off x="302085" y="664308"/>
-            <a:ext cx="8082632" cy="5600340"/>
-          </a:xfrm>
-          <a:prstGeom prst="rect">
-            <a:avLst/>
-          </a:prstGeom>
-          <a:solidFill>
-            <a:schemeClr val="bg1"/>
-          </a:solidFill>
-          <a:ln>
-            <a:noFill/>
-          </a:ln>
-          <a:effectLst>
-            <a:outerShdw blurRad="139700" dist="127000" dir="5400000" algn="t" rotWithShape="0">
-              <a:prstClr val="black">
-                <a:alpha val="15000"/>
-              </a:prstClr>
-            </a:outerShdw>
-          </a:effectLst>
-        </p:spPr>
-        <p:style>
-          <a:lnRef idx="2">
-            <a:schemeClr val="accent1">
-              <a:shade val="50000"/>
-            </a:schemeClr>
-          </a:lnRef>
-          <a:fillRef idx="1">
-            <a:schemeClr val="accent1"/>
-          </a:fillRef>
-          <a:effectRef idx="0">
-            <a:schemeClr val="accent1"/>
-          </a:effectRef>
-          <a:fontRef idx="minor">
-            <a:schemeClr val="lt1"/>
-          </a:fontRef>
-        </p:style>
-        <p:txBody>
-          <a:bodyPr rtlCol="0" anchor="ctr"/>
-          <a:lstStyle/>
-          <a:p>
-            <a:pPr algn="ctr"/>
-            <a:endParaRPr lang="en-US"/>
-          </a:p>
-        </p:txBody>
-      </p:sp>
-      <p:pic>
-        <p:nvPicPr>
-          <p:cNvPr id="5" name="Picture 4" descr="A diagram of a flowchart&#10;&#10;Description automatically generated">
-            <a:extLst>
-              <a:ext uri="{FF2B5EF4-FFF2-40B4-BE49-F238E27FC236}">
-                <a16:creationId xmlns:a16="http://schemas.microsoft.com/office/drawing/2014/main" id="{84FBF44C-91E8-6861-E646-CD3FA8B7052E}"/>
-              </a:ext>
-            </a:extLst>
-          </p:cNvPr>
-          <p:cNvPicPr>
-            <a:picLocks noChangeAspect="1"/>
-          </p:cNvPicPr>
-          <p:nvPr/>
-        </p:nvPicPr>
-        <p:blipFill>
-          <a:blip r:embed="rId2">
-            <a:extLst>
-              <a:ext uri="{28A0092B-C50C-407E-A947-70E740481C1C}">
-                <a14:useLocalDpi xmlns:a14="http://schemas.microsoft.com/office/drawing/2010/main" val="0"/>
-              </a:ext>
-            </a:extLst>
-          </a:blip>
-          <a:stretch>
-            <a:fillRect/>
-          </a:stretch>
-        </p:blipFill>
-        <p:spPr>
-          <a:xfrm>
-            <a:off x="545238" y="1806592"/>
-            <a:ext cx="7608304" cy="3315771"/>
-          </a:xfrm>
-          <a:prstGeom prst="rect">
-            <a:avLst/>
-          </a:prstGeom>
-        </p:spPr>
-      </p:pic>
-      <p:sp>
-        <p:nvSpPr>
-          <p:cNvPr id="36" name="Rectangle 35">
-            <a:extLst>
-              <a:ext uri="{FF2B5EF4-FFF2-40B4-BE49-F238E27FC236}">
-                <a16:creationId xmlns:a16="http://schemas.microsoft.com/office/drawing/2014/main" id="{90F533E9-6690-41A8-A372-4C6C622D028D}"/>
-              </a:ext>
-              <a:ext uri="{C183D7F6-B498-43B3-948B-1728B52AA6E4}">
-                <adec:decorative xmlns:adec="http://schemas.microsoft.com/office/drawing/2017/decorative" val="1"/>
-              </a:ext>
-            </a:extLst>
-          </p:cNvPr>
-          <p:cNvSpPr>
-            <a:spLocks noGrp="1" noRot="1" noChangeAspect="1" noMove="1" noResize="1" noEditPoints="1" noAdjustHandles="1" noChangeArrowheads="1" noChangeShapeType="1" noTextEdit="1"/>
-          </p:cNvSpPr>
-          <p:nvPr>
-            <p:extLst>
-              <p:ext uri="{386F3935-93C4-4BCD-93E2-E3B085C9AB24}">
-                <p16:designElem xmlns:p16="http://schemas.microsoft.com/office/powerpoint/2015/main" val="1"/>
-              </p:ext>
-            </p:extLst>
-          </p:nvPr>
-        </p:nvSpPr>
-        <p:spPr>
-          <a:xfrm rot="5400000">
-            <a:off x="7950447" y="3392097"/>
-            <a:ext cx="1719072" cy="152382"/>
-          </a:xfrm>
-          <a:prstGeom prst="rect">
-            <a:avLst/>
-          </a:prstGeom>
-          <a:solidFill>
-            <a:schemeClr val="accent4"/>
-          </a:solidFill>
-          <a:ln>
-            <a:noFill/>
-          </a:ln>
-        </p:spPr>
-        <p:style>
-          <a:lnRef idx="2">
-            <a:schemeClr val="accent1">
-              <a:shade val="50000"/>
-            </a:schemeClr>
-          </a:lnRef>
-          <a:fillRef idx="1">
-            <a:schemeClr val="accent1"/>
-          </a:fillRef>
-          <a:effectRef idx="0">
-            <a:schemeClr val="accent1"/>
-          </a:effectRef>
-          <a:fontRef idx="minor">
-            <a:schemeClr val="lt1"/>
-          </a:fontRef>
-        </p:style>
-        <p:txBody>
-          <a:bodyPr rtlCol="0" anchor="ctr"/>
-          <a:lstStyle/>
-          <a:p>
-            <a:pPr algn="ctr"/>
-            <a:endParaRPr lang="en-US"/>
-          </a:p>
-        </p:txBody>
-      </p:sp>
-    </p:spTree>
-    <p:extLst>
-      <p:ext uri="{BB962C8B-B14F-4D97-AF65-F5344CB8AC3E}">
-        <p14:creationId xmlns:p14="http://schemas.microsoft.com/office/powerpoint/2010/main" val="924714743"/>
-      </p:ext>
-    </p:extLst>
-  </p:cSld>
-  <p:clrMapOvr>
-    <a:masterClrMapping/>
-  </p:clrMapOvr>
-</p:sld>
-</file>
-
-<file path=ppt/slides/slide6.xml><?xml version="1.0" encoding="utf-8"?>
-<p:sld xmlns:a="http://schemas.openxmlformats.org/drawingml/2006/main" xmlns:r="http://schemas.openxmlformats.org/officeDocument/2006/relationships" xmlns:p="http://schemas.openxmlformats.org/presentationml/2006/main">
-  <p:cSld>
-    <p:bg>
-      <p:bgPr>
-        <a:solidFill>
-          <a:schemeClr val="bg1"/>
-        </a:solidFill>
-        <a:effectLst/>
-      </p:bgPr>
-    </p:bg>
-    <p:spTree>
-      <p:nvGrpSpPr>
-        <p:cNvPr id="1" name=""/>
-        <p:cNvGrpSpPr/>
-        <p:nvPr/>
-      </p:nvGrpSpPr>
-      <p:grpSpPr>
-        <a:xfrm>
-          <a:off x="0" y="0"/>
-          <a:ext cx="0" cy="0"/>
-          <a:chOff x="0" y="0"/>
-          <a:chExt cx="0" cy="0"/>
-        </a:xfrm>
-      </p:grpSpPr>
-      <p:sp useBgFill="1">
-        <p:nvSpPr>
-          <p:cNvPr id="23" name="Rectangle 22">
             <a:extLst>
               <a:ext uri="{FF2B5EF4-FFF2-40B4-BE49-F238E27FC236}">
                 <a16:creationId xmlns:a16="http://schemas.microsoft.com/office/drawing/2014/main" id="{76906711-0AFB-47DD-A4B6-4E94B38B8C91}"/>
@@ -9313,7 +14528,7 @@
       </p:sp>
       <p:sp>
         <p:nvSpPr>
-          <p:cNvPr id="25" name="Freeform: Shape 24">
+          <p:cNvPr id="34" name="Freeform: Shape 33">
             <a:extLst>
               <a:ext uri="{FF2B5EF4-FFF2-40B4-BE49-F238E27FC236}">
                 <a16:creationId xmlns:a16="http://schemas.microsoft.com/office/drawing/2014/main" id="{AA91F649-894C-41F6-A21D-3D1AC558E934}"/>
@@ -9913,7 +15128,7 @@
       </p:sp>
       <p:sp>
         <p:nvSpPr>
-          <p:cNvPr id="27" name="sketch line">
+          <p:cNvPr id="36" name="sketch line">
             <a:extLst>
               <a:ext uri="{FF2B5EF4-FFF2-40B4-BE49-F238E27FC236}">
                 <a16:creationId xmlns:a16="http://schemas.microsoft.com/office/drawing/2014/main" id="{56037404-66BD-46B5-9323-1B531319671A}"/>
@@ -10256,10 +15471,10 @@
       </p:sp>
       <p:pic>
         <p:nvPicPr>
-          <p:cNvPr id="5" name="Picture 4" descr="A diagram of a bank&#10;&#10;Description automatically generated">
+          <p:cNvPr id="7" name="Picture 6" descr="A diagram of a software development process">
             <a:extLst>
               <a:ext uri="{FF2B5EF4-FFF2-40B4-BE49-F238E27FC236}">
-                <a16:creationId xmlns:a16="http://schemas.microsoft.com/office/drawing/2014/main" id="{433E9169-5628-2589-3DCA-2B71F04AA698}"/>
+                <a16:creationId xmlns:a16="http://schemas.microsoft.com/office/drawing/2014/main" id="{1CB85D33-6066-6B48-151A-C4A56067AC0B}"/>
               </a:ext>
             </a:extLst>
           </p:cNvPr>
@@ -10282,8 +15497,8 @@
         </p:blipFill>
         <p:spPr>
           <a:xfrm>
-            <a:off x="-2299" y="3243500"/>
-            <a:ext cx="12192000" cy="3223975"/>
+            <a:off x="-2299" y="3001428"/>
+            <a:ext cx="12192000" cy="3334184"/>
           </a:xfrm>
           <a:prstGeom prst="rect">
             <a:avLst/>
@@ -10303,7 +15518,7 @@
 </p:sld>
 </file>
 
-<file path=ppt/slides/slide7.xml><?xml version="1.0" encoding="utf-8"?>
+<file path=ppt/slides/slide8.xml><?xml version="1.0" encoding="utf-8"?>
 <p:sld xmlns:a="http://schemas.openxmlformats.org/drawingml/2006/main" xmlns:r="http://schemas.openxmlformats.org/officeDocument/2006/relationships" xmlns:p="http://schemas.openxmlformats.org/presentationml/2006/main">
   <p:cSld>
     <p:bg>
@@ -10330,10 +15545,10 @@
       </p:grpSpPr>
       <p:sp useBgFill="1">
         <p:nvSpPr>
-          <p:cNvPr id="9" name="Rectangle 8">
+          <p:cNvPr id="41" name="Rectangle 40">
             <a:extLst>
               <a:ext uri="{FF2B5EF4-FFF2-40B4-BE49-F238E27FC236}">
-                <a16:creationId xmlns:a16="http://schemas.microsoft.com/office/drawing/2014/main" id="{53B021B3-DE93-4AB7-8A18-CF5F1CED88B8}"/>
+                <a16:creationId xmlns:a16="http://schemas.microsoft.com/office/drawing/2014/main" id="{BCED4D40-4B67-4331-AC48-79B82B4A47D8}"/>
               </a:ext>
               <a:ext uri="{C183D7F6-B498-43B3-948B-1728B52AA6E4}">
                 <adec:decorative xmlns:adec="http://schemas.microsoft.com/office/drawing/2017/decorative" val="1"/>
@@ -10393,7 +15608,7 @@
           <p:cNvPr id="2" name="Title 1">
             <a:extLst>
               <a:ext uri="{FF2B5EF4-FFF2-40B4-BE49-F238E27FC236}">
-                <a16:creationId xmlns:a16="http://schemas.microsoft.com/office/drawing/2014/main" id="{8B2C9EB2-1CFC-C607-1E67-EC18336F78D0}"/>
+                <a16:creationId xmlns:a16="http://schemas.microsoft.com/office/drawing/2014/main" id="{18A13ECF-8C54-8F6B-C54C-3BCA237A5A68}"/>
               </a:ext>
             </a:extLst>
           </p:cNvPr>
@@ -10406,30 +15621,37 @@
         </p:nvSpPr>
         <p:spPr>
           <a:xfrm>
-            <a:off x="841248" y="256032"/>
-            <a:ext cx="10506456" cy="1014984"/>
+            <a:off x="638881" y="417576"/>
+            <a:ext cx="10909640" cy="1249394"/>
           </a:xfrm>
         </p:spPr>
         <p:txBody>
-          <a:bodyPr anchor="b">
+          <a:bodyPr vert="horz" lIns="91440" tIns="45720" rIns="91440" bIns="45720" rtlCol="0" anchor="ctr">
             <a:normAutofit/>
           </a:bodyPr>
           <a:lstStyle/>
           <a:p>
+            <a:pPr algn="ctr"/>
             <a:r>
-              <a:rPr lang="en-US"/>
-              <a:t>Links and Files</a:t>
+              <a:rPr lang="en-US" sz="6600" kern="1200">
+                <a:solidFill>
+                  <a:schemeClr val="tx1"/>
+                </a:solidFill>
+                <a:latin typeface="+mj-lt"/>
+                <a:ea typeface="+mj-ea"/>
+                <a:cs typeface="+mj-cs"/>
+              </a:rPr>
+              <a:t>Data Flow Diagram</a:t>
             </a:r>
-            <a:endParaRPr lang="en-IN" dirty="0"/>
           </a:p>
         </p:txBody>
       </p:sp>
       <p:sp>
         <p:nvSpPr>
-          <p:cNvPr id="11" name="Rectangle 10">
+          <p:cNvPr id="43" name="sketch line">
             <a:extLst>
               <a:ext uri="{FF2B5EF4-FFF2-40B4-BE49-F238E27FC236}">
-                <a16:creationId xmlns:a16="http://schemas.microsoft.com/office/drawing/2014/main" id="{52D502E5-F6B4-4D58-B4AE-FC466FF15EE8}"/>
+                <a16:creationId xmlns:a16="http://schemas.microsoft.com/office/drawing/2014/main" id="{670CEDEF-4F34-412E-84EE-329C1E936AF5}"/>
               </a:ext>
               <a:ext uri="{C183D7F6-B498-43B3-948B-1728B52AA6E4}">
                 <adec:decorative xmlns:adec="http://schemas.microsoft.com/office/drawing/2017/decorative" val="1"/>
@@ -10449,86 +15671,297 @@
         </p:nvSpPr>
         <p:spPr>
           <a:xfrm>
-            <a:off x="865953" y="1634502"/>
-            <a:ext cx="10451592" cy="18288"/>
+            <a:off x="3807702" y="1733454"/>
+            <a:ext cx="4572000" cy="18288"/>
           </a:xfrm>
-          <a:prstGeom prst="rect">
+          <a:custGeom>
             <a:avLst/>
-          </a:prstGeom>
-          <a:solidFill>
-            <a:srgbClr val="D5D5D5"/>
-          </a:solidFill>
-          <a:ln w="3175">
-            <a:noFill/>
-          </a:ln>
-          <a:effectLst/>
-        </p:spPr>
-        <p:style>
-          <a:lnRef idx="2">
-            <a:schemeClr val="accent1">
-              <a:shade val="50000"/>
-            </a:schemeClr>
-          </a:lnRef>
-          <a:fillRef idx="1">
-            <a:schemeClr val="accent1"/>
-          </a:fillRef>
-          <a:effectRef idx="0">
-            <a:schemeClr val="accent1"/>
-          </a:effectRef>
-          <a:fontRef idx="minor">
-            <a:schemeClr val="lt1"/>
-          </a:fontRef>
-        </p:style>
-        <p:txBody>
-          <a:bodyPr rtlCol="0" anchor="ctr"/>
-          <a:lstStyle/>
-          <a:p>
-            <a:pPr algn="ctr"/>
-            <a:endParaRPr lang="en-US">
-              <a:solidFill>
-                <a:prstClr val="white"/>
-              </a:solidFill>
-              <a:latin typeface="Calibri" panose="020F0502020204030204"/>
-            </a:endParaRPr>
-          </a:p>
-        </p:txBody>
-      </p:sp>
-      <p:sp>
-        <p:nvSpPr>
-          <p:cNvPr id="13" name="Rectangle 12">
-            <a:extLst>
-              <a:ext uri="{FF2B5EF4-FFF2-40B4-BE49-F238E27FC236}">
-                <a16:creationId xmlns:a16="http://schemas.microsoft.com/office/drawing/2014/main" id="{9DECDBF4-02B6-4BB4-B65B-B8107AD6A9E8}"/>
-              </a:ext>
-              <a:ext uri="{C183D7F6-B498-43B3-948B-1728B52AA6E4}">
-                <adec:decorative xmlns:adec="http://schemas.microsoft.com/office/drawing/2017/decorative" val="1"/>
-              </a:ext>
-            </a:extLst>
-          </p:cNvPr>
-          <p:cNvSpPr>
-            <a:spLocks noGrp="1" noRot="1" noChangeAspect="1" noMove="1" noResize="1" noEditPoints="1" noAdjustHandles="1" noChangeArrowheads="1" noChangeShapeType="1" noTextEdit="1"/>
-          </p:cNvSpPr>
-          <p:nvPr>
-            <p:extLst>
-              <p:ext uri="{386F3935-93C4-4BCD-93E2-E3B085C9AB24}">
-                <p16:designElem xmlns:p16="http://schemas.microsoft.com/office/powerpoint/2015/main" val="1"/>
-              </p:ext>
-            </p:extLst>
-          </p:nvPr>
-        </p:nvSpPr>
-        <p:spPr>
-          <a:xfrm flipV="1">
-            <a:off x="841248" y="1538176"/>
-            <a:ext cx="1873457" cy="109814"/>
-          </a:xfrm>
-          <a:prstGeom prst="rect">
-            <a:avLst/>
-          </a:prstGeom>
+            <a:gdLst>
+              <a:gd name="connsiteX0" fmla="*/ 0 w 4572000"/>
+              <a:gd name="connsiteY0" fmla="*/ 0 h 18288"/>
+              <a:gd name="connsiteX1" fmla="*/ 515983 w 4572000"/>
+              <a:gd name="connsiteY1" fmla="*/ 0 h 18288"/>
+              <a:gd name="connsiteX2" fmla="*/ 1031966 w 4572000"/>
+              <a:gd name="connsiteY2" fmla="*/ 0 h 18288"/>
+              <a:gd name="connsiteX3" fmla="*/ 1639389 w 4572000"/>
+              <a:gd name="connsiteY3" fmla="*/ 0 h 18288"/>
+              <a:gd name="connsiteX4" fmla="*/ 2383971 w 4572000"/>
+              <a:gd name="connsiteY4" fmla="*/ 0 h 18288"/>
+              <a:gd name="connsiteX5" fmla="*/ 2945674 w 4572000"/>
+              <a:gd name="connsiteY5" fmla="*/ 0 h 18288"/>
+              <a:gd name="connsiteX6" fmla="*/ 3507377 w 4572000"/>
+              <a:gd name="connsiteY6" fmla="*/ 0 h 18288"/>
+              <a:gd name="connsiteX7" fmla="*/ 4572000 w 4572000"/>
+              <a:gd name="connsiteY7" fmla="*/ 0 h 18288"/>
+              <a:gd name="connsiteX8" fmla="*/ 4572000 w 4572000"/>
+              <a:gd name="connsiteY8" fmla="*/ 18288 h 18288"/>
+              <a:gd name="connsiteX9" fmla="*/ 3873137 w 4572000"/>
+              <a:gd name="connsiteY9" fmla="*/ 18288 h 18288"/>
+              <a:gd name="connsiteX10" fmla="*/ 3311434 w 4572000"/>
+              <a:gd name="connsiteY10" fmla="*/ 18288 h 18288"/>
+              <a:gd name="connsiteX11" fmla="*/ 2749731 w 4572000"/>
+              <a:gd name="connsiteY11" fmla="*/ 18288 h 18288"/>
+              <a:gd name="connsiteX12" fmla="*/ 2050869 w 4572000"/>
+              <a:gd name="connsiteY12" fmla="*/ 18288 h 18288"/>
+              <a:gd name="connsiteX13" fmla="*/ 1306286 w 4572000"/>
+              <a:gd name="connsiteY13" fmla="*/ 18288 h 18288"/>
+              <a:gd name="connsiteX14" fmla="*/ 790303 w 4572000"/>
+              <a:gd name="connsiteY14" fmla="*/ 18288 h 18288"/>
+              <a:gd name="connsiteX15" fmla="*/ 0 w 4572000"/>
+              <a:gd name="connsiteY15" fmla="*/ 18288 h 18288"/>
+              <a:gd name="connsiteX16" fmla="*/ 0 w 4572000"/>
+              <a:gd name="connsiteY16" fmla="*/ 0 h 18288"/>
+            </a:gdLst>
+            <a:ahLst/>
+            <a:cxnLst>
+              <a:cxn ang="0">
+                <a:pos x="connsiteX0" y="connsiteY0"/>
+              </a:cxn>
+              <a:cxn ang="0">
+                <a:pos x="connsiteX1" y="connsiteY1"/>
+              </a:cxn>
+              <a:cxn ang="0">
+                <a:pos x="connsiteX2" y="connsiteY2"/>
+              </a:cxn>
+              <a:cxn ang="0">
+                <a:pos x="connsiteX3" y="connsiteY3"/>
+              </a:cxn>
+              <a:cxn ang="0">
+                <a:pos x="connsiteX4" y="connsiteY4"/>
+              </a:cxn>
+              <a:cxn ang="0">
+                <a:pos x="connsiteX5" y="connsiteY5"/>
+              </a:cxn>
+              <a:cxn ang="0">
+                <a:pos x="connsiteX6" y="connsiteY6"/>
+              </a:cxn>
+              <a:cxn ang="0">
+                <a:pos x="connsiteX7" y="connsiteY7"/>
+              </a:cxn>
+              <a:cxn ang="0">
+                <a:pos x="connsiteX8" y="connsiteY8"/>
+              </a:cxn>
+              <a:cxn ang="0">
+                <a:pos x="connsiteX9" y="connsiteY9"/>
+              </a:cxn>
+              <a:cxn ang="0">
+                <a:pos x="connsiteX10" y="connsiteY10"/>
+              </a:cxn>
+              <a:cxn ang="0">
+                <a:pos x="connsiteX11" y="connsiteY11"/>
+              </a:cxn>
+              <a:cxn ang="0">
+                <a:pos x="connsiteX12" y="connsiteY12"/>
+              </a:cxn>
+              <a:cxn ang="0">
+                <a:pos x="connsiteX13" y="connsiteY13"/>
+              </a:cxn>
+              <a:cxn ang="0">
+                <a:pos x="connsiteX14" y="connsiteY14"/>
+              </a:cxn>
+              <a:cxn ang="0">
+                <a:pos x="connsiteX15" y="connsiteY15"/>
+              </a:cxn>
+              <a:cxn ang="0">
+                <a:pos x="connsiteX16" y="connsiteY16"/>
+              </a:cxn>
+            </a:cxnLst>
+            <a:rect l="l" t="t" r="r" b="b"/>
+            <a:pathLst>
+              <a:path w="4572000" h="18288" fill="none" extrusionOk="0">
+                <a:moveTo>
+                  <a:pt x="0" y="0"/>
+                </a:moveTo>
+                <a:cubicBezTo>
+                  <a:pt x="105156" y="-20963"/>
+                  <a:pt x="340432" y="822"/>
+                  <a:pt x="515983" y="0"/>
+                </a:cubicBezTo>
+                <a:cubicBezTo>
+                  <a:pt x="691534" y="-822"/>
+                  <a:pt x="850679" y="16479"/>
+                  <a:pt x="1031966" y="0"/>
+                </a:cubicBezTo>
+                <a:cubicBezTo>
+                  <a:pt x="1213253" y="-16479"/>
+                  <a:pt x="1443646" y="-18730"/>
+                  <a:pt x="1639389" y="0"/>
+                </a:cubicBezTo>
+                <a:cubicBezTo>
+                  <a:pt x="1835132" y="18730"/>
+                  <a:pt x="2159975" y="18531"/>
+                  <a:pt x="2383971" y="0"/>
+                </a:cubicBezTo>
+                <a:cubicBezTo>
+                  <a:pt x="2607967" y="-18531"/>
+                  <a:pt x="2719096" y="-12030"/>
+                  <a:pt x="2945674" y="0"/>
+                </a:cubicBezTo>
+                <a:cubicBezTo>
+                  <a:pt x="3172252" y="12030"/>
+                  <a:pt x="3269167" y="27666"/>
+                  <a:pt x="3507377" y="0"/>
+                </a:cubicBezTo>
+                <a:cubicBezTo>
+                  <a:pt x="3745587" y="-27666"/>
+                  <a:pt x="4116741" y="18705"/>
+                  <a:pt x="4572000" y="0"/>
+                </a:cubicBezTo>
+                <a:cubicBezTo>
+                  <a:pt x="4572895" y="8974"/>
+                  <a:pt x="4571454" y="9359"/>
+                  <a:pt x="4572000" y="18288"/>
+                </a:cubicBezTo>
+                <a:cubicBezTo>
+                  <a:pt x="4374698" y="3942"/>
+                  <a:pt x="4098874" y="-11042"/>
+                  <a:pt x="3873137" y="18288"/>
+                </a:cubicBezTo>
+                <a:cubicBezTo>
+                  <a:pt x="3647400" y="47618"/>
+                  <a:pt x="3517055" y="5421"/>
+                  <a:pt x="3311434" y="18288"/>
+                </a:cubicBezTo>
+                <a:cubicBezTo>
+                  <a:pt x="3105813" y="31155"/>
+                  <a:pt x="3025168" y="17856"/>
+                  <a:pt x="2749731" y="18288"/>
+                </a:cubicBezTo>
+                <a:cubicBezTo>
+                  <a:pt x="2474294" y="18720"/>
+                  <a:pt x="2291766" y="-14168"/>
+                  <a:pt x="2050869" y="18288"/>
+                </a:cubicBezTo>
+                <a:cubicBezTo>
+                  <a:pt x="1809972" y="50744"/>
+                  <a:pt x="1540276" y="46798"/>
+                  <a:pt x="1306286" y="18288"/>
+                </a:cubicBezTo>
+                <a:cubicBezTo>
+                  <a:pt x="1072296" y="-10222"/>
+                  <a:pt x="972445" y="19645"/>
+                  <a:pt x="790303" y="18288"/>
+                </a:cubicBezTo>
+                <a:cubicBezTo>
+                  <a:pt x="608161" y="16931"/>
+                  <a:pt x="200981" y="8241"/>
+                  <a:pt x="0" y="18288"/>
+                </a:cubicBezTo>
+                <a:cubicBezTo>
+                  <a:pt x="-229" y="14222"/>
+                  <a:pt x="509" y="5816"/>
+                  <a:pt x="0" y="0"/>
+                </a:cubicBezTo>
+                <a:close/>
+              </a:path>
+              <a:path w="4572000" h="18288" stroke="0" extrusionOk="0">
+                <a:moveTo>
+                  <a:pt x="0" y="0"/>
+                </a:moveTo>
+                <a:cubicBezTo>
+                  <a:pt x="143285" y="-9565"/>
+                  <a:pt x="327959" y="-11498"/>
+                  <a:pt x="561703" y="0"/>
+                </a:cubicBezTo>
+                <a:cubicBezTo>
+                  <a:pt x="795447" y="11498"/>
+                  <a:pt x="838260" y="18255"/>
+                  <a:pt x="1077686" y="0"/>
+                </a:cubicBezTo>
+                <a:cubicBezTo>
+                  <a:pt x="1317112" y="-18255"/>
+                  <a:pt x="1437472" y="23514"/>
+                  <a:pt x="1639389" y="0"/>
+                </a:cubicBezTo>
+                <a:cubicBezTo>
+                  <a:pt x="1841306" y="-23514"/>
+                  <a:pt x="2037142" y="-12551"/>
+                  <a:pt x="2292531" y="0"/>
+                </a:cubicBezTo>
+                <a:cubicBezTo>
+                  <a:pt x="2547920" y="12551"/>
+                  <a:pt x="2810436" y="-20352"/>
+                  <a:pt x="2991394" y="0"/>
+                </a:cubicBezTo>
+                <a:cubicBezTo>
+                  <a:pt x="3172352" y="20352"/>
+                  <a:pt x="3530025" y="-13347"/>
+                  <a:pt x="3735977" y="0"/>
+                </a:cubicBezTo>
+                <a:cubicBezTo>
+                  <a:pt x="3941929" y="13347"/>
+                  <a:pt x="4161497" y="34086"/>
+                  <a:pt x="4572000" y="0"/>
+                </a:cubicBezTo>
+                <a:cubicBezTo>
+                  <a:pt x="4571545" y="6162"/>
+                  <a:pt x="4571903" y="11775"/>
+                  <a:pt x="4572000" y="18288"/>
+                </a:cubicBezTo>
+                <a:cubicBezTo>
+                  <a:pt x="4228040" y="36490"/>
+                  <a:pt x="4199736" y="42557"/>
+                  <a:pt x="3873137" y="18288"/>
+                </a:cubicBezTo>
+                <a:cubicBezTo>
+                  <a:pt x="3546538" y="-5981"/>
+                  <a:pt x="3472124" y="16809"/>
+                  <a:pt x="3128554" y="18288"/>
+                </a:cubicBezTo>
+                <a:cubicBezTo>
+                  <a:pt x="2784984" y="19767"/>
+                  <a:pt x="2735896" y="-17781"/>
+                  <a:pt x="2383971" y="18288"/>
+                </a:cubicBezTo>
+                <a:cubicBezTo>
+                  <a:pt x="2032046" y="54357"/>
+                  <a:pt x="2019324" y="2920"/>
+                  <a:pt x="1867989" y="18288"/>
+                </a:cubicBezTo>
+                <a:cubicBezTo>
+                  <a:pt x="1716654" y="33656"/>
+                  <a:pt x="1418675" y="32575"/>
+                  <a:pt x="1169126" y="18288"/>
+                </a:cubicBezTo>
+                <a:cubicBezTo>
+                  <a:pt x="919577" y="4001"/>
+                  <a:pt x="798537" y="16165"/>
+                  <a:pt x="561703" y="18288"/>
+                </a:cubicBezTo>
+                <a:cubicBezTo>
+                  <a:pt x="324869" y="20411"/>
+                  <a:pt x="221395" y="-912"/>
+                  <a:pt x="0" y="18288"/>
+                </a:cubicBezTo>
+                <a:cubicBezTo>
+                  <a:pt x="766" y="10800"/>
+                  <a:pt x="-457" y="8180"/>
+                  <a:pt x="0" y="0"/>
+                </a:cubicBezTo>
+                <a:close/>
+              </a:path>
+            </a:pathLst>
+          </a:custGeom>
           <a:solidFill>
             <a:schemeClr val="accent2"/>
           </a:solidFill>
-          <a:ln>
-            <a:noFill/>
+          <a:ln w="41275" cap="rnd">
+            <a:solidFill>
+              <a:schemeClr val="accent2"/>
+            </a:solidFill>
+            <a:round/>
+            <a:extLst>
+              <a:ext uri="{C807C97D-BFC1-408E-A445-0C87EB9F89A2}">
+                <ask:lineSketchStyleProps xmlns:ask="http://schemas.microsoft.com/office/drawing/2018/sketchyshapes" sd="2727557108">
+                  <a:prstGeom prst="rect">
+                    <a:avLst/>
+                  </a:prstGeom>
+                  <ask:type>
+                    <ask:lineSketchFreehand/>
+                  </ask:type>
+                </ask:lineSketchStyleProps>
+              </a:ext>
+            </a:extLst>
           </a:ln>
         </p:spPr>
         <p:style>
@@ -10552,50 +15985,50 @@
           <a:lstStyle/>
           <a:p>
             <a:pPr algn="ctr"/>
-            <a:endParaRPr lang="en-US">
-              <a:solidFill>
-                <a:prstClr val="white"/>
-              </a:solidFill>
-              <a:latin typeface="Calibri" panose="020F0502020204030204"/>
-            </a:endParaRPr>
+            <a:endParaRPr lang="en-US"/>
           </a:p>
         </p:txBody>
       </p:sp>
-      <p:graphicFrame>
-        <p:nvGraphicFramePr>
-          <p:cNvPr id="5" name="Content Placeholder 2">
+      <p:pic>
+        <p:nvPicPr>
+          <p:cNvPr id="5" name="Picture 4" descr="A diagram of a flowchart&#10;&#10;Description automatically generated">
             <a:extLst>
               <a:ext uri="{FF2B5EF4-FFF2-40B4-BE49-F238E27FC236}">
-                <a16:creationId xmlns:a16="http://schemas.microsoft.com/office/drawing/2014/main" id="{301F2C22-06C7-B1B6-4003-D15A67DEC062}"/>
+                <a16:creationId xmlns:a16="http://schemas.microsoft.com/office/drawing/2014/main" id="{84FBF44C-91E8-6861-E646-CD3FA8B7052E}"/>
               </a:ext>
             </a:extLst>
           </p:cNvPr>
-          <p:cNvGraphicFramePr>
-            <a:graphicFrameLocks noGrp="1"/>
-          </p:cNvGraphicFramePr>
-          <p:nvPr>
-            <p:ph idx="1"/>
-            <p:extLst>
-              <p:ext uri="{D42A27DB-BD31-4B8C-83A1-F6EECF244321}">
-                <p14:modId xmlns:p14="http://schemas.microsoft.com/office/powerpoint/2010/main" val="1763201118"/>
-              </p:ext>
-            </p:extLst>
-          </p:nvPr>
-        </p:nvGraphicFramePr>
-        <p:xfrm>
-          <a:off x="838200" y="1926266"/>
-          <a:ext cx="10515600" cy="4357524"/>
-        </p:xfrm>
-        <a:graphic>
-          <a:graphicData uri="http://schemas.openxmlformats.org/drawingml/2006/diagram">
-            <dgm:relIds xmlns:dgm="http://schemas.openxmlformats.org/drawingml/2006/diagram" xmlns:r="http://schemas.openxmlformats.org/officeDocument/2006/relationships" r:dm="rId2" r:lo="rId3" r:qs="rId4" r:cs="rId5"/>
-          </a:graphicData>
-        </a:graphic>
-      </p:graphicFrame>
+          <p:cNvPicPr>
+            <a:picLocks noChangeAspect="1"/>
+          </p:cNvPicPr>
+          <p:nvPr/>
+        </p:nvPicPr>
+        <p:blipFill>
+          <a:blip r:embed="rId2">
+            <a:extLst>
+              <a:ext uri="{28A0092B-C50C-407E-A947-70E740481C1C}">
+                <a14:useLocalDpi xmlns:a14="http://schemas.microsoft.com/office/drawing/2010/main" val="0"/>
+              </a:ext>
+            </a:extLst>
+          </a:blip>
+          <a:stretch>
+            <a:fillRect/>
+          </a:stretch>
+        </p:blipFill>
+        <p:spPr>
+          <a:xfrm>
+            <a:off x="558978" y="2084546"/>
+            <a:ext cx="10909640" cy="4754525"/>
+          </a:xfrm>
+          <a:prstGeom prst="rect">
+            <a:avLst/>
+          </a:prstGeom>
+        </p:spPr>
+      </p:pic>
     </p:spTree>
     <p:extLst>
       <p:ext uri="{BB962C8B-B14F-4D97-AF65-F5344CB8AC3E}">
-        <p14:creationId xmlns:p14="http://schemas.microsoft.com/office/powerpoint/2010/main" val="2937602630"/>
+        <p14:creationId xmlns:p14="http://schemas.microsoft.com/office/powerpoint/2010/main" val="924714743"/>
       </p:ext>
     </p:extLst>
   </p:cSld>
@@ -10605,7 +16038,7 @@
 </p:sld>
 </file>
 
-<file path=ppt/slides/slide8.xml><?xml version="1.0" encoding="utf-8"?>
+<file path=ppt/slides/slide9.xml><?xml version="1.0" encoding="utf-8"?>
 <p:sld xmlns:a="http://schemas.openxmlformats.org/drawingml/2006/main" xmlns:r="http://schemas.openxmlformats.org/officeDocument/2006/relationships" xmlns:p="http://schemas.openxmlformats.org/presentationml/2006/main">
   <p:cSld>
     <p:bg>
@@ -10632,10 +16065,10 @@
       </p:grpSpPr>
       <p:sp useBgFill="1">
         <p:nvSpPr>
-          <p:cNvPr id="38" name="Rectangle 37">
+          <p:cNvPr id="28" name="Rectangle 27">
             <a:extLst>
               <a:ext uri="{FF2B5EF4-FFF2-40B4-BE49-F238E27FC236}">
-                <a16:creationId xmlns:a16="http://schemas.microsoft.com/office/drawing/2014/main" id="{7B831B6F-405A-4B47-B9BB-5CA88F285844}"/>
+                <a16:creationId xmlns:a16="http://schemas.microsoft.com/office/drawing/2014/main" id="{DCC231C8-C761-4B31-9B1C-C6D19248C6B3}"/>
               </a:ext>
               <a:ext uri="{C183D7F6-B498-43B3-948B-1728B52AA6E4}">
                 <adec:decorative xmlns:adec="http://schemas.microsoft.com/office/drawing/2017/decorative" val="1"/>
@@ -10655,8 +16088,8 @@
         </p:nvSpPr>
         <p:spPr>
           <a:xfrm>
-            <a:off x="0" y="0"/>
-            <a:ext cx="12192000" cy="6858000"/>
+            <a:off x="-1" y="0"/>
+            <a:ext cx="12188952" cy="6858000"/>
           </a:xfrm>
           <a:prstGeom prst="rect">
             <a:avLst/>
@@ -10690,340 +16123,12 @@
           </a:p>
         </p:txBody>
       </p:sp>
-      <p:pic>
-        <p:nvPicPr>
-          <p:cNvPr id="7" name="Graphic 6" descr="Lollipop">
-            <a:extLst>
-              <a:ext uri="{FF2B5EF4-FFF2-40B4-BE49-F238E27FC236}">
-                <a16:creationId xmlns:a16="http://schemas.microsoft.com/office/drawing/2014/main" id="{A68818E0-7D3F-66E9-F6D4-5E50B247B194}"/>
-              </a:ext>
-            </a:extLst>
-          </p:cNvPr>
-          <p:cNvPicPr>
-            <a:picLocks noChangeAspect="1"/>
-          </p:cNvPicPr>
-          <p:nvPr/>
-        </p:nvPicPr>
-        <p:blipFill>
-          <a:blip r:embed="rId2">
-            <a:extLst>
-              <a:ext uri="{28A0092B-C50C-407E-A947-70E740481C1C}">
-                <a14:useLocalDpi xmlns:a14="http://schemas.microsoft.com/office/drawing/2010/main" val="0"/>
-              </a:ext>
-              <a:ext uri="{96DAC541-7B7A-43D3-8B79-37D633B846F1}">
-                <asvg:svgBlip xmlns:asvg="http://schemas.microsoft.com/office/drawing/2016/SVG/main" r:embed="rId3"/>
-              </a:ext>
-            </a:extLst>
-          </a:blip>
-          <a:stretch>
-            <a:fillRect/>
-          </a:stretch>
-        </p:blipFill>
-        <p:spPr>
-          <a:xfrm>
-            <a:off x="764988" y="1744515"/>
-            <a:ext cx="3368969" cy="3368969"/>
-          </a:xfrm>
-          <a:prstGeom prst="rect">
-            <a:avLst/>
-          </a:prstGeom>
-        </p:spPr>
-      </p:pic>
-      <p:sp>
-        <p:nvSpPr>
-          <p:cNvPr id="39" name="Freeform: Shape 38">
-            <a:extLst>
-              <a:ext uri="{FF2B5EF4-FFF2-40B4-BE49-F238E27FC236}">
-                <a16:creationId xmlns:a16="http://schemas.microsoft.com/office/drawing/2014/main" id="{15109354-9C5D-4F8C-B0E6-D1043C7BF20A}"/>
-              </a:ext>
-              <a:ext uri="{C183D7F6-B498-43B3-948B-1728B52AA6E4}">
-                <adec:decorative xmlns:adec="http://schemas.microsoft.com/office/drawing/2017/decorative" val="1"/>
-              </a:ext>
-            </a:extLst>
-          </p:cNvPr>
-          <p:cNvSpPr>
-            <a:spLocks noGrp="1" noRot="1" noChangeAspect="1" noMove="1" noResize="1" noEditPoints="1" noAdjustHandles="1" noChangeArrowheads="1" noChangeShapeType="1" noTextEdit="1"/>
-          </p:cNvSpPr>
-          <p:nvPr>
-            <p:extLst>
-              <p:ext uri="{386F3935-93C4-4BCD-93E2-E3B085C9AB24}">
-                <p16:designElem xmlns:p16="http://schemas.microsoft.com/office/powerpoint/2015/main" val="1"/>
-              </p:ext>
-            </p:extLst>
-          </p:nvPr>
-        </p:nvSpPr>
-        <p:spPr>
-          <a:xfrm>
-            <a:off x="4629992" y="0"/>
-            <a:ext cx="7562008" cy="6858000"/>
-          </a:xfrm>
-          <a:custGeom>
-            <a:avLst/>
-            <a:gdLst>
-              <a:gd name="connsiteX0" fmla="*/ 7529613 w 7529613"/>
-              <a:gd name="connsiteY0" fmla="*/ 0 h 6858000"/>
-              <a:gd name="connsiteX1" fmla="*/ 1222331 w 7529613"/>
-              <a:gd name="connsiteY1" fmla="*/ 0 h 6858000"/>
-              <a:gd name="connsiteX2" fmla="*/ 1126483 w 7529613"/>
-              <a:gd name="connsiteY2" fmla="*/ 148742 h 6858000"/>
-              <a:gd name="connsiteX3" fmla="*/ 767554 w 7529613"/>
-              <a:gd name="connsiteY3" fmla="*/ 819975 h 6858000"/>
-              <a:gd name="connsiteX4" fmla="*/ 742103 w 7529613"/>
-              <a:gd name="connsiteY4" fmla="*/ 854514 h 6858000"/>
-              <a:gd name="connsiteX5" fmla="*/ 785881 w 7529613"/>
-              <a:gd name="connsiteY5" fmla="*/ 750263 h 6858000"/>
-              <a:gd name="connsiteX6" fmla="*/ 978978 w 7529613"/>
-              <a:gd name="connsiteY6" fmla="*/ 331786 h 6858000"/>
-              <a:gd name="connsiteX7" fmla="*/ 1155717 w 7529613"/>
-              <a:gd name="connsiteY7" fmla="*/ 0 h 6858000"/>
-              <a:gd name="connsiteX8" fmla="*/ 1098249 w 7529613"/>
-              <a:gd name="connsiteY8" fmla="*/ 0 h 6858000"/>
-              <a:gd name="connsiteX9" fmla="*/ 991458 w 7529613"/>
-              <a:gd name="connsiteY9" fmla="*/ 196614 h 6858000"/>
-              <a:gd name="connsiteX10" fmla="*/ 493941 w 7529613"/>
-              <a:gd name="connsiteY10" fmla="*/ 1371196 h 6858000"/>
-              <a:gd name="connsiteX11" fmla="*/ 46485 w 7529613"/>
-              <a:gd name="connsiteY11" fmla="*/ 3331516 h 6858000"/>
-              <a:gd name="connsiteX12" fmla="*/ 12252 w 7529613"/>
-              <a:gd name="connsiteY12" fmla="*/ 4357388 h 6858000"/>
-              <a:gd name="connsiteX13" fmla="*/ 170821 w 7529613"/>
-              <a:gd name="connsiteY13" fmla="*/ 5552906 h 6858000"/>
-              <a:gd name="connsiteX14" fmla="*/ 537265 w 7529613"/>
-              <a:gd name="connsiteY14" fmla="*/ 6828295 h 6858000"/>
-              <a:gd name="connsiteX15" fmla="*/ 549692 w 7529613"/>
-              <a:gd name="connsiteY15" fmla="*/ 6858000 h 6858000"/>
-              <a:gd name="connsiteX16" fmla="*/ 602234 w 7529613"/>
-              <a:gd name="connsiteY16" fmla="*/ 6858000 h 6858000"/>
-              <a:gd name="connsiteX17" fmla="*/ 595414 w 7529613"/>
-              <a:gd name="connsiteY17" fmla="*/ 6841549 h 6858000"/>
-              <a:gd name="connsiteX18" fmla="*/ 364260 w 7529613"/>
-              <a:gd name="connsiteY18" fmla="*/ 6142729 h 6858000"/>
-              <a:gd name="connsiteX19" fmla="*/ 213071 w 7529613"/>
-              <a:gd name="connsiteY19" fmla="*/ 5513923 h 6858000"/>
-              <a:gd name="connsiteX20" fmla="*/ 211290 w 7529613"/>
-              <a:gd name="connsiteY20" fmla="*/ 5480401 h 6858000"/>
-              <a:gd name="connsiteX21" fmla="*/ 311446 w 7529613"/>
-              <a:gd name="connsiteY21" fmla="*/ 5830359 h 6858000"/>
-              <a:gd name="connsiteX22" fmla="*/ 622963 w 7529613"/>
-              <a:gd name="connsiteY22" fmla="*/ 6670527 h 6858000"/>
-              <a:gd name="connsiteX23" fmla="*/ 710464 w 7529613"/>
-              <a:gd name="connsiteY23" fmla="*/ 6858000 h 6858000"/>
-              <a:gd name="connsiteX24" fmla="*/ 7529613 w 7529613"/>
-              <a:gd name="connsiteY24" fmla="*/ 6858000 h 6858000"/>
-            </a:gdLst>
-            <a:ahLst/>
-            <a:cxnLst>
-              <a:cxn ang="0">
-                <a:pos x="connsiteX0" y="connsiteY0"/>
-              </a:cxn>
-              <a:cxn ang="0">
-                <a:pos x="connsiteX1" y="connsiteY1"/>
-              </a:cxn>
-              <a:cxn ang="0">
-                <a:pos x="connsiteX2" y="connsiteY2"/>
-              </a:cxn>
-              <a:cxn ang="0">
-                <a:pos x="connsiteX3" y="connsiteY3"/>
-              </a:cxn>
-              <a:cxn ang="0">
-                <a:pos x="connsiteX4" y="connsiteY4"/>
-              </a:cxn>
-              <a:cxn ang="0">
-                <a:pos x="connsiteX5" y="connsiteY5"/>
-              </a:cxn>
-              <a:cxn ang="0">
-                <a:pos x="connsiteX6" y="connsiteY6"/>
-              </a:cxn>
-              <a:cxn ang="0">
-                <a:pos x="connsiteX7" y="connsiteY7"/>
-              </a:cxn>
-              <a:cxn ang="0">
-                <a:pos x="connsiteX8" y="connsiteY8"/>
-              </a:cxn>
-              <a:cxn ang="0">
-                <a:pos x="connsiteX9" y="connsiteY9"/>
-              </a:cxn>
-              <a:cxn ang="0">
-                <a:pos x="connsiteX10" y="connsiteY10"/>
-              </a:cxn>
-              <a:cxn ang="0">
-                <a:pos x="connsiteX11" y="connsiteY11"/>
-              </a:cxn>
-              <a:cxn ang="0">
-                <a:pos x="connsiteX12" y="connsiteY12"/>
-              </a:cxn>
-              <a:cxn ang="0">
-                <a:pos x="connsiteX13" y="connsiteY13"/>
-              </a:cxn>
-              <a:cxn ang="0">
-                <a:pos x="connsiteX14" y="connsiteY14"/>
-              </a:cxn>
-              <a:cxn ang="0">
-                <a:pos x="connsiteX15" y="connsiteY15"/>
-              </a:cxn>
-              <a:cxn ang="0">
-                <a:pos x="connsiteX16" y="connsiteY16"/>
-              </a:cxn>
-              <a:cxn ang="0">
-                <a:pos x="connsiteX17" y="connsiteY17"/>
-              </a:cxn>
-              <a:cxn ang="0">
-                <a:pos x="connsiteX18" y="connsiteY18"/>
-              </a:cxn>
-              <a:cxn ang="0">
-                <a:pos x="connsiteX19" y="connsiteY19"/>
-              </a:cxn>
-              <a:cxn ang="0">
-                <a:pos x="connsiteX20" y="connsiteY20"/>
-              </a:cxn>
-              <a:cxn ang="0">
-                <a:pos x="connsiteX21" y="connsiteY21"/>
-              </a:cxn>
-              <a:cxn ang="0">
-                <a:pos x="connsiteX22" y="connsiteY22"/>
-              </a:cxn>
-              <a:cxn ang="0">
-                <a:pos x="connsiteX23" y="connsiteY23"/>
-              </a:cxn>
-              <a:cxn ang="0">
-                <a:pos x="connsiteX24" y="connsiteY24"/>
-              </a:cxn>
-            </a:cxnLst>
-            <a:rect l="l" t="t" r="r" b="b"/>
-            <a:pathLst>
-              <a:path w="7529613" h="6858000">
-                <a:moveTo>
-                  <a:pt x="7529613" y="0"/>
-                </a:moveTo>
-                <a:lnTo>
-                  <a:pt x="1222331" y="0"/>
-                </a:lnTo>
-                <a:lnTo>
-                  <a:pt x="1126483" y="148742"/>
-                </a:lnTo>
-                <a:cubicBezTo>
-                  <a:pt x="995323" y="365513"/>
-                  <a:pt x="876174" y="589569"/>
-                  <a:pt x="767554" y="819975"/>
-                </a:cubicBezTo>
-                <a:cubicBezTo>
-                  <a:pt x="762210" y="833492"/>
-                  <a:pt x="753441" y="845393"/>
-                  <a:pt x="742103" y="854514"/>
-                </a:cubicBezTo>
-                <a:cubicBezTo>
-                  <a:pt x="756737" y="819849"/>
-                  <a:pt x="770991" y="784928"/>
-                  <a:pt x="785881" y="750263"/>
-                </a:cubicBezTo>
-                <a:cubicBezTo>
-                  <a:pt x="846713" y="608712"/>
-                  <a:pt x="910948" y="469145"/>
-                  <a:pt x="978978" y="331786"/>
-                </a:cubicBezTo>
-                <a:lnTo>
-                  <a:pt x="1155717" y="0"/>
-                </a:lnTo>
-                <a:lnTo>
-                  <a:pt x="1098249" y="0"/>
-                </a:lnTo>
-                <a:lnTo>
-                  <a:pt x="991458" y="196614"/>
-                </a:lnTo>
-                <a:cubicBezTo>
-                  <a:pt x="797017" y="573253"/>
-                  <a:pt x="633548" y="966066"/>
-                  <a:pt x="493941" y="1371196"/>
-                </a:cubicBezTo>
-                <a:cubicBezTo>
-                  <a:pt x="276630" y="2007265"/>
-                  <a:pt x="126659" y="2664286"/>
-                  <a:pt x="46485" y="3331516"/>
-                </a:cubicBezTo>
-                <a:cubicBezTo>
-                  <a:pt x="4488" y="3672965"/>
-                  <a:pt x="-14219" y="4013908"/>
-                  <a:pt x="12252" y="4357388"/>
-                </a:cubicBezTo>
-                <a:cubicBezTo>
-                  <a:pt x="43558" y="4758899"/>
-                  <a:pt x="90773" y="5157998"/>
-                  <a:pt x="170821" y="5552906"/>
-                </a:cubicBezTo>
-                <a:cubicBezTo>
-                  <a:pt x="259109" y="5988893"/>
-                  <a:pt x="378967" y="6414594"/>
-                  <a:pt x="537265" y="6828295"/>
-                </a:cubicBezTo>
-                <a:lnTo>
-                  <a:pt x="549692" y="6858000"/>
-                </a:lnTo>
-                <a:lnTo>
-                  <a:pt x="602234" y="6858000"/>
-                </a:lnTo>
-                <a:lnTo>
-                  <a:pt x="595414" y="6841549"/>
-                </a:lnTo>
-                <a:cubicBezTo>
-                  <a:pt x="507884" y="6614016"/>
-                  <a:pt x="431296" y="6380817"/>
-                  <a:pt x="364260" y="6142729"/>
-                </a:cubicBezTo>
-                <a:cubicBezTo>
-                  <a:pt x="305974" y="5935370"/>
-                  <a:pt x="262958" y="5723695"/>
-                  <a:pt x="213071" y="5513923"/>
-                </a:cubicBezTo>
-                <a:cubicBezTo>
-                  <a:pt x="211892" y="5502788"/>
-                  <a:pt x="211299" y="5491601"/>
-                  <a:pt x="211290" y="5480401"/>
-                </a:cubicBezTo>
-                <a:cubicBezTo>
-                  <a:pt x="247814" y="5607635"/>
-                  <a:pt x="276958" y="5719759"/>
-                  <a:pt x="311446" y="5830359"/>
-                </a:cubicBezTo>
-                <a:cubicBezTo>
-                  <a:pt x="401357" y="6118381"/>
-                  <a:pt x="505060" y="6398531"/>
-                  <a:pt x="622963" y="6670527"/>
-                </a:cubicBezTo>
-                <a:lnTo>
-                  <a:pt x="710464" y="6858000"/>
-                </a:lnTo>
-                <a:lnTo>
-                  <a:pt x="7529613" y="6858000"/>
-                </a:lnTo>
-                <a:close/>
-              </a:path>
-            </a:pathLst>
-          </a:custGeom>
-          <a:solidFill>
-            <a:schemeClr val="accent2"/>
-          </a:solidFill>
-          <a:ln w="6857" cap="flat">
-            <a:noFill/>
-            <a:prstDash val="solid"/>
-            <a:miter/>
-          </a:ln>
-        </p:spPr>
-        <p:txBody>
-          <a:bodyPr wrap="square" rtlCol="0" anchor="ctr">
-            <a:noAutofit/>
-          </a:bodyPr>
-          <a:lstStyle/>
-          <a:p>
-            <a:endParaRPr lang="en-US"/>
-          </a:p>
-        </p:txBody>
-      </p:sp>
       <p:sp>
         <p:nvSpPr>
           <p:cNvPr id="2" name="Title 1">
             <a:extLst>
               <a:ext uri="{FF2B5EF4-FFF2-40B4-BE49-F238E27FC236}">
-                <a16:creationId xmlns:a16="http://schemas.microsoft.com/office/drawing/2014/main" id="{90E6DE97-5E5D-4A89-29C3-7F44929BEEFC}"/>
+                <a16:creationId xmlns:a16="http://schemas.microsoft.com/office/drawing/2014/main" id="{8B2C9EB2-1CFC-C607-1E67-EC18336F78D0}"/>
               </a:ext>
             </a:extLst>
           </p:cNvPr>
@@ -11036,443 +16141,59 @@
         </p:nvSpPr>
         <p:spPr>
           <a:xfrm>
-            <a:off x="5759354" y="457201"/>
-            <a:ext cx="5337270" cy="1835911"/>
+            <a:off x="838200" y="557189"/>
+            <a:ext cx="3374136" cy="5567891"/>
           </a:xfrm>
         </p:spPr>
         <p:txBody>
-          <a:bodyPr anchor="b">
+          <a:bodyPr>
             <a:normAutofit/>
           </a:bodyPr>
           <a:lstStyle/>
           <a:p>
-            <a:endParaRPr lang="en-US" sz="5400">
-              <a:solidFill>
-                <a:srgbClr val="FFFFFF"/>
-              </a:solidFill>
-            </a:endParaRPr>
+            <a:r>
+              <a:rPr lang="en-US" sz="5200"/>
+              <a:t>Links and Files</a:t>
+            </a:r>
+            <a:endParaRPr lang="en-IN" sz="5200"/>
           </a:p>
         </p:txBody>
       </p:sp>
-      <p:sp>
-        <p:nvSpPr>
-          <p:cNvPr id="40" name="sketch line">
+      <p:graphicFrame>
+        <p:nvGraphicFramePr>
+          <p:cNvPr id="5" name="Content Placeholder 2">
             <a:extLst>
               <a:ext uri="{FF2B5EF4-FFF2-40B4-BE49-F238E27FC236}">
-                <a16:creationId xmlns:a16="http://schemas.microsoft.com/office/drawing/2014/main" id="{49B530FE-A87D-41A0-A920-ADC6539EAA44}"/>
-              </a:ext>
-              <a:ext uri="{C183D7F6-B498-43B3-948B-1728B52AA6E4}">
-                <adec:decorative xmlns:adec="http://schemas.microsoft.com/office/drawing/2017/decorative" val="1"/>
+                <a16:creationId xmlns:a16="http://schemas.microsoft.com/office/drawing/2014/main" id="{301F2C22-06C7-B1B6-4003-D15A67DEC062}"/>
               </a:ext>
             </a:extLst>
           </p:cNvPr>
-          <p:cNvSpPr>
-            <a:spLocks noGrp="1" noRot="1" noChangeAspect="1" noMove="1" noResize="1" noEditPoints="1" noAdjustHandles="1" noChangeArrowheads="1" noChangeShapeType="1" noTextEdit="1"/>
-          </p:cNvSpPr>
+          <p:cNvGraphicFramePr>
+            <a:graphicFrameLocks noGrp="1"/>
+          </p:cNvGraphicFramePr>
           <p:nvPr>
+            <p:ph idx="1"/>
             <p:extLst>
-              <p:ext uri="{386F3935-93C4-4BCD-93E2-E3B085C9AB24}">
-                <p16:designElem xmlns:p16="http://schemas.microsoft.com/office/powerpoint/2015/main" val="1"/>
+              <p:ext uri="{D42A27DB-BD31-4B8C-83A1-F6EECF244321}">
+                <p14:modId xmlns:p14="http://schemas.microsoft.com/office/powerpoint/2010/main" val="1266391128"/>
               </p:ext>
             </p:extLst>
           </p:nvPr>
-        </p:nvSpPr>
-        <p:spPr>
-          <a:xfrm>
-            <a:off x="5759353" y="2560829"/>
-            <a:ext cx="5029200" cy="18288"/>
-          </a:xfrm>
-          <a:custGeom>
-            <a:avLst/>
-            <a:gdLst>
-              <a:gd name="connsiteX0" fmla="*/ 0 w 5029200"/>
-              <a:gd name="connsiteY0" fmla="*/ 0 h 18288"/>
-              <a:gd name="connsiteX1" fmla="*/ 528066 w 5029200"/>
-              <a:gd name="connsiteY1" fmla="*/ 0 h 18288"/>
-              <a:gd name="connsiteX2" fmla="*/ 1207008 w 5029200"/>
-              <a:gd name="connsiteY2" fmla="*/ 0 h 18288"/>
-              <a:gd name="connsiteX3" fmla="*/ 1785366 w 5029200"/>
-              <a:gd name="connsiteY3" fmla="*/ 0 h 18288"/>
-              <a:gd name="connsiteX4" fmla="*/ 2313432 w 5029200"/>
-              <a:gd name="connsiteY4" fmla="*/ 0 h 18288"/>
-              <a:gd name="connsiteX5" fmla="*/ 2992374 w 5029200"/>
-              <a:gd name="connsiteY5" fmla="*/ 0 h 18288"/>
-              <a:gd name="connsiteX6" fmla="*/ 3621024 w 5029200"/>
-              <a:gd name="connsiteY6" fmla="*/ 0 h 18288"/>
-              <a:gd name="connsiteX7" fmla="*/ 4249674 w 5029200"/>
-              <a:gd name="connsiteY7" fmla="*/ 0 h 18288"/>
-              <a:gd name="connsiteX8" fmla="*/ 5029200 w 5029200"/>
-              <a:gd name="connsiteY8" fmla="*/ 0 h 18288"/>
-              <a:gd name="connsiteX9" fmla="*/ 5029200 w 5029200"/>
-              <a:gd name="connsiteY9" fmla="*/ 18288 h 18288"/>
-              <a:gd name="connsiteX10" fmla="*/ 4501134 w 5029200"/>
-              <a:gd name="connsiteY10" fmla="*/ 18288 h 18288"/>
-              <a:gd name="connsiteX11" fmla="*/ 4023360 w 5029200"/>
-              <a:gd name="connsiteY11" fmla="*/ 18288 h 18288"/>
-              <a:gd name="connsiteX12" fmla="*/ 3344418 w 5029200"/>
-              <a:gd name="connsiteY12" fmla="*/ 18288 h 18288"/>
-              <a:gd name="connsiteX13" fmla="*/ 2816352 w 5029200"/>
-              <a:gd name="connsiteY13" fmla="*/ 18288 h 18288"/>
-              <a:gd name="connsiteX14" fmla="*/ 2137410 w 5029200"/>
-              <a:gd name="connsiteY14" fmla="*/ 18288 h 18288"/>
-              <a:gd name="connsiteX15" fmla="*/ 1408176 w 5029200"/>
-              <a:gd name="connsiteY15" fmla="*/ 18288 h 18288"/>
-              <a:gd name="connsiteX16" fmla="*/ 829818 w 5029200"/>
-              <a:gd name="connsiteY16" fmla="*/ 18288 h 18288"/>
-              <a:gd name="connsiteX17" fmla="*/ 0 w 5029200"/>
-              <a:gd name="connsiteY17" fmla="*/ 18288 h 18288"/>
-              <a:gd name="connsiteX18" fmla="*/ 0 w 5029200"/>
-              <a:gd name="connsiteY18" fmla="*/ 0 h 18288"/>
-            </a:gdLst>
-            <a:ahLst/>
-            <a:cxnLst>
-              <a:cxn ang="0">
-                <a:pos x="connsiteX0" y="connsiteY0"/>
-              </a:cxn>
-              <a:cxn ang="0">
-                <a:pos x="connsiteX1" y="connsiteY1"/>
-              </a:cxn>
-              <a:cxn ang="0">
-                <a:pos x="connsiteX2" y="connsiteY2"/>
-              </a:cxn>
-              <a:cxn ang="0">
-                <a:pos x="connsiteX3" y="connsiteY3"/>
-              </a:cxn>
-              <a:cxn ang="0">
-                <a:pos x="connsiteX4" y="connsiteY4"/>
-              </a:cxn>
-              <a:cxn ang="0">
-                <a:pos x="connsiteX5" y="connsiteY5"/>
-              </a:cxn>
-              <a:cxn ang="0">
-                <a:pos x="connsiteX6" y="connsiteY6"/>
-              </a:cxn>
-              <a:cxn ang="0">
-                <a:pos x="connsiteX7" y="connsiteY7"/>
-              </a:cxn>
-              <a:cxn ang="0">
-                <a:pos x="connsiteX8" y="connsiteY8"/>
-              </a:cxn>
-              <a:cxn ang="0">
-                <a:pos x="connsiteX9" y="connsiteY9"/>
-              </a:cxn>
-              <a:cxn ang="0">
-                <a:pos x="connsiteX10" y="connsiteY10"/>
-              </a:cxn>
-              <a:cxn ang="0">
-                <a:pos x="connsiteX11" y="connsiteY11"/>
-              </a:cxn>
-              <a:cxn ang="0">
-                <a:pos x="connsiteX12" y="connsiteY12"/>
-              </a:cxn>
-              <a:cxn ang="0">
-                <a:pos x="connsiteX13" y="connsiteY13"/>
-              </a:cxn>
-              <a:cxn ang="0">
-                <a:pos x="connsiteX14" y="connsiteY14"/>
-              </a:cxn>
-              <a:cxn ang="0">
-                <a:pos x="connsiteX15" y="connsiteY15"/>
-              </a:cxn>
-              <a:cxn ang="0">
-                <a:pos x="connsiteX16" y="connsiteY16"/>
-              </a:cxn>
-              <a:cxn ang="0">
-                <a:pos x="connsiteX17" y="connsiteY17"/>
-              </a:cxn>
-              <a:cxn ang="0">
-                <a:pos x="connsiteX18" y="connsiteY18"/>
-              </a:cxn>
-            </a:cxnLst>
-            <a:rect l="l" t="t" r="r" b="b"/>
-            <a:pathLst>
-              <a:path w="5029200" h="18288" fill="none" extrusionOk="0">
-                <a:moveTo>
-                  <a:pt x="0" y="0"/>
-                </a:moveTo>
-                <a:cubicBezTo>
-                  <a:pt x="142937" y="1696"/>
-                  <a:pt x="371859" y="12840"/>
-                  <a:pt x="528066" y="0"/>
-                </a:cubicBezTo>
-                <a:cubicBezTo>
-                  <a:pt x="684273" y="-12840"/>
-                  <a:pt x="928949" y="-5725"/>
-                  <a:pt x="1207008" y="0"/>
-                </a:cubicBezTo>
-                <a:cubicBezTo>
-                  <a:pt x="1485067" y="5725"/>
-                  <a:pt x="1562886" y="-21331"/>
-                  <a:pt x="1785366" y="0"/>
-                </a:cubicBezTo>
-                <a:cubicBezTo>
-                  <a:pt x="2007846" y="21331"/>
-                  <a:pt x="2056226" y="25221"/>
-                  <a:pt x="2313432" y="0"/>
-                </a:cubicBezTo>
-                <a:cubicBezTo>
-                  <a:pt x="2570638" y="-25221"/>
-                  <a:pt x="2732455" y="16294"/>
-                  <a:pt x="2992374" y="0"/>
-                </a:cubicBezTo>
-                <a:cubicBezTo>
-                  <a:pt x="3252293" y="-16294"/>
-                  <a:pt x="3319267" y="-29774"/>
-                  <a:pt x="3621024" y="0"/>
-                </a:cubicBezTo>
-                <a:cubicBezTo>
-                  <a:pt x="3922781" y="29774"/>
-                  <a:pt x="3998107" y="-1004"/>
-                  <a:pt x="4249674" y="0"/>
-                </a:cubicBezTo>
-                <a:cubicBezTo>
-                  <a:pt x="4501241" y="1004"/>
-                  <a:pt x="4792523" y="-4510"/>
-                  <a:pt x="5029200" y="0"/>
-                </a:cubicBezTo>
-                <a:cubicBezTo>
-                  <a:pt x="5029730" y="6954"/>
-                  <a:pt x="5029934" y="12839"/>
-                  <a:pt x="5029200" y="18288"/>
-                </a:cubicBezTo>
-                <a:cubicBezTo>
-                  <a:pt x="4805432" y="23154"/>
-                  <a:pt x="4715801" y="17034"/>
-                  <a:pt x="4501134" y="18288"/>
-                </a:cubicBezTo>
-                <a:cubicBezTo>
-                  <a:pt x="4286467" y="19542"/>
-                  <a:pt x="4193719" y="41701"/>
-                  <a:pt x="4023360" y="18288"/>
-                </a:cubicBezTo>
-                <a:cubicBezTo>
-                  <a:pt x="3853001" y="-5125"/>
-                  <a:pt x="3676466" y="16909"/>
-                  <a:pt x="3344418" y="18288"/>
-                </a:cubicBezTo>
-                <a:cubicBezTo>
-                  <a:pt x="3012370" y="19667"/>
-                  <a:pt x="2945824" y="14410"/>
-                  <a:pt x="2816352" y="18288"/>
-                </a:cubicBezTo>
-                <a:cubicBezTo>
-                  <a:pt x="2686880" y="22166"/>
-                  <a:pt x="2438351" y="13507"/>
-                  <a:pt x="2137410" y="18288"/>
-                </a:cubicBezTo>
-                <a:cubicBezTo>
-                  <a:pt x="1836469" y="23069"/>
-                  <a:pt x="1581391" y="46111"/>
-                  <a:pt x="1408176" y="18288"/>
-                </a:cubicBezTo>
-                <a:cubicBezTo>
-                  <a:pt x="1234961" y="-9535"/>
-                  <a:pt x="1040489" y="-7495"/>
-                  <a:pt x="829818" y="18288"/>
-                </a:cubicBezTo>
-                <a:cubicBezTo>
-                  <a:pt x="619147" y="44071"/>
-                  <a:pt x="238626" y="37568"/>
-                  <a:pt x="0" y="18288"/>
-                </a:cubicBezTo>
-                <a:cubicBezTo>
-                  <a:pt x="-570" y="9279"/>
-                  <a:pt x="132" y="5100"/>
-                  <a:pt x="0" y="0"/>
-                </a:cubicBezTo>
-                <a:close/>
-              </a:path>
-              <a:path w="5029200" h="18288" stroke="0" extrusionOk="0">
-                <a:moveTo>
-                  <a:pt x="0" y="0"/>
-                </a:moveTo>
-                <a:cubicBezTo>
-                  <a:pt x="165412" y="-21137"/>
-                  <a:pt x="322344" y="-21985"/>
-                  <a:pt x="578358" y="0"/>
-                </a:cubicBezTo>
-                <a:cubicBezTo>
-                  <a:pt x="834372" y="21985"/>
-                  <a:pt x="907099" y="-19195"/>
-                  <a:pt x="1056132" y="0"/>
-                </a:cubicBezTo>
-                <a:cubicBezTo>
-                  <a:pt x="1205165" y="19195"/>
-                  <a:pt x="1612834" y="-24928"/>
-                  <a:pt x="1785366" y="0"/>
-                </a:cubicBezTo>
-                <a:cubicBezTo>
-                  <a:pt x="1957898" y="24928"/>
-                  <a:pt x="2149044" y="19108"/>
-                  <a:pt x="2363724" y="0"/>
-                </a:cubicBezTo>
-                <a:cubicBezTo>
-                  <a:pt x="2578404" y="-19108"/>
-                  <a:pt x="2759981" y="-21788"/>
-                  <a:pt x="2942082" y="0"/>
-                </a:cubicBezTo>
-                <a:cubicBezTo>
-                  <a:pt x="3124183" y="21788"/>
-                  <a:pt x="3482217" y="8836"/>
-                  <a:pt x="3671316" y="0"/>
-                </a:cubicBezTo>
-                <a:cubicBezTo>
-                  <a:pt x="3860415" y="-8836"/>
-                  <a:pt x="4058665" y="-25048"/>
-                  <a:pt x="4199382" y="0"/>
-                </a:cubicBezTo>
-                <a:cubicBezTo>
-                  <a:pt x="4340099" y="25048"/>
-                  <a:pt x="4735096" y="-22088"/>
-                  <a:pt x="5029200" y="0"/>
-                </a:cubicBezTo>
-                <a:cubicBezTo>
-                  <a:pt x="5028517" y="5414"/>
-                  <a:pt x="5028480" y="12510"/>
-                  <a:pt x="5029200" y="18288"/>
-                </a:cubicBezTo>
-                <a:cubicBezTo>
-                  <a:pt x="4891577" y="31493"/>
-                  <a:pt x="4684146" y="-2509"/>
-                  <a:pt x="4501134" y="18288"/>
-                </a:cubicBezTo>
-                <a:cubicBezTo>
-                  <a:pt x="4318122" y="39085"/>
-                  <a:pt x="4030703" y="3672"/>
-                  <a:pt x="3872484" y="18288"/>
-                </a:cubicBezTo>
-                <a:cubicBezTo>
-                  <a:pt x="3714265" y="32905"/>
-                  <a:pt x="3546134" y="7501"/>
-                  <a:pt x="3294126" y="18288"/>
-                </a:cubicBezTo>
-                <a:cubicBezTo>
-                  <a:pt x="3042118" y="29075"/>
-                  <a:pt x="2912116" y="11153"/>
-                  <a:pt x="2564892" y="18288"/>
-                </a:cubicBezTo>
-                <a:cubicBezTo>
-                  <a:pt x="2217668" y="25423"/>
-                  <a:pt x="2095118" y="11659"/>
-                  <a:pt x="1835658" y="18288"/>
-                </a:cubicBezTo>
-                <a:cubicBezTo>
-                  <a:pt x="1576198" y="24917"/>
-                  <a:pt x="1500897" y="19889"/>
-                  <a:pt x="1307592" y="18288"/>
-                </a:cubicBezTo>
-                <a:cubicBezTo>
-                  <a:pt x="1114287" y="16687"/>
-                  <a:pt x="961527" y="47453"/>
-                  <a:pt x="678942" y="18288"/>
-                </a:cubicBezTo>
-                <a:cubicBezTo>
-                  <a:pt x="396357" y="-10877"/>
-                  <a:pt x="271066" y="23005"/>
-                  <a:pt x="0" y="18288"/>
-                </a:cubicBezTo>
-                <a:cubicBezTo>
-                  <a:pt x="-306" y="11061"/>
-                  <a:pt x="-655" y="7751"/>
-                  <a:pt x="0" y="0"/>
-                </a:cubicBezTo>
-                <a:close/>
-              </a:path>
-            </a:pathLst>
-          </a:custGeom>
-          <a:solidFill>
-            <a:srgbClr val="FFFFFF"/>
-          </a:solidFill>
-          <a:ln w="38100" cap="rnd">
-            <a:solidFill>
-              <a:srgbClr val="FFFFFF"/>
-            </a:solidFill>
-            <a:round/>
-            <a:extLst>
-              <a:ext uri="{C807C97D-BFC1-408E-A445-0C87EB9F89A2}">
-                <ask:lineSketchStyleProps xmlns:ask="http://schemas.microsoft.com/office/drawing/2018/sketchyshapes" sd="1219033472">
-                  <a:prstGeom prst="rect">
-                    <a:avLst/>
-                  </a:prstGeom>
-                  <ask:type>
-                    <ask:lineSketchFreehand/>
-                  </ask:type>
-                </ask:lineSketchStyleProps>
-              </a:ext>
-            </a:extLst>
-          </a:ln>
-        </p:spPr>
-        <p:style>
-          <a:lnRef idx="2">
-            <a:schemeClr val="accent1">
-              <a:shade val="50000"/>
-            </a:schemeClr>
-          </a:lnRef>
-          <a:fillRef idx="1">
-            <a:schemeClr val="accent1"/>
-          </a:fillRef>
-          <a:effectRef idx="0">
-            <a:schemeClr val="accent1"/>
-          </a:effectRef>
-          <a:fontRef idx="minor">
-            <a:schemeClr val="lt1"/>
-          </a:fontRef>
-        </p:style>
-        <p:txBody>
-          <a:bodyPr rtlCol="0" anchor="ctr"/>
-          <a:lstStyle/>
-          <a:p>
-            <a:pPr algn="ctr"/>
-            <a:endParaRPr lang="en-US"/>
-          </a:p>
-        </p:txBody>
-      </p:sp>
-      <p:sp>
-        <p:nvSpPr>
-          <p:cNvPr id="3" name="Content Placeholder 2">
-            <a:extLst>
-              <a:ext uri="{FF2B5EF4-FFF2-40B4-BE49-F238E27FC236}">
-                <a16:creationId xmlns:a16="http://schemas.microsoft.com/office/drawing/2014/main" id="{1E04A83B-04F7-0EAC-693B-880737517D27}"/>
-              </a:ext>
-            </a:extLst>
-          </p:cNvPr>
-          <p:cNvSpPr>
-            <a:spLocks noGrp="1"/>
-          </p:cNvSpPr>
-          <p:nvPr>
-            <p:ph idx="1"/>
-          </p:nvPr>
-        </p:nvSpPr>
-        <p:spPr>
-          <a:xfrm>
-            <a:off x="5759354" y="2798064"/>
-            <a:ext cx="5461095" cy="3417611"/>
-          </a:xfrm>
-        </p:spPr>
-        <p:txBody>
-          <a:bodyPr anchor="t">
-            <a:normAutofit/>
-          </a:bodyPr>
-          <a:lstStyle/>
-          <a:p>
-            <a:pPr marL="0" indent="0">
-              <a:buNone/>
-            </a:pPr>
-            <a:r>
-              <a:rPr lang="en-US" sz="8800" b="1" dirty="0">
-                <a:solidFill>
-                  <a:srgbClr val="FFFFFF"/>
-                </a:solidFill>
-              </a:rPr>
-              <a:t>Thankyou</a:t>
-            </a:r>
-          </a:p>
-        </p:txBody>
-      </p:sp>
+        </p:nvGraphicFramePr>
+        <p:xfrm>
+          <a:off x="5093208" y="620392"/>
+          <a:ext cx="6263640" cy="5504688"/>
+        </p:xfrm>
+        <a:graphic>
+          <a:graphicData uri="http://schemas.openxmlformats.org/drawingml/2006/diagram">
+            <dgm:relIds xmlns:dgm="http://schemas.openxmlformats.org/drawingml/2006/diagram" xmlns:r="http://schemas.openxmlformats.org/officeDocument/2006/relationships" r:dm="rId2" r:lo="rId3" r:qs="rId4" r:cs="rId5"/>
+          </a:graphicData>
+        </a:graphic>
+      </p:graphicFrame>
     </p:spTree>
     <p:extLst>
       <p:ext uri="{BB962C8B-B14F-4D97-AF65-F5344CB8AC3E}">
-        <p14:creationId xmlns:p14="http://schemas.microsoft.com/office/powerpoint/2010/main" val="3657676489"/>
+        <p14:creationId xmlns:p14="http://schemas.microsoft.com/office/powerpoint/2010/main" val="2937602630"/>
       </p:ext>
     </p:extLst>
   </p:cSld>
@@ -11775,4 +16496,24 @@
     </a:ext>
   </a:extLst>
 </a:theme>
+</file>
+
+<file path=ppt/webextensions/taskpanes.xml><?xml version="1.0" encoding="utf-8"?>
+<wetp:taskpanes xmlns:wetp="http://schemas.microsoft.com/office/webextensions/taskpanes/2010/11">
+  <wetp:taskpane dockstate="right" visibility="0" width="525" row="2">
+    <wetp:webextensionref xmlns:r="http://schemas.openxmlformats.org/officeDocument/2006/relationships" r:id="rId1"/>
+  </wetp:taskpane>
+</wetp:taskpanes>
+</file>
+
+<file path=ppt/webextensions/webextension1.xml><?xml version="1.0" encoding="utf-8"?>
+<we:webextension xmlns:we="http://schemas.microsoft.com/office/webextensions/webextension/2010/11" id="{E7C86B41-9D90-4832-9A86-73DEA6B69308}">
+  <we:reference id="wa200005566" version="3.0.0.2" store="en-US" storeType="OMEX"/>
+  <we:alternateReferences>
+    <we:reference id="wa200005566" version="3.0.0.2" store="wa200005566" storeType="OMEX"/>
+  </we:alternateReferences>
+  <we:properties/>
+  <we:bindings/>
+  <we:snapshot xmlns:r="http://schemas.openxmlformats.org/officeDocument/2006/relationships"/>
+</we:webextension>
 </file>